--- a/session_four/session_four_presentation.pptx
+++ b/session_four/session_four_presentation.pptx
@@ -8,10 +8,10 @@
     <p:sldMasterId id="2147483656" r:id="rId8"/>
   </p:sldMasterIdLst>
   <p:notesMasterIdLst>
-    <p:notesMasterId r:id="rId32"/>
+    <p:notesMasterId r:id="rId31"/>
   </p:notesMasterIdLst>
   <p:handoutMasterIdLst>
-    <p:handoutMasterId r:id="rId33"/>
+    <p:handoutMasterId r:id="rId32"/>
   </p:handoutMasterIdLst>
   <p:sldIdLst>
     <p:sldId id="359" r:id="rId9"/>
@@ -21,27 +21,26 @@
     <p:sldId id="425" r:id="rId13"/>
     <p:sldId id="426" r:id="rId14"/>
     <p:sldId id="427" r:id="rId15"/>
-    <p:sldId id="428" r:id="rId16"/>
-    <p:sldId id="398" r:id="rId17"/>
-    <p:sldId id="429" r:id="rId18"/>
-    <p:sldId id="430" r:id="rId19"/>
-    <p:sldId id="431" r:id="rId20"/>
-    <p:sldId id="432" r:id="rId21"/>
-    <p:sldId id="433" r:id="rId22"/>
-    <p:sldId id="434" r:id="rId23"/>
-    <p:sldId id="435" r:id="rId24"/>
-    <p:sldId id="436" r:id="rId25"/>
-    <p:sldId id="437" r:id="rId26"/>
-    <p:sldId id="438" r:id="rId27"/>
-    <p:sldId id="439" r:id="rId28"/>
-    <p:sldId id="403" r:id="rId29"/>
-    <p:sldId id="404" r:id="rId30"/>
-    <p:sldId id="440" r:id="rId31"/>
+    <p:sldId id="398" r:id="rId16"/>
+    <p:sldId id="429" r:id="rId17"/>
+    <p:sldId id="430" r:id="rId18"/>
+    <p:sldId id="431" r:id="rId19"/>
+    <p:sldId id="432" r:id="rId20"/>
+    <p:sldId id="433" r:id="rId21"/>
+    <p:sldId id="434" r:id="rId22"/>
+    <p:sldId id="435" r:id="rId23"/>
+    <p:sldId id="436" r:id="rId24"/>
+    <p:sldId id="437" r:id="rId25"/>
+    <p:sldId id="438" r:id="rId26"/>
+    <p:sldId id="439" r:id="rId27"/>
+    <p:sldId id="403" r:id="rId28"/>
+    <p:sldId id="404" r:id="rId29"/>
+    <p:sldId id="440" r:id="rId30"/>
   </p:sldIdLst>
   <p:sldSz cx="9144000" cy="5143500" type="screen16x9"/>
   <p:notesSz cx="6670675" cy="9875838"/>
   <p:custDataLst>
-    <p:tags r:id="rId34"/>
+    <p:tags r:id="rId33"/>
   </p:custDataLst>
   <p:defaultTextStyle>
     <a:defPPr>
@@ -179,8 +178,8 @@
 <file path=ppt/revisionInfo.xml><?xml version="1.0" encoding="utf-8"?>
 <p1510:revInfo xmlns:a="http://schemas.openxmlformats.org/drawingml/2006/main" xmlns:r="http://schemas.openxmlformats.org/officeDocument/2006/relationships" xmlns:p1510="http://schemas.microsoft.com/office/powerpoint/2015/10/main">
   <p1510:revLst>
+    <p1510:client id="{313504FF-247F-4D85-B376-AFBE2DA20541}" v="31" dt="2020-03-19T11:07:49.586"/>
     <p1510:client id="{458AD232-5E99-4B9F-84B9-A2E5BA4533E2}" v="1" dt="2020-03-19T10:10:07.659"/>
-    <p1510:client id="{313504FF-247F-4D85-B376-AFBE2DA20541}" v="31" dt="2020-03-19T11:07:49.586"/>
     <p1510:client id="{97567A43-06CF-43EB-8DE1-C288925FE876}" v="635" dt="2020-03-18T15:07:16.218"/>
     <p1510:client id="{F4A4F6B3-72F9-4822-8E52-DDD660AB8108}" v="2" dt="2020-03-19T12:29:58.308"/>
   </p1510:revLst>
@@ -804,9 +803,6 @@
     <pc:chgData name="Hargreaves, Tim" userId="90cf5d3a-17ee-49d5-b3bb-4550ca7cb171" providerId="ADAL" clId="{A551ADB2-18BB-4E92-A406-F2675FF4D41A}"/>
   </pc:docChgLst>
   <pc:docChgLst>
-    <pc:chgData name="Bradley, Sam" userId="S::kwgk592@astrazeneca.net::f75c196c-0419-4ed7-9101-2e14ae32ff77" providerId="AD" clId="Web-{D4A954F6-F6E8-4931-8A67-60CA2370EE1F}"/>
-  </pc:docChgLst>
-  <pc:docChgLst>
     <pc:chgData name="McKinney, David" userId="S::kqkh779@astrazeneca.net::8b945cb3-78ce-42d7-adc5-b07bab32cd5b" providerId="AD" clId="Web-{943D79A7-4F12-443F-BB18-E65E88C7EB45}"/>
     <pc:docChg chg="modSld">
       <pc:chgData name="McKinney, David" userId="S::kqkh779@astrazeneca.net::8b945cb3-78ce-42d7-adc5-b07bab32cd5b" providerId="AD" clId="Web-{943D79A7-4F12-443F-BB18-E65E88C7EB45}" dt="2020-02-21T16:31:49.586" v="1"/>
@@ -829,6 +825,9 @@
         </pc:picChg>
       </pc:sldChg>
     </pc:docChg>
+  </pc:docChgLst>
+  <pc:docChgLst>
+    <pc:chgData name="Bradley, Sam" userId="S::kwgk592@astrazeneca.net::f75c196c-0419-4ed7-9101-2e14ae32ff77" providerId="AD" clId="Web-{D4A954F6-F6E8-4931-8A67-60CA2370EE1F}"/>
   </pc:docChgLst>
   <pc:docChgLst>
     <pc:chgData name="Whittaker, Ryan" userId="S::kbqc931@astrazeneca.net::873b3a98-b8cc-426f-9da0-8dcfa40dc643" providerId="AD" clId="Web-{2632E73B-7AF1-4FEF-AC15-A6FF3B03BA1F}"/>
@@ -1505,7 +1504,7 @@
             <a:fld id="{3BBED7E8-0829-F34C-B479-A757805E6C1B}" type="datetimeFigureOut">
               <a:rPr lang="en-US" smtClean="0"/>
               <a:pPr/>
-              <a:t>4/10/2020</a:t>
+              <a:t>4/11/2020</a:t>
             </a:fld>
             <a:endParaRPr lang="en-US"/>
           </a:p>
@@ -1673,7 +1672,7 @@
             <a:fld id="{6C7E4F11-7667-5045-A00B-01970EA44BB5}" type="datetimeFigureOut">
               <a:rPr lang="en-US" smtClean="0"/>
               <a:pPr/>
-              <a:t>4/10/2020</a:t>
+              <a:t>4/11/2020</a:t>
             </a:fld>
             <a:endParaRPr lang="en-US"/>
           </a:p>
@@ -27570,7 +27569,7 @@
           <a:p>
             <a:r>
               <a:rPr lang="en-GB" dirty="0"/>
-              <a:t>Extracting List Elements</a:t>
+              <a:t>Extracting List Elements Puzzles</a:t>
             </a:r>
           </a:p>
         </p:txBody>
@@ -27654,433 +27653,8 @@
           </a:p>
         </p:txBody>
       </p:sp>
-      <p:sp>
-        <p:nvSpPr>
-          <p:cNvPr id="9" name="Text Placeholder 2">
-            <a:extLst>
-              <a:ext uri="{FF2B5EF4-FFF2-40B4-BE49-F238E27FC236}">
-                <a16:creationId xmlns:a16="http://schemas.microsoft.com/office/drawing/2014/main" id="{4E42B628-8463-4E75-A5A1-234D3CBE4E01}"/>
-              </a:ext>
-            </a:extLst>
-          </p:cNvPr>
-          <p:cNvSpPr txBox="1">
-            <a:spLocks/>
-          </p:cNvSpPr>
-          <p:nvPr/>
-        </p:nvSpPr>
-        <p:spPr>
-          <a:xfrm>
-            <a:off x="237061" y="712956"/>
-            <a:ext cx="8589439" cy="3885327"/>
-          </a:xfrm>
-          <a:prstGeom prst="rect">
-            <a:avLst/>
-          </a:prstGeom>
-        </p:spPr>
-        <p:txBody>
-          <a:bodyPr vert="horz" anchor="t"/>
-          <a:lstStyle>
-            <a:lvl1pPr marL="0" indent="0" algn="l" defTabSz="457200" rtl="0" eaLnBrk="1" latinLnBrk="0" hangingPunct="1">
-              <a:spcBef>
-                <a:spcPts val="0"/>
-              </a:spcBef>
-              <a:buFont typeface="Arial"/>
-              <a:buNone/>
-              <a:defRPr sz="2400" kern="1200" baseline="0">
-                <a:solidFill>
-                  <a:schemeClr val="tx1"/>
-                </a:solidFill>
-                <a:latin typeface="Arial" pitchFamily="34" charset="0"/>
-                <a:ea typeface="+mn-ea"/>
-                <a:cs typeface="Arial" pitchFamily="34" charset="0"/>
-              </a:defRPr>
-            </a:lvl1pPr>
-            <a:lvl2pPr marL="457200" indent="0" algn="l" defTabSz="457200" rtl="0" eaLnBrk="1" latinLnBrk="0" hangingPunct="1">
-              <a:spcBef>
-                <a:spcPct val="20000"/>
-              </a:spcBef>
-              <a:buFont typeface="Arial"/>
-              <a:buNone/>
-              <a:defRPr sz="2400" kern="1200">
-                <a:solidFill>
-                  <a:schemeClr val="tx1"/>
-                </a:solidFill>
-                <a:latin typeface="+mn-lt"/>
-                <a:ea typeface="+mn-ea"/>
-                <a:cs typeface="+mn-cs"/>
-              </a:defRPr>
-            </a:lvl2pPr>
-            <a:lvl3pPr marL="914400" indent="0" algn="l" defTabSz="457200" rtl="0" eaLnBrk="1" latinLnBrk="0" hangingPunct="1">
-              <a:spcBef>
-                <a:spcPct val="20000"/>
-              </a:spcBef>
-              <a:buFont typeface="Arial"/>
-              <a:buNone/>
-              <a:defRPr sz="2400" kern="1200">
-                <a:solidFill>
-                  <a:schemeClr val="tx1"/>
-                </a:solidFill>
-                <a:latin typeface="+mn-lt"/>
-                <a:ea typeface="+mn-ea"/>
-                <a:cs typeface="+mn-cs"/>
-              </a:defRPr>
-            </a:lvl3pPr>
-            <a:lvl4pPr marL="1371600" indent="0" algn="l" defTabSz="457200" rtl="0" eaLnBrk="1" latinLnBrk="0" hangingPunct="1">
-              <a:spcBef>
-                <a:spcPct val="20000"/>
-              </a:spcBef>
-              <a:buFont typeface="Arial"/>
-              <a:buNone/>
-              <a:defRPr sz="2400" kern="1200">
-                <a:solidFill>
-                  <a:schemeClr val="tx1"/>
-                </a:solidFill>
-                <a:latin typeface="+mn-lt"/>
-                <a:ea typeface="+mn-ea"/>
-                <a:cs typeface="+mn-cs"/>
-              </a:defRPr>
-            </a:lvl4pPr>
-            <a:lvl5pPr marL="1828800" indent="0" algn="l" defTabSz="457200" rtl="0" eaLnBrk="1" latinLnBrk="0" hangingPunct="1">
-              <a:spcBef>
-                <a:spcPct val="20000"/>
-              </a:spcBef>
-              <a:buFont typeface="Arial"/>
-              <a:buNone/>
-              <a:defRPr sz="2400" kern="1200">
-                <a:solidFill>
-                  <a:schemeClr val="tx1"/>
-                </a:solidFill>
-                <a:latin typeface="+mn-lt"/>
-                <a:ea typeface="+mn-ea"/>
-                <a:cs typeface="+mn-cs"/>
-              </a:defRPr>
-            </a:lvl5pPr>
-            <a:lvl6pPr marL="2514600" indent="-228600" algn="l" defTabSz="457200" rtl="0" eaLnBrk="1" latinLnBrk="0" hangingPunct="1">
-              <a:spcBef>
-                <a:spcPct val="20000"/>
-              </a:spcBef>
-              <a:buFont typeface="Arial"/>
-              <a:buChar char="•"/>
-              <a:defRPr sz="2000" kern="1200">
-                <a:solidFill>
-                  <a:schemeClr val="tx1"/>
-                </a:solidFill>
-                <a:latin typeface="+mn-lt"/>
-                <a:ea typeface="+mn-ea"/>
-                <a:cs typeface="+mn-cs"/>
-              </a:defRPr>
-            </a:lvl6pPr>
-            <a:lvl7pPr marL="2971800" indent="-228600" algn="l" defTabSz="457200" rtl="0" eaLnBrk="1" latinLnBrk="0" hangingPunct="1">
-              <a:spcBef>
-                <a:spcPct val="20000"/>
-              </a:spcBef>
-              <a:buFont typeface="Arial"/>
-              <a:buChar char="•"/>
-              <a:defRPr sz="2000" kern="1200">
-                <a:solidFill>
-                  <a:schemeClr val="tx1"/>
-                </a:solidFill>
-                <a:latin typeface="+mn-lt"/>
-                <a:ea typeface="+mn-ea"/>
-                <a:cs typeface="+mn-cs"/>
-              </a:defRPr>
-            </a:lvl7pPr>
-            <a:lvl8pPr marL="3429000" indent="-228600" algn="l" defTabSz="457200" rtl="0" eaLnBrk="1" latinLnBrk="0" hangingPunct="1">
-              <a:spcBef>
-                <a:spcPct val="20000"/>
-              </a:spcBef>
-              <a:buFont typeface="Arial"/>
-              <a:buChar char="•"/>
-              <a:defRPr sz="2000" kern="1200">
-                <a:solidFill>
-                  <a:schemeClr val="tx1"/>
-                </a:solidFill>
-                <a:latin typeface="+mn-lt"/>
-                <a:ea typeface="+mn-ea"/>
-                <a:cs typeface="+mn-cs"/>
-              </a:defRPr>
-            </a:lvl8pPr>
-            <a:lvl9pPr marL="3886200" indent="-228600" algn="l" defTabSz="457200" rtl="0" eaLnBrk="1" latinLnBrk="0" hangingPunct="1">
-              <a:spcBef>
-                <a:spcPct val="20000"/>
-              </a:spcBef>
-              <a:buFont typeface="Arial"/>
-              <a:buChar char="•"/>
-              <a:defRPr sz="2000" kern="1200">
-                <a:solidFill>
-                  <a:schemeClr val="tx1"/>
-                </a:solidFill>
-                <a:latin typeface="+mn-lt"/>
-                <a:ea typeface="+mn-ea"/>
-                <a:cs typeface="+mn-cs"/>
-              </a:defRPr>
-            </a:lvl9pPr>
-          </a:lstStyle>
-          <a:p>
-            <a:pPr marL="342900" indent="-342900">
-              <a:buFont typeface="Arial"/>
-              <a:buChar char="•"/>
-            </a:pPr>
-            <a:r>
-              <a:rPr lang="en-GB" sz="2000" dirty="0">
-                <a:latin typeface="Arial"/>
-                <a:cs typeface="Arial"/>
-              </a:rPr>
-              <a:t>We can also extract elements of a list using negative indices</a:t>
-            </a:r>
-          </a:p>
-          <a:p>
-            <a:pPr marL="342900" indent="-342900">
-              <a:buFont typeface="Arial"/>
-              <a:buChar char="•"/>
-            </a:pPr>
-            <a:r>
-              <a:rPr lang="en-GB" sz="2000" dirty="0">
-                <a:latin typeface="Arial"/>
-                <a:cs typeface="Arial"/>
-              </a:rPr>
-              <a:t>Whereas positive (well, non-negative) indices start from the first element in the list, negative indices start from the last</a:t>
-            </a:r>
-          </a:p>
-          <a:p>
-            <a:pPr marL="342900" indent="-342900">
-              <a:buFont typeface="Arial"/>
-              <a:buChar char="•"/>
-            </a:pPr>
-            <a:r>
-              <a:rPr lang="en-GB" sz="2000" dirty="0">
-                <a:latin typeface="Arial"/>
-                <a:cs typeface="Arial"/>
-              </a:rPr>
-              <a:t>The last element of a list has index -1, the penultimate, index -2, etc.</a:t>
-            </a:r>
-          </a:p>
-          <a:p>
-            <a:pPr marL="342900" indent="-342900">
-              <a:buFont typeface="Arial"/>
-              <a:buChar char="•"/>
-            </a:pPr>
-            <a:r>
-              <a:rPr lang="en-GB" sz="2000" dirty="0">
-                <a:latin typeface="Arial"/>
-                <a:cs typeface="Arial"/>
-              </a:rPr>
-              <a:t>This means that every element has two indexes (one counting forwards, one counting backwards)</a:t>
-            </a:r>
-          </a:p>
-          <a:p>
-            <a:pPr marL="342900" indent="-342900">
-              <a:buFont typeface="Arial"/>
-              <a:buChar char="•"/>
-            </a:pPr>
-            <a:r>
-              <a:rPr lang="en-GB" sz="2000" dirty="0">
-                <a:latin typeface="Arial"/>
-                <a:cs typeface="Arial"/>
-              </a:rPr>
-              <a:t>We often use negative indices when we don’t know the length of the list</a:t>
-            </a:r>
-          </a:p>
-        </p:txBody>
-      </p:sp>
-      <p:pic>
-        <p:nvPicPr>
-          <p:cNvPr id="11" name="Picture 10">
-            <a:extLst>
-              <a:ext uri="{FF2B5EF4-FFF2-40B4-BE49-F238E27FC236}">
-                <a16:creationId xmlns:a16="http://schemas.microsoft.com/office/drawing/2014/main" id="{AE10D547-F5D1-43D9-93EA-E166E3C73F57}"/>
-              </a:ext>
-            </a:extLst>
-          </p:cNvPr>
-          <p:cNvPicPr>
-            <a:picLocks noChangeAspect="1"/>
-          </p:cNvPicPr>
-          <p:nvPr/>
-        </p:nvPicPr>
-        <p:blipFill rotWithShape="1">
-          <a:blip r:embed="rId2"/>
-          <a:srcRect l="2982" t="3174" r="2869" b="2900"/>
-          <a:stretch/>
-        </p:blipFill>
-        <p:spPr>
-          <a:xfrm>
-            <a:off x="8576572" y="4598283"/>
-            <a:ext cx="498106" cy="496941"/>
-          </a:xfrm>
-          <a:prstGeom prst="ellipse">
-            <a:avLst/>
-          </a:prstGeom>
-        </p:spPr>
-      </p:pic>
-      <p:pic>
-        <p:nvPicPr>
-          <p:cNvPr id="4" name="Picture 3">
-            <a:extLst>
-              <a:ext uri="{FF2B5EF4-FFF2-40B4-BE49-F238E27FC236}">
-                <a16:creationId xmlns:a16="http://schemas.microsoft.com/office/drawing/2014/main" id="{EDF6D192-6139-407C-AFC9-E03845B32AED}"/>
-              </a:ext>
-            </a:extLst>
-          </p:cNvPr>
-          <p:cNvPicPr>
-            <a:picLocks noChangeAspect="1"/>
-          </p:cNvPicPr>
-          <p:nvPr/>
-        </p:nvPicPr>
-        <p:blipFill>
-          <a:blip r:embed="rId3"/>
-          <a:stretch>
-            <a:fillRect/>
-          </a:stretch>
-        </p:blipFill>
-        <p:spPr>
-          <a:xfrm>
-            <a:off x="1440743" y="3339159"/>
-            <a:ext cx="6182073" cy="1091385"/>
-          </a:xfrm>
-          <a:prstGeom prst="rect">
-            <a:avLst/>
-          </a:prstGeom>
-        </p:spPr>
-      </p:pic>
-    </p:spTree>
-    <p:extLst>
-      <p:ext uri="{BB962C8B-B14F-4D97-AF65-F5344CB8AC3E}">
-        <p14:creationId xmlns:p14="http://schemas.microsoft.com/office/powerpoint/2010/main" val="2064303052"/>
-      </p:ext>
-    </p:extLst>
-  </p:cSld>
-  <p:clrMapOvr>
-    <a:masterClrMapping/>
-  </p:clrMapOvr>
-</p:sld>
-</file>
-
-<file path=ppt/slides/slide11.xml><?xml version="1.0" encoding="utf-8"?>
-<p:sld xmlns:a="http://schemas.openxmlformats.org/drawingml/2006/main" xmlns:r="http://schemas.openxmlformats.org/officeDocument/2006/relationships" xmlns:p="http://schemas.openxmlformats.org/presentationml/2006/main" showMasterSp="0">
-  <p:cSld>
-    <p:spTree>
-      <p:nvGrpSpPr>
-        <p:cNvPr id="1" name=""/>
-        <p:cNvGrpSpPr/>
-        <p:nvPr/>
-      </p:nvGrpSpPr>
-      <p:grpSpPr>
-        <a:xfrm>
-          <a:off x="0" y="0"/>
-          <a:ext cx="0" cy="0"/>
-          <a:chOff x="0" y="0"/>
-          <a:chExt cx="0" cy="0"/>
-        </a:xfrm>
-      </p:grpSpPr>
-      <p:sp>
-        <p:nvSpPr>
-          <p:cNvPr id="2" name="Title 1">
-            <a:extLst>
-              <a:ext uri="{FF2B5EF4-FFF2-40B4-BE49-F238E27FC236}">
-                <a16:creationId xmlns:a16="http://schemas.microsoft.com/office/drawing/2014/main" id="{F7DA9A4F-1DFD-49DB-8569-F5AB18BD6161}"/>
-              </a:ext>
-            </a:extLst>
-          </p:cNvPr>
-          <p:cNvSpPr>
-            <a:spLocks noGrp="1"/>
-          </p:cNvSpPr>
-          <p:nvPr>
-            <p:ph type="title"/>
-          </p:nvPr>
-        </p:nvSpPr>
-        <p:spPr/>
-        <p:txBody>
-          <a:bodyPr/>
-          <a:lstStyle/>
-          <a:p>
-            <a:r>
-              <a:rPr lang="en-GB" dirty="0"/>
-              <a:t>Extracting List Elements Puzzles</a:t>
-            </a:r>
-          </a:p>
-        </p:txBody>
-      </p:sp>
-      <p:sp>
-        <p:nvSpPr>
-          <p:cNvPr id="3" name="Slide Number Placeholder 2">
-            <a:extLst>
-              <a:ext uri="{FF2B5EF4-FFF2-40B4-BE49-F238E27FC236}">
-                <a16:creationId xmlns:a16="http://schemas.microsoft.com/office/drawing/2014/main" id="{7C3E703A-A386-472F-AD27-D2D983CC7A66}"/>
-              </a:ext>
-            </a:extLst>
-          </p:cNvPr>
-          <p:cNvSpPr>
-            <a:spLocks noGrp="1"/>
-          </p:cNvSpPr>
-          <p:nvPr>
-            <p:ph type="sldNum" sz="quarter" idx="4"/>
-          </p:nvPr>
-        </p:nvSpPr>
-        <p:spPr/>
-        <p:txBody>
-          <a:bodyPr/>
-          <a:lstStyle/>
-          <a:p>
-            <a:fld id="{3C4F54F3-C349-4609-AFEE-01462D5C7942}" type="slidenum">
-              <a:rPr lang="en-GB" smtClean="0"/>
-              <a:pPr/>
-              <a:t>11</a:t>
-            </a:fld>
-            <a:endParaRPr lang="en-GB"/>
-          </a:p>
-        </p:txBody>
-      </p:sp>
-      <p:sp>
-        <p:nvSpPr>
-          <p:cNvPr id="8" name="TextBox 7">
-            <a:extLst>
-              <a:ext uri="{FF2B5EF4-FFF2-40B4-BE49-F238E27FC236}">
-                <a16:creationId xmlns:a16="http://schemas.microsoft.com/office/drawing/2014/main" id="{4FE232C3-38A4-4476-9CD6-45D51931E2C5}"/>
-              </a:ext>
-            </a:extLst>
-          </p:cNvPr>
-          <p:cNvSpPr txBox="1"/>
-          <p:nvPr/>
-        </p:nvSpPr>
-        <p:spPr>
-          <a:xfrm>
-            <a:off x="5760385" y="48746"/>
-            <a:ext cx="584948" cy="1323439"/>
-          </a:xfrm>
-          <a:prstGeom prst="rect">
-            <a:avLst/>
-          </a:prstGeom>
-          <a:noFill/>
-        </p:spPr>
-        <p:txBody>
-          <a:bodyPr rot="0" spcFirstLastPara="0" vertOverflow="overflow" horzOverflow="overflow" vert="horz" wrap="square" lIns="91440" tIns="45720" rIns="91440" bIns="45720" numCol="1" spcCol="0" rtlCol="0" fromWordArt="0" anchor="t" anchorCtr="0" forceAA="0" compatLnSpc="1">
-            <a:prstTxWarp prst="textNoShape">
-              <a:avLst/>
-            </a:prstTxWarp>
-            <a:spAutoFit/>
-          </a:bodyPr>
-          <a:lstStyle/>
-          <a:p>
-            <a:pPr algn="l"/>
-            <a:r>
-              <a:rPr lang="en-GB" sz="8000" dirty="0">
-                <a:solidFill>
-                  <a:schemeClr val="bg1"/>
-                </a:solidFill>
-              </a:rPr>
-              <a:t>!</a:t>
-            </a:r>
-            <a:endParaRPr lang="en-US" sz="8000" dirty="0">
-              <a:solidFill>
-                <a:schemeClr val="bg1"/>
-              </a:solidFill>
-              <a:cs typeface="Arial"/>
-            </a:endParaRPr>
-          </a:p>
-        </p:txBody>
-      </p:sp>
-      <mc:AlternateContent xmlns:mc="http://schemas.openxmlformats.org/markup-compatibility/2006">
-        <mc:Choice xmlns:a14="http://schemas.microsoft.com/office/drawing/2010/main" Requires="a14">
+      <mc:AlternateContent xmlns:mc="http://schemas.openxmlformats.org/markup-compatibility/2006" xmlns:a14="http://schemas.microsoft.com/office/drawing/2010/main">
+        <mc:Choice Requires="a14">
           <p:sp>
             <p:nvSpPr>
               <p:cNvPr id="9" name="Text Placeholder 2">
@@ -28407,7 +27981,7 @@
             </p:txBody>
           </p:sp>
         </mc:Choice>
-        <mc:Fallback>
+        <mc:Fallback xmlns="">
           <p:sp>
             <p:nvSpPr>
               <p:cNvPr id="9" name="Text Placeholder 2">
@@ -28494,7 +28068,7 @@
 </p:sld>
 </file>
 
-<file path=ppt/slides/slide12.xml><?xml version="1.0" encoding="utf-8"?>
+<file path=ppt/slides/slide11.xml><?xml version="1.0" encoding="utf-8"?>
 <p:sld xmlns:a="http://schemas.openxmlformats.org/drawingml/2006/main" xmlns:r="http://schemas.openxmlformats.org/officeDocument/2006/relationships" xmlns:p="http://schemas.openxmlformats.org/presentationml/2006/main" showMasterSp="0">
   <p:cSld>
     <p:spTree>
@@ -28563,7 +28137,7 @@
             <a:fld id="{3C4F54F3-C349-4609-AFEE-01462D5C7942}" type="slidenum">
               <a:rPr lang="en-GB" smtClean="0"/>
               <a:pPr/>
-              <a:t>12</a:t>
+              <a:t>11</a:t>
             </a:fld>
             <a:endParaRPr lang="en-GB"/>
           </a:p>
@@ -28628,8 +28202,8 @@
           </a:prstGeom>
         </p:spPr>
       </p:pic>
-      <mc:AlternateContent xmlns:mc="http://schemas.openxmlformats.org/markup-compatibility/2006">
-        <mc:Choice xmlns:a14="http://schemas.microsoft.com/office/drawing/2010/main" Requires="a14">
+      <mc:AlternateContent xmlns:mc="http://schemas.openxmlformats.org/markup-compatibility/2006" xmlns:a14="http://schemas.microsoft.com/office/drawing/2010/main">
+        <mc:Choice Requires="a14">
           <p:sp>
             <p:nvSpPr>
               <p:cNvPr id="10" name="Text Placeholder 2">
@@ -28861,7 +28435,7 @@
             </p:txBody>
           </p:sp>
         </mc:Choice>
-        <mc:Fallback>
+        <mc:Fallback xmlns="">
           <p:sp>
             <p:nvSpPr>
               <p:cNvPr id="10" name="Text Placeholder 2">
@@ -28919,7 +28493,7 @@
 </p:sld>
 </file>
 
-<file path=ppt/slides/slide13.xml><?xml version="1.0" encoding="utf-8"?>
+<file path=ppt/slides/slide12.xml><?xml version="1.0" encoding="utf-8"?>
 <p:sld xmlns:a="http://schemas.openxmlformats.org/drawingml/2006/main" xmlns:r="http://schemas.openxmlformats.org/officeDocument/2006/relationships" xmlns:p="http://schemas.openxmlformats.org/presentationml/2006/main" showMasterSp="0">
   <p:cSld>
     <p:spTree>
@@ -28988,7 +28562,7 @@
             <a:fld id="{3C4F54F3-C349-4609-AFEE-01462D5C7942}" type="slidenum">
               <a:rPr lang="en-GB" smtClean="0"/>
               <a:pPr/>
-              <a:t>13</a:t>
+              <a:t>12</a:t>
             </a:fld>
             <a:endParaRPr lang="en-GB"/>
           </a:p>
@@ -29320,6 +28894,432 @@
     <p:extLst>
       <p:ext uri="{BB962C8B-B14F-4D97-AF65-F5344CB8AC3E}">
         <p14:creationId xmlns:p14="http://schemas.microsoft.com/office/powerpoint/2010/main" val="139242176"/>
+      </p:ext>
+    </p:extLst>
+  </p:cSld>
+  <p:clrMapOvr>
+    <a:masterClrMapping/>
+  </p:clrMapOvr>
+</p:sld>
+</file>
+
+<file path=ppt/slides/slide13.xml><?xml version="1.0" encoding="utf-8"?>
+<p:sld xmlns:a="http://schemas.openxmlformats.org/drawingml/2006/main" xmlns:r="http://schemas.openxmlformats.org/officeDocument/2006/relationships" xmlns:p="http://schemas.openxmlformats.org/presentationml/2006/main" showMasterSp="0">
+  <p:cSld>
+    <p:spTree>
+      <p:nvGrpSpPr>
+        <p:cNvPr id="1" name=""/>
+        <p:cNvGrpSpPr/>
+        <p:nvPr/>
+      </p:nvGrpSpPr>
+      <p:grpSpPr>
+        <a:xfrm>
+          <a:off x="0" y="0"/>
+          <a:ext cx="0" cy="0"/>
+          <a:chOff x="0" y="0"/>
+          <a:chExt cx="0" cy="0"/>
+        </a:xfrm>
+      </p:grpSpPr>
+      <p:sp>
+        <p:nvSpPr>
+          <p:cNvPr id="2" name="Title 1">
+            <a:extLst>
+              <a:ext uri="{FF2B5EF4-FFF2-40B4-BE49-F238E27FC236}">
+                <a16:creationId xmlns:a16="http://schemas.microsoft.com/office/drawing/2014/main" id="{F7DA9A4F-1DFD-49DB-8569-F5AB18BD6161}"/>
+              </a:ext>
+            </a:extLst>
+          </p:cNvPr>
+          <p:cNvSpPr>
+            <a:spLocks noGrp="1"/>
+          </p:cNvSpPr>
+          <p:nvPr>
+            <p:ph type="title"/>
+          </p:nvPr>
+        </p:nvSpPr>
+        <p:spPr/>
+        <p:txBody>
+          <a:bodyPr/>
+          <a:lstStyle/>
+          <a:p>
+            <a:r>
+              <a:rPr lang="en-GB" dirty="0"/>
+              <a:t>Slicing Lists Puzzles</a:t>
+            </a:r>
+          </a:p>
+        </p:txBody>
+      </p:sp>
+      <p:sp>
+        <p:nvSpPr>
+          <p:cNvPr id="3" name="Slide Number Placeholder 2">
+            <a:extLst>
+              <a:ext uri="{FF2B5EF4-FFF2-40B4-BE49-F238E27FC236}">
+                <a16:creationId xmlns:a16="http://schemas.microsoft.com/office/drawing/2014/main" id="{7C3E703A-A386-472F-AD27-D2D983CC7A66}"/>
+              </a:ext>
+            </a:extLst>
+          </p:cNvPr>
+          <p:cNvSpPr>
+            <a:spLocks noGrp="1"/>
+          </p:cNvSpPr>
+          <p:nvPr>
+            <p:ph type="sldNum" sz="quarter" idx="4"/>
+          </p:nvPr>
+        </p:nvSpPr>
+        <p:spPr/>
+        <p:txBody>
+          <a:bodyPr/>
+          <a:lstStyle/>
+          <a:p>
+            <a:fld id="{3C4F54F3-C349-4609-AFEE-01462D5C7942}" type="slidenum">
+              <a:rPr lang="en-GB" smtClean="0"/>
+              <a:pPr/>
+              <a:t>13</a:t>
+            </a:fld>
+            <a:endParaRPr lang="en-GB"/>
+          </a:p>
+        </p:txBody>
+      </p:sp>
+      <p:pic>
+        <p:nvPicPr>
+          <p:cNvPr id="11" name="Picture 10">
+            <a:extLst>
+              <a:ext uri="{FF2B5EF4-FFF2-40B4-BE49-F238E27FC236}">
+                <a16:creationId xmlns:a16="http://schemas.microsoft.com/office/drawing/2014/main" id="{AE10D547-F5D1-43D9-93EA-E166E3C73F57}"/>
+              </a:ext>
+            </a:extLst>
+          </p:cNvPr>
+          <p:cNvPicPr>
+            <a:picLocks noChangeAspect="1"/>
+          </p:cNvPicPr>
+          <p:nvPr/>
+        </p:nvPicPr>
+        <p:blipFill rotWithShape="1">
+          <a:blip r:embed="rId2"/>
+          <a:srcRect l="2982" t="3174" r="2869" b="2900"/>
+          <a:stretch/>
+        </p:blipFill>
+        <p:spPr>
+          <a:xfrm>
+            <a:off x="8576572" y="4598283"/>
+            <a:ext cx="498106" cy="496941"/>
+          </a:xfrm>
+          <a:prstGeom prst="ellipse">
+            <a:avLst/>
+          </a:prstGeom>
+        </p:spPr>
+      </p:pic>
+      <p:sp>
+        <p:nvSpPr>
+          <p:cNvPr id="7" name="Text Placeholder 2">
+            <a:extLst>
+              <a:ext uri="{FF2B5EF4-FFF2-40B4-BE49-F238E27FC236}">
+                <a16:creationId xmlns:a16="http://schemas.microsoft.com/office/drawing/2014/main" id="{1BF91155-53EB-479C-86F9-C4F36BCB8400}"/>
+              </a:ext>
+            </a:extLst>
+          </p:cNvPr>
+          <p:cNvSpPr txBox="1">
+            <a:spLocks/>
+          </p:cNvSpPr>
+          <p:nvPr/>
+        </p:nvSpPr>
+        <p:spPr>
+          <a:xfrm>
+            <a:off x="237061" y="712956"/>
+            <a:ext cx="8619938" cy="3885327"/>
+          </a:xfrm>
+          <a:prstGeom prst="rect">
+            <a:avLst/>
+          </a:prstGeom>
+        </p:spPr>
+        <p:txBody>
+          <a:bodyPr vert="horz" anchor="t"/>
+          <a:lstStyle>
+            <a:lvl1pPr marL="0" indent="0" algn="l" defTabSz="457200" rtl="0" eaLnBrk="1" latinLnBrk="0" hangingPunct="1">
+              <a:spcBef>
+                <a:spcPts val="0"/>
+              </a:spcBef>
+              <a:buFont typeface="Arial"/>
+              <a:buNone/>
+              <a:defRPr sz="2400" kern="1200" baseline="0">
+                <a:solidFill>
+                  <a:schemeClr val="tx1"/>
+                </a:solidFill>
+                <a:latin typeface="Arial" pitchFamily="34" charset="0"/>
+                <a:ea typeface="+mn-ea"/>
+                <a:cs typeface="Arial" pitchFamily="34" charset="0"/>
+              </a:defRPr>
+            </a:lvl1pPr>
+            <a:lvl2pPr marL="457200" indent="0" algn="l" defTabSz="457200" rtl="0" eaLnBrk="1" latinLnBrk="0" hangingPunct="1">
+              <a:spcBef>
+                <a:spcPct val="20000"/>
+              </a:spcBef>
+              <a:buFont typeface="Arial"/>
+              <a:buNone/>
+              <a:defRPr sz="2400" kern="1200">
+                <a:solidFill>
+                  <a:schemeClr val="tx1"/>
+                </a:solidFill>
+                <a:latin typeface="+mn-lt"/>
+                <a:ea typeface="+mn-ea"/>
+                <a:cs typeface="+mn-cs"/>
+              </a:defRPr>
+            </a:lvl2pPr>
+            <a:lvl3pPr marL="914400" indent="0" algn="l" defTabSz="457200" rtl="0" eaLnBrk="1" latinLnBrk="0" hangingPunct="1">
+              <a:spcBef>
+                <a:spcPct val="20000"/>
+              </a:spcBef>
+              <a:buFont typeface="Arial"/>
+              <a:buNone/>
+              <a:defRPr sz="2400" kern="1200">
+                <a:solidFill>
+                  <a:schemeClr val="tx1"/>
+                </a:solidFill>
+                <a:latin typeface="+mn-lt"/>
+                <a:ea typeface="+mn-ea"/>
+                <a:cs typeface="+mn-cs"/>
+              </a:defRPr>
+            </a:lvl3pPr>
+            <a:lvl4pPr marL="1371600" indent="0" algn="l" defTabSz="457200" rtl="0" eaLnBrk="1" latinLnBrk="0" hangingPunct="1">
+              <a:spcBef>
+                <a:spcPct val="20000"/>
+              </a:spcBef>
+              <a:buFont typeface="Arial"/>
+              <a:buNone/>
+              <a:defRPr sz="2400" kern="1200">
+                <a:solidFill>
+                  <a:schemeClr val="tx1"/>
+                </a:solidFill>
+                <a:latin typeface="+mn-lt"/>
+                <a:ea typeface="+mn-ea"/>
+                <a:cs typeface="+mn-cs"/>
+              </a:defRPr>
+            </a:lvl4pPr>
+            <a:lvl5pPr marL="1828800" indent="0" algn="l" defTabSz="457200" rtl="0" eaLnBrk="1" latinLnBrk="0" hangingPunct="1">
+              <a:spcBef>
+                <a:spcPct val="20000"/>
+              </a:spcBef>
+              <a:buFont typeface="Arial"/>
+              <a:buNone/>
+              <a:defRPr sz="2400" kern="1200">
+                <a:solidFill>
+                  <a:schemeClr val="tx1"/>
+                </a:solidFill>
+                <a:latin typeface="+mn-lt"/>
+                <a:ea typeface="+mn-ea"/>
+                <a:cs typeface="+mn-cs"/>
+              </a:defRPr>
+            </a:lvl5pPr>
+            <a:lvl6pPr marL="2514600" indent="-228600" algn="l" defTabSz="457200" rtl="0" eaLnBrk="1" latinLnBrk="0" hangingPunct="1">
+              <a:spcBef>
+                <a:spcPct val="20000"/>
+              </a:spcBef>
+              <a:buFont typeface="Arial"/>
+              <a:buChar char="•"/>
+              <a:defRPr sz="2000" kern="1200">
+                <a:solidFill>
+                  <a:schemeClr val="tx1"/>
+                </a:solidFill>
+                <a:latin typeface="+mn-lt"/>
+                <a:ea typeface="+mn-ea"/>
+                <a:cs typeface="+mn-cs"/>
+              </a:defRPr>
+            </a:lvl6pPr>
+            <a:lvl7pPr marL="2971800" indent="-228600" algn="l" defTabSz="457200" rtl="0" eaLnBrk="1" latinLnBrk="0" hangingPunct="1">
+              <a:spcBef>
+                <a:spcPct val="20000"/>
+              </a:spcBef>
+              <a:buFont typeface="Arial"/>
+              <a:buChar char="•"/>
+              <a:defRPr sz="2000" kern="1200">
+                <a:solidFill>
+                  <a:schemeClr val="tx1"/>
+                </a:solidFill>
+                <a:latin typeface="+mn-lt"/>
+                <a:ea typeface="+mn-ea"/>
+                <a:cs typeface="+mn-cs"/>
+              </a:defRPr>
+            </a:lvl7pPr>
+            <a:lvl8pPr marL="3429000" indent="-228600" algn="l" defTabSz="457200" rtl="0" eaLnBrk="1" latinLnBrk="0" hangingPunct="1">
+              <a:spcBef>
+                <a:spcPct val="20000"/>
+              </a:spcBef>
+              <a:buFont typeface="Arial"/>
+              <a:buChar char="•"/>
+              <a:defRPr sz="2000" kern="1200">
+                <a:solidFill>
+                  <a:schemeClr val="tx1"/>
+                </a:solidFill>
+                <a:latin typeface="+mn-lt"/>
+                <a:ea typeface="+mn-ea"/>
+                <a:cs typeface="+mn-cs"/>
+              </a:defRPr>
+            </a:lvl8pPr>
+            <a:lvl9pPr marL="3886200" indent="-228600" algn="l" defTabSz="457200" rtl="0" eaLnBrk="1" latinLnBrk="0" hangingPunct="1">
+              <a:spcBef>
+                <a:spcPct val="20000"/>
+              </a:spcBef>
+              <a:buFont typeface="Arial"/>
+              <a:buChar char="•"/>
+              <a:defRPr sz="2000" kern="1200">
+                <a:solidFill>
+                  <a:schemeClr val="tx1"/>
+                </a:solidFill>
+                <a:latin typeface="+mn-lt"/>
+                <a:ea typeface="+mn-ea"/>
+                <a:cs typeface="+mn-cs"/>
+              </a:defRPr>
+            </a:lvl9pPr>
+          </a:lstStyle>
+          <a:p>
+            <a:pPr marL="342900" indent="-342900">
+              <a:buFont typeface="Arial"/>
+              <a:buChar char="•"/>
+            </a:pPr>
+            <a:r>
+              <a:rPr lang="en-GB" sz="2000" dirty="0">
+                <a:latin typeface="Arial"/>
+                <a:cs typeface="Arial"/>
+              </a:rPr>
+              <a:t>Create a list containing the names of the seven dwarfs (in any order)</a:t>
+            </a:r>
+          </a:p>
+          <a:p>
+            <a:pPr marL="342900" indent="-342900">
+              <a:buFont typeface="Arial"/>
+              <a:buChar char="•"/>
+            </a:pPr>
+            <a:r>
+              <a:rPr lang="en-GB" sz="2000" dirty="0">
+                <a:latin typeface="Arial"/>
+                <a:cs typeface="Arial"/>
+              </a:rPr>
+              <a:t>Use a list slice to extract the middle 3 dwarfs</a:t>
+            </a:r>
+          </a:p>
+          <a:p>
+            <a:pPr marL="342900" indent="-342900">
+              <a:buFont typeface="Arial"/>
+              <a:buChar char="•"/>
+            </a:pPr>
+            <a:endParaRPr lang="en-GB" sz="2000" dirty="0">
+              <a:latin typeface="Arial"/>
+              <a:cs typeface="Arial"/>
+            </a:endParaRPr>
+          </a:p>
+          <a:p>
+            <a:pPr marL="342900" indent="-342900">
+              <a:buFont typeface="Arial"/>
+              <a:buChar char="•"/>
+            </a:pPr>
+            <a:r>
+              <a:rPr lang="en-GB" sz="2000" dirty="0">
+                <a:latin typeface="Arial"/>
+                <a:cs typeface="Arial"/>
+              </a:rPr>
+              <a:t>Repeat this using negative indices to create your slice (note, you need to put the most negative index first as slices go left-to-right)</a:t>
+            </a:r>
+          </a:p>
+          <a:p>
+            <a:pPr marL="342900" indent="-342900">
+              <a:buFont typeface="Arial"/>
+              <a:buChar char="•"/>
+            </a:pPr>
+            <a:endParaRPr lang="en-GB" sz="2000" dirty="0">
+              <a:latin typeface="Arial"/>
+              <a:cs typeface="Arial"/>
+            </a:endParaRPr>
+          </a:p>
+          <a:p>
+            <a:pPr marL="342900" indent="-342900">
+              <a:buFont typeface="Arial"/>
+              <a:buChar char="•"/>
+            </a:pPr>
+            <a:r>
+              <a:rPr lang="en-GB" sz="2000" b="1" dirty="0">
+                <a:latin typeface="Arial"/>
+                <a:cs typeface="Arial"/>
+              </a:rPr>
+              <a:t>Bonus:</a:t>
+            </a:r>
+            <a:r>
+              <a:rPr lang="en-GB" sz="2000" dirty="0">
+                <a:latin typeface="Arial"/>
+                <a:cs typeface="Arial"/>
+              </a:rPr>
+              <a:t> What happens if you omit an index from one side of the colon?</a:t>
+            </a:r>
+          </a:p>
+          <a:p>
+            <a:pPr marL="342900" indent="-342900">
+              <a:buFont typeface="Arial"/>
+              <a:buChar char="•"/>
+            </a:pPr>
+            <a:r>
+              <a:rPr lang="en-GB" sz="2000" dirty="0">
+                <a:latin typeface="Arial"/>
+                <a:cs typeface="Arial"/>
+              </a:rPr>
+              <a:t>Use the slice `1:6:2` on your dwarfs list. What does it do?</a:t>
+            </a:r>
+          </a:p>
+          <a:p>
+            <a:pPr marL="342900" indent="-342900">
+              <a:buFont typeface="Arial"/>
+              <a:buChar char="•"/>
+            </a:pPr>
+            <a:r>
+              <a:rPr lang="en-GB" sz="2000" dirty="0">
+                <a:latin typeface="Arial"/>
+                <a:cs typeface="Arial"/>
+              </a:rPr>
+              <a:t>Can you use this idea to print the middle three dwarfs in reverse?</a:t>
+            </a:r>
+          </a:p>
+          <a:p>
+            <a:pPr marL="342900" indent="-342900">
+              <a:buFont typeface="Arial"/>
+              <a:buChar char="•"/>
+            </a:pPr>
+            <a:endParaRPr lang="en-GB" sz="2000" dirty="0">
+              <a:latin typeface="Arial"/>
+              <a:cs typeface="Arial"/>
+            </a:endParaRPr>
+          </a:p>
+          <a:p>
+            <a:pPr marL="342900" indent="-342900">
+              <a:buFont typeface="Arial"/>
+              <a:buChar char="•"/>
+            </a:pPr>
+            <a:r>
+              <a:rPr lang="en-GB" sz="2000" b="1" dirty="0">
+                <a:latin typeface="Arial"/>
+                <a:cs typeface="Arial"/>
+              </a:rPr>
+              <a:t>Super Bonus:</a:t>
+            </a:r>
+            <a:r>
+              <a:rPr lang="en-GB" sz="2000" dirty="0">
+                <a:latin typeface="Arial"/>
+                <a:cs typeface="Arial"/>
+              </a:rPr>
+              <a:t> Can you use list slicing to reverse the dwarfs list? (Note: you only need to use a single number in your slice)</a:t>
+            </a:r>
+            <a:endParaRPr lang="en-GB" sz="2000" b="1" dirty="0">
+              <a:latin typeface="Arial"/>
+              <a:cs typeface="Arial"/>
+            </a:endParaRPr>
+          </a:p>
+          <a:p>
+            <a:endParaRPr lang="en-GB" sz="2000" dirty="0">
+              <a:latin typeface="Arial"/>
+              <a:cs typeface="Arial"/>
+            </a:endParaRPr>
+          </a:p>
+        </p:txBody>
+      </p:sp>
+    </p:spTree>
+    <p:extLst>
+      <p:ext uri="{BB962C8B-B14F-4D97-AF65-F5344CB8AC3E}">
+        <p14:creationId xmlns:p14="http://schemas.microsoft.com/office/powerpoint/2010/main" val="3512269219"/>
       </p:ext>
     </p:extLst>
   </p:cSld>
@@ -29369,7 +29369,7 @@
           <a:p>
             <a:r>
               <a:rPr lang="en-GB" dirty="0"/>
-              <a:t>Slicing Lists Puzzles</a:t>
+              <a:t>Slicing Lists Puzzles Solutions</a:t>
             </a:r>
           </a:p>
         </p:txBody>
@@ -29433,12 +29433,42 @@
           </a:prstGeom>
         </p:spPr>
       </p:pic>
-      <p:sp>
-        <p:nvSpPr>
-          <p:cNvPr id="7" name="Text Placeholder 2">
+      <p:pic>
+        <p:nvPicPr>
+          <p:cNvPr id="4" name="Picture 3">
             <a:extLst>
               <a:ext uri="{FF2B5EF4-FFF2-40B4-BE49-F238E27FC236}">
-                <a16:creationId xmlns:a16="http://schemas.microsoft.com/office/drawing/2014/main" id="{1BF91155-53EB-479C-86F9-C4F36BCB8400}"/>
+                <a16:creationId xmlns:a16="http://schemas.microsoft.com/office/drawing/2014/main" id="{05B5F9BF-622C-4CC6-A5D1-980F2CEE208E}"/>
+              </a:ext>
+            </a:extLst>
+          </p:cNvPr>
+          <p:cNvPicPr>
+            <a:picLocks noChangeAspect="1"/>
+          </p:cNvPicPr>
+          <p:nvPr/>
+        </p:nvPicPr>
+        <p:blipFill>
+          <a:blip r:embed="rId3"/>
+          <a:stretch>
+            <a:fillRect/>
+          </a:stretch>
+        </p:blipFill>
+        <p:spPr>
+          <a:xfrm>
+            <a:off x="1957387" y="837435"/>
+            <a:ext cx="5229225" cy="2000250"/>
+          </a:xfrm>
+          <a:prstGeom prst="rect">
+            <a:avLst/>
+          </a:prstGeom>
+        </p:spPr>
+      </p:pic>
+      <p:sp>
+        <p:nvSpPr>
+          <p:cNvPr id="8" name="Text Placeholder 2">
+            <a:extLst>
+              <a:ext uri="{FF2B5EF4-FFF2-40B4-BE49-F238E27FC236}">
+                <a16:creationId xmlns:a16="http://schemas.microsoft.com/office/drawing/2014/main" id="{FE14E548-262F-470A-8730-68D0A4DEF43C}"/>
               </a:ext>
             </a:extLst>
           </p:cNvPr>
@@ -29449,8 +29479,8 @@
         </p:nvSpPr>
         <p:spPr>
           <a:xfrm>
-            <a:off x="237061" y="712956"/>
-            <a:ext cx="8619938" cy="3885327"/>
+            <a:off x="237061" y="3110295"/>
+            <a:ext cx="8619938" cy="1487988"/>
           </a:xfrm>
           <a:prstGeom prst="rect">
             <a:avLst/>
@@ -29605,7 +29635,7 @@
                 <a:latin typeface="Arial"/>
                 <a:cs typeface="Arial"/>
               </a:rPr>
-              <a:t>Create a list containing the names of the seven dwarfs (in any order)</a:t>
+              <a:t>Remember: the first index in a slice is included but the second isn’t</a:t>
             </a:r>
           </a:p>
           <a:p>
@@ -29618,134 +29648,29 @@
                 <a:latin typeface="Arial"/>
                 <a:cs typeface="Arial"/>
               </a:rPr>
-              <a:t>Use a list slice to extract the middle 3 dwarfs</a:t>
-            </a:r>
-          </a:p>
-          <a:p>
-            <a:pPr marL="342900" indent="-342900">
-              <a:buFont typeface="Arial"/>
-              <a:buChar char="•"/>
-            </a:pPr>
-            <a:endParaRPr lang="en-GB" sz="2000" dirty="0">
-              <a:latin typeface="Arial"/>
-              <a:cs typeface="Arial"/>
-            </a:endParaRPr>
-          </a:p>
-          <a:p>
-            <a:pPr marL="342900" indent="-342900">
-              <a:buFont typeface="Arial"/>
-              <a:buChar char="•"/>
-            </a:pPr>
+              <a:t>Therefore, we have to extend our slice up to index 5 to include the 5</a:t>
+            </a:r>
+            <a:r>
+              <a:rPr lang="en-GB" sz="2000" baseline="30000" dirty="0">
+                <a:latin typeface="Arial"/>
+                <a:cs typeface="Arial"/>
+              </a:rPr>
+              <a:t>th</a:t>
+            </a:r>
             <a:r>
               <a:rPr lang="en-GB" sz="2000" dirty="0">
                 <a:latin typeface="Arial"/>
                 <a:cs typeface="Arial"/>
               </a:rPr>
-              <a:t>Repeat this using negative indices to create your slice (note, you need to put the most negative index first as slices go left-to-right)</a:t>
-            </a:r>
-          </a:p>
-          <a:p>
-            <a:pPr marL="342900" indent="-342900">
-              <a:buFont typeface="Arial"/>
-              <a:buChar char="•"/>
-            </a:pPr>
-            <a:endParaRPr lang="en-GB" sz="2000" dirty="0">
-              <a:latin typeface="Arial"/>
-              <a:cs typeface="Arial"/>
-            </a:endParaRPr>
-          </a:p>
-          <a:p>
-            <a:pPr marL="342900" indent="-342900">
-              <a:buFont typeface="Arial"/>
-              <a:buChar char="•"/>
-            </a:pPr>
-            <a:r>
-              <a:rPr lang="en-GB" sz="2000" b="1" dirty="0">
-                <a:latin typeface="Arial"/>
-                <a:cs typeface="Arial"/>
-              </a:rPr>
-              <a:t>Bonus:</a:t>
-            </a:r>
-            <a:r>
-              <a:rPr lang="en-GB" sz="2000" dirty="0">
-                <a:latin typeface="Arial"/>
-                <a:cs typeface="Arial"/>
-              </a:rPr>
-              <a:t> What happens if you omit an index from one side of the colon?</a:t>
-            </a:r>
-          </a:p>
-          <a:p>
-            <a:pPr marL="342900" indent="-342900">
-              <a:buFont typeface="Arial"/>
-              <a:buChar char="•"/>
-            </a:pPr>
-            <a:r>
-              <a:rPr lang="en-GB" sz="2000" dirty="0">
-                <a:latin typeface="Arial"/>
-                <a:cs typeface="Arial"/>
-              </a:rPr>
-              <a:t>Use the slice `1:6:2` on your dwarfs list. What does it do?</a:t>
-            </a:r>
-          </a:p>
-          <a:p>
-            <a:pPr marL="342900" indent="-342900">
-              <a:buFont typeface="Arial"/>
-              <a:buChar char="•"/>
-            </a:pPr>
-            <a:r>
-              <a:rPr lang="en-GB" sz="2000" dirty="0">
-                <a:latin typeface="Arial"/>
-                <a:cs typeface="Arial"/>
-              </a:rPr>
-              <a:t>Can you use this idea to print the middle three dwarfs in reverse?</a:t>
-            </a:r>
-          </a:p>
-          <a:p>
-            <a:pPr marL="342900" indent="-342900">
-              <a:buFont typeface="Arial"/>
-              <a:buChar char="•"/>
-            </a:pPr>
-            <a:endParaRPr lang="en-GB" sz="2000" dirty="0">
-              <a:latin typeface="Arial"/>
-              <a:cs typeface="Arial"/>
-            </a:endParaRPr>
-          </a:p>
-          <a:p>
-            <a:pPr marL="342900" indent="-342900">
-              <a:buFont typeface="Arial"/>
-              <a:buChar char="•"/>
-            </a:pPr>
-            <a:r>
-              <a:rPr lang="en-GB" sz="2000" b="1" dirty="0">
-                <a:latin typeface="Arial"/>
-                <a:cs typeface="Arial"/>
-              </a:rPr>
-              <a:t>Super Bonus:</a:t>
-            </a:r>
-            <a:r>
-              <a:rPr lang="en-GB" sz="2000" dirty="0">
-                <a:latin typeface="Arial"/>
-                <a:cs typeface="Arial"/>
-              </a:rPr>
-              <a:t> Can you use list slicing to reverse the dwarfs list? (Note: you only need to use a single number in your slice)</a:t>
-            </a:r>
-            <a:endParaRPr lang="en-GB" sz="2000" b="1" dirty="0">
-              <a:latin typeface="Arial"/>
-              <a:cs typeface="Arial"/>
-            </a:endParaRPr>
-          </a:p>
-          <a:p>
-            <a:endParaRPr lang="en-GB" sz="2000" dirty="0">
-              <a:latin typeface="Arial"/>
-              <a:cs typeface="Arial"/>
-            </a:endParaRPr>
+              <a:t> element (index 4)</a:t>
+            </a:r>
           </a:p>
         </p:txBody>
       </p:sp>
     </p:spTree>
     <p:extLst>
       <p:ext uri="{BB962C8B-B14F-4D97-AF65-F5344CB8AC3E}">
-        <p14:creationId xmlns:p14="http://schemas.microsoft.com/office/powerpoint/2010/main" val="3512269219"/>
+        <p14:creationId xmlns:p14="http://schemas.microsoft.com/office/powerpoint/2010/main" val="433163882"/>
       </p:ext>
     </p:extLst>
   </p:cSld>
@@ -29774,6 +29699,246 @@
       </p:grpSpPr>
       <p:sp>
         <p:nvSpPr>
+          <p:cNvPr id="12" name="Text Placeholder 2">
+            <a:extLst>
+              <a:ext uri="{FF2B5EF4-FFF2-40B4-BE49-F238E27FC236}">
+                <a16:creationId xmlns:a16="http://schemas.microsoft.com/office/drawing/2014/main" id="{262D519B-AF9D-442A-80BD-0B3F50B165F5}"/>
+              </a:ext>
+            </a:extLst>
+          </p:cNvPr>
+          <p:cNvSpPr txBox="1">
+            <a:spLocks/>
+          </p:cNvSpPr>
+          <p:nvPr/>
+        </p:nvSpPr>
+        <p:spPr>
+          <a:xfrm>
+            <a:off x="5147663" y="2109738"/>
+            <a:ext cx="2928304" cy="2462457"/>
+          </a:xfrm>
+          <a:prstGeom prst="rect">
+            <a:avLst/>
+          </a:prstGeom>
+        </p:spPr>
+        <p:txBody>
+          <a:bodyPr vert="horz" anchor="t"/>
+          <a:lstStyle>
+            <a:lvl1pPr marL="0" indent="0" algn="l" defTabSz="457200" rtl="0" eaLnBrk="1" latinLnBrk="0" hangingPunct="1">
+              <a:spcBef>
+                <a:spcPts val="0"/>
+              </a:spcBef>
+              <a:buFont typeface="Arial"/>
+              <a:buNone/>
+              <a:defRPr sz="2400" kern="1200" baseline="0">
+                <a:solidFill>
+                  <a:schemeClr val="tx1"/>
+                </a:solidFill>
+                <a:latin typeface="Arial" pitchFamily="34" charset="0"/>
+                <a:ea typeface="+mn-ea"/>
+                <a:cs typeface="Arial" pitchFamily="34" charset="0"/>
+              </a:defRPr>
+            </a:lvl1pPr>
+            <a:lvl2pPr marL="457200" indent="0" algn="l" defTabSz="457200" rtl="0" eaLnBrk="1" latinLnBrk="0" hangingPunct="1">
+              <a:spcBef>
+                <a:spcPct val="20000"/>
+              </a:spcBef>
+              <a:buFont typeface="Arial"/>
+              <a:buNone/>
+              <a:defRPr sz="2400" kern="1200">
+                <a:solidFill>
+                  <a:schemeClr val="tx1"/>
+                </a:solidFill>
+                <a:latin typeface="+mn-lt"/>
+                <a:ea typeface="+mn-ea"/>
+                <a:cs typeface="+mn-cs"/>
+              </a:defRPr>
+            </a:lvl2pPr>
+            <a:lvl3pPr marL="914400" indent="0" algn="l" defTabSz="457200" rtl="0" eaLnBrk="1" latinLnBrk="0" hangingPunct="1">
+              <a:spcBef>
+                <a:spcPct val="20000"/>
+              </a:spcBef>
+              <a:buFont typeface="Arial"/>
+              <a:buNone/>
+              <a:defRPr sz="2400" kern="1200">
+                <a:solidFill>
+                  <a:schemeClr val="tx1"/>
+                </a:solidFill>
+                <a:latin typeface="+mn-lt"/>
+                <a:ea typeface="+mn-ea"/>
+                <a:cs typeface="+mn-cs"/>
+              </a:defRPr>
+            </a:lvl3pPr>
+            <a:lvl4pPr marL="1371600" indent="0" algn="l" defTabSz="457200" rtl="0" eaLnBrk="1" latinLnBrk="0" hangingPunct="1">
+              <a:spcBef>
+                <a:spcPct val="20000"/>
+              </a:spcBef>
+              <a:buFont typeface="Arial"/>
+              <a:buNone/>
+              <a:defRPr sz="2400" kern="1200">
+                <a:solidFill>
+                  <a:schemeClr val="tx1"/>
+                </a:solidFill>
+                <a:latin typeface="+mn-lt"/>
+                <a:ea typeface="+mn-ea"/>
+                <a:cs typeface="+mn-cs"/>
+              </a:defRPr>
+            </a:lvl4pPr>
+            <a:lvl5pPr marL="1828800" indent="0" algn="l" defTabSz="457200" rtl="0" eaLnBrk="1" latinLnBrk="0" hangingPunct="1">
+              <a:spcBef>
+                <a:spcPct val="20000"/>
+              </a:spcBef>
+              <a:buFont typeface="Arial"/>
+              <a:buNone/>
+              <a:defRPr sz="2400" kern="1200">
+                <a:solidFill>
+                  <a:schemeClr val="tx1"/>
+                </a:solidFill>
+                <a:latin typeface="+mn-lt"/>
+                <a:ea typeface="+mn-ea"/>
+                <a:cs typeface="+mn-cs"/>
+              </a:defRPr>
+            </a:lvl5pPr>
+            <a:lvl6pPr marL="2514600" indent="-228600" algn="l" defTabSz="457200" rtl="0" eaLnBrk="1" latinLnBrk="0" hangingPunct="1">
+              <a:spcBef>
+                <a:spcPct val="20000"/>
+              </a:spcBef>
+              <a:buFont typeface="Arial"/>
+              <a:buChar char="•"/>
+              <a:defRPr sz="2000" kern="1200">
+                <a:solidFill>
+                  <a:schemeClr val="tx1"/>
+                </a:solidFill>
+                <a:latin typeface="+mn-lt"/>
+                <a:ea typeface="+mn-ea"/>
+                <a:cs typeface="+mn-cs"/>
+              </a:defRPr>
+            </a:lvl6pPr>
+            <a:lvl7pPr marL="2971800" indent="-228600" algn="l" defTabSz="457200" rtl="0" eaLnBrk="1" latinLnBrk="0" hangingPunct="1">
+              <a:spcBef>
+                <a:spcPct val="20000"/>
+              </a:spcBef>
+              <a:buFont typeface="Arial"/>
+              <a:buChar char="•"/>
+              <a:defRPr sz="2000" kern="1200">
+                <a:solidFill>
+                  <a:schemeClr val="tx1"/>
+                </a:solidFill>
+                <a:latin typeface="+mn-lt"/>
+                <a:ea typeface="+mn-ea"/>
+                <a:cs typeface="+mn-cs"/>
+              </a:defRPr>
+            </a:lvl7pPr>
+            <a:lvl8pPr marL="3429000" indent="-228600" algn="l" defTabSz="457200" rtl="0" eaLnBrk="1" latinLnBrk="0" hangingPunct="1">
+              <a:spcBef>
+                <a:spcPct val="20000"/>
+              </a:spcBef>
+              <a:buFont typeface="Arial"/>
+              <a:buChar char="•"/>
+              <a:defRPr sz="2000" kern="1200">
+                <a:solidFill>
+                  <a:schemeClr val="tx1"/>
+                </a:solidFill>
+                <a:latin typeface="+mn-lt"/>
+                <a:ea typeface="+mn-ea"/>
+                <a:cs typeface="+mn-cs"/>
+              </a:defRPr>
+            </a:lvl8pPr>
+            <a:lvl9pPr marL="3886200" indent="-228600" algn="l" defTabSz="457200" rtl="0" eaLnBrk="1" latinLnBrk="0" hangingPunct="1">
+              <a:spcBef>
+                <a:spcPct val="20000"/>
+              </a:spcBef>
+              <a:buFont typeface="Arial"/>
+              <a:buChar char="•"/>
+              <a:defRPr sz="2000" kern="1200">
+                <a:solidFill>
+                  <a:schemeClr val="tx1"/>
+                </a:solidFill>
+                <a:latin typeface="+mn-lt"/>
+                <a:ea typeface="+mn-ea"/>
+                <a:cs typeface="+mn-cs"/>
+              </a:defRPr>
+            </a:lvl9pPr>
+          </a:lstStyle>
+          <a:p>
+            <a:pPr marL="342900" indent="-342900">
+              <a:buFont typeface="Arial"/>
+              <a:buChar char="•"/>
+            </a:pPr>
+            <a:r>
+              <a:rPr lang="en-GB" sz="1400" dirty="0">
+                <a:latin typeface="Arial"/>
+                <a:cs typeface="Arial"/>
+              </a:rPr>
+              <a:t>Overwrite an element:</a:t>
+            </a:r>
+          </a:p>
+          <a:p>
+            <a:pPr marL="342900" indent="-342900">
+              <a:buFont typeface="Arial"/>
+              <a:buChar char="•"/>
+            </a:pPr>
+            <a:endParaRPr lang="en-GB" sz="1400" dirty="0">
+              <a:latin typeface="Arial"/>
+              <a:cs typeface="Arial"/>
+            </a:endParaRPr>
+          </a:p>
+          <a:p>
+            <a:pPr marL="342900" indent="-342900">
+              <a:buFont typeface="Arial"/>
+              <a:buChar char="•"/>
+            </a:pPr>
+            <a:endParaRPr lang="en-GB" sz="1400" dirty="0">
+              <a:latin typeface="Arial"/>
+              <a:cs typeface="Arial"/>
+            </a:endParaRPr>
+          </a:p>
+          <a:p>
+            <a:pPr marL="342900" indent="-342900">
+              <a:buFont typeface="Arial"/>
+              <a:buChar char="•"/>
+            </a:pPr>
+            <a:endParaRPr lang="en-GB" sz="1400" dirty="0">
+              <a:latin typeface="Arial"/>
+              <a:cs typeface="Arial"/>
+            </a:endParaRPr>
+          </a:p>
+          <a:p>
+            <a:pPr marL="342900" indent="-342900">
+              <a:buFont typeface="Arial"/>
+              <a:buChar char="•"/>
+            </a:pPr>
+            <a:endParaRPr lang="en-GB" sz="1400" dirty="0">
+              <a:latin typeface="Arial"/>
+              <a:cs typeface="Arial"/>
+            </a:endParaRPr>
+          </a:p>
+          <a:p>
+            <a:pPr marL="342900" indent="-342900">
+              <a:buFont typeface="Arial"/>
+              <a:buChar char="•"/>
+            </a:pPr>
+            <a:endParaRPr lang="en-GB" sz="1400" dirty="0">
+              <a:latin typeface="Arial"/>
+              <a:cs typeface="Arial"/>
+            </a:endParaRPr>
+          </a:p>
+          <a:p>
+            <a:pPr marL="342900" indent="-342900">
+              <a:buFont typeface="Arial"/>
+              <a:buChar char="•"/>
+            </a:pPr>
+            <a:r>
+              <a:rPr lang="en-GB" sz="1400" dirty="0">
+                <a:latin typeface="Arial"/>
+                <a:cs typeface="Arial"/>
+              </a:rPr>
+              <a:t>Delete by value</a:t>
+            </a:r>
+          </a:p>
+        </p:txBody>
+      </p:sp>
+      <p:sp>
+        <p:nvSpPr>
           <p:cNvPr id="2" name="Title 1">
             <a:extLst>
               <a:ext uri="{FF2B5EF4-FFF2-40B4-BE49-F238E27FC236}">
@@ -29795,7 +29960,7 @@
           <a:p>
             <a:r>
               <a:rPr lang="en-GB" dirty="0"/>
-              <a:t>Slicing Lists Puzzles Solutions</a:t>
+              <a:t>Manipulating Lists</a:t>
             </a:r>
           </a:p>
         </p:txBody>
@@ -29859,12 +30024,189 @@
           </a:prstGeom>
         </p:spPr>
       </p:pic>
+      <p:sp>
+        <p:nvSpPr>
+          <p:cNvPr id="7" name="Text Placeholder 2">
+            <a:extLst>
+              <a:ext uri="{FF2B5EF4-FFF2-40B4-BE49-F238E27FC236}">
+                <a16:creationId xmlns:a16="http://schemas.microsoft.com/office/drawing/2014/main" id="{C9E501F4-AD05-4BC7-8343-36A53D5E6CEF}"/>
+              </a:ext>
+            </a:extLst>
+          </p:cNvPr>
+          <p:cNvSpPr txBox="1">
+            <a:spLocks/>
+          </p:cNvSpPr>
+          <p:nvPr/>
+        </p:nvSpPr>
+        <p:spPr>
+          <a:xfrm>
+            <a:off x="237061" y="712956"/>
+            <a:ext cx="8619938" cy="3885327"/>
+          </a:xfrm>
+          <a:prstGeom prst="rect">
+            <a:avLst/>
+          </a:prstGeom>
+        </p:spPr>
+        <p:txBody>
+          <a:bodyPr vert="horz" anchor="t"/>
+          <a:lstStyle>
+            <a:lvl1pPr marL="0" indent="0" algn="l" defTabSz="457200" rtl="0" eaLnBrk="1" latinLnBrk="0" hangingPunct="1">
+              <a:spcBef>
+                <a:spcPts val="0"/>
+              </a:spcBef>
+              <a:buFont typeface="Arial"/>
+              <a:buNone/>
+              <a:defRPr sz="2400" kern="1200" baseline="0">
+                <a:solidFill>
+                  <a:schemeClr val="tx1"/>
+                </a:solidFill>
+                <a:latin typeface="Arial" pitchFamily="34" charset="0"/>
+                <a:ea typeface="+mn-ea"/>
+                <a:cs typeface="Arial" pitchFamily="34" charset="0"/>
+              </a:defRPr>
+            </a:lvl1pPr>
+            <a:lvl2pPr marL="457200" indent="0" algn="l" defTabSz="457200" rtl="0" eaLnBrk="1" latinLnBrk="0" hangingPunct="1">
+              <a:spcBef>
+                <a:spcPct val="20000"/>
+              </a:spcBef>
+              <a:buFont typeface="Arial"/>
+              <a:buNone/>
+              <a:defRPr sz="2400" kern="1200">
+                <a:solidFill>
+                  <a:schemeClr val="tx1"/>
+                </a:solidFill>
+                <a:latin typeface="+mn-lt"/>
+                <a:ea typeface="+mn-ea"/>
+                <a:cs typeface="+mn-cs"/>
+              </a:defRPr>
+            </a:lvl2pPr>
+            <a:lvl3pPr marL="914400" indent="0" algn="l" defTabSz="457200" rtl="0" eaLnBrk="1" latinLnBrk="0" hangingPunct="1">
+              <a:spcBef>
+                <a:spcPct val="20000"/>
+              </a:spcBef>
+              <a:buFont typeface="Arial"/>
+              <a:buNone/>
+              <a:defRPr sz="2400" kern="1200">
+                <a:solidFill>
+                  <a:schemeClr val="tx1"/>
+                </a:solidFill>
+                <a:latin typeface="+mn-lt"/>
+                <a:ea typeface="+mn-ea"/>
+                <a:cs typeface="+mn-cs"/>
+              </a:defRPr>
+            </a:lvl3pPr>
+            <a:lvl4pPr marL="1371600" indent="0" algn="l" defTabSz="457200" rtl="0" eaLnBrk="1" latinLnBrk="0" hangingPunct="1">
+              <a:spcBef>
+                <a:spcPct val="20000"/>
+              </a:spcBef>
+              <a:buFont typeface="Arial"/>
+              <a:buNone/>
+              <a:defRPr sz="2400" kern="1200">
+                <a:solidFill>
+                  <a:schemeClr val="tx1"/>
+                </a:solidFill>
+                <a:latin typeface="+mn-lt"/>
+                <a:ea typeface="+mn-ea"/>
+                <a:cs typeface="+mn-cs"/>
+              </a:defRPr>
+            </a:lvl4pPr>
+            <a:lvl5pPr marL="1828800" indent="0" algn="l" defTabSz="457200" rtl="0" eaLnBrk="1" latinLnBrk="0" hangingPunct="1">
+              <a:spcBef>
+                <a:spcPct val="20000"/>
+              </a:spcBef>
+              <a:buFont typeface="Arial"/>
+              <a:buNone/>
+              <a:defRPr sz="2400" kern="1200">
+                <a:solidFill>
+                  <a:schemeClr val="tx1"/>
+                </a:solidFill>
+                <a:latin typeface="+mn-lt"/>
+                <a:ea typeface="+mn-ea"/>
+                <a:cs typeface="+mn-cs"/>
+              </a:defRPr>
+            </a:lvl5pPr>
+            <a:lvl6pPr marL="2514600" indent="-228600" algn="l" defTabSz="457200" rtl="0" eaLnBrk="1" latinLnBrk="0" hangingPunct="1">
+              <a:spcBef>
+                <a:spcPct val="20000"/>
+              </a:spcBef>
+              <a:buFont typeface="Arial"/>
+              <a:buChar char="•"/>
+              <a:defRPr sz="2000" kern="1200">
+                <a:solidFill>
+                  <a:schemeClr val="tx1"/>
+                </a:solidFill>
+                <a:latin typeface="+mn-lt"/>
+                <a:ea typeface="+mn-ea"/>
+                <a:cs typeface="+mn-cs"/>
+              </a:defRPr>
+            </a:lvl6pPr>
+            <a:lvl7pPr marL="2971800" indent="-228600" algn="l" defTabSz="457200" rtl="0" eaLnBrk="1" latinLnBrk="0" hangingPunct="1">
+              <a:spcBef>
+                <a:spcPct val="20000"/>
+              </a:spcBef>
+              <a:buFont typeface="Arial"/>
+              <a:buChar char="•"/>
+              <a:defRPr sz="2000" kern="1200">
+                <a:solidFill>
+                  <a:schemeClr val="tx1"/>
+                </a:solidFill>
+                <a:latin typeface="+mn-lt"/>
+                <a:ea typeface="+mn-ea"/>
+                <a:cs typeface="+mn-cs"/>
+              </a:defRPr>
+            </a:lvl7pPr>
+            <a:lvl8pPr marL="3429000" indent="-228600" algn="l" defTabSz="457200" rtl="0" eaLnBrk="1" latinLnBrk="0" hangingPunct="1">
+              <a:spcBef>
+                <a:spcPct val="20000"/>
+              </a:spcBef>
+              <a:buFont typeface="Arial"/>
+              <a:buChar char="•"/>
+              <a:defRPr sz="2000" kern="1200">
+                <a:solidFill>
+                  <a:schemeClr val="tx1"/>
+                </a:solidFill>
+                <a:latin typeface="+mn-lt"/>
+                <a:ea typeface="+mn-ea"/>
+                <a:cs typeface="+mn-cs"/>
+              </a:defRPr>
+            </a:lvl8pPr>
+            <a:lvl9pPr marL="3886200" indent="-228600" algn="l" defTabSz="457200" rtl="0" eaLnBrk="1" latinLnBrk="0" hangingPunct="1">
+              <a:spcBef>
+                <a:spcPct val="20000"/>
+              </a:spcBef>
+              <a:buFont typeface="Arial"/>
+              <a:buChar char="•"/>
+              <a:defRPr sz="2000" kern="1200">
+                <a:solidFill>
+                  <a:schemeClr val="tx1"/>
+                </a:solidFill>
+                <a:latin typeface="+mn-lt"/>
+                <a:ea typeface="+mn-ea"/>
+                <a:cs typeface="+mn-cs"/>
+              </a:defRPr>
+            </a:lvl9pPr>
+          </a:lstStyle>
+          <a:p>
+            <a:pPr marL="342900" indent="-342900">
+              <a:buFont typeface="Arial"/>
+              <a:buChar char="•"/>
+            </a:pPr>
+            <a:r>
+              <a:rPr lang="en-GB" sz="2000" dirty="0">
+                <a:latin typeface="Arial"/>
+                <a:cs typeface="Arial"/>
+              </a:rPr>
+              <a:t>Once we have created a list, Python allows us to manipulate it; adding, removing, and altering elements</a:t>
+            </a:r>
+          </a:p>
+        </p:txBody>
+      </p:sp>
       <p:pic>
         <p:nvPicPr>
-          <p:cNvPr id="4" name="Picture 3">
+          <p:cNvPr id="5" name="Picture 4">
             <a:extLst>
               <a:ext uri="{FF2B5EF4-FFF2-40B4-BE49-F238E27FC236}">
-                <a16:creationId xmlns:a16="http://schemas.microsoft.com/office/drawing/2014/main" id="{05B5F9BF-622C-4CC6-A5D1-980F2CEE208E}"/>
+                <a16:creationId xmlns:a16="http://schemas.microsoft.com/office/drawing/2014/main" id="{A542DE20-E612-4CF9-AB12-2B3E568B0000}"/>
               </a:ext>
             </a:extLst>
           </p:cNvPr>
@@ -29881,8 +30223,8 @@
         </p:blipFill>
         <p:spPr>
           <a:xfrm>
-            <a:off x="1957387" y="837435"/>
-            <a:ext cx="5229225" cy="2000250"/>
+            <a:off x="2884017" y="1563823"/>
+            <a:ext cx="3375966" cy="480959"/>
           </a:xfrm>
           <a:prstGeom prst="rect">
             <a:avLst/>
@@ -29891,10 +30233,10 @@
       </p:pic>
       <p:sp>
         <p:nvSpPr>
-          <p:cNvPr id="8" name="Text Placeholder 2">
+          <p:cNvPr id="9" name="Text Placeholder 2">
             <a:extLst>
               <a:ext uri="{FF2B5EF4-FFF2-40B4-BE49-F238E27FC236}">
-                <a16:creationId xmlns:a16="http://schemas.microsoft.com/office/drawing/2014/main" id="{FE14E548-262F-470A-8730-68D0A4DEF43C}"/>
+                <a16:creationId xmlns:a16="http://schemas.microsoft.com/office/drawing/2014/main" id="{82630EEF-054B-4DDF-9431-278614739A39}"/>
               </a:ext>
             </a:extLst>
           </p:cNvPr>
@@ -29905,8 +30247,8 @@
         </p:nvSpPr>
         <p:spPr>
           <a:xfrm>
-            <a:off x="237061" y="3110295"/>
-            <a:ext cx="8619938" cy="1487988"/>
+            <a:off x="768431" y="2135825"/>
+            <a:ext cx="4168640" cy="2462457"/>
           </a:xfrm>
           <a:prstGeom prst="rect">
             <a:avLst/>
@@ -30057,11 +30399,11 @@
               <a:buChar char="•"/>
             </a:pPr>
             <a:r>
-              <a:rPr lang="en-GB" sz="2000" dirty="0">
+              <a:rPr lang="en-GB" sz="1400" dirty="0">
                 <a:latin typeface="Arial"/>
                 <a:cs typeface="Arial"/>
               </a:rPr>
-              <a:t>Remember: the first index in a slice is included but the second isn’t</a:t>
+              <a:t>Add to the end of the list:</a:t>
             </a:r>
           </a:p>
           <a:p>
@@ -30069,34 +30411,190 @@
               <a:buFont typeface="Arial"/>
               <a:buChar char="•"/>
             </a:pPr>
-            <a:r>
-              <a:rPr lang="en-GB" sz="2000" dirty="0">
+            <a:endParaRPr lang="en-GB" sz="1400" dirty="0">
+              <a:latin typeface="Arial"/>
+              <a:cs typeface="Arial"/>
+            </a:endParaRPr>
+          </a:p>
+          <a:p>
+            <a:pPr marL="342900" indent="-342900">
+              <a:buFont typeface="Arial"/>
+              <a:buChar char="•"/>
+            </a:pPr>
+            <a:endParaRPr lang="en-GB" sz="1400" dirty="0">
+              <a:latin typeface="Arial"/>
+              <a:cs typeface="Arial"/>
+            </a:endParaRPr>
+          </a:p>
+          <a:p>
+            <a:pPr marL="342900" indent="-342900">
+              <a:buFont typeface="Arial"/>
+              <a:buChar char="•"/>
+            </a:pPr>
+            <a:endParaRPr lang="en-GB" sz="1400" dirty="0">
+              <a:latin typeface="Arial"/>
+              <a:cs typeface="Arial"/>
+            </a:endParaRPr>
+          </a:p>
+          <a:p>
+            <a:pPr marL="342900" indent="-342900">
+              <a:buFont typeface="Arial"/>
+              <a:buChar char="•"/>
+            </a:pPr>
+            <a:endParaRPr lang="en-GB" sz="1400" dirty="0">
+              <a:latin typeface="Arial"/>
+              <a:cs typeface="Arial"/>
+            </a:endParaRPr>
+          </a:p>
+          <a:p>
+            <a:pPr marL="342900" indent="-342900">
+              <a:buFont typeface="Arial"/>
+              <a:buChar char="•"/>
+            </a:pPr>
+            <a:endParaRPr lang="en-GB" sz="1400" dirty="0">
+              <a:latin typeface="Arial"/>
+              <a:cs typeface="Arial"/>
+            </a:endParaRPr>
+          </a:p>
+          <a:p>
+            <a:pPr marL="342900" indent="-342900">
+              <a:buFont typeface="Arial"/>
+              <a:buChar char="•"/>
+            </a:pPr>
+            <a:r>
+              <a:rPr lang="en-GB" sz="1400" dirty="0">
                 <a:latin typeface="Arial"/>
                 <a:cs typeface="Arial"/>
               </a:rPr>
-              <a:t>Therefore, we have to extend our slice up to index 5 to include the 5</a:t>
-            </a:r>
-            <a:r>
-              <a:rPr lang="en-GB" sz="2000" baseline="30000" dirty="0">
-                <a:latin typeface="Arial"/>
-                <a:cs typeface="Arial"/>
-              </a:rPr>
-              <a:t>th</a:t>
-            </a:r>
-            <a:r>
-              <a:rPr lang="en-GB" sz="2000" dirty="0">
-                <a:latin typeface="Arial"/>
-                <a:cs typeface="Arial"/>
-              </a:rPr>
-              <a:t> element (index 4)</a:t>
-            </a:r>
-          </a:p>
-        </p:txBody>
-      </p:sp>
+              <a:t>Delete by position/index</a:t>
+            </a:r>
+          </a:p>
+        </p:txBody>
+      </p:sp>
+      <p:pic>
+        <p:nvPicPr>
+          <p:cNvPr id="6" name="Picture 5">
+            <a:extLst>
+              <a:ext uri="{FF2B5EF4-FFF2-40B4-BE49-F238E27FC236}">
+                <a16:creationId xmlns:a16="http://schemas.microsoft.com/office/drawing/2014/main" id="{BB7F4807-40AD-4F01-82DC-C0FFDCA689C8}"/>
+              </a:ext>
+            </a:extLst>
+          </p:cNvPr>
+          <p:cNvPicPr>
+            <a:picLocks noChangeAspect="1"/>
+          </p:cNvPicPr>
+          <p:nvPr/>
+        </p:nvPicPr>
+        <p:blipFill>
+          <a:blip r:embed="rId4"/>
+          <a:stretch>
+            <a:fillRect/>
+          </a:stretch>
+        </p:blipFill>
+        <p:spPr>
+          <a:xfrm>
+            <a:off x="1524278" y="2561663"/>
+            <a:ext cx="2046553" cy="758636"/>
+          </a:xfrm>
+          <a:prstGeom prst="rect">
+            <a:avLst/>
+          </a:prstGeom>
+        </p:spPr>
+      </p:pic>
+      <p:pic>
+        <p:nvPicPr>
+          <p:cNvPr id="10" name="Picture 9">
+            <a:extLst>
+              <a:ext uri="{FF2B5EF4-FFF2-40B4-BE49-F238E27FC236}">
+                <a16:creationId xmlns:a16="http://schemas.microsoft.com/office/drawing/2014/main" id="{304DD745-9230-4B76-9D5E-597606EC8334}"/>
+              </a:ext>
+            </a:extLst>
+          </p:cNvPr>
+          <p:cNvPicPr>
+            <a:picLocks noChangeAspect="1"/>
+          </p:cNvPicPr>
+          <p:nvPr/>
+        </p:nvPicPr>
+        <p:blipFill>
+          <a:blip r:embed="rId5"/>
+          <a:stretch>
+            <a:fillRect/>
+          </a:stretch>
+        </p:blipFill>
+        <p:spPr>
+          <a:xfrm>
+            <a:off x="5778881" y="2560430"/>
+            <a:ext cx="1665868" cy="759869"/>
+          </a:xfrm>
+          <a:prstGeom prst="rect">
+            <a:avLst/>
+          </a:prstGeom>
+        </p:spPr>
+      </p:pic>
+      <p:pic>
+        <p:nvPicPr>
+          <p:cNvPr id="13" name="Picture 12">
+            <a:extLst>
+              <a:ext uri="{FF2B5EF4-FFF2-40B4-BE49-F238E27FC236}">
+                <a16:creationId xmlns:a16="http://schemas.microsoft.com/office/drawing/2014/main" id="{4AE9A144-2F7A-4398-B58A-F13EFBF2BEED}"/>
+              </a:ext>
+            </a:extLst>
+          </p:cNvPr>
+          <p:cNvPicPr>
+            <a:picLocks noChangeAspect="1"/>
+          </p:cNvPicPr>
+          <p:nvPr/>
+        </p:nvPicPr>
+        <p:blipFill>
+          <a:blip r:embed="rId6"/>
+          <a:stretch>
+            <a:fillRect/>
+          </a:stretch>
+        </p:blipFill>
+        <p:spPr>
+          <a:xfrm>
+            <a:off x="1524278" y="3856282"/>
+            <a:ext cx="1145503" cy="796339"/>
+          </a:xfrm>
+          <a:prstGeom prst="rect">
+            <a:avLst/>
+          </a:prstGeom>
+        </p:spPr>
+      </p:pic>
+      <p:pic>
+        <p:nvPicPr>
+          <p:cNvPr id="14" name="Picture 13">
+            <a:extLst>
+              <a:ext uri="{FF2B5EF4-FFF2-40B4-BE49-F238E27FC236}">
+                <a16:creationId xmlns:a16="http://schemas.microsoft.com/office/drawing/2014/main" id="{84189F70-2A79-48D7-9C3A-02BDAB9A293D}"/>
+              </a:ext>
+            </a:extLst>
+          </p:cNvPr>
+          <p:cNvPicPr>
+            <a:picLocks noChangeAspect="1"/>
+          </p:cNvPicPr>
+          <p:nvPr/>
+        </p:nvPicPr>
+        <p:blipFill>
+          <a:blip r:embed="rId7"/>
+          <a:stretch>
+            <a:fillRect/>
+          </a:stretch>
+        </p:blipFill>
+        <p:spPr>
+          <a:xfrm>
+            <a:off x="5769060" y="3856282"/>
+            <a:ext cx="1567661" cy="831432"/>
+          </a:xfrm>
+          <a:prstGeom prst="rect">
+            <a:avLst/>
+          </a:prstGeom>
+        </p:spPr>
+      </p:pic>
     </p:spTree>
     <p:extLst>
       <p:ext uri="{BB962C8B-B14F-4D97-AF65-F5344CB8AC3E}">
-        <p14:creationId xmlns:p14="http://schemas.microsoft.com/office/powerpoint/2010/main" val="433163882"/>
+        <p14:creationId xmlns:p14="http://schemas.microsoft.com/office/powerpoint/2010/main" val="805139721"/>
       </p:ext>
     </p:extLst>
   </p:cSld>
@@ -30125,246 +30623,6 @@
       </p:grpSpPr>
       <p:sp>
         <p:nvSpPr>
-          <p:cNvPr id="12" name="Text Placeholder 2">
-            <a:extLst>
-              <a:ext uri="{FF2B5EF4-FFF2-40B4-BE49-F238E27FC236}">
-                <a16:creationId xmlns:a16="http://schemas.microsoft.com/office/drawing/2014/main" id="{262D519B-AF9D-442A-80BD-0B3F50B165F5}"/>
-              </a:ext>
-            </a:extLst>
-          </p:cNvPr>
-          <p:cNvSpPr txBox="1">
-            <a:spLocks/>
-          </p:cNvSpPr>
-          <p:nvPr/>
-        </p:nvSpPr>
-        <p:spPr>
-          <a:xfrm>
-            <a:off x="5147663" y="2109738"/>
-            <a:ext cx="2928304" cy="2462457"/>
-          </a:xfrm>
-          <a:prstGeom prst="rect">
-            <a:avLst/>
-          </a:prstGeom>
-        </p:spPr>
-        <p:txBody>
-          <a:bodyPr vert="horz" anchor="t"/>
-          <a:lstStyle>
-            <a:lvl1pPr marL="0" indent="0" algn="l" defTabSz="457200" rtl="0" eaLnBrk="1" latinLnBrk="0" hangingPunct="1">
-              <a:spcBef>
-                <a:spcPts val="0"/>
-              </a:spcBef>
-              <a:buFont typeface="Arial"/>
-              <a:buNone/>
-              <a:defRPr sz="2400" kern="1200" baseline="0">
-                <a:solidFill>
-                  <a:schemeClr val="tx1"/>
-                </a:solidFill>
-                <a:latin typeface="Arial" pitchFamily="34" charset="0"/>
-                <a:ea typeface="+mn-ea"/>
-                <a:cs typeface="Arial" pitchFamily="34" charset="0"/>
-              </a:defRPr>
-            </a:lvl1pPr>
-            <a:lvl2pPr marL="457200" indent="0" algn="l" defTabSz="457200" rtl="0" eaLnBrk="1" latinLnBrk="0" hangingPunct="1">
-              <a:spcBef>
-                <a:spcPct val="20000"/>
-              </a:spcBef>
-              <a:buFont typeface="Arial"/>
-              <a:buNone/>
-              <a:defRPr sz="2400" kern="1200">
-                <a:solidFill>
-                  <a:schemeClr val="tx1"/>
-                </a:solidFill>
-                <a:latin typeface="+mn-lt"/>
-                <a:ea typeface="+mn-ea"/>
-                <a:cs typeface="+mn-cs"/>
-              </a:defRPr>
-            </a:lvl2pPr>
-            <a:lvl3pPr marL="914400" indent="0" algn="l" defTabSz="457200" rtl="0" eaLnBrk="1" latinLnBrk="0" hangingPunct="1">
-              <a:spcBef>
-                <a:spcPct val="20000"/>
-              </a:spcBef>
-              <a:buFont typeface="Arial"/>
-              <a:buNone/>
-              <a:defRPr sz="2400" kern="1200">
-                <a:solidFill>
-                  <a:schemeClr val="tx1"/>
-                </a:solidFill>
-                <a:latin typeface="+mn-lt"/>
-                <a:ea typeface="+mn-ea"/>
-                <a:cs typeface="+mn-cs"/>
-              </a:defRPr>
-            </a:lvl3pPr>
-            <a:lvl4pPr marL="1371600" indent="0" algn="l" defTabSz="457200" rtl="0" eaLnBrk="1" latinLnBrk="0" hangingPunct="1">
-              <a:spcBef>
-                <a:spcPct val="20000"/>
-              </a:spcBef>
-              <a:buFont typeface="Arial"/>
-              <a:buNone/>
-              <a:defRPr sz="2400" kern="1200">
-                <a:solidFill>
-                  <a:schemeClr val="tx1"/>
-                </a:solidFill>
-                <a:latin typeface="+mn-lt"/>
-                <a:ea typeface="+mn-ea"/>
-                <a:cs typeface="+mn-cs"/>
-              </a:defRPr>
-            </a:lvl4pPr>
-            <a:lvl5pPr marL="1828800" indent="0" algn="l" defTabSz="457200" rtl="0" eaLnBrk="1" latinLnBrk="0" hangingPunct="1">
-              <a:spcBef>
-                <a:spcPct val="20000"/>
-              </a:spcBef>
-              <a:buFont typeface="Arial"/>
-              <a:buNone/>
-              <a:defRPr sz="2400" kern="1200">
-                <a:solidFill>
-                  <a:schemeClr val="tx1"/>
-                </a:solidFill>
-                <a:latin typeface="+mn-lt"/>
-                <a:ea typeface="+mn-ea"/>
-                <a:cs typeface="+mn-cs"/>
-              </a:defRPr>
-            </a:lvl5pPr>
-            <a:lvl6pPr marL="2514600" indent="-228600" algn="l" defTabSz="457200" rtl="0" eaLnBrk="1" latinLnBrk="0" hangingPunct="1">
-              <a:spcBef>
-                <a:spcPct val="20000"/>
-              </a:spcBef>
-              <a:buFont typeface="Arial"/>
-              <a:buChar char="•"/>
-              <a:defRPr sz="2000" kern="1200">
-                <a:solidFill>
-                  <a:schemeClr val="tx1"/>
-                </a:solidFill>
-                <a:latin typeface="+mn-lt"/>
-                <a:ea typeface="+mn-ea"/>
-                <a:cs typeface="+mn-cs"/>
-              </a:defRPr>
-            </a:lvl6pPr>
-            <a:lvl7pPr marL="2971800" indent="-228600" algn="l" defTabSz="457200" rtl="0" eaLnBrk="1" latinLnBrk="0" hangingPunct="1">
-              <a:spcBef>
-                <a:spcPct val="20000"/>
-              </a:spcBef>
-              <a:buFont typeface="Arial"/>
-              <a:buChar char="•"/>
-              <a:defRPr sz="2000" kern="1200">
-                <a:solidFill>
-                  <a:schemeClr val="tx1"/>
-                </a:solidFill>
-                <a:latin typeface="+mn-lt"/>
-                <a:ea typeface="+mn-ea"/>
-                <a:cs typeface="+mn-cs"/>
-              </a:defRPr>
-            </a:lvl7pPr>
-            <a:lvl8pPr marL="3429000" indent="-228600" algn="l" defTabSz="457200" rtl="0" eaLnBrk="1" latinLnBrk="0" hangingPunct="1">
-              <a:spcBef>
-                <a:spcPct val="20000"/>
-              </a:spcBef>
-              <a:buFont typeface="Arial"/>
-              <a:buChar char="•"/>
-              <a:defRPr sz="2000" kern="1200">
-                <a:solidFill>
-                  <a:schemeClr val="tx1"/>
-                </a:solidFill>
-                <a:latin typeface="+mn-lt"/>
-                <a:ea typeface="+mn-ea"/>
-                <a:cs typeface="+mn-cs"/>
-              </a:defRPr>
-            </a:lvl8pPr>
-            <a:lvl9pPr marL="3886200" indent="-228600" algn="l" defTabSz="457200" rtl="0" eaLnBrk="1" latinLnBrk="0" hangingPunct="1">
-              <a:spcBef>
-                <a:spcPct val="20000"/>
-              </a:spcBef>
-              <a:buFont typeface="Arial"/>
-              <a:buChar char="•"/>
-              <a:defRPr sz="2000" kern="1200">
-                <a:solidFill>
-                  <a:schemeClr val="tx1"/>
-                </a:solidFill>
-                <a:latin typeface="+mn-lt"/>
-                <a:ea typeface="+mn-ea"/>
-                <a:cs typeface="+mn-cs"/>
-              </a:defRPr>
-            </a:lvl9pPr>
-          </a:lstStyle>
-          <a:p>
-            <a:pPr marL="342900" indent="-342900">
-              <a:buFont typeface="Arial"/>
-              <a:buChar char="•"/>
-            </a:pPr>
-            <a:r>
-              <a:rPr lang="en-GB" sz="1400" dirty="0">
-                <a:latin typeface="Arial"/>
-                <a:cs typeface="Arial"/>
-              </a:rPr>
-              <a:t>Overwrite an element:</a:t>
-            </a:r>
-          </a:p>
-          <a:p>
-            <a:pPr marL="342900" indent="-342900">
-              <a:buFont typeface="Arial"/>
-              <a:buChar char="•"/>
-            </a:pPr>
-            <a:endParaRPr lang="en-GB" sz="1400" dirty="0">
-              <a:latin typeface="Arial"/>
-              <a:cs typeface="Arial"/>
-            </a:endParaRPr>
-          </a:p>
-          <a:p>
-            <a:pPr marL="342900" indent="-342900">
-              <a:buFont typeface="Arial"/>
-              <a:buChar char="•"/>
-            </a:pPr>
-            <a:endParaRPr lang="en-GB" sz="1400" dirty="0">
-              <a:latin typeface="Arial"/>
-              <a:cs typeface="Arial"/>
-            </a:endParaRPr>
-          </a:p>
-          <a:p>
-            <a:pPr marL="342900" indent="-342900">
-              <a:buFont typeface="Arial"/>
-              <a:buChar char="•"/>
-            </a:pPr>
-            <a:endParaRPr lang="en-GB" sz="1400" dirty="0">
-              <a:latin typeface="Arial"/>
-              <a:cs typeface="Arial"/>
-            </a:endParaRPr>
-          </a:p>
-          <a:p>
-            <a:pPr marL="342900" indent="-342900">
-              <a:buFont typeface="Arial"/>
-              <a:buChar char="•"/>
-            </a:pPr>
-            <a:endParaRPr lang="en-GB" sz="1400" dirty="0">
-              <a:latin typeface="Arial"/>
-              <a:cs typeface="Arial"/>
-            </a:endParaRPr>
-          </a:p>
-          <a:p>
-            <a:pPr marL="342900" indent="-342900">
-              <a:buFont typeface="Arial"/>
-              <a:buChar char="•"/>
-            </a:pPr>
-            <a:endParaRPr lang="en-GB" sz="1400" dirty="0">
-              <a:latin typeface="Arial"/>
-              <a:cs typeface="Arial"/>
-            </a:endParaRPr>
-          </a:p>
-          <a:p>
-            <a:pPr marL="342900" indent="-342900">
-              <a:buFont typeface="Arial"/>
-              <a:buChar char="•"/>
-            </a:pPr>
-            <a:r>
-              <a:rPr lang="en-GB" sz="1400" dirty="0">
-                <a:latin typeface="Arial"/>
-                <a:cs typeface="Arial"/>
-              </a:rPr>
-              <a:t>Delete by value</a:t>
-            </a:r>
-          </a:p>
-        </p:txBody>
-      </p:sp>
-      <p:sp>
-        <p:nvSpPr>
           <p:cNvPr id="2" name="Title 1">
             <a:extLst>
               <a:ext uri="{FF2B5EF4-FFF2-40B4-BE49-F238E27FC236}">
@@ -30622,17 +30880,43 @@
                 <a:latin typeface="Arial"/>
                 <a:cs typeface="Arial"/>
               </a:rPr>
-              <a:t>Once we have created a list, Python allows us to manipulate it; adding, removing, and altering elements</a:t>
+              <a:t>A few notes:</a:t>
+            </a:r>
+          </a:p>
+          <a:p>
+            <a:pPr marL="800100" lvl="1" indent="-342900">
+              <a:buFont typeface="Arial"/>
+              <a:buChar char="•"/>
+            </a:pPr>
+            <a:r>
+              <a:rPr lang="en-GB" sz="2000" dirty="0">
+                <a:latin typeface="Arial"/>
+                <a:cs typeface="Arial"/>
+              </a:rPr>
+              <a:t>I feel sorry for Bob</a:t>
+            </a:r>
+          </a:p>
+          <a:p>
+            <a:pPr marL="800100" lvl="1" indent="-342900">
+              <a:buFont typeface="Arial"/>
+              <a:buChar char="•"/>
+            </a:pPr>
+            <a:r>
+              <a:rPr lang="en-GB" sz="2000" dirty="0">
+                <a:latin typeface="Arial"/>
+                <a:cs typeface="Arial"/>
+              </a:rPr>
+              <a:t>When we use `.remove(…)`, Python will only remove the first matching value from the list. If no match is found, an error will be raised</a:t>
             </a:r>
           </a:p>
         </p:txBody>
       </p:sp>
       <p:pic>
         <p:nvPicPr>
-          <p:cNvPr id="5" name="Picture 4">
+          <p:cNvPr id="4" name="Picture 3">
             <a:extLst>
               <a:ext uri="{FF2B5EF4-FFF2-40B4-BE49-F238E27FC236}">
-                <a16:creationId xmlns:a16="http://schemas.microsoft.com/office/drawing/2014/main" id="{A542DE20-E612-4CF9-AB12-2B3E568B0000}"/>
+                <a16:creationId xmlns:a16="http://schemas.microsoft.com/office/drawing/2014/main" id="{307500EC-0671-4997-A0EC-404BF06EEF2C}"/>
               </a:ext>
             </a:extLst>
           </p:cNvPr>
@@ -30649,260 +30933,20 @@
         </p:blipFill>
         <p:spPr>
           <a:xfrm>
-            <a:off x="2884017" y="1563823"/>
-            <a:ext cx="3375966" cy="480959"/>
+            <a:off x="1103336" y="2903801"/>
+            <a:ext cx="3318538" cy="1227710"/>
           </a:xfrm>
           <a:prstGeom prst="rect">
             <a:avLst/>
           </a:prstGeom>
         </p:spPr>
       </p:pic>
-      <p:sp>
-        <p:nvSpPr>
-          <p:cNvPr id="9" name="Text Placeholder 2">
+      <p:pic>
+        <p:nvPicPr>
+          <p:cNvPr id="8" name="Picture 7">
             <a:extLst>
               <a:ext uri="{FF2B5EF4-FFF2-40B4-BE49-F238E27FC236}">
-                <a16:creationId xmlns:a16="http://schemas.microsoft.com/office/drawing/2014/main" id="{82630EEF-054B-4DDF-9431-278614739A39}"/>
-              </a:ext>
-            </a:extLst>
-          </p:cNvPr>
-          <p:cNvSpPr txBox="1">
-            <a:spLocks/>
-          </p:cNvSpPr>
-          <p:nvPr/>
-        </p:nvSpPr>
-        <p:spPr>
-          <a:xfrm>
-            <a:off x="768431" y="2135825"/>
-            <a:ext cx="4168640" cy="2462457"/>
-          </a:xfrm>
-          <a:prstGeom prst="rect">
-            <a:avLst/>
-          </a:prstGeom>
-        </p:spPr>
-        <p:txBody>
-          <a:bodyPr vert="horz" anchor="t"/>
-          <a:lstStyle>
-            <a:lvl1pPr marL="0" indent="0" algn="l" defTabSz="457200" rtl="0" eaLnBrk="1" latinLnBrk="0" hangingPunct="1">
-              <a:spcBef>
-                <a:spcPts val="0"/>
-              </a:spcBef>
-              <a:buFont typeface="Arial"/>
-              <a:buNone/>
-              <a:defRPr sz="2400" kern="1200" baseline="0">
-                <a:solidFill>
-                  <a:schemeClr val="tx1"/>
-                </a:solidFill>
-                <a:latin typeface="Arial" pitchFamily="34" charset="0"/>
-                <a:ea typeface="+mn-ea"/>
-                <a:cs typeface="Arial" pitchFamily="34" charset="0"/>
-              </a:defRPr>
-            </a:lvl1pPr>
-            <a:lvl2pPr marL="457200" indent="0" algn="l" defTabSz="457200" rtl="0" eaLnBrk="1" latinLnBrk="0" hangingPunct="1">
-              <a:spcBef>
-                <a:spcPct val="20000"/>
-              </a:spcBef>
-              <a:buFont typeface="Arial"/>
-              <a:buNone/>
-              <a:defRPr sz="2400" kern="1200">
-                <a:solidFill>
-                  <a:schemeClr val="tx1"/>
-                </a:solidFill>
-                <a:latin typeface="+mn-lt"/>
-                <a:ea typeface="+mn-ea"/>
-                <a:cs typeface="+mn-cs"/>
-              </a:defRPr>
-            </a:lvl2pPr>
-            <a:lvl3pPr marL="914400" indent="0" algn="l" defTabSz="457200" rtl="0" eaLnBrk="1" latinLnBrk="0" hangingPunct="1">
-              <a:spcBef>
-                <a:spcPct val="20000"/>
-              </a:spcBef>
-              <a:buFont typeface="Arial"/>
-              <a:buNone/>
-              <a:defRPr sz="2400" kern="1200">
-                <a:solidFill>
-                  <a:schemeClr val="tx1"/>
-                </a:solidFill>
-                <a:latin typeface="+mn-lt"/>
-                <a:ea typeface="+mn-ea"/>
-                <a:cs typeface="+mn-cs"/>
-              </a:defRPr>
-            </a:lvl3pPr>
-            <a:lvl4pPr marL="1371600" indent="0" algn="l" defTabSz="457200" rtl="0" eaLnBrk="1" latinLnBrk="0" hangingPunct="1">
-              <a:spcBef>
-                <a:spcPct val="20000"/>
-              </a:spcBef>
-              <a:buFont typeface="Arial"/>
-              <a:buNone/>
-              <a:defRPr sz="2400" kern="1200">
-                <a:solidFill>
-                  <a:schemeClr val="tx1"/>
-                </a:solidFill>
-                <a:latin typeface="+mn-lt"/>
-                <a:ea typeface="+mn-ea"/>
-                <a:cs typeface="+mn-cs"/>
-              </a:defRPr>
-            </a:lvl4pPr>
-            <a:lvl5pPr marL="1828800" indent="0" algn="l" defTabSz="457200" rtl="0" eaLnBrk="1" latinLnBrk="0" hangingPunct="1">
-              <a:spcBef>
-                <a:spcPct val="20000"/>
-              </a:spcBef>
-              <a:buFont typeface="Arial"/>
-              <a:buNone/>
-              <a:defRPr sz="2400" kern="1200">
-                <a:solidFill>
-                  <a:schemeClr val="tx1"/>
-                </a:solidFill>
-                <a:latin typeface="+mn-lt"/>
-                <a:ea typeface="+mn-ea"/>
-                <a:cs typeface="+mn-cs"/>
-              </a:defRPr>
-            </a:lvl5pPr>
-            <a:lvl6pPr marL="2514600" indent="-228600" algn="l" defTabSz="457200" rtl="0" eaLnBrk="1" latinLnBrk="0" hangingPunct="1">
-              <a:spcBef>
-                <a:spcPct val="20000"/>
-              </a:spcBef>
-              <a:buFont typeface="Arial"/>
-              <a:buChar char="•"/>
-              <a:defRPr sz="2000" kern="1200">
-                <a:solidFill>
-                  <a:schemeClr val="tx1"/>
-                </a:solidFill>
-                <a:latin typeface="+mn-lt"/>
-                <a:ea typeface="+mn-ea"/>
-                <a:cs typeface="+mn-cs"/>
-              </a:defRPr>
-            </a:lvl6pPr>
-            <a:lvl7pPr marL="2971800" indent="-228600" algn="l" defTabSz="457200" rtl="0" eaLnBrk="1" latinLnBrk="0" hangingPunct="1">
-              <a:spcBef>
-                <a:spcPct val="20000"/>
-              </a:spcBef>
-              <a:buFont typeface="Arial"/>
-              <a:buChar char="•"/>
-              <a:defRPr sz="2000" kern="1200">
-                <a:solidFill>
-                  <a:schemeClr val="tx1"/>
-                </a:solidFill>
-                <a:latin typeface="+mn-lt"/>
-                <a:ea typeface="+mn-ea"/>
-                <a:cs typeface="+mn-cs"/>
-              </a:defRPr>
-            </a:lvl7pPr>
-            <a:lvl8pPr marL="3429000" indent="-228600" algn="l" defTabSz="457200" rtl="0" eaLnBrk="1" latinLnBrk="0" hangingPunct="1">
-              <a:spcBef>
-                <a:spcPct val="20000"/>
-              </a:spcBef>
-              <a:buFont typeface="Arial"/>
-              <a:buChar char="•"/>
-              <a:defRPr sz="2000" kern="1200">
-                <a:solidFill>
-                  <a:schemeClr val="tx1"/>
-                </a:solidFill>
-                <a:latin typeface="+mn-lt"/>
-                <a:ea typeface="+mn-ea"/>
-                <a:cs typeface="+mn-cs"/>
-              </a:defRPr>
-            </a:lvl8pPr>
-            <a:lvl9pPr marL="3886200" indent="-228600" algn="l" defTabSz="457200" rtl="0" eaLnBrk="1" latinLnBrk="0" hangingPunct="1">
-              <a:spcBef>
-                <a:spcPct val="20000"/>
-              </a:spcBef>
-              <a:buFont typeface="Arial"/>
-              <a:buChar char="•"/>
-              <a:defRPr sz="2000" kern="1200">
-                <a:solidFill>
-                  <a:schemeClr val="tx1"/>
-                </a:solidFill>
-                <a:latin typeface="+mn-lt"/>
-                <a:ea typeface="+mn-ea"/>
-                <a:cs typeface="+mn-cs"/>
-              </a:defRPr>
-            </a:lvl9pPr>
-          </a:lstStyle>
-          <a:p>
-            <a:pPr marL="342900" indent="-342900">
-              <a:buFont typeface="Arial"/>
-              <a:buChar char="•"/>
-            </a:pPr>
-            <a:r>
-              <a:rPr lang="en-GB" sz="1400" dirty="0">
-                <a:latin typeface="Arial"/>
-                <a:cs typeface="Arial"/>
-              </a:rPr>
-              <a:t>Add to the end of the list:</a:t>
-            </a:r>
-          </a:p>
-          <a:p>
-            <a:pPr marL="342900" indent="-342900">
-              <a:buFont typeface="Arial"/>
-              <a:buChar char="•"/>
-            </a:pPr>
-            <a:endParaRPr lang="en-GB" sz="1400" dirty="0">
-              <a:latin typeface="Arial"/>
-              <a:cs typeface="Arial"/>
-            </a:endParaRPr>
-          </a:p>
-          <a:p>
-            <a:pPr marL="342900" indent="-342900">
-              <a:buFont typeface="Arial"/>
-              <a:buChar char="•"/>
-            </a:pPr>
-            <a:endParaRPr lang="en-GB" sz="1400" dirty="0">
-              <a:latin typeface="Arial"/>
-              <a:cs typeface="Arial"/>
-            </a:endParaRPr>
-          </a:p>
-          <a:p>
-            <a:pPr marL="342900" indent="-342900">
-              <a:buFont typeface="Arial"/>
-              <a:buChar char="•"/>
-            </a:pPr>
-            <a:endParaRPr lang="en-GB" sz="1400" dirty="0">
-              <a:latin typeface="Arial"/>
-              <a:cs typeface="Arial"/>
-            </a:endParaRPr>
-          </a:p>
-          <a:p>
-            <a:pPr marL="342900" indent="-342900">
-              <a:buFont typeface="Arial"/>
-              <a:buChar char="•"/>
-            </a:pPr>
-            <a:endParaRPr lang="en-GB" sz="1400" dirty="0">
-              <a:latin typeface="Arial"/>
-              <a:cs typeface="Arial"/>
-            </a:endParaRPr>
-          </a:p>
-          <a:p>
-            <a:pPr marL="342900" indent="-342900">
-              <a:buFont typeface="Arial"/>
-              <a:buChar char="•"/>
-            </a:pPr>
-            <a:endParaRPr lang="en-GB" sz="1400" dirty="0">
-              <a:latin typeface="Arial"/>
-              <a:cs typeface="Arial"/>
-            </a:endParaRPr>
-          </a:p>
-          <a:p>
-            <a:pPr marL="342900" indent="-342900">
-              <a:buFont typeface="Arial"/>
-              <a:buChar char="•"/>
-            </a:pPr>
-            <a:r>
-              <a:rPr lang="en-GB" sz="1400" dirty="0">
-                <a:latin typeface="Arial"/>
-                <a:cs typeface="Arial"/>
-              </a:rPr>
-              <a:t>Delete by position/index</a:t>
-            </a:r>
-          </a:p>
-        </p:txBody>
-      </p:sp>
-      <p:pic>
-        <p:nvPicPr>
-          <p:cNvPr id="6" name="Picture 5">
-            <a:extLst>
-              <a:ext uri="{FF2B5EF4-FFF2-40B4-BE49-F238E27FC236}">
-                <a16:creationId xmlns:a16="http://schemas.microsoft.com/office/drawing/2014/main" id="{BB7F4807-40AD-4F01-82DC-C0FFDCA689C8}"/>
+                <a16:creationId xmlns:a16="http://schemas.microsoft.com/office/drawing/2014/main" id="{DC4A64D6-10B8-4665-8936-66CE79D7571D}"/>
               </a:ext>
             </a:extLst>
           </p:cNvPr>
@@ -30919,98 +30963,8 @@
         </p:blipFill>
         <p:spPr>
           <a:xfrm>
-            <a:off x="1524278" y="2561663"/>
-            <a:ext cx="2046553" cy="758636"/>
-          </a:xfrm>
-          <a:prstGeom prst="rect">
-            <a:avLst/>
-          </a:prstGeom>
-        </p:spPr>
-      </p:pic>
-      <p:pic>
-        <p:nvPicPr>
-          <p:cNvPr id="10" name="Picture 9">
-            <a:extLst>
-              <a:ext uri="{FF2B5EF4-FFF2-40B4-BE49-F238E27FC236}">
-                <a16:creationId xmlns:a16="http://schemas.microsoft.com/office/drawing/2014/main" id="{304DD745-9230-4B76-9D5E-597606EC8334}"/>
-              </a:ext>
-            </a:extLst>
-          </p:cNvPr>
-          <p:cNvPicPr>
-            <a:picLocks noChangeAspect="1"/>
-          </p:cNvPicPr>
-          <p:nvPr/>
-        </p:nvPicPr>
-        <p:blipFill>
-          <a:blip r:embed="rId5"/>
-          <a:stretch>
-            <a:fillRect/>
-          </a:stretch>
-        </p:blipFill>
-        <p:spPr>
-          <a:xfrm>
-            <a:off x="5778881" y="2560430"/>
-            <a:ext cx="1665868" cy="759869"/>
-          </a:xfrm>
-          <a:prstGeom prst="rect">
-            <a:avLst/>
-          </a:prstGeom>
-        </p:spPr>
-      </p:pic>
-      <p:pic>
-        <p:nvPicPr>
-          <p:cNvPr id="13" name="Picture 12">
-            <a:extLst>
-              <a:ext uri="{FF2B5EF4-FFF2-40B4-BE49-F238E27FC236}">
-                <a16:creationId xmlns:a16="http://schemas.microsoft.com/office/drawing/2014/main" id="{4AE9A144-2F7A-4398-B58A-F13EFBF2BEED}"/>
-              </a:ext>
-            </a:extLst>
-          </p:cNvPr>
-          <p:cNvPicPr>
-            <a:picLocks noChangeAspect="1"/>
-          </p:cNvPicPr>
-          <p:nvPr/>
-        </p:nvPicPr>
-        <p:blipFill>
-          <a:blip r:embed="rId6"/>
-          <a:stretch>
-            <a:fillRect/>
-          </a:stretch>
-        </p:blipFill>
-        <p:spPr>
-          <a:xfrm>
-            <a:off x="1524278" y="3856282"/>
-            <a:ext cx="1145503" cy="796339"/>
-          </a:xfrm>
-          <a:prstGeom prst="rect">
-            <a:avLst/>
-          </a:prstGeom>
-        </p:spPr>
-      </p:pic>
-      <p:pic>
-        <p:nvPicPr>
-          <p:cNvPr id="14" name="Picture 13">
-            <a:extLst>
-              <a:ext uri="{FF2B5EF4-FFF2-40B4-BE49-F238E27FC236}">
-                <a16:creationId xmlns:a16="http://schemas.microsoft.com/office/drawing/2014/main" id="{84189F70-2A79-48D7-9C3A-02BDAB9A293D}"/>
-              </a:ext>
-            </a:extLst>
-          </p:cNvPr>
-          <p:cNvPicPr>
-            <a:picLocks noChangeAspect="1"/>
-          </p:cNvPicPr>
-          <p:nvPr/>
-        </p:nvPicPr>
-        <p:blipFill>
-          <a:blip r:embed="rId7"/>
-          <a:stretch>
-            <a:fillRect/>
-          </a:stretch>
-        </p:blipFill>
-        <p:spPr>
-          <a:xfrm>
-            <a:off x="5769060" y="3856282"/>
-            <a:ext cx="1567661" cy="831432"/>
+            <a:off x="4923074" y="2878824"/>
+            <a:ext cx="2849689" cy="1277663"/>
           </a:xfrm>
           <a:prstGeom prst="rect">
             <a:avLst/>
@@ -31020,7 +30974,7 @@
     </p:spTree>
     <p:extLst>
       <p:ext uri="{BB962C8B-B14F-4D97-AF65-F5344CB8AC3E}">
-        <p14:creationId xmlns:p14="http://schemas.microsoft.com/office/powerpoint/2010/main" val="805139721"/>
+        <p14:creationId xmlns:p14="http://schemas.microsoft.com/office/powerpoint/2010/main" val="1851146060"/>
       </p:ext>
     </p:extLst>
   </p:cSld>
@@ -31070,7 +31024,7 @@
           <a:p>
             <a:r>
               <a:rPr lang="en-GB" dirty="0"/>
-              <a:t>Manipulating Lists</a:t>
+              <a:t>Manipulating Lists Puzzles</a:t>
             </a:r>
           </a:p>
         </p:txBody>
@@ -31306,25 +31260,36 @@
                 <a:latin typeface="Arial"/>
                 <a:cs typeface="Arial"/>
               </a:rPr>
-              <a:t>A few notes:</a:t>
-            </a:r>
-          </a:p>
-          <a:p>
-            <a:pPr marL="800100" lvl="1" indent="-342900">
-              <a:buFont typeface="Arial"/>
-              <a:buChar char="•"/>
+              <a:t>Create a list containing the numbers</a:t>
+            </a:r>
+          </a:p>
+          <a:p>
+            <a:endParaRPr lang="en-GB" sz="400" dirty="0">
+              <a:latin typeface="Arial"/>
+              <a:cs typeface="Arial"/>
+            </a:endParaRPr>
+          </a:p>
+          <a:p>
+            <a:pPr marL="457200" indent="-457200" algn="ctr">
+              <a:buAutoNum type="arabicPlain" startAt="23"/>
             </a:pPr>
             <a:r>
               <a:rPr lang="en-GB" sz="2000" dirty="0">
                 <a:latin typeface="Arial"/>
                 <a:cs typeface="Arial"/>
               </a:rPr>
-              <a:t>I feel sorry for Bob</a:t>
-            </a:r>
-          </a:p>
-          <a:p>
-            <a:pPr marL="800100" lvl="1" indent="-342900">
-              <a:buFont typeface="Arial"/>
+              <a:t>14    45   666    74    3    78</a:t>
+            </a:r>
+          </a:p>
+          <a:p>
+            <a:endParaRPr lang="en-GB" sz="400" dirty="0">
+              <a:latin typeface="Arial"/>
+              <a:cs typeface="Arial"/>
+            </a:endParaRPr>
+          </a:p>
+          <a:p>
+            <a:pPr marL="342900" indent="-342900">
+              <a:buFont typeface="Arial" panose="020B0604020202020204" pitchFamily="34" charset="0"/>
               <a:buChar char="•"/>
             </a:pPr>
             <a:r>
@@ -31332,75 +31297,139 @@
                 <a:latin typeface="Arial"/>
                 <a:cs typeface="Arial"/>
               </a:rPr>
-              <a:t>When we use `.remove(…)`, Python will only remove the first matching value from the list. If no match is found, an error will be raised</a:t>
-            </a:r>
-          </a:p>
-        </p:txBody>
-      </p:sp>
-      <p:pic>
-        <p:nvPicPr>
-          <p:cNvPr id="4" name="Picture 3">
-            <a:extLst>
-              <a:ext uri="{FF2B5EF4-FFF2-40B4-BE49-F238E27FC236}">
-                <a16:creationId xmlns:a16="http://schemas.microsoft.com/office/drawing/2014/main" id="{307500EC-0671-4997-A0EC-404BF06EEF2C}"/>
-              </a:ext>
-            </a:extLst>
-          </p:cNvPr>
-          <p:cNvPicPr>
-            <a:picLocks noChangeAspect="1"/>
-          </p:cNvPicPr>
-          <p:nvPr/>
-        </p:nvPicPr>
-        <p:blipFill>
-          <a:blip r:embed="rId3"/>
-          <a:stretch>
-            <a:fillRect/>
-          </a:stretch>
-        </p:blipFill>
-        <p:spPr>
-          <a:xfrm>
-            <a:off x="1103336" y="2903801"/>
-            <a:ext cx="3318538" cy="1227710"/>
-          </a:xfrm>
-          <a:prstGeom prst="rect">
-            <a:avLst/>
-          </a:prstGeom>
-        </p:spPr>
-      </p:pic>
-      <p:pic>
-        <p:nvPicPr>
-          <p:cNvPr id="8" name="Picture 7">
-            <a:extLst>
-              <a:ext uri="{FF2B5EF4-FFF2-40B4-BE49-F238E27FC236}">
-                <a16:creationId xmlns:a16="http://schemas.microsoft.com/office/drawing/2014/main" id="{DC4A64D6-10B8-4665-8936-66CE79D7571D}"/>
-              </a:ext>
-            </a:extLst>
-          </p:cNvPr>
-          <p:cNvPicPr>
-            <a:picLocks noChangeAspect="1"/>
-          </p:cNvPicPr>
-          <p:nvPr/>
-        </p:nvPicPr>
-        <p:blipFill>
-          <a:blip r:embed="rId4"/>
-          <a:stretch>
-            <a:fillRect/>
-          </a:stretch>
-        </p:blipFill>
-        <p:spPr>
-          <a:xfrm>
-            <a:off x="4923074" y="2878824"/>
-            <a:ext cx="2849689" cy="1277663"/>
-          </a:xfrm>
-          <a:prstGeom prst="rect">
-            <a:avLst/>
-          </a:prstGeom>
-        </p:spPr>
-      </p:pic>
+              <a:t>Add the number 4 to the end of the list</a:t>
+            </a:r>
+          </a:p>
+          <a:p>
+            <a:pPr marL="342900" indent="-342900">
+              <a:buFont typeface="Arial" panose="020B0604020202020204" pitchFamily="34" charset="0"/>
+              <a:buChar char="•"/>
+            </a:pPr>
+            <a:r>
+              <a:rPr lang="en-GB" sz="2000" dirty="0">
+                <a:latin typeface="Arial"/>
+                <a:cs typeface="Arial"/>
+              </a:rPr>
+              <a:t>Sort the list in ascending order by using `</a:t>
+            </a:r>
+            <a:r>
+              <a:rPr lang="en-GB" sz="2000" dirty="0" err="1">
+                <a:latin typeface="Arial"/>
+                <a:cs typeface="Arial"/>
+              </a:rPr>
+              <a:t>my_list.sort</a:t>
+            </a:r>
+            <a:r>
+              <a:rPr lang="en-GB" sz="2000" dirty="0">
+                <a:latin typeface="Arial"/>
+                <a:cs typeface="Arial"/>
+              </a:rPr>
+              <a:t>()` (replacing “</a:t>
+            </a:r>
+            <a:r>
+              <a:rPr lang="en-GB" sz="2000" dirty="0" err="1">
+                <a:latin typeface="Arial"/>
+                <a:cs typeface="Arial"/>
+              </a:rPr>
+              <a:t>my_list</a:t>
+            </a:r>
+            <a:r>
+              <a:rPr lang="en-GB" sz="2000" dirty="0">
+                <a:latin typeface="Arial"/>
+                <a:cs typeface="Arial"/>
+              </a:rPr>
+              <a:t>” with the name of your list)</a:t>
+            </a:r>
+          </a:p>
+          <a:p>
+            <a:pPr marL="342900" indent="-342900">
+              <a:buFont typeface="Arial" panose="020B0604020202020204" pitchFamily="34" charset="0"/>
+              <a:buChar char="•"/>
+            </a:pPr>
+            <a:r>
+              <a:rPr lang="en-GB" sz="2000" dirty="0">
+                <a:latin typeface="Arial"/>
+                <a:cs typeface="Arial"/>
+              </a:rPr>
+              <a:t>Change the smallest element to be two</a:t>
+            </a:r>
+          </a:p>
+          <a:p>
+            <a:pPr marL="342900" indent="-342900">
+              <a:buFont typeface="Arial" panose="020B0604020202020204" pitchFamily="34" charset="0"/>
+              <a:buChar char="•"/>
+            </a:pPr>
+            <a:r>
+              <a:rPr lang="en-GB" sz="2000" dirty="0">
+                <a:latin typeface="Arial"/>
+                <a:cs typeface="Arial"/>
+              </a:rPr>
+              <a:t>Remove the fifth largest number</a:t>
+            </a:r>
+          </a:p>
+          <a:p>
+            <a:pPr marL="342900" indent="-342900">
+              <a:buFont typeface="Arial" panose="020B0604020202020204" pitchFamily="34" charset="0"/>
+              <a:buChar char="•"/>
+            </a:pPr>
+            <a:r>
+              <a:rPr lang="en-GB" sz="2000" dirty="0">
+                <a:latin typeface="Arial"/>
+                <a:cs typeface="Arial"/>
+              </a:rPr>
+              <a:t>Find the average of the remaining numbers</a:t>
+            </a:r>
+          </a:p>
+          <a:p>
+            <a:pPr marL="342900" indent="-342900">
+              <a:buFont typeface="Arial" panose="020B0604020202020204" pitchFamily="34" charset="0"/>
+              <a:buChar char="•"/>
+            </a:pPr>
+            <a:endParaRPr lang="en-GB" sz="2000" dirty="0">
+              <a:latin typeface="Arial"/>
+              <a:cs typeface="Arial"/>
+            </a:endParaRPr>
+          </a:p>
+          <a:p>
+            <a:pPr marL="342900" indent="-342900">
+              <a:buFont typeface="Arial" panose="020B0604020202020204" pitchFamily="34" charset="0"/>
+              <a:buChar char="•"/>
+            </a:pPr>
+            <a:r>
+              <a:rPr lang="en-GB" sz="2000" b="1" dirty="0">
+                <a:latin typeface="Arial"/>
+                <a:cs typeface="Arial"/>
+              </a:rPr>
+              <a:t>Bonus:</a:t>
+            </a:r>
+            <a:r>
+              <a:rPr lang="en-GB" sz="2000" dirty="0">
+                <a:latin typeface="Arial"/>
+                <a:cs typeface="Arial"/>
+              </a:rPr>
+              <a:t> How could you remove the largest/smallest element of a list without first sorting it?</a:t>
+            </a:r>
+            <a:endParaRPr lang="en-GB" sz="2000" b="1" dirty="0">
+              <a:latin typeface="Arial"/>
+              <a:cs typeface="Arial"/>
+            </a:endParaRPr>
+          </a:p>
+          <a:p>
+            <a:pPr marL="342900" indent="-342900">
+              <a:buFont typeface="Arial"/>
+              <a:buChar char="•"/>
+            </a:pPr>
+            <a:endParaRPr lang="en-GB" sz="2000" dirty="0">
+              <a:latin typeface="Arial"/>
+              <a:cs typeface="Arial"/>
+            </a:endParaRPr>
+          </a:p>
+        </p:txBody>
+      </p:sp>
     </p:spTree>
     <p:extLst>
       <p:ext uri="{BB962C8B-B14F-4D97-AF65-F5344CB8AC3E}">
-        <p14:creationId xmlns:p14="http://schemas.microsoft.com/office/powerpoint/2010/main" val="1851146060"/>
+        <p14:creationId xmlns:p14="http://schemas.microsoft.com/office/powerpoint/2010/main" val="4226423776"/>
       </p:ext>
     </p:extLst>
   </p:cSld>
@@ -31450,7 +31479,7 @@
           <a:p>
             <a:r>
               <a:rPr lang="en-GB" dirty="0"/>
-              <a:t>Manipulating Lists Puzzles</a:t>
+              <a:t>Manipulating Lists Puzzles Solutions</a:t>
             </a:r>
           </a:p>
         </p:txBody>
@@ -31514,348 +31543,40 @@
           </a:prstGeom>
         </p:spPr>
       </p:pic>
-      <p:sp>
-        <p:nvSpPr>
-          <p:cNvPr id="7" name="Text Placeholder 2">
+      <p:pic>
+        <p:nvPicPr>
+          <p:cNvPr id="4" name="Picture 3">
             <a:extLst>
               <a:ext uri="{FF2B5EF4-FFF2-40B4-BE49-F238E27FC236}">
-                <a16:creationId xmlns:a16="http://schemas.microsoft.com/office/drawing/2014/main" id="{C9E501F4-AD05-4BC7-8343-36A53D5E6CEF}"/>
+                <a16:creationId xmlns:a16="http://schemas.microsoft.com/office/drawing/2014/main" id="{772CB8F8-9599-4FE9-BB3C-C75A7A663862}"/>
               </a:ext>
             </a:extLst>
           </p:cNvPr>
-          <p:cNvSpPr txBox="1">
-            <a:spLocks/>
-          </p:cNvSpPr>
+          <p:cNvPicPr>
+            <a:picLocks noChangeAspect="1"/>
+          </p:cNvPicPr>
           <p:nvPr/>
-        </p:nvSpPr>
-        <p:spPr>
-          <a:xfrm>
-            <a:off x="237061" y="712956"/>
-            <a:ext cx="8619938" cy="3885327"/>
-          </a:xfrm>
-          <a:prstGeom prst="rect">
-            <a:avLst/>
-          </a:prstGeom>
-        </p:spPr>
-        <p:txBody>
-          <a:bodyPr vert="horz" anchor="t"/>
-          <a:lstStyle>
-            <a:lvl1pPr marL="0" indent="0" algn="l" defTabSz="457200" rtl="0" eaLnBrk="1" latinLnBrk="0" hangingPunct="1">
-              <a:spcBef>
-                <a:spcPts val="0"/>
-              </a:spcBef>
-              <a:buFont typeface="Arial"/>
-              <a:buNone/>
-              <a:defRPr sz="2400" kern="1200" baseline="0">
-                <a:solidFill>
-                  <a:schemeClr val="tx1"/>
-                </a:solidFill>
-                <a:latin typeface="Arial" pitchFamily="34" charset="0"/>
-                <a:ea typeface="+mn-ea"/>
-                <a:cs typeface="Arial" pitchFamily="34" charset="0"/>
-              </a:defRPr>
-            </a:lvl1pPr>
-            <a:lvl2pPr marL="457200" indent="0" algn="l" defTabSz="457200" rtl="0" eaLnBrk="1" latinLnBrk="0" hangingPunct="1">
-              <a:spcBef>
-                <a:spcPct val="20000"/>
-              </a:spcBef>
-              <a:buFont typeface="Arial"/>
-              <a:buNone/>
-              <a:defRPr sz="2400" kern="1200">
-                <a:solidFill>
-                  <a:schemeClr val="tx1"/>
-                </a:solidFill>
-                <a:latin typeface="+mn-lt"/>
-                <a:ea typeface="+mn-ea"/>
-                <a:cs typeface="+mn-cs"/>
-              </a:defRPr>
-            </a:lvl2pPr>
-            <a:lvl3pPr marL="914400" indent="0" algn="l" defTabSz="457200" rtl="0" eaLnBrk="1" latinLnBrk="0" hangingPunct="1">
-              <a:spcBef>
-                <a:spcPct val="20000"/>
-              </a:spcBef>
-              <a:buFont typeface="Arial"/>
-              <a:buNone/>
-              <a:defRPr sz="2400" kern="1200">
-                <a:solidFill>
-                  <a:schemeClr val="tx1"/>
-                </a:solidFill>
-                <a:latin typeface="+mn-lt"/>
-                <a:ea typeface="+mn-ea"/>
-                <a:cs typeface="+mn-cs"/>
-              </a:defRPr>
-            </a:lvl3pPr>
-            <a:lvl4pPr marL="1371600" indent="0" algn="l" defTabSz="457200" rtl="0" eaLnBrk="1" latinLnBrk="0" hangingPunct="1">
-              <a:spcBef>
-                <a:spcPct val="20000"/>
-              </a:spcBef>
-              <a:buFont typeface="Arial"/>
-              <a:buNone/>
-              <a:defRPr sz="2400" kern="1200">
-                <a:solidFill>
-                  <a:schemeClr val="tx1"/>
-                </a:solidFill>
-                <a:latin typeface="+mn-lt"/>
-                <a:ea typeface="+mn-ea"/>
-                <a:cs typeface="+mn-cs"/>
-              </a:defRPr>
-            </a:lvl4pPr>
-            <a:lvl5pPr marL="1828800" indent="0" algn="l" defTabSz="457200" rtl="0" eaLnBrk="1" latinLnBrk="0" hangingPunct="1">
-              <a:spcBef>
-                <a:spcPct val="20000"/>
-              </a:spcBef>
-              <a:buFont typeface="Arial"/>
-              <a:buNone/>
-              <a:defRPr sz="2400" kern="1200">
-                <a:solidFill>
-                  <a:schemeClr val="tx1"/>
-                </a:solidFill>
-                <a:latin typeface="+mn-lt"/>
-                <a:ea typeface="+mn-ea"/>
-                <a:cs typeface="+mn-cs"/>
-              </a:defRPr>
-            </a:lvl5pPr>
-            <a:lvl6pPr marL="2514600" indent="-228600" algn="l" defTabSz="457200" rtl="0" eaLnBrk="1" latinLnBrk="0" hangingPunct="1">
-              <a:spcBef>
-                <a:spcPct val="20000"/>
-              </a:spcBef>
-              <a:buFont typeface="Arial"/>
-              <a:buChar char="•"/>
-              <a:defRPr sz="2000" kern="1200">
-                <a:solidFill>
-                  <a:schemeClr val="tx1"/>
-                </a:solidFill>
-                <a:latin typeface="+mn-lt"/>
-                <a:ea typeface="+mn-ea"/>
-                <a:cs typeface="+mn-cs"/>
-              </a:defRPr>
-            </a:lvl6pPr>
-            <a:lvl7pPr marL="2971800" indent="-228600" algn="l" defTabSz="457200" rtl="0" eaLnBrk="1" latinLnBrk="0" hangingPunct="1">
-              <a:spcBef>
-                <a:spcPct val="20000"/>
-              </a:spcBef>
-              <a:buFont typeface="Arial"/>
-              <a:buChar char="•"/>
-              <a:defRPr sz="2000" kern="1200">
-                <a:solidFill>
-                  <a:schemeClr val="tx1"/>
-                </a:solidFill>
-                <a:latin typeface="+mn-lt"/>
-                <a:ea typeface="+mn-ea"/>
-                <a:cs typeface="+mn-cs"/>
-              </a:defRPr>
-            </a:lvl7pPr>
-            <a:lvl8pPr marL="3429000" indent="-228600" algn="l" defTabSz="457200" rtl="0" eaLnBrk="1" latinLnBrk="0" hangingPunct="1">
-              <a:spcBef>
-                <a:spcPct val="20000"/>
-              </a:spcBef>
-              <a:buFont typeface="Arial"/>
-              <a:buChar char="•"/>
-              <a:defRPr sz="2000" kern="1200">
-                <a:solidFill>
-                  <a:schemeClr val="tx1"/>
-                </a:solidFill>
-                <a:latin typeface="+mn-lt"/>
-                <a:ea typeface="+mn-ea"/>
-                <a:cs typeface="+mn-cs"/>
-              </a:defRPr>
-            </a:lvl8pPr>
-            <a:lvl9pPr marL="3886200" indent="-228600" algn="l" defTabSz="457200" rtl="0" eaLnBrk="1" latinLnBrk="0" hangingPunct="1">
-              <a:spcBef>
-                <a:spcPct val="20000"/>
-              </a:spcBef>
-              <a:buFont typeface="Arial"/>
-              <a:buChar char="•"/>
-              <a:defRPr sz="2000" kern="1200">
-                <a:solidFill>
-                  <a:schemeClr val="tx1"/>
-                </a:solidFill>
-                <a:latin typeface="+mn-lt"/>
-                <a:ea typeface="+mn-ea"/>
-                <a:cs typeface="+mn-cs"/>
-              </a:defRPr>
-            </a:lvl9pPr>
-          </a:lstStyle>
-          <a:p>
-            <a:pPr marL="342900" indent="-342900">
-              <a:buFont typeface="Arial"/>
-              <a:buChar char="•"/>
-            </a:pPr>
-            <a:r>
-              <a:rPr lang="en-GB" sz="2000" dirty="0">
-                <a:latin typeface="Arial"/>
-                <a:cs typeface="Arial"/>
-              </a:rPr>
-              <a:t>Create a list containing the numbers</a:t>
-            </a:r>
-          </a:p>
-          <a:p>
-            <a:endParaRPr lang="en-GB" sz="400" dirty="0">
-              <a:latin typeface="Arial"/>
-              <a:cs typeface="Arial"/>
-            </a:endParaRPr>
-          </a:p>
-          <a:p>
-            <a:pPr marL="457200" indent="-457200" algn="ctr">
-              <a:buAutoNum type="arabicPlain" startAt="23"/>
-            </a:pPr>
-            <a:r>
-              <a:rPr lang="en-GB" sz="2000" dirty="0">
-                <a:latin typeface="Arial"/>
-                <a:cs typeface="Arial"/>
-              </a:rPr>
-              <a:t>14    45   666    74    3    78</a:t>
-            </a:r>
-          </a:p>
-          <a:p>
-            <a:endParaRPr lang="en-GB" sz="400" dirty="0">
-              <a:latin typeface="Arial"/>
-              <a:cs typeface="Arial"/>
-            </a:endParaRPr>
-          </a:p>
-          <a:p>
-            <a:pPr marL="342900" indent="-342900">
-              <a:buFont typeface="Arial" panose="020B0604020202020204" pitchFamily="34" charset="0"/>
-              <a:buChar char="•"/>
-            </a:pPr>
-            <a:r>
-              <a:rPr lang="en-GB" sz="2000" dirty="0">
-                <a:latin typeface="Arial"/>
-                <a:cs typeface="Arial"/>
-              </a:rPr>
-              <a:t>Add the number 4 to the end of the list</a:t>
-            </a:r>
-          </a:p>
-          <a:p>
-            <a:pPr marL="342900" indent="-342900">
-              <a:buFont typeface="Arial" panose="020B0604020202020204" pitchFamily="34" charset="0"/>
-              <a:buChar char="•"/>
-            </a:pPr>
-            <a:r>
-              <a:rPr lang="en-GB" sz="2000" dirty="0">
-                <a:latin typeface="Arial"/>
-                <a:cs typeface="Arial"/>
-              </a:rPr>
-              <a:t>Sort the list in ascending order by using `</a:t>
-            </a:r>
-            <a:r>
-              <a:rPr lang="en-GB" sz="2000" dirty="0" err="1">
-                <a:latin typeface="Arial"/>
-                <a:cs typeface="Arial"/>
-              </a:rPr>
-              <a:t>my_list.sort</a:t>
-            </a:r>
-            <a:r>
-              <a:rPr lang="en-GB" sz="2000" dirty="0">
-                <a:latin typeface="Arial"/>
-                <a:cs typeface="Arial"/>
-              </a:rPr>
-              <a:t>()` (replacing “</a:t>
-            </a:r>
-            <a:r>
-              <a:rPr lang="en-GB" sz="2000" dirty="0" err="1">
-                <a:latin typeface="Arial"/>
-                <a:cs typeface="Arial"/>
-              </a:rPr>
-              <a:t>my_list</a:t>
-            </a:r>
-            <a:r>
-              <a:rPr lang="en-GB" sz="2000" dirty="0">
-                <a:latin typeface="Arial"/>
-                <a:cs typeface="Arial"/>
-              </a:rPr>
-              <a:t>” with the name of your list)</a:t>
-            </a:r>
-          </a:p>
-          <a:p>
-            <a:pPr marL="342900" indent="-342900">
-              <a:buFont typeface="Arial" panose="020B0604020202020204" pitchFamily="34" charset="0"/>
-              <a:buChar char="•"/>
-            </a:pPr>
-            <a:r>
-              <a:rPr lang="en-GB" sz="2000" dirty="0">
-                <a:latin typeface="Arial"/>
-                <a:cs typeface="Arial"/>
-              </a:rPr>
-              <a:t>Change the smallest element to be two</a:t>
-            </a:r>
-          </a:p>
-          <a:p>
-            <a:pPr marL="342900" indent="-342900">
-              <a:buFont typeface="Arial" panose="020B0604020202020204" pitchFamily="34" charset="0"/>
-              <a:buChar char="•"/>
-            </a:pPr>
-            <a:r>
-              <a:rPr lang="en-GB" sz="2000" dirty="0">
-                <a:latin typeface="Arial"/>
-                <a:cs typeface="Arial"/>
-              </a:rPr>
-              <a:t>Remove the fifth largest number</a:t>
-            </a:r>
-          </a:p>
-          <a:p>
-            <a:pPr marL="342900" indent="-342900">
-              <a:buFont typeface="Arial" panose="020B0604020202020204" pitchFamily="34" charset="0"/>
-              <a:buChar char="•"/>
-            </a:pPr>
-            <a:r>
-              <a:rPr lang="en-GB" sz="2000" dirty="0">
-                <a:latin typeface="Arial"/>
-                <a:cs typeface="Arial"/>
-              </a:rPr>
-              <a:t>Find the average of the remaining numbers</a:t>
-            </a:r>
-          </a:p>
-          <a:p>
-            <a:pPr marL="342900" indent="-342900">
-              <a:buFont typeface="Arial" panose="020B0604020202020204" pitchFamily="34" charset="0"/>
-              <a:buChar char="•"/>
-            </a:pPr>
-            <a:endParaRPr lang="en-GB" sz="2000" dirty="0">
-              <a:latin typeface="Arial"/>
-              <a:cs typeface="Arial"/>
-            </a:endParaRPr>
-          </a:p>
-          <a:p>
-            <a:pPr marL="342900" indent="-342900">
-              <a:buFont typeface="Arial" panose="020B0604020202020204" pitchFamily="34" charset="0"/>
-              <a:buChar char="•"/>
-            </a:pPr>
-            <a:r>
-              <a:rPr lang="en-GB" sz="2000" b="1" dirty="0">
-                <a:latin typeface="Arial"/>
-                <a:cs typeface="Arial"/>
-              </a:rPr>
-              <a:t>Bonus:</a:t>
-            </a:r>
-            <a:r>
-              <a:rPr lang="en-GB" sz="2000" dirty="0">
-                <a:latin typeface="Arial"/>
-                <a:cs typeface="Arial"/>
-              </a:rPr>
-              <a:t> How could you remove the largest/smallest element of a list without first sorting it?</a:t>
-            </a:r>
-            <a:endParaRPr lang="en-GB" sz="2000" b="1" dirty="0">
-              <a:latin typeface="Arial"/>
-              <a:cs typeface="Arial"/>
-            </a:endParaRPr>
-          </a:p>
-          <a:p>
-            <a:pPr marL="342900" indent="-342900">
-              <a:buFont typeface="Arial"/>
-              <a:buChar char="•"/>
-            </a:pPr>
-            <a:endParaRPr lang="en-GB" sz="2000" dirty="0">
-              <a:latin typeface="Arial"/>
-              <a:cs typeface="Arial"/>
-            </a:endParaRPr>
-          </a:p>
-        </p:txBody>
-      </p:sp>
+        </p:nvPicPr>
+        <p:blipFill>
+          <a:blip r:embed="rId3"/>
+          <a:stretch>
+            <a:fillRect/>
+          </a:stretch>
+        </p:blipFill>
+        <p:spPr>
+          <a:xfrm>
+            <a:off x="1938337" y="1443037"/>
+            <a:ext cx="5267325" cy="2257425"/>
+          </a:xfrm>
+          <a:prstGeom prst="rect">
+            <a:avLst/>
+          </a:prstGeom>
+        </p:spPr>
+      </p:pic>
     </p:spTree>
     <p:extLst>
       <p:ext uri="{BB962C8B-B14F-4D97-AF65-F5344CB8AC3E}">
-        <p14:creationId xmlns:p14="http://schemas.microsoft.com/office/powerpoint/2010/main" val="4226423776"/>
+        <p14:creationId xmlns:p14="http://schemas.microsoft.com/office/powerpoint/2010/main" val="396861457"/>
       </p:ext>
     </p:extLst>
   </p:cSld>
@@ -31905,7 +31626,7 @@
           <a:p>
             <a:r>
               <a:rPr lang="en-GB" dirty="0"/>
-              <a:t>Manipulating Lists Puzzles Solutions</a:t>
+              <a:t>Tuples</a:t>
             </a:r>
           </a:p>
         </p:txBody>
@@ -31969,12 +31690,298 @@
           </a:prstGeom>
         </p:spPr>
       </p:pic>
+      <p:sp>
+        <p:nvSpPr>
+          <p:cNvPr id="6" name="Text Placeholder 2">
+            <a:extLst>
+              <a:ext uri="{FF2B5EF4-FFF2-40B4-BE49-F238E27FC236}">
+                <a16:creationId xmlns:a16="http://schemas.microsoft.com/office/drawing/2014/main" id="{28280EFD-605B-4843-8D20-931E34B69861}"/>
+              </a:ext>
+            </a:extLst>
+          </p:cNvPr>
+          <p:cNvSpPr txBox="1">
+            <a:spLocks/>
+          </p:cNvSpPr>
+          <p:nvPr/>
+        </p:nvSpPr>
+        <p:spPr>
+          <a:xfrm>
+            <a:off x="237061" y="712956"/>
+            <a:ext cx="8619938" cy="4226139"/>
+          </a:xfrm>
+          <a:prstGeom prst="rect">
+            <a:avLst/>
+          </a:prstGeom>
+        </p:spPr>
+        <p:txBody>
+          <a:bodyPr vert="horz" anchor="t"/>
+          <a:lstStyle>
+            <a:lvl1pPr marL="0" indent="0" algn="l" defTabSz="457200" rtl="0" eaLnBrk="1" latinLnBrk="0" hangingPunct="1">
+              <a:spcBef>
+                <a:spcPts val="0"/>
+              </a:spcBef>
+              <a:buFont typeface="Arial"/>
+              <a:buNone/>
+              <a:defRPr sz="2400" kern="1200" baseline="0">
+                <a:solidFill>
+                  <a:schemeClr val="tx1"/>
+                </a:solidFill>
+                <a:latin typeface="Arial" pitchFamily="34" charset="0"/>
+                <a:ea typeface="+mn-ea"/>
+                <a:cs typeface="Arial" pitchFamily="34" charset="0"/>
+              </a:defRPr>
+            </a:lvl1pPr>
+            <a:lvl2pPr marL="457200" indent="0" algn="l" defTabSz="457200" rtl="0" eaLnBrk="1" latinLnBrk="0" hangingPunct="1">
+              <a:spcBef>
+                <a:spcPct val="20000"/>
+              </a:spcBef>
+              <a:buFont typeface="Arial"/>
+              <a:buNone/>
+              <a:defRPr sz="2400" kern="1200">
+                <a:solidFill>
+                  <a:schemeClr val="tx1"/>
+                </a:solidFill>
+                <a:latin typeface="+mn-lt"/>
+                <a:ea typeface="+mn-ea"/>
+                <a:cs typeface="+mn-cs"/>
+              </a:defRPr>
+            </a:lvl2pPr>
+            <a:lvl3pPr marL="914400" indent="0" algn="l" defTabSz="457200" rtl="0" eaLnBrk="1" latinLnBrk="0" hangingPunct="1">
+              <a:spcBef>
+                <a:spcPct val="20000"/>
+              </a:spcBef>
+              <a:buFont typeface="Arial"/>
+              <a:buNone/>
+              <a:defRPr sz="2400" kern="1200">
+                <a:solidFill>
+                  <a:schemeClr val="tx1"/>
+                </a:solidFill>
+                <a:latin typeface="+mn-lt"/>
+                <a:ea typeface="+mn-ea"/>
+                <a:cs typeface="+mn-cs"/>
+              </a:defRPr>
+            </a:lvl3pPr>
+            <a:lvl4pPr marL="1371600" indent="0" algn="l" defTabSz="457200" rtl="0" eaLnBrk="1" latinLnBrk="0" hangingPunct="1">
+              <a:spcBef>
+                <a:spcPct val="20000"/>
+              </a:spcBef>
+              <a:buFont typeface="Arial"/>
+              <a:buNone/>
+              <a:defRPr sz="2400" kern="1200">
+                <a:solidFill>
+                  <a:schemeClr val="tx1"/>
+                </a:solidFill>
+                <a:latin typeface="+mn-lt"/>
+                <a:ea typeface="+mn-ea"/>
+                <a:cs typeface="+mn-cs"/>
+              </a:defRPr>
+            </a:lvl4pPr>
+            <a:lvl5pPr marL="1828800" indent="0" algn="l" defTabSz="457200" rtl="0" eaLnBrk="1" latinLnBrk="0" hangingPunct="1">
+              <a:spcBef>
+                <a:spcPct val="20000"/>
+              </a:spcBef>
+              <a:buFont typeface="Arial"/>
+              <a:buNone/>
+              <a:defRPr sz="2400" kern="1200">
+                <a:solidFill>
+                  <a:schemeClr val="tx1"/>
+                </a:solidFill>
+                <a:latin typeface="+mn-lt"/>
+                <a:ea typeface="+mn-ea"/>
+                <a:cs typeface="+mn-cs"/>
+              </a:defRPr>
+            </a:lvl5pPr>
+            <a:lvl6pPr marL="2514600" indent="-228600" algn="l" defTabSz="457200" rtl="0" eaLnBrk="1" latinLnBrk="0" hangingPunct="1">
+              <a:spcBef>
+                <a:spcPct val="20000"/>
+              </a:spcBef>
+              <a:buFont typeface="Arial"/>
+              <a:buChar char="•"/>
+              <a:defRPr sz="2000" kern="1200">
+                <a:solidFill>
+                  <a:schemeClr val="tx1"/>
+                </a:solidFill>
+                <a:latin typeface="+mn-lt"/>
+                <a:ea typeface="+mn-ea"/>
+                <a:cs typeface="+mn-cs"/>
+              </a:defRPr>
+            </a:lvl6pPr>
+            <a:lvl7pPr marL="2971800" indent="-228600" algn="l" defTabSz="457200" rtl="0" eaLnBrk="1" latinLnBrk="0" hangingPunct="1">
+              <a:spcBef>
+                <a:spcPct val="20000"/>
+              </a:spcBef>
+              <a:buFont typeface="Arial"/>
+              <a:buChar char="•"/>
+              <a:defRPr sz="2000" kern="1200">
+                <a:solidFill>
+                  <a:schemeClr val="tx1"/>
+                </a:solidFill>
+                <a:latin typeface="+mn-lt"/>
+                <a:ea typeface="+mn-ea"/>
+                <a:cs typeface="+mn-cs"/>
+              </a:defRPr>
+            </a:lvl7pPr>
+            <a:lvl8pPr marL="3429000" indent="-228600" algn="l" defTabSz="457200" rtl="0" eaLnBrk="1" latinLnBrk="0" hangingPunct="1">
+              <a:spcBef>
+                <a:spcPct val="20000"/>
+              </a:spcBef>
+              <a:buFont typeface="Arial"/>
+              <a:buChar char="•"/>
+              <a:defRPr sz="2000" kern="1200">
+                <a:solidFill>
+                  <a:schemeClr val="tx1"/>
+                </a:solidFill>
+                <a:latin typeface="+mn-lt"/>
+                <a:ea typeface="+mn-ea"/>
+                <a:cs typeface="+mn-cs"/>
+              </a:defRPr>
+            </a:lvl8pPr>
+            <a:lvl9pPr marL="3886200" indent="-228600" algn="l" defTabSz="457200" rtl="0" eaLnBrk="1" latinLnBrk="0" hangingPunct="1">
+              <a:spcBef>
+                <a:spcPct val="20000"/>
+              </a:spcBef>
+              <a:buFont typeface="Arial"/>
+              <a:buChar char="•"/>
+              <a:defRPr sz="2000" kern="1200">
+                <a:solidFill>
+                  <a:schemeClr val="tx1"/>
+                </a:solidFill>
+                <a:latin typeface="+mn-lt"/>
+                <a:ea typeface="+mn-ea"/>
+                <a:cs typeface="+mn-cs"/>
+              </a:defRPr>
+            </a:lvl9pPr>
+          </a:lstStyle>
+          <a:p>
+            <a:pPr marL="342900" indent="-342900">
+              <a:buFont typeface="Arial"/>
+              <a:buChar char="•"/>
+            </a:pPr>
+            <a:r>
+              <a:rPr lang="en-GB" sz="2000" dirty="0">
+                <a:latin typeface="Arial"/>
+                <a:cs typeface="Arial"/>
+              </a:rPr>
+              <a:t>Tuples are similar to lists but have a few key differences</a:t>
+            </a:r>
+          </a:p>
+          <a:p>
+            <a:pPr marL="342900" indent="-342900">
+              <a:buFont typeface="Arial"/>
+              <a:buChar char="•"/>
+            </a:pPr>
+            <a:r>
+              <a:rPr lang="en-GB" sz="2000" dirty="0">
+                <a:latin typeface="Arial"/>
+                <a:cs typeface="Arial"/>
+              </a:rPr>
+              <a:t>We define tuples in the same way as lists except we using parentheses instead of square brackets</a:t>
+            </a:r>
+          </a:p>
+          <a:p>
+            <a:pPr marL="342900" indent="-342900">
+              <a:buFont typeface="Arial"/>
+              <a:buChar char="•"/>
+            </a:pPr>
+            <a:endParaRPr lang="en-GB" sz="2000" dirty="0">
+              <a:latin typeface="Arial"/>
+              <a:cs typeface="Arial"/>
+            </a:endParaRPr>
+          </a:p>
+          <a:p>
+            <a:pPr marL="342900" indent="-342900">
+              <a:buFont typeface="Arial"/>
+              <a:buChar char="•"/>
+            </a:pPr>
+            <a:endParaRPr lang="en-GB" sz="2000" dirty="0">
+              <a:latin typeface="Arial"/>
+              <a:cs typeface="Arial"/>
+            </a:endParaRPr>
+          </a:p>
+          <a:p>
+            <a:pPr marL="342900" indent="-342900">
+              <a:buFont typeface="Arial"/>
+              <a:buChar char="•"/>
+            </a:pPr>
+            <a:r>
+              <a:rPr lang="en-GB" sz="2000" dirty="0">
+                <a:latin typeface="Arial"/>
+                <a:cs typeface="Arial"/>
+              </a:rPr>
+              <a:t>We can extract elements and slice tuples in the exact same way as lists</a:t>
+            </a:r>
+          </a:p>
+          <a:p>
+            <a:pPr marL="342900" indent="-342900">
+              <a:buFont typeface="Arial"/>
+              <a:buChar char="•"/>
+            </a:pPr>
+            <a:endParaRPr lang="en-GB" sz="2000" dirty="0">
+              <a:latin typeface="Arial"/>
+              <a:cs typeface="Arial"/>
+            </a:endParaRPr>
+          </a:p>
+          <a:p>
+            <a:pPr marL="342900" indent="-342900">
+              <a:buFont typeface="Arial"/>
+              <a:buChar char="•"/>
+            </a:pPr>
+            <a:endParaRPr lang="en-GB" sz="2000" dirty="0">
+              <a:latin typeface="Arial"/>
+              <a:cs typeface="Arial"/>
+            </a:endParaRPr>
+          </a:p>
+          <a:p>
+            <a:pPr marL="342900" indent="-342900">
+              <a:buFont typeface="Arial"/>
+              <a:buChar char="•"/>
+            </a:pPr>
+            <a:endParaRPr lang="en-GB" sz="2000" dirty="0">
+              <a:latin typeface="Arial"/>
+              <a:cs typeface="Arial"/>
+            </a:endParaRPr>
+          </a:p>
+          <a:p>
+            <a:pPr marL="342900" indent="-342900">
+              <a:buFont typeface="Arial"/>
+              <a:buChar char="•"/>
+            </a:pPr>
+            <a:endParaRPr lang="en-GB" sz="2000" dirty="0">
+              <a:latin typeface="Arial"/>
+              <a:cs typeface="Arial"/>
+            </a:endParaRPr>
+          </a:p>
+          <a:p>
+            <a:pPr marL="342900" indent="-342900">
+              <a:buFont typeface="Arial"/>
+              <a:buChar char="•"/>
+            </a:pPr>
+            <a:endParaRPr lang="en-GB" sz="2000" dirty="0">
+              <a:latin typeface="Arial"/>
+              <a:cs typeface="Arial"/>
+            </a:endParaRPr>
+          </a:p>
+          <a:p>
+            <a:pPr marL="342900" indent="-342900">
+              <a:buFont typeface="Arial"/>
+              <a:buChar char="•"/>
+            </a:pPr>
+            <a:r>
+              <a:rPr lang="en-GB" sz="2000" dirty="0">
+                <a:latin typeface="Arial"/>
+                <a:cs typeface="Arial"/>
+              </a:rPr>
+              <a:t>The main difference is that tuples cannot be manipulated once they are created (i.e. no appending, deleting, or overwriting)</a:t>
+            </a:r>
+          </a:p>
+        </p:txBody>
+      </p:sp>
       <p:pic>
         <p:nvPicPr>
-          <p:cNvPr id="4" name="Picture 3">
+          <p:cNvPr id="5" name="Picture 4">
             <a:extLst>
               <a:ext uri="{FF2B5EF4-FFF2-40B4-BE49-F238E27FC236}">
-                <a16:creationId xmlns:a16="http://schemas.microsoft.com/office/drawing/2014/main" id="{772CB8F8-9599-4FE9-BB3C-C75A7A663862}"/>
+                <a16:creationId xmlns:a16="http://schemas.microsoft.com/office/drawing/2014/main" id="{7599E749-6662-4D18-AFA4-C288330DDC96}"/>
               </a:ext>
             </a:extLst>
           </p:cNvPr>
@@ -31991,8 +31998,38 @@
         </p:blipFill>
         <p:spPr>
           <a:xfrm>
-            <a:off x="1938337" y="1443037"/>
-            <a:ext cx="5267325" cy="2257425"/>
+            <a:off x="3445782" y="1832068"/>
+            <a:ext cx="2252435" cy="364831"/>
+          </a:xfrm>
+          <a:prstGeom prst="rect">
+            <a:avLst/>
+          </a:prstGeom>
+        </p:spPr>
+      </p:pic>
+      <p:pic>
+        <p:nvPicPr>
+          <p:cNvPr id="7" name="Picture 6">
+            <a:extLst>
+              <a:ext uri="{FF2B5EF4-FFF2-40B4-BE49-F238E27FC236}">
+                <a16:creationId xmlns:a16="http://schemas.microsoft.com/office/drawing/2014/main" id="{F071B697-F489-4849-B33E-8AC46D06E0C3}"/>
+              </a:ext>
+            </a:extLst>
+          </p:cNvPr>
+          <p:cNvPicPr>
+            <a:picLocks noChangeAspect="1"/>
+          </p:cNvPicPr>
+          <p:nvPr/>
+        </p:nvPicPr>
+        <p:blipFill>
+          <a:blip r:embed="rId4"/>
+          <a:stretch>
+            <a:fillRect/>
+          </a:stretch>
+        </p:blipFill>
+        <p:spPr>
+          <a:xfrm>
+            <a:off x="3555028" y="2748936"/>
+            <a:ext cx="2033944" cy="1319988"/>
           </a:xfrm>
           <a:prstGeom prst="rect">
             <a:avLst/>
@@ -32002,7 +32039,7 @@
     </p:spTree>
     <p:extLst>
       <p:ext uri="{BB962C8B-B14F-4D97-AF65-F5344CB8AC3E}">
-        <p14:creationId xmlns:p14="http://schemas.microsoft.com/office/powerpoint/2010/main" val="396861457"/>
+        <p14:creationId xmlns:p14="http://schemas.microsoft.com/office/powerpoint/2010/main" val="3872188134"/>
       </p:ext>
     </p:extLst>
   </p:cSld>
@@ -32432,469 +32469,6 @@
           <p:cNvPr id="2" name="Title 1">
             <a:extLst>
               <a:ext uri="{FF2B5EF4-FFF2-40B4-BE49-F238E27FC236}">
-                <a16:creationId xmlns:a16="http://schemas.microsoft.com/office/drawing/2014/main" id="{F7DA9A4F-1DFD-49DB-8569-F5AB18BD6161}"/>
-              </a:ext>
-            </a:extLst>
-          </p:cNvPr>
-          <p:cNvSpPr>
-            <a:spLocks noGrp="1"/>
-          </p:cNvSpPr>
-          <p:nvPr>
-            <p:ph type="title"/>
-          </p:nvPr>
-        </p:nvSpPr>
-        <p:spPr/>
-        <p:txBody>
-          <a:bodyPr/>
-          <a:lstStyle/>
-          <a:p>
-            <a:r>
-              <a:rPr lang="en-GB" dirty="0"/>
-              <a:t>Tuples</a:t>
-            </a:r>
-          </a:p>
-        </p:txBody>
-      </p:sp>
-      <p:sp>
-        <p:nvSpPr>
-          <p:cNvPr id="3" name="Slide Number Placeholder 2">
-            <a:extLst>
-              <a:ext uri="{FF2B5EF4-FFF2-40B4-BE49-F238E27FC236}">
-                <a16:creationId xmlns:a16="http://schemas.microsoft.com/office/drawing/2014/main" id="{7C3E703A-A386-472F-AD27-D2D983CC7A66}"/>
-              </a:ext>
-            </a:extLst>
-          </p:cNvPr>
-          <p:cNvSpPr>
-            <a:spLocks noGrp="1"/>
-          </p:cNvSpPr>
-          <p:nvPr>
-            <p:ph type="sldNum" sz="quarter" idx="4"/>
-          </p:nvPr>
-        </p:nvSpPr>
-        <p:spPr/>
-        <p:txBody>
-          <a:bodyPr/>
-          <a:lstStyle/>
-          <a:p>
-            <a:fld id="{3C4F54F3-C349-4609-AFEE-01462D5C7942}" type="slidenum">
-              <a:rPr lang="en-GB" smtClean="0"/>
-              <a:pPr/>
-              <a:t>20</a:t>
-            </a:fld>
-            <a:endParaRPr lang="en-GB"/>
-          </a:p>
-        </p:txBody>
-      </p:sp>
-      <p:pic>
-        <p:nvPicPr>
-          <p:cNvPr id="11" name="Picture 10">
-            <a:extLst>
-              <a:ext uri="{FF2B5EF4-FFF2-40B4-BE49-F238E27FC236}">
-                <a16:creationId xmlns:a16="http://schemas.microsoft.com/office/drawing/2014/main" id="{AE10D547-F5D1-43D9-93EA-E166E3C73F57}"/>
-              </a:ext>
-            </a:extLst>
-          </p:cNvPr>
-          <p:cNvPicPr>
-            <a:picLocks noChangeAspect="1"/>
-          </p:cNvPicPr>
-          <p:nvPr/>
-        </p:nvPicPr>
-        <p:blipFill rotWithShape="1">
-          <a:blip r:embed="rId2"/>
-          <a:srcRect l="2982" t="3174" r="2869" b="2900"/>
-          <a:stretch/>
-        </p:blipFill>
-        <p:spPr>
-          <a:xfrm>
-            <a:off x="8576572" y="4598283"/>
-            <a:ext cx="498106" cy="496941"/>
-          </a:xfrm>
-          <a:prstGeom prst="ellipse">
-            <a:avLst/>
-          </a:prstGeom>
-        </p:spPr>
-      </p:pic>
-      <p:sp>
-        <p:nvSpPr>
-          <p:cNvPr id="6" name="Text Placeholder 2">
-            <a:extLst>
-              <a:ext uri="{FF2B5EF4-FFF2-40B4-BE49-F238E27FC236}">
-                <a16:creationId xmlns:a16="http://schemas.microsoft.com/office/drawing/2014/main" id="{28280EFD-605B-4843-8D20-931E34B69861}"/>
-              </a:ext>
-            </a:extLst>
-          </p:cNvPr>
-          <p:cNvSpPr txBox="1">
-            <a:spLocks/>
-          </p:cNvSpPr>
-          <p:nvPr/>
-        </p:nvSpPr>
-        <p:spPr>
-          <a:xfrm>
-            <a:off x="237061" y="712956"/>
-            <a:ext cx="8619938" cy="4226139"/>
-          </a:xfrm>
-          <a:prstGeom prst="rect">
-            <a:avLst/>
-          </a:prstGeom>
-        </p:spPr>
-        <p:txBody>
-          <a:bodyPr vert="horz" anchor="t"/>
-          <a:lstStyle>
-            <a:lvl1pPr marL="0" indent="0" algn="l" defTabSz="457200" rtl="0" eaLnBrk="1" latinLnBrk="0" hangingPunct="1">
-              <a:spcBef>
-                <a:spcPts val="0"/>
-              </a:spcBef>
-              <a:buFont typeface="Arial"/>
-              <a:buNone/>
-              <a:defRPr sz="2400" kern="1200" baseline="0">
-                <a:solidFill>
-                  <a:schemeClr val="tx1"/>
-                </a:solidFill>
-                <a:latin typeface="Arial" pitchFamily="34" charset="0"/>
-                <a:ea typeface="+mn-ea"/>
-                <a:cs typeface="Arial" pitchFamily="34" charset="0"/>
-              </a:defRPr>
-            </a:lvl1pPr>
-            <a:lvl2pPr marL="457200" indent="0" algn="l" defTabSz="457200" rtl="0" eaLnBrk="1" latinLnBrk="0" hangingPunct="1">
-              <a:spcBef>
-                <a:spcPct val="20000"/>
-              </a:spcBef>
-              <a:buFont typeface="Arial"/>
-              <a:buNone/>
-              <a:defRPr sz="2400" kern="1200">
-                <a:solidFill>
-                  <a:schemeClr val="tx1"/>
-                </a:solidFill>
-                <a:latin typeface="+mn-lt"/>
-                <a:ea typeface="+mn-ea"/>
-                <a:cs typeface="+mn-cs"/>
-              </a:defRPr>
-            </a:lvl2pPr>
-            <a:lvl3pPr marL="914400" indent="0" algn="l" defTabSz="457200" rtl="0" eaLnBrk="1" latinLnBrk="0" hangingPunct="1">
-              <a:spcBef>
-                <a:spcPct val="20000"/>
-              </a:spcBef>
-              <a:buFont typeface="Arial"/>
-              <a:buNone/>
-              <a:defRPr sz="2400" kern="1200">
-                <a:solidFill>
-                  <a:schemeClr val="tx1"/>
-                </a:solidFill>
-                <a:latin typeface="+mn-lt"/>
-                <a:ea typeface="+mn-ea"/>
-                <a:cs typeface="+mn-cs"/>
-              </a:defRPr>
-            </a:lvl3pPr>
-            <a:lvl4pPr marL="1371600" indent="0" algn="l" defTabSz="457200" rtl="0" eaLnBrk="1" latinLnBrk="0" hangingPunct="1">
-              <a:spcBef>
-                <a:spcPct val="20000"/>
-              </a:spcBef>
-              <a:buFont typeface="Arial"/>
-              <a:buNone/>
-              <a:defRPr sz="2400" kern="1200">
-                <a:solidFill>
-                  <a:schemeClr val="tx1"/>
-                </a:solidFill>
-                <a:latin typeface="+mn-lt"/>
-                <a:ea typeface="+mn-ea"/>
-                <a:cs typeface="+mn-cs"/>
-              </a:defRPr>
-            </a:lvl4pPr>
-            <a:lvl5pPr marL="1828800" indent="0" algn="l" defTabSz="457200" rtl="0" eaLnBrk="1" latinLnBrk="0" hangingPunct="1">
-              <a:spcBef>
-                <a:spcPct val="20000"/>
-              </a:spcBef>
-              <a:buFont typeface="Arial"/>
-              <a:buNone/>
-              <a:defRPr sz="2400" kern="1200">
-                <a:solidFill>
-                  <a:schemeClr val="tx1"/>
-                </a:solidFill>
-                <a:latin typeface="+mn-lt"/>
-                <a:ea typeface="+mn-ea"/>
-                <a:cs typeface="+mn-cs"/>
-              </a:defRPr>
-            </a:lvl5pPr>
-            <a:lvl6pPr marL="2514600" indent="-228600" algn="l" defTabSz="457200" rtl="0" eaLnBrk="1" latinLnBrk="0" hangingPunct="1">
-              <a:spcBef>
-                <a:spcPct val="20000"/>
-              </a:spcBef>
-              <a:buFont typeface="Arial"/>
-              <a:buChar char="•"/>
-              <a:defRPr sz="2000" kern="1200">
-                <a:solidFill>
-                  <a:schemeClr val="tx1"/>
-                </a:solidFill>
-                <a:latin typeface="+mn-lt"/>
-                <a:ea typeface="+mn-ea"/>
-                <a:cs typeface="+mn-cs"/>
-              </a:defRPr>
-            </a:lvl6pPr>
-            <a:lvl7pPr marL="2971800" indent="-228600" algn="l" defTabSz="457200" rtl="0" eaLnBrk="1" latinLnBrk="0" hangingPunct="1">
-              <a:spcBef>
-                <a:spcPct val="20000"/>
-              </a:spcBef>
-              <a:buFont typeface="Arial"/>
-              <a:buChar char="•"/>
-              <a:defRPr sz="2000" kern="1200">
-                <a:solidFill>
-                  <a:schemeClr val="tx1"/>
-                </a:solidFill>
-                <a:latin typeface="+mn-lt"/>
-                <a:ea typeface="+mn-ea"/>
-                <a:cs typeface="+mn-cs"/>
-              </a:defRPr>
-            </a:lvl7pPr>
-            <a:lvl8pPr marL="3429000" indent="-228600" algn="l" defTabSz="457200" rtl="0" eaLnBrk="1" latinLnBrk="0" hangingPunct="1">
-              <a:spcBef>
-                <a:spcPct val="20000"/>
-              </a:spcBef>
-              <a:buFont typeface="Arial"/>
-              <a:buChar char="•"/>
-              <a:defRPr sz="2000" kern="1200">
-                <a:solidFill>
-                  <a:schemeClr val="tx1"/>
-                </a:solidFill>
-                <a:latin typeface="+mn-lt"/>
-                <a:ea typeface="+mn-ea"/>
-                <a:cs typeface="+mn-cs"/>
-              </a:defRPr>
-            </a:lvl8pPr>
-            <a:lvl9pPr marL="3886200" indent="-228600" algn="l" defTabSz="457200" rtl="0" eaLnBrk="1" latinLnBrk="0" hangingPunct="1">
-              <a:spcBef>
-                <a:spcPct val="20000"/>
-              </a:spcBef>
-              <a:buFont typeface="Arial"/>
-              <a:buChar char="•"/>
-              <a:defRPr sz="2000" kern="1200">
-                <a:solidFill>
-                  <a:schemeClr val="tx1"/>
-                </a:solidFill>
-                <a:latin typeface="+mn-lt"/>
-                <a:ea typeface="+mn-ea"/>
-                <a:cs typeface="+mn-cs"/>
-              </a:defRPr>
-            </a:lvl9pPr>
-          </a:lstStyle>
-          <a:p>
-            <a:pPr marL="342900" indent="-342900">
-              <a:buFont typeface="Arial"/>
-              <a:buChar char="•"/>
-            </a:pPr>
-            <a:r>
-              <a:rPr lang="en-GB" sz="2000" dirty="0">
-                <a:latin typeface="Arial"/>
-                <a:cs typeface="Arial"/>
-              </a:rPr>
-              <a:t>Tuples are similar to lists but have a few key differences</a:t>
-            </a:r>
-          </a:p>
-          <a:p>
-            <a:pPr marL="342900" indent="-342900">
-              <a:buFont typeface="Arial"/>
-              <a:buChar char="•"/>
-            </a:pPr>
-            <a:r>
-              <a:rPr lang="en-GB" sz="2000" dirty="0">
-                <a:latin typeface="Arial"/>
-                <a:cs typeface="Arial"/>
-              </a:rPr>
-              <a:t>We define tuples in the same way as lists except we using parentheses instead of square brackets</a:t>
-            </a:r>
-          </a:p>
-          <a:p>
-            <a:pPr marL="342900" indent="-342900">
-              <a:buFont typeface="Arial"/>
-              <a:buChar char="•"/>
-            </a:pPr>
-            <a:endParaRPr lang="en-GB" sz="2000" dirty="0">
-              <a:latin typeface="Arial"/>
-              <a:cs typeface="Arial"/>
-            </a:endParaRPr>
-          </a:p>
-          <a:p>
-            <a:pPr marL="342900" indent="-342900">
-              <a:buFont typeface="Arial"/>
-              <a:buChar char="•"/>
-            </a:pPr>
-            <a:endParaRPr lang="en-GB" sz="2000" dirty="0">
-              <a:latin typeface="Arial"/>
-              <a:cs typeface="Arial"/>
-            </a:endParaRPr>
-          </a:p>
-          <a:p>
-            <a:pPr marL="342900" indent="-342900">
-              <a:buFont typeface="Arial"/>
-              <a:buChar char="•"/>
-            </a:pPr>
-            <a:r>
-              <a:rPr lang="en-GB" sz="2000" dirty="0">
-                <a:latin typeface="Arial"/>
-                <a:cs typeface="Arial"/>
-              </a:rPr>
-              <a:t>We can extract elements and slice tuples in the exact same way as lists</a:t>
-            </a:r>
-          </a:p>
-          <a:p>
-            <a:pPr marL="342900" indent="-342900">
-              <a:buFont typeface="Arial"/>
-              <a:buChar char="•"/>
-            </a:pPr>
-            <a:endParaRPr lang="en-GB" sz="2000" dirty="0">
-              <a:latin typeface="Arial"/>
-              <a:cs typeface="Arial"/>
-            </a:endParaRPr>
-          </a:p>
-          <a:p>
-            <a:pPr marL="342900" indent="-342900">
-              <a:buFont typeface="Arial"/>
-              <a:buChar char="•"/>
-            </a:pPr>
-            <a:endParaRPr lang="en-GB" sz="2000" dirty="0">
-              <a:latin typeface="Arial"/>
-              <a:cs typeface="Arial"/>
-            </a:endParaRPr>
-          </a:p>
-          <a:p>
-            <a:pPr marL="342900" indent="-342900">
-              <a:buFont typeface="Arial"/>
-              <a:buChar char="•"/>
-            </a:pPr>
-            <a:endParaRPr lang="en-GB" sz="2000" dirty="0">
-              <a:latin typeface="Arial"/>
-              <a:cs typeface="Arial"/>
-            </a:endParaRPr>
-          </a:p>
-          <a:p>
-            <a:pPr marL="342900" indent="-342900">
-              <a:buFont typeface="Arial"/>
-              <a:buChar char="•"/>
-            </a:pPr>
-            <a:endParaRPr lang="en-GB" sz="2000" dirty="0">
-              <a:latin typeface="Arial"/>
-              <a:cs typeface="Arial"/>
-            </a:endParaRPr>
-          </a:p>
-          <a:p>
-            <a:pPr marL="342900" indent="-342900">
-              <a:buFont typeface="Arial"/>
-              <a:buChar char="•"/>
-            </a:pPr>
-            <a:endParaRPr lang="en-GB" sz="2000" dirty="0">
-              <a:latin typeface="Arial"/>
-              <a:cs typeface="Arial"/>
-            </a:endParaRPr>
-          </a:p>
-          <a:p>
-            <a:pPr marL="342900" indent="-342900">
-              <a:buFont typeface="Arial"/>
-              <a:buChar char="•"/>
-            </a:pPr>
-            <a:r>
-              <a:rPr lang="en-GB" sz="2000" dirty="0">
-                <a:latin typeface="Arial"/>
-                <a:cs typeface="Arial"/>
-              </a:rPr>
-              <a:t>The main difference is that tuples cannot be manipulated once they are created (i.e. no appending, deleting, or overwriting)</a:t>
-            </a:r>
-          </a:p>
-        </p:txBody>
-      </p:sp>
-      <p:pic>
-        <p:nvPicPr>
-          <p:cNvPr id="5" name="Picture 4">
-            <a:extLst>
-              <a:ext uri="{FF2B5EF4-FFF2-40B4-BE49-F238E27FC236}">
-                <a16:creationId xmlns:a16="http://schemas.microsoft.com/office/drawing/2014/main" id="{7599E749-6662-4D18-AFA4-C288330DDC96}"/>
-              </a:ext>
-            </a:extLst>
-          </p:cNvPr>
-          <p:cNvPicPr>
-            <a:picLocks noChangeAspect="1"/>
-          </p:cNvPicPr>
-          <p:nvPr/>
-        </p:nvPicPr>
-        <p:blipFill>
-          <a:blip r:embed="rId3"/>
-          <a:stretch>
-            <a:fillRect/>
-          </a:stretch>
-        </p:blipFill>
-        <p:spPr>
-          <a:xfrm>
-            <a:off x="3445782" y="1832068"/>
-            <a:ext cx="2252435" cy="364831"/>
-          </a:xfrm>
-          <a:prstGeom prst="rect">
-            <a:avLst/>
-          </a:prstGeom>
-        </p:spPr>
-      </p:pic>
-      <p:pic>
-        <p:nvPicPr>
-          <p:cNvPr id="7" name="Picture 6">
-            <a:extLst>
-              <a:ext uri="{FF2B5EF4-FFF2-40B4-BE49-F238E27FC236}">
-                <a16:creationId xmlns:a16="http://schemas.microsoft.com/office/drawing/2014/main" id="{F071B697-F489-4849-B33E-8AC46D06E0C3}"/>
-              </a:ext>
-            </a:extLst>
-          </p:cNvPr>
-          <p:cNvPicPr>
-            <a:picLocks noChangeAspect="1"/>
-          </p:cNvPicPr>
-          <p:nvPr/>
-        </p:nvPicPr>
-        <p:blipFill>
-          <a:blip r:embed="rId4"/>
-          <a:stretch>
-            <a:fillRect/>
-          </a:stretch>
-        </p:blipFill>
-        <p:spPr>
-          <a:xfrm>
-            <a:off x="3555028" y="2748936"/>
-            <a:ext cx="2033944" cy="1319988"/>
-          </a:xfrm>
-          <a:prstGeom prst="rect">
-            <a:avLst/>
-          </a:prstGeom>
-        </p:spPr>
-      </p:pic>
-    </p:spTree>
-    <p:extLst>
-      <p:ext uri="{BB962C8B-B14F-4D97-AF65-F5344CB8AC3E}">
-        <p14:creationId xmlns:p14="http://schemas.microsoft.com/office/powerpoint/2010/main" val="3872188134"/>
-      </p:ext>
-    </p:extLst>
-  </p:cSld>
-  <p:clrMapOvr>
-    <a:masterClrMapping/>
-  </p:clrMapOvr>
-</p:sld>
-</file>
-
-<file path=ppt/slides/slide21.xml><?xml version="1.0" encoding="utf-8"?>
-<p:sld xmlns:a="http://schemas.openxmlformats.org/drawingml/2006/main" xmlns:r="http://schemas.openxmlformats.org/officeDocument/2006/relationships" xmlns:p="http://schemas.openxmlformats.org/presentationml/2006/main" showMasterSp="0">
-  <p:cSld>
-    <p:spTree>
-      <p:nvGrpSpPr>
-        <p:cNvPr id="1" name=""/>
-        <p:cNvGrpSpPr/>
-        <p:nvPr/>
-      </p:nvGrpSpPr>
-      <p:grpSpPr>
-        <a:xfrm>
-          <a:off x="0" y="0"/>
-          <a:ext cx="0" cy="0"/>
-          <a:chOff x="0" y="0"/>
-          <a:chExt cx="0" cy="0"/>
-        </a:xfrm>
-      </p:grpSpPr>
-      <p:sp>
-        <p:nvSpPr>
-          <p:cNvPr id="2" name="Title 1">
-            <a:extLst>
-              <a:ext uri="{FF2B5EF4-FFF2-40B4-BE49-F238E27FC236}">
                 <a16:creationId xmlns:a16="http://schemas.microsoft.com/office/drawing/2014/main" id="{AC949181-34C8-4B88-8F64-C16CAD6205DC}"/>
               </a:ext>
             </a:extLst>
@@ -32942,7 +32516,7 @@
             <a:fld id="{3C4F54F3-C349-4609-AFEE-01462D5C7942}" type="slidenum">
               <a:rPr lang="en-GB" smtClean="0"/>
               <a:pPr/>
-              <a:t>21</a:t>
+              <a:t>20</a:t>
             </a:fld>
             <a:endParaRPr lang="en-GB"/>
           </a:p>
@@ -33180,7 +32754,7 @@
 </p:sld>
 </file>
 
-<file path=ppt/slides/slide22.xml><?xml version="1.0" encoding="utf-8"?>
+<file path=ppt/slides/slide21.xml><?xml version="1.0" encoding="utf-8"?>
 <p:sld xmlns:a="http://schemas.openxmlformats.org/drawingml/2006/main" xmlns:r="http://schemas.openxmlformats.org/officeDocument/2006/relationships" xmlns:p="http://schemas.openxmlformats.org/presentationml/2006/main" showMasterSp="0">
   <p:cSld>
     <p:spTree>
@@ -33253,7 +32827,7 @@
             <a:fld id="{3C4F54F3-C349-4609-AFEE-01462D5C7942}" type="slidenum">
               <a:rPr lang="en-GB" smtClean="0"/>
               <a:pPr/>
-              <a:t>22</a:t>
+              <a:t>21</a:t>
             </a:fld>
             <a:endParaRPr lang="en-GB"/>
           </a:p>
@@ -33599,7 +33173,7 @@
 </p:sld>
 </file>
 
-<file path=ppt/slides/slide23.xml><?xml version="1.0" encoding="utf-8"?>
+<file path=ppt/slides/slide22.xml><?xml version="1.0" encoding="utf-8"?>
 <p:sld xmlns:a="http://schemas.openxmlformats.org/drawingml/2006/main" xmlns:r="http://schemas.openxmlformats.org/officeDocument/2006/relationships" xmlns:p="http://schemas.openxmlformats.org/presentationml/2006/main" showMasterSp="0">
   <p:cSld>
     <p:spTree>
@@ -33672,7 +33246,7 @@
             <a:fld id="{3C4F54F3-C349-4609-AFEE-01462D5C7942}" type="slidenum">
               <a:rPr lang="en-GB" smtClean="0"/>
               <a:pPr/>
-              <a:t>23</a:t>
+              <a:t>22</a:t>
             </a:fld>
             <a:endParaRPr lang="en-GB"/>
           </a:p>
@@ -35603,7 +35177,7 @@
           <p:cNvPr id="2" name="Title 1">
             <a:extLst>
               <a:ext uri="{FF2B5EF4-FFF2-40B4-BE49-F238E27FC236}">
-                <a16:creationId xmlns:a16="http://schemas.microsoft.com/office/drawing/2014/main" id="{6FF1181F-0C76-47D0-83D2-2133FE38FB6F}"/>
+                <a16:creationId xmlns:a16="http://schemas.microsoft.com/office/drawing/2014/main" id="{F7DA9A4F-1DFD-49DB-8569-F5AB18BD6161}"/>
               </a:ext>
             </a:extLst>
           </p:cNvPr>
@@ -35616,26 +35190,22 @@
         </p:nvSpPr>
         <p:spPr/>
         <p:txBody>
-          <a:bodyPr vert="horz" anchor="t"/>
+          <a:bodyPr/>
           <a:lstStyle/>
           <a:p>
             <a:r>
-              <a:rPr lang="en-GB" dirty="0">
-                <a:latin typeface="Arial"/>
-                <a:cs typeface="Arial"/>
-              </a:rPr>
-              <a:t>Non-numeric Lists Puzzles Solutions</a:t>
-            </a:r>
-            <a:endParaRPr lang="en-GB" dirty="0"/>
-          </a:p>
-        </p:txBody>
-      </p:sp>
-      <p:sp>
-        <p:nvSpPr>
-          <p:cNvPr id="4" name="Slide Number Placeholder 3">
+              <a:rPr lang="en-GB" dirty="0"/>
+              <a:t>Extracting List Elements</a:t>
+            </a:r>
+          </a:p>
+        </p:txBody>
+      </p:sp>
+      <p:sp>
+        <p:nvSpPr>
+          <p:cNvPr id="3" name="Slide Number Placeholder 2">
             <a:extLst>
               <a:ext uri="{FF2B5EF4-FFF2-40B4-BE49-F238E27FC236}">
-                <a16:creationId xmlns:a16="http://schemas.microsoft.com/office/drawing/2014/main" id="{CCA97D33-0674-4F0A-9450-AA6A3EE0628D}"/>
+                <a16:creationId xmlns:a16="http://schemas.microsoft.com/office/drawing/2014/main" id="{7C3E703A-A386-472F-AD27-D2D983CC7A66}"/>
               </a:ext>
             </a:extLst>
           </p:cNvPr>
@@ -35660,12 +35230,334 @@
           </a:p>
         </p:txBody>
       </p:sp>
+      <p:sp>
+        <p:nvSpPr>
+          <p:cNvPr id="8" name="TextBox 7">
+            <a:extLst>
+              <a:ext uri="{FF2B5EF4-FFF2-40B4-BE49-F238E27FC236}">
+                <a16:creationId xmlns:a16="http://schemas.microsoft.com/office/drawing/2014/main" id="{4FE232C3-38A4-4476-9CD6-45D51931E2C5}"/>
+              </a:ext>
+            </a:extLst>
+          </p:cNvPr>
+          <p:cNvSpPr txBox="1"/>
+          <p:nvPr/>
+        </p:nvSpPr>
+        <p:spPr>
+          <a:xfrm>
+            <a:off x="5760385" y="48746"/>
+            <a:ext cx="584948" cy="1323439"/>
+          </a:xfrm>
+          <a:prstGeom prst="rect">
+            <a:avLst/>
+          </a:prstGeom>
+          <a:noFill/>
+        </p:spPr>
+        <p:txBody>
+          <a:bodyPr rot="0" spcFirstLastPara="0" vertOverflow="overflow" horzOverflow="overflow" vert="horz" wrap="square" lIns="91440" tIns="45720" rIns="91440" bIns="45720" numCol="1" spcCol="0" rtlCol="0" fromWordArt="0" anchor="t" anchorCtr="0" forceAA="0" compatLnSpc="1">
+            <a:prstTxWarp prst="textNoShape">
+              <a:avLst/>
+            </a:prstTxWarp>
+            <a:spAutoFit/>
+          </a:bodyPr>
+          <a:lstStyle/>
+          <a:p>
+            <a:pPr algn="l"/>
+            <a:r>
+              <a:rPr lang="en-GB" sz="8000">
+                <a:solidFill>
+                  <a:schemeClr val="bg1"/>
+                </a:solidFill>
+              </a:rPr>
+              <a:t>!</a:t>
+            </a:r>
+            <a:endParaRPr lang="en-US" sz="8000">
+              <a:solidFill>
+                <a:schemeClr val="bg1"/>
+              </a:solidFill>
+              <a:cs typeface="Arial"/>
+            </a:endParaRPr>
+          </a:p>
+        </p:txBody>
+      </p:sp>
+      <p:sp>
+        <p:nvSpPr>
+          <p:cNvPr id="9" name="Text Placeholder 2">
+            <a:extLst>
+              <a:ext uri="{FF2B5EF4-FFF2-40B4-BE49-F238E27FC236}">
+                <a16:creationId xmlns:a16="http://schemas.microsoft.com/office/drawing/2014/main" id="{4E42B628-8463-4E75-A5A1-234D3CBE4E01}"/>
+              </a:ext>
+            </a:extLst>
+          </p:cNvPr>
+          <p:cNvSpPr txBox="1">
+            <a:spLocks/>
+          </p:cNvSpPr>
+          <p:nvPr/>
+        </p:nvSpPr>
+        <p:spPr>
+          <a:xfrm>
+            <a:off x="237061" y="712956"/>
+            <a:ext cx="8589439" cy="3885327"/>
+          </a:xfrm>
+          <a:prstGeom prst="rect">
+            <a:avLst/>
+          </a:prstGeom>
+        </p:spPr>
+        <p:txBody>
+          <a:bodyPr vert="horz" anchor="t"/>
+          <a:lstStyle>
+            <a:lvl1pPr marL="0" indent="0" algn="l" defTabSz="457200" rtl="0" eaLnBrk="1" latinLnBrk="0" hangingPunct="1">
+              <a:spcBef>
+                <a:spcPts val="0"/>
+              </a:spcBef>
+              <a:buFont typeface="Arial"/>
+              <a:buNone/>
+              <a:defRPr sz="2400" kern="1200" baseline="0">
+                <a:solidFill>
+                  <a:schemeClr val="tx1"/>
+                </a:solidFill>
+                <a:latin typeface="Arial" pitchFamily="34" charset="0"/>
+                <a:ea typeface="+mn-ea"/>
+                <a:cs typeface="Arial" pitchFamily="34" charset="0"/>
+              </a:defRPr>
+            </a:lvl1pPr>
+            <a:lvl2pPr marL="457200" indent="0" algn="l" defTabSz="457200" rtl="0" eaLnBrk="1" latinLnBrk="0" hangingPunct="1">
+              <a:spcBef>
+                <a:spcPct val="20000"/>
+              </a:spcBef>
+              <a:buFont typeface="Arial"/>
+              <a:buNone/>
+              <a:defRPr sz="2400" kern="1200">
+                <a:solidFill>
+                  <a:schemeClr val="tx1"/>
+                </a:solidFill>
+                <a:latin typeface="+mn-lt"/>
+                <a:ea typeface="+mn-ea"/>
+                <a:cs typeface="+mn-cs"/>
+              </a:defRPr>
+            </a:lvl2pPr>
+            <a:lvl3pPr marL="914400" indent="0" algn="l" defTabSz="457200" rtl="0" eaLnBrk="1" latinLnBrk="0" hangingPunct="1">
+              <a:spcBef>
+                <a:spcPct val="20000"/>
+              </a:spcBef>
+              <a:buFont typeface="Arial"/>
+              <a:buNone/>
+              <a:defRPr sz="2400" kern="1200">
+                <a:solidFill>
+                  <a:schemeClr val="tx1"/>
+                </a:solidFill>
+                <a:latin typeface="+mn-lt"/>
+                <a:ea typeface="+mn-ea"/>
+                <a:cs typeface="+mn-cs"/>
+              </a:defRPr>
+            </a:lvl3pPr>
+            <a:lvl4pPr marL="1371600" indent="0" algn="l" defTabSz="457200" rtl="0" eaLnBrk="1" latinLnBrk="0" hangingPunct="1">
+              <a:spcBef>
+                <a:spcPct val="20000"/>
+              </a:spcBef>
+              <a:buFont typeface="Arial"/>
+              <a:buNone/>
+              <a:defRPr sz="2400" kern="1200">
+                <a:solidFill>
+                  <a:schemeClr val="tx1"/>
+                </a:solidFill>
+                <a:latin typeface="+mn-lt"/>
+                <a:ea typeface="+mn-ea"/>
+                <a:cs typeface="+mn-cs"/>
+              </a:defRPr>
+            </a:lvl4pPr>
+            <a:lvl5pPr marL="1828800" indent="0" algn="l" defTabSz="457200" rtl="0" eaLnBrk="1" latinLnBrk="0" hangingPunct="1">
+              <a:spcBef>
+                <a:spcPct val="20000"/>
+              </a:spcBef>
+              <a:buFont typeface="Arial"/>
+              <a:buNone/>
+              <a:defRPr sz="2400" kern="1200">
+                <a:solidFill>
+                  <a:schemeClr val="tx1"/>
+                </a:solidFill>
+                <a:latin typeface="+mn-lt"/>
+                <a:ea typeface="+mn-ea"/>
+                <a:cs typeface="+mn-cs"/>
+              </a:defRPr>
+            </a:lvl5pPr>
+            <a:lvl6pPr marL="2514600" indent="-228600" algn="l" defTabSz="457200" rtl="0" eaLnBrk="1" latinLnBrk="0" hangingPunct="1">
+              <a:spcBef>
+                <a:spcPct val="20000"/>
+              </a:spcBef>
+              <a:buFont typeface="Arial"/>
+              <a:buChar char="•"/>
+              <a:defRPr sz="2000" kern="1200">
+                <a:solidFill>
+                  <a:schemeClr val="tx1"/>
+                </a:solidFill>
+                <a:latin typeface="+mn-lt"/>
+                <a:ea typeface="+mn-ea"/>
+                <a:cs typeface="+mn-cs"/>
+              </a:defRPr>
+            </a:lvl6pPr>
+            <a:lvl7pPr marL="2971800" indent="-228600" algn="l" defTabSz="457200" rtl="0" eaLnBrk="1" latinLnBrk="0" hangingPunct="1">
+              <a:spcBef>
+                <a:spcPct val="20000"/>
+              </a:spcBef>
+              <a:buFont typeface="Arial"/>
+              <a:buChar char="•"/>
+              <a:defRPr sz="2000" kern="1200">
+                <a:solidFill>
+                  <a:schemeClr val="tx1"/>
+                </a:solidFill>
+                <a:latin typeface="+mn-lt"/>
+                <a:ea typeface="+mn-ea"/>
+                <a:cs typeface="+mn-cs"/>
+              </a:defRPr>
+            </a:lvl7pPr>
+            <a:lvl8pPr marL="3429000" indent="-228600" algn="l" defTabSz="457200" rtl="0" eaLnBrk="1" latinLnBrk="0" hangingPunct="1">
+              <a:spcBef>
+                <a:spcPct val="20000"/>
+              </a:spcBef>
+              <a:buFont typeface="Arial"/>
+              <a:buChar char="•"/>
+              <a:defRPr sz="2000" kern="1200">
+                <a:solidFill>
+                  <a:schemeClr val="tx1"/>
+                </a:solidFill>
+                <a:latin typeface="+mn-lt"/>
+                <a:ea typeface="+mn-ea"/>
+                <a:cs typeface="+mn-cs"/>
+              </a:defRPr>
+            </a:lvl8pPr>
+            <a:lvl9pPr marL="3886200" indent="-228600" algn="l" defTabSz="457200" rtl="0" eaLnBrk="1" latinLnBrk="0" hangingPunct="1">
+              <a:spcBef>
+                <a:spcPct val="20000"/>
+              </a:spcBef>
+              <a:buFont typeface="Arial"/>
+              <a:buChar char="•"/>
+              <a:defRPr sz="2000" kern="1200">
+                <a:solidFill>
+                  <a:schemeClr val="tx1"/>
+                </a:solidFill>
+                <a:latin typeface="+mn-lt"/>
+                <a:ea typeface="+mn-ea"/>
+                <a:cs typeface="+mn-cs"/>
+              </a:defRPr>
+            </a:lvl9pPr>
+          </a:lstStyle>
+          <a:p>
+            <a:pPr marL="342900" indent="-342900">
+              <a:buFont typeface="Arial"/>
+              <a:buChar char="•"/>
+            </a:pPr>
+            <a:r>
+              <a:rPr lang="en-GB" sz="2000" dirty="0">
+                <a:latin typeface="Arial"/>
+                <a:cs typeface="Arial"/>
+              </a:rPr>
+              <a:t>Lists are composed of multiple elements (sometimes called items)</a:t>
+            </a:r>
+          </a:p>
+          <a:p>
+            <a:pPr marL="342900" indent="-342900">
+              <a:buFont typeface="Arial"/>
+              <a:buChar char="•"/>
+            </a:pPr>
+            <a:r>
+              <a:rPr lang="en-GB" sz="2000" dirty="0">
+                <a:latin typeface="Arial"/>
+                <a:cs typeface="Arial"/>
+              </a:rPr>
+              <a:t>Each element has an </a:t>
+            </a:r>
+            <a:r>
+              <a:rPr lang="en-GB" sz="2000" i="1" dirty="0">
+                <a:latin typeface="Arial"/>
+                <a:cs typeface="Arial"/>
+              </a:rPr>
+              <a:t>index</a:t>
+            </a:r>
+            <a:r>
+              <a:rPr lang="en-GB" sz="2000" dirty="0">
+                <a:latin typeface="Arial"/>
+                <a:cs typeface="Arial"/>
+              </a:rPr>
+              <a:t>. Think of this as its address</a:t>
+            </a:r>
+          </a:p>
+          <a:p>
+            <a:pPr marL="342900" indent="-342900">
+              <a:buFont typeface="Arial"/>
+              <a:buChar char="•"/>
+            </a:pPr>
+            <a:r>
+              <a:rPr lang="en-GB" sz="2000" dirty="0">
+                <a:latin typeface="Arial"/>
+                <a:cs typeface="Arial"/>
+              </a:rPr>
+              <a:t>The first element in the list is given the index (address) zero</a:t>
+            </a:r>
+          </a:p>
+          <a:p>
+            <a:pPr marL="342900" indent="-342900">
+              <a:buFont typeface="Arial"/>
+              <a:buChar char="•"/>
+            </a:pPr>
+            <a:r>
+              <a:rPr lang="en-GB" sz="2000" dirty="0">
+                <a:latin typeface="Arial"/>
+                <a:cs typeface="Arial"/>
+              </a:rPr>
+              <a:t>This then increases for each element so that the second element has index one, and the third, index two</a:t>
+            </a:r>
+          </a:p>
+          <a:p>
+            <a:pPr marL="342900" indent="-342900">
+              <a:buFont typeface="Arial"/>
+              <a:buChar char="•"/>
+            </a:pPr>
+            <a:r>
+              <a:rPr lang="en-GB" sz="2000" dirty="0">
+                <a:latin typeface="Arial"/>
+                <a:cs typeface="Arial"/>
+              </a:rPr>
+              <a:t>We can access an element of a list my following its name with square brackets containing the index of the element we are interested in</a:t>
+            </a:r>
+          </a:p>
+        </p:txBody>
+      </p:sp>
       <p:pic>
         <p:nvPicPr>
           <p:cNvPr id="7" name="Picture 6">
             <a:extLst>
               <a:ext uri="{FF2B5EF4-FFF2-40B4-BE49-F238E27FC236}">
-                <a16:creationId xmlns:a16="http://schemas.microsoft.com/office/drawing/2014/main" id="{0A9CCCDE-38BA-407D-B893-4D4CD96670C2}"/>
+                <a16:creationId xmlns:a16="http://schemas.microsoft.com/office/drawing/2014/main" id="{17DC542C-7CAE-462A-B897-09ADE0C8C270}"/>
+              </a:ext>
+            </a:extLst>
+          </p:cNvPr>
+          <p:cNvPicPr>
+            <a:picLocks noChangeAspect="1"/>
+          </p:cNvPicPr>
+          <p:nvPr/>
+        </p:nvPicPr>
+        <p:blipFill>
+          <a:blip r:embed="rId2"/>
+          <a:stretch>
+            <a:fillRect/>
+          </a:stretch>
+        </p:blipFill>
+        <p:spPr>
+          <a:xfrm>
+            <a:off x="1638300" y="3225173"/>
+            <a:ext cx="5867400" cy="1466850"/>
+          </a:xfrm>
+          <a:prstGeom prst="rect">
+            <a:avLst/>
+          </a:prstGeom>
+        </p:spPr>
+      </p:pic>
+      <p:pic>
+        <p:nvPicPr>
+          <p:cNvPr id="11" name="Picture 10">
+            <a:extLst>
+              <a:ext uri="{FF2B5EF4-FFF2-40B4-BE49-F238E27FC236}">
+                <a16:creationId xmlns:a16="http://schemas.microsoft.com/office/drawing/2014/main" id="{AE10D547-F5D1-43D9-93EA-E166E3C73F57}"/>
               </a:ext>
             </a:extLst>
           </p:cNvPr>
@@ -35675,7 +35567,7 @@
           <p:nvPr/>
         </p:nvPicPr>
         <p:blipFill rotWithShape="1">
-          <a:blip r:embed="rId2"/>
+          <a:blip r:embed="rId3"/>
           <a:srcRect l="2982" t="3174" r="2869" b="2900"/>
           <a:stretch/>
         </p:blipFill>
@@ -35689,287 +35581,10 @@
           </a:prstGeom>
         </p:spPr>
       </p:pic>
-      <p:pic>
-        <p:nvPicPr>
-          <p:cNvPr id="3" name="Picture 2">
-            <a:extLst>
-              <a:ext uri="{FF2B5EF4-FFF2-40B4-BE49-F238E27FC236}">
-                <a16:creationId xmlns:a16="http://schemas.microsoft.com/office/drawing/2014/main" id="{3830E792-56D2-411D-91E6-BA7A04A516A9}"/>
-              </a:ext>
-            </a:extLst>
-          </p:cNvPr>
-          <p:cNvPicPr>
-            <a:picLocks noChangeAspect="1"/>
-          </p:cNvPicPr>
-          <p:nvPr/>
-        </p:nvPicPr>
-        <p:blipFill>
-          <a:blip r:embed="rId3"/>
-          <a:stretch>
-            <a:fillRect/>
-          </a:stretch>
-        </p:blipFill>
-        <p:spPr>
-          <a:xfrm>
-            <a:off x="925628" y="1114425"/>
-            <a:ext cx="3248025" cy="1457325"/>
-          </a:xfrm>
-          <a:prstGeom prst="rect">
-            <a:avLst/>
-          </a:prstGeom>
-        </p:spPr>
-      </p:pic>
-      <p:pic>
-        <p:nvPicPr>
-          <p:cNvPr id="5" name="Picture 4">
-            <a:extLst>
-              <a:ext uri="{FF2B5EF4-FFF2-40B4-BE49-F238E27FC236}">
-                <a16:creationId xmlns:a16="http://schemas.microsoft.com/office/drawing/2014/main" id="{FDBCFC27-0580-4623-A572-89D33FE8A5E4}"/>
-              </a:ext>
-            </a:extLst>
-          </p:cNvPr>
-          <p:cNvPicPr>
-            <a:picLocks noChangeAspect="1"/>
-          </p:cNvPicPr>
-          <p:nvPr/>
-        </p:nvPicPr>
-        <p:blipFill>
-          <a:blip r:embed="rId4"/>
-          <a:stretch>
-            <a:fillRect/>
-          </a:stretch>
-        </p:blipFill>
-        <p:spPr>
-          <a:xfrm>
-            <a:off x="5374047" y="1114425"/>
-            <a:ext cx="2381667" cy="1456645"/>
-          </a:xfrm>
-          <a:prstGeom prst="rect">
-            <a:avLst/>
-          </a:prstGeom>
-        </p:spPr>
-      </p:pic>
-      <p:sp>
-        <p:nvSpPr>
-          <p:cNvPr id="8" name="Text Placeholder 2">
-            <a:extLst>
-              <a:ext uri="{FF2B5EF4-FFF2-40B4-BE49-F238E27FC236}">
-                <a16:creationId xmlns:a16="http://schemas.microsoft.com/office/drawing/2014/main" id="{8F913F96-0DE0-449E-A6B9-C426B24C592B}"/>
-              </a:ext>
-            </a:extLst>
-          </p:cNvPr>
-          <p:cNvSpPr txBox="1">
-            <a:spLocks/>
-          </p:cNvSpPr>
-          <p:nvPr/>
-        </p:nvSpPr>
-        <p:spPr>
-          <a:xfrm>
-            <a:off x="237601" y="2923411"/>
-            <a:ext cx="8589439" cy="1728268"/>
-          </a:xfrm>
-          <a:prstGeom prst="rect">
-            <a:avLst/>
-          </a:prstGeom>
-        </p:spPr>
-        <p:txBody>
-          <a:bodyPr vert="horz" anchor="t"/>
-          <a:lstStyle>
-            <a:lvl1pPr marL="0" indent="0" algn="l" defTabSz="457200" rtl="0" eaLnBrk="1" latinLnBrk="0" hangingPunct="1">
-              <a:spcBef>
-                <a:spcPts val="0"/>
-              </a:spcBef>
-              <a:buFont typeface="Arial"/>
-              <a:buNone/>
-              <a:defRPr sz="2400" kern="1200" baseline="0">
-                <a:solidFill>
-                  <a:schemeClr val="tx1"/>
-                </a:solidFill>
-                <a:latin typeface="Arial" pitchFamily="34" charset="0"/>
-                <a:ea typeface="+mn-ea"/>
-                <a:cs typeface="Arial" pitchFamily="34" charset="0"/>
-              </a:defRPr>
-            </a:lvl1pPr>
-            <a:lvl2pPr marL="457200" indent="0" algn="l" defTabSz="457200" rtl="0" eaLnBrk="1" latinLnBrk="0" hangingPunct="1">
-              <a:spcBef>
-                <a:spcPct val="20000"/>
-              </a:spcBef>
-              <a:buFont typeface="Arial"/>
-              <a:buNone/>
-              <a:defRPr sz="2400" kern="1200">
-                <a:solidFill>
-                  <a:schemeClr val="tx1"/>
-                </a:solidFill>
-                <a:latin typeface="+mn-lt"/>
-                <a:ea typeface="+mn-ea"/>
-                <a:cs typeface="+mn-cs"/>
-              </a:defRPr>
-            </a:lvl2pPr>
-            <a:lvl3pPr marL="914400" indent="0" algn="l" defTabSz="457200" rtl="0" eaLnBrk="1" latinLnBrk="0" hangingPunct="1">
-              <a:spcBef>
-                <a:spcPct val="20000"/>
-              </a:spcBef>
-              <a:buFont typeface="Arial"/>
-              <a:buNone/>
-              <a:defRPr sz="2400" kern="1200">
-                <a:solidFill>
-                  <a:schemeClr val="tx1"/>
-                </a:solidFill>
-                <a:latin typeface="+mn-lt"/>
-                <a:ea typeface="+mn-ea"/>
-                <a:cs typeface="+mn-cs"/>
-              </a:defRPr>
-            </a:lvl3pPr>
-            <a:lvl4pPr marL="1371600" indent="0" algn="l" defTabSz="457200" rtl="0" eaLnBrk="1" latinLnBrk="0" hangingPunct="1">
-              <a:spcBef>
-                <a:spcPct val="20000"/>
-              </a:spcBef>
-              <a:buFont typeface="Arial"/>
-              <a:buNone/>
-              <a:defRPr sz="2400" kern="1200">
-                <a:solidFill>
-                  <a:schemeClr val="tx1"/>
-                </a:solidFill>
-                <a:latin typeface="+mn-lt"/>
-                <a:ea typeface="+mn-ea"/>
-                <a:cs typeface="+mn-cs"/>
-              </a:defRPr>
-            </a:lvl4pPr>
-            <a:lvl5pPr marL="1828800" indent="0" algn="l" defTabSz="457200" rtl="0" eaLnBrk="1" latinLnBrk="0" hangingPunct="1">
-              <a:spcBef>
-                <a:spcPct val="20000"/>
-              </a:spcBef>
-              <a:buFont typeface="Arial"/>
-              <a:buNone/>
-              <a:defRPr sz="2400" kern="1200">
-                <a:solidFill>
-                  <a:schemeClr val="tx1"/>
-                </a:solidFill>
-                <a:latin typeface="+mn-lt"/>
-                <a:ea typeface="+mn-ea"/>
-                <a:cs typeface="+mn-cs"/>
-              </a:defRPr>
-            </a:lvl5pPr>
-            <a:lvl6pPr marL="2514600" indent="-228600" algn="l" defTabSz="457200" rtl="0" eaLnBrk="1" latinLnBrk="0" hangingPunct="1">
-              <a:spcBef>
-                <a:spcPct val="20000"/>
-              </a:spcBef>
-              <a:buFont typeface="Arial"/>
-              <a:buChar char="•"/>
-              <a:defRPr sz="2000" kern="1200">
-                <a:solidFill>
-                  <a:schemeClr val="tx1"/>
-                </a:solidFill>
-                <a:latin typeface="+mn-lt"/>
-                <a:ea typeface="+mn-ea"/>
-                <a:cs typeface="+mn-cs"/>
-              </a:defRPr>
-            </a:lvl6pPr>
-            <a:lvl7pPr marL="2971800" indent="-228600" algn="l" defTabSz="457200" rtl="0" eaLnBrk="1" latinLnBrk="0" hangingPunct="1">
-              <a:spcBef>
-                <a:spcPct val="20000"/>
-              </a:spcBef>
-              <a:buFont typeface="Arial"/>
-              <a:buChar char="•"/>
-              <a:defRPr sz="2000" kern="1200">
-                <a:solidFill>
-                  <a:schemeClr val="tx1"/>
-                </a:solidFill>
-                <a:latin typeface="+mn-lt"/>
-                <a:ea typeface="+mn-ea"/>
-                <a:cs typeface="+mn-cs"/>
-              </a:defRPr>
-            </a:lvl7pPr>
-            <a:lvl8pPr marL="3429000" indent="-228600" algn="l" defTabSz="457200" rtl="0" eaLnBrk="1" latinLnBrk="0" hangingPunct="1">
-              <a:spcBef>
-                <a:spcPct val="20000"/>
-              </a:spcBef>
-              <a:buFont typeface="Arial"/>
-              <a:buChar char="•"/>
-              <a:defRPr sz="2000" kern="1200">
-                <a:solidFill>
-                  <a:schemeClr val="tx1"/>
-                </a:solidFill>
-                <a:latin typeface="+mn-lt"/>
-                <a:ea typeface="+mn-ea"/>
-                <a:cs typeface="+mn-cs"/>
-              </a:defRPr>
-            </a:lvl8pPr>
-            <a:lvl9pPr marL="3886200" indent="-228600" algn="l" defTabSz="457200" rtl="0" eaLnBrk="1" latinLnBrk="0" hangingPunct="1">
-              <a:spcBef>
-                <a:spcPct val="20000"/>
-              </a:spcBef>
-              <a:buFont typeface="Arial"/>
-              <a:buChar char="•"/>
-              <a:defRPr sz="2000" kern="1200">
-                <a:solidFill>
-                  <a:schemeClr val="tx1"/>
-                </a:solidFill>
-                <a:latin typeface="+mn-lt"/>
-                <a:ea typeface="+mn-ea"/>
-                <a:cs typeface="+mn-cs"/>
-              </a:defRPr>
-            </a:lvl9pPr>
-          </a:lstStyle>
-          <a:p>
-            <a:pPr marL="342900" indent="-342900">
-              <a:buFont typeface="Arial"/>
-              <a:buChar char="•"/>
-            </a:pPr>
-            <a:r>
-              <a:rPr lang="en-GB" sz="2000" dirty="0">
-                <a:latin typeface="Arial"/>
-                <a:cs typeface="Arial"/>
-              </a:rPr>
-              <a:t>Don’t be put off by the layout of these list definitions</a:t>
-            </a:r>
-          </a:p>
-          <a:p>
-            <a:pPr marL="342900" indent="-342900">
-              <a:buFont typeface="Arial"/>
-              <a:buChar char="•"/>
-            </a:pPr>
-            <a:r>
-              <a:rPr lang="en-GB" sz="2000" dirty="0">
-                <a:latin typeface="Arial"/>
-                <a:cs typeface="Arial"/>
-              </a:rPr>
-              <a:t>As mentioned before, Python does not care about spaces and new lines in most cases (and when it does it will make this </a:t>
-            </a:r>
-            <a:r>
-              <a:rPr lang="en-GB" sz="2000" i="1" dirty="0">
-                <a:latin typeface="Arial"/>
-                <a:cs typeface="Arial"/>
-              </a:rPr>
-              <a:t>very</a:t>
-            </a:r>
-            <a:r>
-              <a:rPr lang="en-GB" sz="2000" dirty="0">
-                <a:latin typeface="Arial"/>
-                <a:cs typeface="Arial"/>
-              </a:rPr>
-              <a:t> clear)</a:t>
-            </a:r>
-          </a:p>
-          <a:p>
-            <a:pPr marL="342900" indent="-342900">
-              <a:buFont typeface="Arial"/>
-              <a:buChar char="•"/>
-            </a:pPr>
-            <a:r>
-              <a:rPr lang="en-GB" sz="2000" dirty="0">
-                <a:latin typeface="Arial"/>
-                <a:cs typeface="Arial"/>
-              </a:rPr>
-              <a:t>We simply format complex lists like this to make it easier for humans to see what they contain</a:t>
-            </a:r>
-          </a:p>
-        </p:txBody>
-      </p:sp>
     </p:spTree>
     <p:extLst>
       <p:ext uri="{BB962C8B-B14F-4D97-AF65-F5344CB8AC3E}">
-        <p14:creationId xmlns:p14="http://schemas.microsoft.com/office/powerpoint/2010/main" val="4164314219"/>
+        <p14:creationId xmlns:p14="http://schemas.microsoft.com/office/powerpoint/2010/main" val="2122342213"/>
       </p:ext>
     </p:extLst>
   </p:cSld>
@@ -36087,14 +35702,14 @@
           <a:p>
             <a:pPr algn="l"/>
             <a:r>
-              <a:rPr lang="en-GB" sz="8000">
+              <a:rPr lang="en-GB" sz="8000" dirty="0">
                 <a:solidFill>
                   <a:schemeClr val="bg1"/>
                 </a:solidFill>
               </a:rPr>
               <a:t>!</a:t>
             </a:r>
-            <a:endParaRPr lang="en-US" sz="8000">
+            <a:endParaRPr lang="en-US" sz="8000" dirty="0">
               <a:solidFill>
                 <a:schemeClr val="bg1"/>
               </a:solidFill>
@@ -36275,7 +35890,7 @@
                 <a:latin typeface="Arial"/>
                 <a:cs typeface="Arial"/>
               </a:rPr>
-              <a:t>Lists are composed of multiple elements (sometimes called items)</a:t>
+              <a:t>We can also extract elements of a list using negative indices</a:t>
             </a:r>
           </a:p>
           <a:p>
@@ -36288,21 +35903,20 @@
                 <a:latin typeface="Arial"/>
                 <a:cs typeface="Arial"/>
               </a:rPr>
-              <a:t>Each element has an </a:t>
-            </a:r>
-            <a:r>
-              <a:rPr lang="en-GB" sz="2000" i="1" dirty="0">
-                <a:latin typeface="Arial"/>
-                <a:cs typeface="Arial"/>
-              </a:rPr>
-              <a:t>index</a:t>
-            </a:r>
+              <a:t>Whereas positive (well, non-negative) indices start from the first element in the list, negative indices start from the last</a:t>
+            </a:r>
+          </a:p>
+          <a:p>
+            <a:pPr marL="342900" indent="-342900">
+              <a:buFont typeface="Arial"/>
+              <a:buChar char="•"/>
+            </a:pPr>
             <a:r>
               <a:rPr lang="en-GB" sz="2000" dirty="0">
                 <a:latin typeface="Arial"/>
                 <a:cs typeface="Arial"/>
               </a:rPr>
-              <a:t>. Think of this as its address</a:t>
+              <a:t>The last element of a list has index -1, the penultimate, index -2, etc.</a:t>
             </a:r>
           </a:p>
           <a:p>
@@ -36315,7 +35929,7 @@
                 <a:latin typeface="Arial"/>
                 <a:cs typeface="Arial"/>
               </a:rPr>
-              <a:t>The first element in the list is given the index (address) zero</a:t>
+              <a:t>This means that every element has two indexes (one counting forwards, one counting backwards)</a:t>
             </a:r>
           </a:p>
           <a:p>
@@ -36328,54 +35942,11 @@
                 <a:latin typeface="Arial"/>
                 <a:cs typeface="Arial"/>
               </a:rPr>
-              <a:t>This then increases for each element so that the second element has index one, and the third, index two</a:t>
-            </a:r>
-          </a:p>
-          <a:p>
-            <a:pPr marL="342900" indent="-342900">
-              <a:buFont typeface="Arial"/>
-              <a:buChar char="•"/>
-            </a:pPr>
-            <a:r>
-              <a:rPr lang="en-GB" sz="2000" dirty="0">
-                <a:latin typeface="Arial"/>
-                <a:cs typeface="Arial"/>
-              </a:rPr>
-              <a:t>We can access an element of a list my following its name with square brackets containing the index of the element we are interested in</a:t>
-            </a:r>
-          </a:p>
-        </p:txBody>
-      </p:sp>
-      <p:pic>
-        <p:nvPicPr>
-          <p:cNvPr id="7" name="Picture 6">
-            <a:extLst>
-              <a:ext uri="{FF2B5EF4-FFF2-40B4-BE49-F238E27FC236}">
-                <a16:creationId xmlns:a16="http://schemas.microsoft.com/office/drawing/2014/main" id="{17DC542C-7CAE-462A-B897-09ADE0C8C270}"/>
-              </a:ext>
-            </a:extLst>
-          </p:cNvPr>
-          <p:cNvPicPr>
-            <a:picLocks noChangeAspect="1"/>
-          </p:cNvPicPr>
-          <p:nvPr/>
-        </p:nvPicPr>
-        <p:blipFill>
-          <a:blip r:embed="rId2"/>
-          <a:stretch>
-            <a:fillRect/>
-          </a:stretch>
-        </p:blipFill>
-        <p:spPr>
-          <a:xfrm>
-            <a:off x="1638300" y="3225173"/>
-            <a:ext cx="5867400" cy="1466850"/>
-          </a:xfrm>
-          <a:prstGeom prst="rect">
-            <a:avLst/>
-          </a:prstGeom>
-        </p:spPr>
-      </p:pic>
+              <a:t>We often use negative indices when we don’t know the length of the list</a:t>
+            </a:r>
+          </a:p>
+        </p:txBody>
+      </p:sp>
       <p:pic>
         <p:nvPicPr>
           <p:cNvPr id="11" name="Picture 10">
@@ -36391,7 +35962,7 @@
           <p:nvPr/>
         </p:nvPicPr>
         <p:blipFill rotWithShape="1">
-          <a:blip r:embed="rId3"/>
+          <a:blip r:embed="rId2"/>
           <a:srcRect l="2982" t="3174" r="2869" b="2900"/>
           <a:stretch/>
         </p:blipFill>
@@ -36401,6 +35972,36 @@
             <a:ext cx="498106" cy="496941"/>
           </a:xfrm>
           <a:prstGeom prst="ellipse">
+            <a:avLst/>
+          </a:prstGeom>
+        </p:spPr>
+      </p:pic>
+      <p:pic>
+        <p:nvPicPr>
+          <p:cNvPr id="4" name="Picture 3">
+            <a:extLst>
+              <a:ext uri="{FF2B5EF4-FFF2-40B4-BE49-F238E27FC236}">
+                <a16:creationId xmlns:a16="http://schemas.microsoft.com/office/drawing/2014/main" id="{EDF6D192-6139-407C-AFC9-E03845B32AED}"/>
+              </a:ext>
+            </a:extLst>
+          </p:cNvPr>
+          <p:cNvPicPr>
+            <a:picLocks noChangeAspect="1"/>
+          </p:cNvPicPr>
+          <p:nvPr/>
+        </p:nvPicPr>
+        <p:blipFill>
+          <a:blip r:embed="rId3"/>
+          <a:stretch>
+            <a:fillRect/>
+          </a:stretch>
+        </p:blipFill>
+        <p:spPr>
+          <a:xfrm>
+            <a:off x="1440743" y="3339159"/>
+            <a:ext cx="6182073" cy="1091385"/>
+          </a:xfrm>
+          <a:prstGeom prst="rect">
             <a:avLst/>
           </a:prstGeom>
         </p:spPr>
@@ -36408,7 +36009,7 @@
     </p:spTree>
     <p:extLst>
       <p:ext uri="{BB962C8B-B14F-4D97-AF65-F5344CB8AC3E}">
-        <p14:creationId xmlns:p14="http://schemas.microsoft.com/office/powerpoint/2010/main" val="2122342213"/>
+        <p14:creationId xmlns:p14="http://schemas.microsoft.com/office/powerpoint/2010/main" val="2064303052"/>
       </p:ext>
     </p:extLst>
   </p:cSld>
@@ -38413,6 +38014,15 @@
 </file>
 
 <file path=customXml/item1.xml><?xml version="1.0" encoding="utf-8"?>
+<p:properties xmlns:p="http://schemas.microsoft.com/office/2006/metadata/properties" xmlns:xsi="http://www.w3.org/2001/XMLSchema-instance" xmlns:pc="http://schemas.microsoft.com/office/infopath/2007/PartnerControls">
+  <documentManagement>
+    <Keyword xmlns="44a56295-c29e-4898-8136-a54736c65b82" xsi:nil="true"/>
+    <Descriptions xmlns="44a56295-c29e-4898-8136-a54736c65b82" xsi:nil="true"/>
+  </documentManagement>
+</p:properties>
+</file>
+
+<file path=customXml/item2.xml><?xml version="1.0" encoding="utf-8"?>
 <ct:contentTypeSchema xmlns:ct="http://schemas.microsoft.com/office/2006/metadata/contentType" xmlns:ma="http://schemas.microsoft.com/office/2006/metadata/properties/metaAttributes" ct:_="" ma:_="" ma:contentTypeName="Document" ma:contentTypeID="0x010100C9F3DD611966374C9EAA8DC5A2F94CD8" ma:contentTypeVersion="8" ma:contentTypeDescription="Create a new document." ma:contentTypeScope="" ma:versionID="18a8759320524e51783f13c6663a10d1">
   <xsd:schema xmlns:xsd="http://www.w3.org/2001/XMLSchema" xmlns:xs="http://www.w3.org/2001/XMLSchema" xmlns:p="http://schemas.microsoft.com/office/2006/metadata/properties" xmlns:ns2="44a56295-c29e-4898-8136-a54736c65b82" xmlns:ns3="9675ef8f-b755-4cd6-a742-8cae3d86c4fe" targetNamespace="http://schemas.microsoft.com/office/2006/metadata/properties" ma:root="true" ma:fieldsID="1b693415669a5bc10d56a9234ce5202b" ns2:_="" ns3:_="">
     <xsd:import namespace="44a56295-c29e-4898-8136-a54736c65b82"/>
@@ -38591,21 +38201,7 @@
 </ct:contentTypeSchema>
 </file>
 
-<file path=customXml/item2.xml><?xml version="1.0" encoding="utf-8"?>
-<p:properties xmlns:p="http://schemas.microsoft.com/office/2006/metadata/properties" xmlns:xsi="http://www.w3.org/2001/XMLSchema-instance" xmlns:pc="http://schemas.microsoft.com/office/infopath/2007/PartnerControls">
-  <documentManagement>
-    <Keyword xmlns="44a56295-c29e-4898-8136-a54736c65b82" xsi:nil="true"/>
-    <Descriptions xmlns="44a56295-c29e-4898-8136-a54736c65b82" xsi:nil="true"/>
-  </documentManagement>
-</p:properties>
-</file>
-
 <file path=customXml/item3.xml><?xml version="1.0" encoding="utf-8"?>
-<?mso-contentType ?>
-<SharedContentType xmlns="Microsoft.SharePoint.Taxonomy.ContentTypeSync" SourceId="1ee89e71-04cd-405e-9ca3-99e020c1694d" ContentTypeId="0x0101" PreviousValue="false"/>
-</file>
-
-<file path=customXml/item4.xml><?xml version="1.0" encoding="utf-8"?>
 <?mso-contentType ?>
 <FormTemplates xmlns="http://schemas.microsoft.com/sharepoint/v3/contenttype/forms">
   <Display>DocumentLibraryForm</Display>
@@ -38614,7 +38210,29 @@
 </FormTemplates>
 </file>
 
+<file path=customXml/item4.xml><?xml version="1.0" encoding="utf-8"?>
+<?mso-contentType ?>
+<SharedContentType xmlns="Microsoft.SharePoint.Taxonomy.ContentTypeSync" SourceId="1ee89e71-04cd-405e-9ca3-99e020c1694d" ContentTypeId="0x0101" PreviousValue="false"/>
+</file>
+
 <file path=customXml/itemProps1.xml><?xml version="1.0" encoding="utf-8"?>
+<ds:datastoreItem xmlns:ds="http://schemas.openxmlformats.org/officeDocument/2006/customXml" ds:itemID="{8E7055A9-979E-42E4-8AE4-11D4A57371C1}">
+  <ds:schemaRefs>
+    <ds:schemaRef ds:uri="44a56295-c29e-4898-8136-a54736c65b82"/>
+    <ds:schemaRef ds:uri="9675ef8f-b755-4cd6-a742-8cae3d86c4fe"/>
+    <ds:schemaRef ds:uri="http://purl.org/dc/dcmitype/"/>
+    <ds:schemaRef ds:uri="http://purl.org/dc/elements/1.1/"/>
+    <ds:schemaRef ds:uri="http://purl.org/dc/terms/"/>
+    <ds:schemaRef ds:uri="http://schemas.microsoft.com/office/2006/documentManagement/types"/>
+    <ds:schemaRef ds:uri="http://schemas.microsoft.com/office/2006/metadata/properties"/>
+    <ds:schemaRef ds:uri="http://schemas.microsoft.com/office/infopath/2007/PartnerControls"/>
+    <ds:schemaRef ds:uri="http://schemas.openxmlformats.org/package/2006/metadata/core-properties"/>
+    <ds:schemaRef ds:uri="http://www.w3.org/XML/1998/namespace"/>
+  </ds:schemaRefs>
+</ds:datastoreItem>
+</file>
+
+<file path=customXml/itemProps2.xml><?xml version="1.0" encoding="utf-8"?>
 <ds:datastoreItem xmlns:ds="http://schemas.openxmlformats.org/officeDocument/2006/customXml" ds:itemID="{0B5CDA7F-D407-42B2-AFFC-685DACC4A847}">
   <ds:schemaRefs>
     <ds:schemaRef ds:uri="44a56295-c29e-4898-8136-a54736c65b82"/>
@@ -38633,35 +38251,18 @@
 </ds:datastoreItem>
 </file>
 
-<file path=customXml/itemProps2.xml><?xml version="1.0" encoding="utf-8"?>
-<ds:datastoreItem xmlns:ds="http://schemas.openxmlformats.org/officeDocument/2006/customXml" ds:itemID="{8E7055A9-979E-42E4-8AE4-11D4A57371C1}">
+<file path=customXml/itemProps3.xml><?xml version="1.0" encoding="utf-8"?>
+<ds:datastoreItem xmlns:ds="http://schemas.openxmlformats.org/officeDocument/2006/customXml" ds:itemID="{CCB085B9-8EF5-4B2C-B089-029492EC23AC}">
   <ds:schemaRefs>
-    <ds:schemaRef ds:uri="44a56295-c29e-4898-8136-a54736c65b82"/>
-    <ds:schemaRef ds:uri="9675ef8f-b755-4cd6-a742-8cae3d86c4fe"/>
-    <ds:schemaRef ds:uri="http://purl.org/dc/dcmitype/"/>
-    <ds:schemaRef ds:uri="http://purl.org/dc/elements/1.1/"/>
-    <ds:schemaRef ds:uri="http://purl.org/dc/terms/"/>
-    <ds:schemaRef ds:uri="http://schemas.microsoft.com/office/2006/documentManagement/types"/>
-    <ds:schemaRef ds:uri="http://schemas.microsoft.com/office/2006/metadata/properties"/>
-    <ds:schemaRef ds:uri="http://schemas.microsoft.com/office/infopath/2007/PartnerControls"/>
-    <ds:schemaRef ds:uri="http://schemas.openxmlformats.org/package/2006/metadata/core-properties"/>
-    <ds:schemaRef ds:uri="http://www.w3.org/XML/1998/namespace"/>
+    <ds:schemaRef ds:uri="http://schemas.microsoft.com/sharepoint/v3/contenttype/forms"/>
   </ds:schemaRefs>
 </ds:datastoreItem>
 </file>
 
-<file path=customXml/itemProps3.xml><?xml version="1.0" encoding="utf-8"?>
+<file path=customXml/itemProps4.xml><?xml version="1.0" encoding="utf-8"?>
 <ds:datastoreItem xmlns:ds="http://schemas.openxmlformats.org/officeDocument/2006/customXml" ds:itemID="{3D9D9437-4660-4E6E-9349-9C8386915BD1}">
   <ds:schemaRefs>
     <ds:schemaRef ds:uri="Microsoft.SharePoint.Taxonomy.ContentTypeSync"/>
   </ds:schemaRefs>
 </ds:datastoreItem>
-</file>
-
-<file path=customXml/itemProps4.xml><?xml version="1.0" encoding="utf-8"?>
-<ds:datastoreItem xmlns:ds="http://schemas.openxmlformats.org/officeDocument/2006/customXml" ds:itemID="{CCB085B9-8EF5-4B2C-B089-029492EC23AC}">
-  <ds:schemaRefs>
-    <ds:schemaRef ds:uri="http://schemas.microsoft.com/sharepoint/v3/contenttype/forms"/>
-  </ds:schemaRefs>
-</ds:datastoreItem>
 </file>
--- a/session_four/session_four_presentation.pptx
+++ b/session_four/session_four_presentation.pptx
@@ -32797,7 +32797,7 @@
                 <a:latin typeface="Arial"/>
                 <a:cs typeface="Arial"/>
               </a:rPr>
-              <a:t>Tuples Exercises</a:t>
+              <a:t>Tuples Puzzles</a:t>
             </a:r>
             <a:endParaRPr lang="en-GB" dirty="0"/>
           </a:p>
@@ -33216,7 +33216,14 @@
                 <a:latin typeface="Arial"/>
                 <a:cs typeface="Arial"/>
               </a:rPr>
-              <a:t>Tuples Exercises Solutions</a:t>
+              <a:t>Tuples </a:t>
+            </a:r>
+            <a:r>
+              <a:rPr lang="en-GB">
+                <a:latin typeface="Arial"/>
+                <a:cs typeface="Arial"/>
+              </a:rPr>
+              <a:t>Puzzles Solutions</a:t>
             </a:r>
             <a:endParaRPr lang="en-GB" dirty="0"/>
           </a:p>

--- a/session_four/session_four_presentation.pptx
+++ b/session_four/session_four_presentation.pptx
@@ -803,6 +803,9 @@
     <pc:chgData name="Hargreaves, Tim" userId="90cf5d3a-17ee-49d5-b3bb-4550ca7cb171" providerId="ADAL" clId="{A551ADB2-18BB-4E92-A406-F2675FF4D41A}"/>
   </pc:docChgLst>
   <pc:docChgLst>
+    <pc:chgData name="Bradley, Sam" userId="S::kwgk592@astrazeneca.net::f75c196c-0419-4ed7-9101-2e14ae32ff77" providerId="AD" clId="Web-{D4A954F6-F6E8-4931-8A67-60CA2370EE1F}"/>
+  </pc:docChgLst>
+  <pc:docChgLst>
     <pc:chgData name="McKinney, David" userId="S::kqkh779@astrazeneca.net::8b945cb3-78ce-42d7-adc5-b07bab32cd5b" providerId="AD" clId="Web-{943D79A7-4F12-443F-BB18-E65E88C7EB45}"/>
     <pc:docChg chg="modSld">
       <pc:chgData name="McKinney, David" userId="S::kqkh779@astrazeneca.net::8b945cb3-78ce-42d7-adc5-b07bab32cd5b" providerId="AD" clId="Web-{943D79A7-4F12-443F-BB18-E65E88C7EB45}" dt="2020-02-21T16:31:49.586" v="1"/>
@@ -825,9 +828,6 @@
         </pc:picChg>
       </pc:sldChg>
     </pc:docChg>
-  </pc:docChgLst>
-  <pc:docChgLst>
-    <pc:chgData name="Bradley, Sam" userId="S::kwgk592@astrazeneca.net::f75c196c-0419-4ed7-9101-2e14ae32ff77" providerId="AD" clId="Web-{D4A954F6-F6E8-4931-8A67-60CA2370EE1F}"/>
   </pc:docChgLst>
   <pc:docChgLst>
     <pc:chgData name="Whittaker, Ryan" userId="S::kbqc931@astrazeneca.net::873b3a98-b8cc-426f-9da0-8dcfa40dc643" providerId="AD" clId="Web-{2632E73B-7AF1-4FEF-AC15-A6FF3B03BA1F}"/>
@@ -1504,7 +1504,7 @@
             <a:fld id="{3BBED7E8-0829-F34C-B479-A757805E6C1B}" type="datetimeFigureOut">
               <a:rPr lang="en-US" smtClean="0"/>
               <a:pPr/>
-              <a:t>4/11/2020</a:t>
+              <a:t>6/9/2020</a:t>
             </a:fld>
             <a:endParaRPr lang="en-US"/>
           </a:p>
@@ -1672,7 +1672,7 @@
             <a:fld id="{6C7E4F11-7667-5045-A00B-01970EA44BB5}" type="datetimeFigureOut">
               <a:rPr lang="en-US" smtClean="0"/>
               <a:pPr/>
-              <a:t>4/11/2020</a:t>
+              <a:t>6/9/2020</a:t>
             </a:fld>
             <a:endParaRPr lang="en-US"/>
           </a:p>
@@ -27653,8 +27653,8 @@
           </a:p>
         </p:txBody>
       </p:sp>
-      <mc:AlternateContent xmlns:mc="http://schemas.openxmlformats.org/markup-compatibility/2006" xmlns:a14="http://schemas.microsoft.com/office/drawing/2010/main">
-        <mc:Choice Requires="a14">
+      <mc:AlternateContent xmlns:mc="http://schemas.openxmlformats.org/markup-compatibility/2006">
+        <mc:Choice xmlns:a14="http://schemas.microsoft.com/office/drawing/2010/main" Requires="a14">
           <p:sp>
             <p:nvSpPr>
               <p:cNvPr id="9" name="Text Placeholder 2">
@@ -27827,7 +27827,21 @@
                     <a:latin typeface="Arial"/>
                     <a:cs typeface="Arial"/>
                   </a:rPr>
-                  <a:t>Create a list containing the name five colours</a:t>
+                  <a:t>Create a list containing </a:t>
+                </a:r>
+                <a:r>
+                  <a:rPr lang="en-GB" sz="2000">
+                    <a:latin typeface="Arial"/>
+                    <a:cs typeface="Arial"/>
+                  </a:rPr>
+                  <a:t>the name of </a:t>
+                </a:r>
+                <a:r>
+                  <a:rPr lang="en-GB" sz="2000" dirty="0">
+                    <a:latin typeface="Arial"/>
+                    <a:cs typeface="Arial"/>
+                  </a:rPr>
+                  <a:t>five colours</a:t>
                 </a:r>
               </a:p>
               <a:p>
@@ -27981,7 +27995,7 @@
             </p:txBody>
           </p:sp>
         </mc:Choice>
-        <mc:Fallback xmlns="">
+        <mc:Fallback>
           <p:sp>
             <p:nvSpPr>
               <p:cNvPr id="9" name="Text Placeholder 2">
@@ -38021,15 +38035,6 @@
 </file>
 
 <file path=customXml/item1.xml><?xml version="1.0" encoding="utf-8"?>
-<p:properties xmlns:p="http://schemas.microsoft.com/office/2006/metadata/properties" xmlns:xsi="http://www.w3.org/2001/XMLSchema-instance" xmlns:pc="http://schemas.microsoft.com/office/infopath/2007/PartnerControls">
-  <documentManagement>
-    <Keyword xmlns="44a56295-c29e-4898-8136-a54736c65b82" xsi:nil="true"/>
-    <Descriptions xmlns="44a56295-c29e-4898-8136-a54736c65b82" xsi:nil="true"/>
-  </documentManagement>
-</p:properties>
-</file>
-
-<file path=customXml/item2.xml><?xml version="1.0" encoding="utf-8"?>
 <ct:contentTypeSchema xmlns:ct="http://schemas.microsoft.com/office/2006/metadata/contentType" xmlns:ma="http://schemas.microsoft.com/office/2006/metadata/properties/metaAttributes" ct:_="" ma:_="" ma:contentTypeName="Document" ma:contentTypeID="0x010100C9F3DD611966374C9EAA8DC5A2F94CD8" ma:contentTypeVersion="8" ma:contentTypeDescription="Create a new document." ma:contentTypeScope="" ma:versionID="18a8759320524e51783f13c6663a10d1">
   <xsd:schema xmlns:xsd="http://www.w3.org/2001/XMLSchema" xmlns:xs="http://www.w3.org/2001/XMLSchema" xmlns:p="http://schemas.microsoft.com/office/2006/metadata/properties" xmlns:ns2="44a56295-c29e-4898-8136-a54736c65b82" xmlns:ns3="9675ef8f-b755-4cd6-a742-8cae3d86c4fe" targetNamespace="http://schemas.microsoft.com/office/2006/metadata/properties" ma:root="true" ma:fieldsID="1b693415669a5bc10d56a9234ce5202b" ns2:_="" ns3:_="">
     <xsd:import namespace="44a56295-c29e-4898-8136-a54736c65b82"/>
@@ -38208,7 +38213,21 @@
 </ct:contentTypeSchema>
 </file>
 
+<file path=customXml/item2.xml><?xml version="1.0" encoding="utf-8"?>
+<p:properties xmlns:p="http://schemas.microsoft.com/office/2006/metadata/properties" xmlns:xsi="http://www.w3.org/2001/XMLSchema-instance" xmlns:pc="http://schemas.microsoft.com/office/infopath/2007/PartnerControls">
+  <documentManagement>
+    <Keyword xmlns="44a56295-c29e-4898-8136-a54736c65b82" xsi:nil="true"/>
+    <Descriptions xmlns="44a56295-c29e-4898-8136-a54736c65b82" xsi:nil="true"/>
+  </documentManagement>
+</p:properties>
+</file>
+
 <file path=customXml/item3.xml><?xml version="1.0" encoding="utf-8"?>
+<?mso-contentType ?>
+<SharedContentType xmlns="Microsoft.SharePoint.Taxonomy.ContentTypeSync" SourceId="1ee89e71-04cd-405e-9ca3-99e020c1694d" ContentTypeId="0x0101" PreviousValue="false"/>
+</file>
+
+<file path=customXml/item4.xml><?xml version="1.0" encoding="utf-8"?>
 <?mso-contentType ?>
 <FormTemplates xmlns="http://schemas.microsoft.com/sharepoint/v3/contenttype/forms">
   <Display>DocumentLibraryForm</Display>
@@ -38217,29 +38236,7 @@
 </FormTemplates>
 </file>
 
-<file path=customXml/item4.xml><?xml version="1.0" encoding="utf-8"?>
-<?mso-contentType ?>
-<SharedContentType xmlns="Microsoft.SharePoint.Taxonomy.ContentTypeSync" SourceId="1ee89e71-04cd-405e-9ca3-99e020c1694d" ContentTypeId="0x0101" PreviousValue="false"/>
-</file>
-
 <file path=customXml/itemProps1.xml><?xml version="1.0" encoding="utf-8"?>
-<ds:datastoreItem xmlns:ds="http://schemas.openxmlformats.org/officeDocument/2006/customXml" ds:itemID="{8E7055A9-979E-42E4-8AE4-11D4A57371C1}">
-  <ds:schemaRefs>
-    <ds:schemaRef ds:uri="44a56295-c29e-4898-8136-a54736c65b82"/>
-    <ds:schemaRef ds:uri="9675ef8f-b755-4cd6-a742-8cae3d86c4fe"/>
-    <ds:schemaRef ds:uri="http://purl.org/dc/dcmitype/"/>
-    <ds:schemaRef ds:uri="http://purl.org/dc/elements/1.1/"/>
-    <ds:schemaRef ds:uri="http://purl.org/dc/terms/"/>
-    <ds:schemaRef ds:uri="http://schemas.microsoft.com/office/2006/documentManagement/types"/>
-    <ds:schemaRef ds:uri="http://schemas.microsoft.com/office/2006/metadata/properties"/>
-    <ds:schemaRef ds:uri="http://schemas.microsoft.com/office/infopath/2007/PartnerControls"/>
-    <ds:schemaRef ds:uri="http://schemas.openxmlformats.org/package/2006/metadata/core-properties"/>
-    <ds:schemaRef ds:uri="http://www.w3.org/XML/1998/namespace"/>
-  </ds:schemaRefs>
-</ds:datastoreItem>
-</file>
-
-<file path=customXml/itemProps2.xml><?xml version="1.0" encoding="utf-8"?>
 <ds:datastoreItem xmlns:ds="http://schemas.openxmlformats.org/officeDocument/2006/customXml" ds:itemID="{0B5CDA7F-D407-42B2-AFFC-685DACC4A847}">
   <ds:schemaRefs>
     <ds:schemaRef ds:uri="44a56295-c29e-4898-8136-a54736c65b82"/>
@@ -38258,18 +38255,35 @@
 </ds:datastoreItem>
 </file>
 
+<file path=customXml/itemProps2.xml><?xml version="1.0" encoding="utf-8"?>
+<ds:datastoreItem xmlns:ds="http://schemas.openxmlformats.org/officeDocument/2006/customXml" ds:itemID="{8E7055A9-979E-42E4-8AE4-11D4A57371C1}">
+  <ds:schemaRefs>
+    <ds:schemaRef ds:uri="44a56295-c29e-4898-8136-a54736c65b82"/>
+    <ds:schemaRef ds:uri="9675ef8f-b755-4cd6-a742-8cae3d86c4fe"/>
+    <ds:schemaRef ds:uri="http://purl.org/dc/dcmitype/"/>
+    <ds:schemaRef ds:uri="http://purl.org/dc/elements/1.1/"/>
+    <ds:schemaRef ds:uri="http://purl.org/dc/terms/"/>
+    <ds:schemaRef ds:uri="http://schemas.microsoft.com/office/2006/documentManagement/types"/>
+    <ds:schemaRef ds:uri="http://schemas.microsoft.com/office/2006/metadata/properties"/>
+    <ds:schemaRef ds:uri="http://schemas.microsoft.com/office/infopath/2007/PartnerControls"/>
+    <ds:schemaRef ds:uri="http://schemas.openxmlformats.org/package/2006/metadata/core-properties"/>
+    <ds:schemaRef ds:uri="http://www.w3.org/XML/1998/namespace"/>
+  </ds:schemaRefs>
+</ds:datastoreItem>
+</file>
+
 <file path=customXml/itemProps3.xml><?xml version="1.0" encoding="utf-8"?>
+<ds:datastoreItem xmlns:ds="http://schemas.openxmlformats.org/officeDocument/2006/customXml" ds:itemID="{3D9D9437-4660-4E6E-9349-9C8386915BD1}">
+  <ds:schemaRefs>
+    <ds:schemaRef ds:uri="Microsoft.SharePoint.Taxonomy.ContentTypeSync"/>
+  </ds:schemaRefs>
+</ds:datastoreItem>
+</file>
+
+<file path=customXml/itemProps4.xml><?xml version="1.0" encoding="utf-8"?>
 <ds:datastoreItem xmlns:ds="http://schemas.openxmlformats.org/officeDocument/2006/customXml" ds:itemID="{CCB085B9-8EF5-4B2C-B089-029492EC23AC}">
   <ds:schemaRefs>
     <ds:schemaRef ds:uri="http://schemas.microsoft.com/sharepoint/v3/contenttype/forms"/>
   </ds:schemaRefs>
 </ds:datastoreItem>
-</file>
-
-<file path=customXml/itemProps4.xml><?xml version="1.0" encoding="utf-8"?>
-<ds:datastoreItem xmlns:ds="http://schemas.openxmlformats.org/officeDocument/2006/customXml" ds:itemID="{3D9D9437-4660-4E6E-9349-9C8386915BD1}">
-  <ds:schemaRefs>
-    <ds:schemaRef ds:uri="Microsoft.SharePoint.Taxonomy.ContentTypeSync"/>
-  </ds:schemaRefs>
-</ds:datastoreItem>
 </file>
--- a/session_four/session_four_presentation.pptx
+++ b/session_four/session_four_presentation.pptx
@@ -189,34 +189,36 @@
 <file path=ppt/changesInfos/changesInfo1.xml><?xml version="1.0" encoding="utf-8"?>
 <pc:chgInfo xmlns:a="http://schemas.openxmlformats.org/drawingml/2006/main" xmlns:r="http://schemas.openxmlformats.org/officeDocument/2006/relationships" xmlns:ac="http://schemas.microsoft.com/office/drawing/2013/main/command" xmlns:pc="http://schemas.microsoft.com/office/powerpoint/2013/main/command">
   <pc:docChgLst>
-    <pc:chgData name="McKinney, David" userId="S::kqkh779@astrazeneca.net::8b945cb3-78ce-42d7-adc5-b07bab32cd5b" providerId="AD" clId="Web-{7452821F-C3D1-4F7E-A975-9F3C59B113CD}"/>
+    <pc:chgData name="McKinney, David" userId="S::kqkh779@astrazeneca.net::8b945cb3-78ce-42d7-adc5-b07bab32cd5b" providerId="AD" clId="Web-{458AD232-5E99-4B9F-84B9-A2E5BA4533E2}"/>
+    <pc:docChg chg="addSld">
+      <pc:chgData name="McKinney, David" userId="S::kqkh779@astrazeneca.net::8b945cb3-78ce-42d7-adc5-b07bab32cd5b" providerId="AD" clId="Web-{458AD232-5E99-4B9F-84B9-A2E5BA4533E2}" dt="2020-03-19T10:10:07.659" v="0"/>
+      <pc:docMkLst>
+        <pc:docMk/>
+      </pc:docMkLst>
+      <pc:sldChg chg="add replId">
+        <pc:chgData name="McKinney, David" userId="S::kqkh779@astrazeneca.net::8b945cb3-78ce-42d7-adc5-b07bab32cd5b" providerId="AD" clId="Web-{458AD232-5E99-4B9F-84B9-A2E5BA4533E2}" dt="2020-03-19T10:10:07.659" v="0"/>
+        <pc:sldMkLst>
+          <pc:docMk/>
+          <pc:sldMk cId="2207696395" sldId="408"/>
+        </pc:sldMkLst>
+      </pc:sldChg>
+    </pc:docChg>
   </pc:docChgLst>
   <pc:docChgLst>
-    <pc:chgData name="Bradley, Sam" userId="S::kwgk592@astrazeneca.net::f75c196c-0419-4ed7-9101-2e14ae32ff77" providerId="AD" clId="Web-{19D16AB9-1FF2-4740-8107-2440C047CBCF}"/>
-  </pc:docChgLst>
-  <pc:docChgLst>
-    <pc:chgData name="Bradley, Sam" userId="S::kwgk592@astrazeneca.net::f75c196c-0419-4ed7-9101-2e14ae32ff77" providerId="AD" clId="Web-{74D5223B-F91E-4347-A255-846C4F00BA8E}"/>
-  </pc:docChgLst>
-  <pc:docChgLst>
-    <pc:chgData name="Bradley, Sam" userId="S::kwgk592@astrazeneca.net::f75c196c-0419-4ed7-9101-2e14ae32ff77" providerId="AD" clId="Web-{5CC56428-C25D-40EB-847A-A98786CC8A93}"/>
-  </pc:docChgLst>
-  <pc:docChgLst>
-    <pc:chgData name="Whittaker, Ryan" userId="S::kbqc931@astrazeneca.net::873b3a98-b8cc-426f-9da0-8dcfa40dc643" providerId="AD" clId="Web-{2CD48DDE-551F-4792-BDF2-CD2098FB28F6}"/>
-  </pc:docChgLst>
-  <pc:docChgLst>
-    <pc:chgData name="Hargreaves, Tim" userId="90cf5d3a-17ee-49d5-b3bb-4550ca7cb171" providerId="ADAL" clId="{5DFC5665-DC49-40E8-A176-7B6AE2F9733A}"/>
-  </pc:docChgLst>
-  <pc:docChgLst>
-    <pc:chgData name="Bradley, Sam" userId="S::kwgk592@astrazeneca.net::f75c196c-0419-4ed7-9101-2e14ae32ff77" providerId="AD" clId="Web-{4385CA69-335C-4CF1-B708-E62FFA2A515C}"/>
-  </pc:docChgLst>
-  <pc:docChgLst>
-    <pc:chgData name="McKinney, David" userId="S::kqkh779@astrazeneca.net::8b945cb3-78ce-42d7-adc5-b07bab32cd5b" providerId="AD" clId="Web-{439A5F8D-E2D5-4507-938F-6935057FAB23}"/>
-  </pc:docChgLst>
-  <pc:docChgLst>
-    <pc:chgData name="Whittaker, Ryan" userId="S::kbqc931@astrazeneca.net::873b3a98-b8cc-426f-9da0-8dcfa40dc643" providerId="AD" clId="Web-{73D14E00-AD3D-46DA-9E7A-7DE2ED1212F3}"/>
-  </pc:docChgLst>
-  <pc:docChgLst>
-    <pc:chgData name="Hargreaves, Tim" userId="90cf5d3a-17ee-49d5-b3bb-4550ca7cb171" providerId="ADAL" clId="{126A72FB-F781-4B99-A071-DF42D60E944C}"/>
+    <pc:chgData name="McKinney, David" userId="S::kqkh779@astrazeneca.net::8b945cb3-78ce-42d7-adc5-b07bab32cd5b" providerId="AD" clId="Web-{F4A4F6B3-72F9-4822-8E52-DDD660AB8108}"/>
+    <pc:docChg chg="modSld">
+      <pc:chgData name="McKinney, David" userId="S::kqkh779@astrazeneca.net::8b945cb3-78ce-42d7-adc5-b07bab32cd5b" providerId="AD" clId="Web-{F4A4F6B3-72F9-4822-8E52-DDD660AB8108}" dt="2020-03-19T12:29:58.308" v="1"/>
+      <pc:docMkLst>
+        <pc:docMk/>
+      </pc:docMkLst>
+      <pc:sldChg chg="addAnim modAnim">
+        <pc:chgData name="McKinney, David" userId="S::kqkh779@astrazeneca.net::8b945cb3-78ce-42d7-adc5-b07bab32cd5b" providerId="AD" clId="Web-{F4A4F6B3-72F9-4822-8E52-DDD660AB8108}" dt="2020-03-19T12:29:58.308" v="1"/>
+        <pc:sldMkLst>
+          <pc:docMk/>
+          <pc:sldMk cId="1416124321" sldId="400"/>
+        </pc:sldMkLst>
+      </pc:sldChg>
+    </pc:docChg>
   </pc:docChgLst>
   <pc:docChgLst>
     <pc:chgData name="McKinney, David" userId="8b945cb3-78ce-42d7-adc5-b07bab32cd5b" providerId="ADAL" clId="{9EB86574-343D-42EA-B9EC-CCCDCC46014A}"/>
@@ -225,6 +227,517 @@
       <pc:docMkLst>
         <pc:docMk/>
       </pc:docMkLst>
+    </pc:docChg>
+  </pc:docChgLst>
+  <pc:docChgLst>
+    <pc:chgData name="McKinney, David" userId="8b945cb3-78ce-42d7-adc5-b07bab32cd5b" providerId="ADAL" clId="{313504FF-247F-4D85-B376-AFBE2DA20541}"/>
+    <pc:docChg chg="undo custSel addSld delSld modSld sldOrd">
+      <pc:chgData name="McKinney, David" userId="8b945cb3-78ce-42d7-adc5-b07bab32cd5b" providerId="ADAL" clId="{313504FF-247F-4D85-B376-AFBE2DA20541}" dt="2020-03-19T11:08:04.979" v="1354" actId="2696"/>
+      <pc:docMkLst>
+        <pc:docMk/>
+      </pc:docMkLst>
+      <pc:sldChg chg="add del ord">
+        <pc:chgData name="McKinney, David" userId="8b945cb3-78ce-42d7-adc5-b07bab32cd5b" providerId="ADAL" clId="{313504FF-247F-4D85-B376-AFBE2DA20541}" dt="2020-03-19T11:02:11.078" v="1237"/>
+        <pc:sldMkLst>
+          <pc:docMk/>
+          <pc:sldMk cId="934264226" sldId="373"/>
+        </pc:sldMkLst>
+      </pc:sldChg>
+      <pc:sldChg chg="addSp delSp modSp">
+        <pc:chgData name="McKinney, David" userId="8b945cb3-78ce-42d7-adc5-b07bab32cd5b" providerId="ADAL" clId="{313504FF-247F-4D85-B376-AFBE2DA20541}" dt="2020-03-19T10:32:43.607" v="69" actId="1076"/>
+        <pc:sldMkLst>
+          <pc:docMk/>
+          <pc:sldMk cId="3163149161" sldId="395"/>
+        </pc:sldMkLst>
+        <pc:picChg chg="add mod">
+          <ac:chgData name="McKinney, David" userId="8b945cb3-78ce-42d7-adc5-b07bab32cd5b" providerId="ADAL" clId="{313504FF-247F-4D85-B376-AFBE2DA20541}" dt="2020-03-19T10:32:43.607" v="69" actId="1076"/>
+          <ac:picMkLst>
+            <pc:docMk/>
+            <pc:sldMk cId="3163149161" sldId="395"/>
+            <ac:picMk id="3" creationId="{70563EEB-7B7C-492E-894B-8E54BF35DD88}"/>
+          </ac:picMkLst>
+        </pc:picChg>
+        <pc:picChg chg="del">
+          <ac:chgData name="McKinney, David" userId="8b945cb3-78ce-42d7-adc5-b07bab32cd5b" providerId="ADAL" clId="{313504FF-247F-4D85-B376-AFBE2DA20541}" dt="2020-03-19T10:32:36.089" v="65" actId="478"/>
+          <ac:picMkLst>
+            <pc:docMk/>
+            <pc:sldMk cId="3163149161" sldId="395"/>
+            <ac:picMk id="10" creationId="{BEB4CE52-3BE4-4894-A587-27F345D8AE0A}"/>
+          </ac:picMkLst>
+        </pc:picChg>
+      </pc:sldChg>
+      <pc:sldChg chg="del">
+        <pc:chgData name="McKinney, David" userId="8b945cb3-78ce-42d7-adc5-b07bab32cd5b" providerId="ADAL" clId="{313504FF-247F-4D85-B376-AFBE2DA20541}" dt="2020-03-19T11:05:27.731" v="1299" actId="2696"/>
+        <pc:sldMkLst>
+          <pc:docMk/>
+          <pc:sldMk cId="2693540477" sldId="405"/>
+        </pc:sldMkLst>
+      </pc:sldChg>
+      <pc:sldChg chg="add del">
+        <pc:chgData name="McKinney, David" userId="8b945cb3-78ce-42d7-adc5-b07bab32cd5b" providerId="ADAL" clId="{313504FF-247F-4D85-B376-AFBE2DA20541}" dt="2020-03-19T11:08:04.979" v="1354" actId="2696"/>
+        <pc:sldMkLst>
+          <pc:docMk/>
+          <pc:sldMk cId="4265845665" sldId="407"/>
+        </pc:sldMkLst>
+      </pc:sldChg>
+      <pc:sldChg chg="addSp delSp modSp ord">
+        <pc:chgData name="McKinney, David" userId="8b945cb3-78ce-42d7-adc5-b07bab32cd5b" providerId="ADAL" clId="{313504FF-247F-4D85-B376-AFBE2DA20541}" dt="2020-03-19T10:47:32.699" v="1105" actId="1076"/>
+        <pc:sldMkLst>
+          <pc:docMk/>
+          <pc:sldMk cId="2207696395" sldId="408"/>
+        </pc:sldMkLst>
+        <pc:spChg chg="mod">
+          <ac:chgData name="McKinney, David" userId="8b945cb3-78ce-42d7-adc5-b07bab32cd5b" providerId="ADAL" clId="{313504FF-247F-4D85-B376-AFBE2DA20541}" dt="2020-03-19T10:20:19.158" v="56" actId="20577"/>
+          <ac:spMkLst>
+            <pc:docMk/>
+            <pc:sldMk cId="2207696395" sldId="408"/>
+            <ac:spMk id="2" creationId="{516E73CD-A95D-4DF8-9106-AE85AA22CCE5}"/>
+          </ac:spMkLst>
+        </pc:spChg>
+        <pc:spChg chg="add del mod">
+          <ac:chgData name="McKinney, David" userId="8b945cb3-78ce-42d7-adc5-b07bab32cd5b" providerId="ADAL" clId="{313504FF-247F-4D85-B376-AFBE2DA20541}" dt="2020-03-19T10:30:15.340" v="64" actId="478"/>
+          <ac:spMkLst>
+            <pc:docMk/>
+            <pc:sldMk cId="2207696395" sldId="408"/>
+            <ac:spMk id="3" creationId="{7444A5B1-4FF6-4885-A6D0-8A0D5430DE92}"/>
+          </ac:spMkLst>
+        </pc:spChg>
+        <pc:spChg chg="add mod">
+          <ac:chgData name="McKinney, David" userId="8b945cb3-78ce-42d7-adc5-b07bab32cd5b" providerId="ADAL" clId="{313504FF-247F-4D85-B376-AFBE2DA20541}" dt="2020-03-19T10:47:24.836" v="1102" actId="1076"/>
+          <ac:spMkLst>
+            <pc:docMk/>
+            <pc:sldMk cId="2207696395" sldId="408"/>
+            <ac:spMk id="6" creationId="{F62760CF-B8A4-4851-9297-55DCE1110066}"/>
+          </ac:spMkLst>
+        </pc:spChg>
+        <pc:spChg chg="del">
+          <ac:chgData name="McKinney, David" userId="8b945cb3-78ce-42d7-adc5-b07bab32cd5b" providerId="ADAL" clId="{313504FF-247F-4D85-B376-AFBE2DA20541}" dt="2020-03-19T10:19:54.949" v="5" actId="478"/>
+          <ac:spMkLst>
+            <pc:docMk/>
+            <pc:sldMk cId="2207696395" sldId="408"/>
+            <ac:spMk id="8" creationId="{8D0564E5-6E64-4A8F-ABBB-5C94A0F949B1}"/>
+          </ac:spMkLst>
+        </pc:spChg>
+        <pc:spChg chg="del">
+          <ac:chgData name="McKinney, David" userId="8b945cb3-78ce-42d7-adc5-b07bab32cd5b" providerId="ADAL" clId="{313504FF-247F-4D85-B376-AFBE2DA20541}" dt="2020-03-19T10:19:53.530" v="4" actId="478"/>
+          <ac:spMkLst>
+            <pc:docMk/>
+            <pc:sldMk cId="2207696395" sldId="408"/>
+            <ac:spMk id="15" creationId="{AD074101-9413-4A36-BE7E-CE512AEC5E88}"/>
+          </ac:spMkLst>
+        </pc:spChg>
+        <pc:picChg chg="del">
+          <ac:chgData name="McKinney, David" userId="8b945cb3-78ce-42d7-adc5-b07bab32cd5b" providerId="ADAL" clId="{313504FF-247F-4D85-B376-AFBE2DA20541}" dt="2020-03-19T10:19:47.718" v="0" actId="478"/>
+          <ac:picMkLst>
+            <pc:docMk/>
+            <pc:sldMk cId="2207696395" sldId="408"/>
+            <ac:picMk id="5" creationId="{08A3A82F-3BF3-492C-A005-7FDB5AA91B86}"/>
+          </ac:picMkLst>
+        </pc:picChg>
+        <pc:picChg chg="add mod modCrop">
+          <ac:chgData name="McKinney, David" userId="8b945cb3-78ce-42d7-adc5-b07bab32cd5b" providerId="ADAL" clId="{313504FF-247F-4D85-B376-AFBE2DA20541}" dt="2020-03-19T10:46:20.188" v="1089" actId="1076"/>
+          <ac:picMkLst>
+            <pc:docMk/>
+            <pc:sldMk cId="2207696395" sldId="408"/>
+            <ac:picMk id="7" creationId="{D4069691-42C2-4320-863F-A64C9C28A557}"/>
+          </ac:picMkLst>
+        </pc:picChg>
+        <pc:picChg chg="add mod">
+          <ac:chgData name="McKinney, David" userId="8b945cb3-78ce-42d7-adc5-b07bab32cd5b" providerId="ADAL" clId="{313504FF-247F-4D85-B376-AFBE2DA20541}" dt="2020-03-19T10:46:23.533" v="1090" actId="1076"/>
+          <ac:picMkLst>
+            <pc:docMk/>
+            <pc:sldMk cId="2207696395" sldId="408"/>
+            <ac:picMk id="9" creationId="{0BD6976E-67A6-4E27-82AB-A24AAD30B20A}"/>
+          </ac:picMkLst>
+        </pc:picChg>
+        <pc:picChg chg="del">
+          <ac:chgData name="McKinney, David" userId="8b945cb3-78ce-42d7-adc5-b07bab32cd5b" providerId="ADAL" clId="{313504FF-247F-4D85-B376-AFBE2DA20541}" dt="2020-03-19T10:19:49.173" v="1" actId="478"/>
+          <ac:picMkLst>
+            <pc:docMk/>
+            <pc:sldMk cId="2207696395" sldId="408"/>
+            <ac:picMk id="14" creationId="{1BC1FDC2-C4F2-4BA9-8473-D1F97E61333A}"/>
+          </ac:picMkLst>
+        </pc:picChg>
+        <pc:picChg chg="add mod">
+          <ac:chgData name="McKinney, David" userId="8b945cb3-78ce-42d7-adc5-b07bab32cd5b" providerId="ADAL" clId="{313504FF-247F-4D85-B376-AFBE2DA20541}" dt="2020-03-19T10:47:15.094" v="1098" actId="1076"/>
+          <ac:picMkLst>
+            <pc:docMk/>
+            <pc:sldMk cId="2207696395" sldId="408"/>
+            <ac:picMk id="17" creationId="{130F6512-987F-4F60-BBE4-2BC6702D6F2A}"/>
+          </ac:picMkLst>
+        </pc:picChg>
+        <pc:cxnChg chg="del mod">
+          <ac:chgData name="McKinney, David" userId="8b945cb3-78ce-42d7-adc5-b07bab32cd5b" providerId="ADAL" clId="{313504FF-247F-4D85-B376-AFBE2DA20541}" dt="2020-03-19T10:19:51.531" v="3" actId="478"/>
+          <ac:cxnSpMkLst>
+            <pc:docMk/>
+            <pc:sldMk cId="2207696395" sldId="408"/>
+            <ac:cxnSpMk id="10" creationId="{96AEC68A-4DAA-4A2A-BF1C-CFAB89689722}"/>
+          </ac:cxnSpMkLst>
+        </pc:cxnChg>
+        <pc:cxnChg chg="add mod">
+          <ac:chgData name="McKinney, David" userId="8b945cb3-78ce-42d7-adc5-b07bab32cd5b" providerId="ADAL" clId="{313504FF-247F-4D85-B376-AFBE2DA20541}" dt="2020-03-19T10:47:28.116" v="1103" actId="1076"/>
+          <ac:cxnSpMkLst>
+            <pc:docMk/>
+            <pc:sldMk cId="2207696395" sldId="408"/>
+            <ac:cxnSpMk id="12" creationId="{38FDA2F0-5F53-4E33-8785-3C6A1832F423}"/>
+          </ac:cxnSpMkLst>
+        </pc:cxnChg>
+        <pc:cxnChg chg="add mod">
+          <ac:chgData name="McKinney, David" userId="8b945cb3-78ce-42d7-adc5-b07bab32cd5b" providerId="ADAL" clId="{313504FF-247F-4D85-B376-AFBE2DA20541}" dt="2020-03-19T10:46:33.823" v="1094" actId="14100"/>
+          <ac:cxnSpMkLst>
+            <pc:docMk/>
+            <pc:sldMk cId="2207696395" sldId="408"/>
+            <ac:cxnSpMk id="16" creationId="{931FB241-B967-4B03-83BD-9A11B2B1E223}"/>
+          </ac:cxnSpMkLst>
+        </pc:cxnChg>
+        <pc:cxnChg chg="add mod">
+          <ac:chgData name="McKinney, David" userId="8b945cb3-78ce-42d7-adc5-b07bab32cd5b" providerId="ADAL" clId="{313504FF-247F-4D85-B376-AFBE2DA20541}" dt="2020-03-19T10:47:32.699" v="1105" actId="1076"/>
+          <ac:cxnSpMkLst>
+            <pc:docMk/>
+            <pc:sldMk cId="2207696395" sldId="408"/>
+            <ac:cxnSpMk id="18" creationId="{77918A12-7FA8-4C91-AA5D-130EF33E0F3F}"/>
+          </ac:cxnSpMkLst>
+        </pc:cxnChg>
+      </pc:sldChg>
+      <pc:sldChg chg="addSp delSp modSp add">
+        <pc:chgData name="McKinney, David" userId="8b945cb3-78ce-42d7-adc5-b07bab32cd5b" providerId="ADAL" clId="{313504FF-247F-4D85-B376-AFBE2DA20541}" dt="2020-03-19T11:01:04.178" v="1232" actId="20577"/>
+        <pc:sldMkLst>
+          <pc:docMk/>
+          <pc:sldMk cId="3254885428" sldId="409"/>
+        </pc:sldMkLst>
+        <pc:spChg chg="del mod">
+          <ac:chgData name="McKinney, David" userId="8b945cb3-78ce-42d7-adc5-b07bab32cd5b" providerId="ADAL" clId="{313504FF-247F-4D85-B376-AFBE2DA20541}" dt="2020-03-19T10:50:24.830" v="1121" actId="478"/>
+          <ac:spMkLst>
+            <pc:docMk/>
+            <pc:sldMk cId="3254885428" sldId="409"/>
+            <ac:spMk id="3" creationId="{D9F59F0A-AA59-4F15-95CC-124F6F55180D}"/>
+          </ac:spMkLst>
+        </pc:spChg>
+        <pc:spChg chg="add del mod">
+          <ac:chgData name="McKinney, David" userId="8b945cb3-78ce-42d7-adc5-b07bab32cd5b" providerId="ADAL" clId="{313504FF-247F-4D85-B376-AFBE2DA20541}" dt="2020-03-19T10:50:27.097" v="1122" actId="478"/>
+          <ac:spMkLst>
+            <pc:docMk/>
+            <pc:sldMk cId="3254885428" sldId="409"/>
+            <ac:spMk id="7" creationId="{A2474E6E-325D-417A-8E1D-D0AE0637CD43}"/>
+          </ac:spMkLst>
+        </pc:spChg>
+        <pc:spChg chg="del mod">
+          <ac:chgData name="McKinney, David" userId="8b945cb3-78ce-42d7-adc5-b07bab32cd5b" providerId="ADAL" clId="{313504FF-247F-4D85-B376-AFBE2DA20541}" dt="2020-03-19T10:48:09.333" v="1116" actId="478"/>
+          <ac:spMkLst>
+            <pc:docMk/>
+            <pc:sldMk cId="3254885428" sldId="409"/>
+            <ac:spMk id="10" creationId="{BC443F87-E1B6-44CC-A0D6-A10B8BE04F32}"/>
+          </ac:spMkLst>
+        </pc:spChg>
+        <pc:spChg chg="add mod">
+          <ac:chgData name="McKinney, David" userId="8b945cb3-78ce-42d7-adc5-b07bab32cd5b" providerId="ADAL" clId="{313504FF-247F-4D85-B376-AFBE2DA20541}" dt="2020-03-19T11:01:04.178" v="1232" actId="20577"/>
+          <ac:spMkLst>
+            <pc:docMk/>
+            <pc:sldMk cId="3254885428" sldId="409"/>
+            <ac:spMk id="12" creationId="{E00AEC2D-66EB-44F1-9AB9-95239AA886CE}"/>
+          </ac:spMkLst>
+        </pc:spChg>
+        <pc:spChg chg="del">
+          <ac:chgData name="McKinney, David" userId="8b945cb3-78ce-42d7-adc5-b07bab32cd5b" providerId="ADAL" clId="{313504FF-247F-4D85-B376-AFBE2DA20541}" dt="2020-03-19T10:51:50.860" v="1134" actId="478"/>
+          <ac:spMkLst>
+            <pc:docMk/>
+            <pc:sldMk cId="3254885428" sldId="409"/>
+            <ac:spMk id="14" creationId="{CB52CA66-3A5B-4FEC-9C9C-8FF6DCBAFFD7}"/>
+          </ac:spMkLst>
+        </pc:spChg>
+        <pc:spChg chg="del">
+          <ac:chgData name="McKinney, David" userId="8b945cb3-78ce-42d7-adc5-b07bab32cd5b" providerId="ADAL" clId="{313504FF-247F-4D85-B376-AFBE2DA20541}" dt="2020-03-19T10:51:57.612" v="1136" actId="478"/>
+          <ac:spMkLst>
+            <pc:docMk/>
+            <pc:sldMk cId="3254885428" sldId="409"/>
+            <ac:spMk id="23" creationId="{B7233CB6-FE45-4727-A3BB-9AD4A1866F44}"/>
+          </ac:spMkLst>
+        </pc:spChg>
+        <pc:spChg chg="del mod">
+          <ac:chgData name="McKinney, David" userId="8b945cb3-78ce-42d7-adc5-b07bab32cd5b" providerId="ADAL" clId="{313504FF-247F-4D85-B376-AFBE2DA20541}" dt="2020-03-19T10:52:00.544" v="1138" actId="478"/>
+          <ac:spMkLst>
+            <pc:docMk/>
+            <pc:sldMk cId="3254885428" sldId="409"/>
+            <ac:spMk id="24" creationId="{289ECF15-DE1A-4880-B0AD-7A42849FFE4C}"/>
+          </ac:spMkLst>
+        </pc:spChg>
+        <pc:spChg chg="del">
+          <ac:chgData name="McKinney, David" userId="8b945cb3-78ce-42d7-adc5-b07bab32cd5b" providerId="ADAL" clId="{313504FF-247F-4D85-B376-AFBE2DA20541}" dt="2020-03-19T10:51:50.860" v="1134" actId="478"/>
+          <ac:spMkLst>
+            <pc:docMk/>
+            <pc:sldMk cId="3254885428" sldId="409"/>
+            <ac:spMk id="25" creationId="{93761D75-E7F8-497B-A1CB-094763B546D8}"/>
+          </ac:spMkLst>
+        </pc:spChg>
+        <pc:spChg chg="del">
+          <ac:chgData name="McKinney, David" userId="8b945cb3-78ce-42d7-adc5-b07bab32cd5b" providerId="ADAL" clId="{313504FF-247F-4D85-B376-AFBE2DA20541}" dt="2020-03-19T10:51:58.965" v="1137" actId="478"/>
+          <ac:spMkLst>
+            <pc:docMk/>
+            <pc:sldMk cId="3254885428" sldId="409"/>
+            <ac:spMk id="26" creationId="{DAAA6242-8456-40AF-BACF-4111773C76F9}"/>
+          </ac:spMkLst>
+        </pc:spChg>
+        <pc:spChg chg="add del mod">
+          <ac:chgData name="McKinney, David" userId="8b945cb3-78ce-42d7-adc5-b07bab32cd5b" providerId="ADAL" clId="{313504FF-247F-4D85-B376-AFBE2DA20541}" dt="2020-03-19T10:51:56.418" v="1135" actId="478"/>
+          <ac:spMkLst>
+            <pc:docMk/>
+            <pc:sldMk cId="3254885428" sldId="409"/>
+            <ac:spMk id="27" creationId="{D2C3986A-711F-457C-B3A8-C319E1293829}"/>
+          </ac:spMkLst>
+        </pc:spChg>
+        <pc:spChg chg="del">
+          <ac:chgData name="McKinney, David" userId="8b945cb3-78ce-42d7-adc5-b07bab32cd5b" providerId="ADAL" clId="{313504FF-247F-4D85-B376-AFBE2DA20541}" dt="2020-03-19T10:47:48.542" v="1108" actId="478"/>
+          <ac:spMkLst>
+            <pc:docMk/>
+            <pc:sldMk cId="3254885428" sldId="409"/>
+            <ac:spMk id="31" creationId="{3D668F57-3019-4334-B32E-1BB9D9647B09}"/>
+          </ac:spMkLst>
+        </pc:spChg>
+        <pc:spChg chg="del">
+          <ac:chgData name="McKinney, David" userId="8b945cb3-78ce-42d7-adc5-b07bab32cd5b" providerId="ADAL" clId="{313504FF-247F-4D85-B376-AFBE2DA20541}" dt="2020-03-19T10:47:49.498" v="1109" actId="478"/>
+          <ac:spMkLst>
+            <pc:docMk/>
+            <pc:sldMk cId="3254885428" sldId="409"/>
+            <ac:spMk id="36" creationId="{94E877F8-29C9-4978-85E3-801E0A1A7613}"/>
+          </ac:spMkLst>
+        </pc:spChg>
+        <pc:picChg chg="add mod">
+          <ac:chgData name="McKinney, David" userId="8b945cb3-78ce-42d7-adc5-b07bab32cd5b" providerId="ADAL" clId="{313504FF-247F-4D85-B376-AFBE2DA20541}" dt="2020-03-19T10:57:08.989" v="1173" actId="1076"/>
+          <ac:picMkLst>
+            <pc:docMk/>
+            <pc:sldMk cId="3254885428" sldId="409"/>
+            <ac:picMk id="5" creationId="{E13E9C91-30A8-4BB1-8A9D-CCBA4652FAC3}"/>
+          </ac:picMkLst>
+        </pc:picChg>
+        <pc:picChg chg="add mod">
+          <ac:chgData name="McKinney, David" userId="8b945cb3-78ce-42d7-adc5-b07bab32cd5b" providerId="ADAL" clId="{313504FF-247F-4D85-B376-AFBE2DA20541}" dt="2020-03-19T10:55:53.437" v="1153" actId="1076"/>
+          <ac:picMkLst>
+            <pc:docMk/>
+            <pc:sldMk cId="3254885428" sldId="409"/>
+            <ac:picMk id="8" creationId="{05FD8A0F-9AA9-4958-8A8F-D87E041E6AC5}"/>
+          </ac:picMkLst>
+        </pc:picChg>
+        <pc:picChg chg="add del mod">
+          <ac:chgData name="McKinney, David" userId="8b945cb3-78ce-42d7-adc5-b07bab32cd5b" providerId="ADAL" clId="{313504FF-247F-4D85-B376-AFBE2DA20541}" dt="2020-03-19T10:56:11.577" v="1164" actId="478"/>
+          <ac:picMkLst>
+            <pc:docMk/>
+            <pc:sldMk cId="3254885428" sldId="409"/>
+            <ac:picMk id="9" creationId="{E9E13ED1-52CE-4C2B-984A-B5F54A256E77}"/>
+          </ac:picMkLst>
+        </pc:picChg>
+        <pc:picChg chg="add mod">
+          <ac:chgData name="McKinney, David" userId="8b945cb3-78ce-42d7-adc5-b07bab32cd5b" providerId="ADAL" clId="{313504FF-247F-4D85-B376-AFBE2DA20541}" dt="2020-03-19T10:57:04.029" v="1171" actId="1076"/>
+          <ac:picMkLst>
+            <pc:docMk/>
+            <pc:sldMk cId="3254885428" sldId="409"/>
+            <ac:picMk id="11" creationId="{DE760AC1-5023-41E6-B462-C289B3E8A061}"/>
+          </ac:picMkLst>
+        </pc:picChg>
+        <pc:picChg chg="del">
+          <ac:chgData name="McKinney, David" userId="8b945cb3-78ce-42d7-adc5-b07bab32cd5b" providerId="ADAL" clId="{313504FF-247F-4D85-B376-AFBE2DA20541}" dt="2020-03-19T10:47:47.190" v="1107" actId="478"/>
+          <ac:picMkLst>
+            <pc:docMk/>
+            <pc:sldMk cId="3254885428" sldId="409"/>
+            <ac:picMk id="1031" creationId="{D3531756-6469-4ECC-AA85-FDEEF0D45559}"/>
+          </ac:picMkLst>
+        </pc:picChg>
+      </pc:sldChg>
+      <pc:sldChg chg="add del">
+        <pc:chgData name="McKinney, David" userId="8b945cb3-78ce-42d7-adc5-b07bab32cd5b" providerId="ADAL" clId="{313504FF-247F-4D85-B376-AFBE2DA20541}" dt="2020-03-19T11:02:05.131" v="1235"/>
+        <pc:sldMkLst>
+          <pc:docMk/>
+          <pc:sldMk cId="1724513083" sldId="410"/>
+        </pc:sldMkLst>
+      </pc:sldChg>
+      <pc:sldChg chg="addSp delSp modSp add">
+        <pc:chgData name="McKinney, David" userId="8b945cb3-78ce-42d7-adc5-b07bab32cd5b" providerId="ADAL" clId="{313504FF-247F-4D85-B376-AFBE2DA20541}" dt="2020-03-19T11:05:22.836" v="1298" actId="1076"/>
+        <pc:sldMkLst>
+          <pc:docMk/>
+          <pc:sldMk cId="2574551529" sldId="410"/>
+        </pc:sldMkLst>
+        <pc:spChg chg="add mod">
+          <ac:chgData name="McKinney, David" userId="8b945cb3-78ce-42d7-adc5-b07bab32cd5b" providerId="ADAL" clId="{313504FF-247F-4D85-B376-AFBE2DA20541}" dt="2020-03-19T11:03:44.612" v="1271" actId="1076"/>
+          <ac:spMkLst>
+            <pc:docMk/>
+            <pc:sldMk cId="2574551529" sldId="410"/>
+            <ac:spMk id="5" creationId="{16FF7769-A072-4D41-90BD-363A2711128D}"/>
+          </ac:spMkLst>
+        </pc:spChg>
+        <pc:spChg chg="del">
+          <ac:chgData name="McKinney, David" userId="8b945cb3-78ce-42d7-adc5-b07bab32cd5b" providerId="ADAL" clId="{313504FF-247F-4D85-B376-AFBE2DA20541}" dt="2020-03-19T11:03:21.705" v="1239" actId="478"/>
+          <ac:spMkLst>
+            <pc:docMk/>
+            <pc:sldMk cId="2574551529" sldId="410"/>
+            <ac:spMk id="6" creationId="{F62760CF-B8A4-4851-9297-55DCE1110066}"/>
+          </ac:spMkLst>
+        </pc:spChg>
+        <pc:spChg chg="add mod">
+          <ac:chgData name="McKinney, David" userId="8b945cb3-78ce-42d7-adc5-b07bab32cd5b" providerId="ADAL" clId="{313504FF-247F-4D85-B376-AFBE2DA20541}" dt="2020-03-19T11:05:22.836" v="1298" actId="1076"/>
+          <ac:spMkLst>
+            <pc:docMk/>
+            <pc:sldMk cId="2574551529" sldId="410"/>
+            <ac:spMk id="14" creationId="{C0AA116F-64BE-4FEA-A692-8B595D5134B2}"/>
+          </ac:spMkLst>
+        </pc:spChg>
+        <pc:picChg chg="add mod">
+          <ac:chgData name="McKinney, David" userId="8b945cb3-78ce-42d7-adc5-b07bab32cd5b" providerId="ADAL" clId="{313504FF-247F-4D85-B376-AFBE2DA20541}" dt="2020-03-19T11:03:29.876" v="1250" actId="1076"/>
+          <ac:picMkLst>
+            <pc:docMk/>
+            <pc:sldMk cId="2574551529" sldId="410"/>
+            <ac:picMk id="3" creationId="{85217A60-34B0-4BE6-BF8F-BC9DBF05D8A9}"/>
+          </ac:picMkLst>
+        </pc:picChg>
+        <pc:picChg chg="del">
+          <ac:chgData name="McKinney, David" userId="8b945cb3-78ce-42d7-adc5-b07bab32cd5b" providerId="ADAL" clId="{313504FF-247F-4D85-B376-AFBE2DA20541}" dt="2020-03-19T11:03:23.282" v="1243" actId="478"/>
+          <ac:picMkLst>
+            <pc:docMk/>
+            <pc:sldMk cId="2574551529" sldId="410"/>
+            <ac:picMk id="7" creationId="{D4069691-42C2-4320-863F-A64C9C28A557}"/>
+          </ac:picMkLst>
+        </pc:picChg>
+        <pc:picChg chg="add mod">
+          <ac:chgData name="McKinney, David" userId="8b945cb3-78ce-42d7-adc5-b07bab32cd5b" providerId="ADAL" clId="{313504FF-247F-4D85-B376-AFBE2DA20541}" dt="2020-03-19T11:05:08.452" v="1277" actId="14100"/>
+          <ac:picMkLst>
+            <pc:docMk/>
+            <pc:sldMk cId="2574551529" sldId="410"/>
+            <ac:picMk id="8" creationId="{2098DAF1-BC6F-4E7C-B758-93661700F0C7}"/>
+          </ac:picMkLst>
+        </pc:picChg>
+        <pc:picChg chg="del mod">
+          <ac:chgData name="McKinney, David" userId="8b945cb3-78ce-42d7-adc5-b07bab32cd5b" providerId="ADAL" clId="{313504FF-247F-4D85-B376-AFBE2DA20541}" dt="2020-03-19T11:03:22.921" v="1242" actId="478"/>
+          <ac:picMkLst>
+            <pc:docMk/>
+            <pc:sldMk cId="2574551529" sldId="410"/>
+            <ac:picMk id="9" creationId="{0BD6976E-67A6-4E27-82AB-A24AAD30B20A}"/>
+          </ac:picMkLst>
+        </pc:picChg>
+        <pc:picChg chg="del">
+          <ac:chgData name="McKinney, David" userId="8b945cb3-78ce-42d7-adc5-b07bab32cd5b" providerId="ADAL" clId="{313504FF-247F-4D85-B376-AFBE2DA20541}" dt="2020-03-19T11:03:22.477" v="1240" actId="478"/>
+          <ac:picMkLst>
+            <pc:docMk/>
+            <pc:sldMk cId="2574551529" sldId="410"/>
+            <ac:picMk id="17" creationId="{130F6512-987F-4F60-BBE4-2BC6702D6F2A}"/>
+          </ac:picMkLst>
+        </pc:picChg>
+        <pc:cxnChg chg="del mod">
+          <ac:chgData name="McKinney, David" userId="8b945cb3-78ce-42d7-adc5-b07bab32cd5b" providerId="ADAL" clId="{313504FF-247F-4D85-B376-AFBE2DA20541}" dt="2020-03-19T11:03:24.431" v="1246" actId="478"/>
+          <ac:cxnSpMkLst>
+            <pc:docMk/>
+            <pc:sldMk cId="2574551529" sldId="410"/>
+            <ac:cxnSpMk id="12" creationId="{38FDA2F0-5F53-4E33-8785-3C6A1832F423}"/>
+          </ac:cxnSpMkLst>
+        </pc:cxnChg>
+        <pc:cxnChg chg="del">
+          <ac:chgData name="McKinney, David" userId="8b945cb3-78ce-42d7-adc5-b07bab32cd5b" providerId="ADAL" clId="{313504FF-247F-4D85-B376-AFBE2DA20541}" dt="2020-03-19T11:03:23.692" v="1244" actId="478"/>
+          <ac:cxnSpMkLst>
+            <pc:docMk/>
+            <pc:sldMk cId="2574551529" sldId="410"/>
+            <ac:cxnSpMk id="16" creationId="{931FB241-B967-4B03-83BD-9A11B2B1E223}"/>
+          </ac:cxnSpMkLst>
+        </pc:cxnChg>
+        <pc:cxnChg chg="del">
+          <ac:chgData name="McKinney, David" userId="8b945cb3-78ce-42d7-adc5-b07bab32cd5b" providerId="ADAL" clId="{313504FF-247F-4D85-B376-AFBE2DA20541}" dt="2020-03-19T11:03:25.257" v="1247" actId="478"/>
+          <ac:cxnSpMkLst>
+            <pc:docMk/>
+            <pc:sldMk cId="2574551529" sldId="410"/>
+            <ac:cxnSpMk id="18" creationId="{77918A12-7FA8-4C91-AA5D-130EF33E0F3F}"/>
+          </ac:cxnSpMkLst>
+        </pc:cxnChg>
+      </pc:sldChg>
+      <pc:sldChg chg="addSp delSp modSp add">
+        <pc:chgData name="McKinney, David" userId="8b945cb3-78ce-42d7-adc5-b07bab32cd5b" providerId="ADAL" clId="{313504FF-247F-4D85-B376-AFBE2DA20541}" dt="2020-03-19T11:08:02.956" v="1353" actId="1076"/>
+        <pc:sldMkLst>
+          <pc:docMk/>
+          <pc:sldMk cId="1525298105" sldId="411"/>
+        </pc:sldMkLst>
+        <pc:spChg chg="del">
+          <ac:chgData name="McKinney, David" userId="8b945cb3-78ce-42d7-adc5-b07bab32cd5b" providerId="ADAL" clId="{313504FF-247F-4D85-B376-AFBE2DA20541}" dt="2020-03-19T11:07:37.594" v="1318" actId="478"/>
+          <ac:spMkLst>
+            <pc:docMk/>
+            <pc:sldMk cId="1525298105" sldId="411"/>
+            <ac:spMk id="5" creationId="{16FF7769-A072-4D41-90BD-363A2711128D}"/>
+          </ac:spMkLst>
+        </pc:spChg>
+        <pc:spChg chg="add mod">
+          <ac:chgData name="McKinney, David" userId="8b945cb3-78ce-42d7-adc5-b07bab32cd5b" providerId="ADAL" clId="{313504FF-247F-4D85-B376-AFBE2DA20541}" dt="2020-03-19T11:08:02.956" v="1353" actId="1076"/>
+          <ac:spMkLst>
+            <pc:docMk/>
+            <pc:sldMk cId="1525298105" sldId="411"/>
+            <ac:spMk id="10" creationId="{2BA9C686-DB98-4DDF-9CFF-C9232F2CE2C9}"/>
+          </ac:spMkLst>
+        </pc:spChg>
+        <pc:spChg chg="del">
+          <ac:chgData name="McKinney, David" userId="8b945cb3-78ce-42d7-adc5-b07bab32cd5b" providerId="ADAL" clId="{313504FF-247F-4D85-B376-AFBE2DA20541}" dt="2020-03-19T11:07:36.511" v="1317" actId="478"/>
+          <ac:spMkLst>
+            <pc:docMk/>
+            <pc:sldMk cId="1525298105" sldId="411"/>
+            <ac:spMk id="14" creationId="{C0AA116F-64BE-4FEA-A692-8B595D5134B2}"/>
+          </ac:spMkLst>
+        </pc:spChg>
+        <pc:picChg chg="del">
+          <ac:chgData name="McKinney, David" userId="8b945cb3-78ce-42d7-adc5-b07bab32cd5b" providerId="ADAL" clId="{313504FF-247F-4D85-B376-AFBE2DA20541}" dt="2020-03-19T11:07:34.998" v="1315" actId="478"/>
+          <ac:picMkLst>
+            <pc:docMk/>
+            <pc:sldMk cId="1525298105" sldId="411"/>
+            <ac:picMk id="3" creationId="{85217A60-34B0-4BE6-BF8F-BC9DBF05D8A9}"/>
+          </ac:picMkLst>
+        </pc:picChg>
+        <pc:picChg chg="del">
+          <ac:chgData name="McKinney, David" userId="8b945cb3-78ce-42d7-adc5-b07bab32cd5b" providerId="ADAL" clId="{313504FF-247F-4D85-B376-AFBE2DA20541}" dt="2020-03-19T11:07:35.418" v="1316" actId="478"/>
+          <ac:picMkLst>
+            <pc:docMk/>
+            <pc:sldMk cId="1525298105" sldId="411"/>
+            <ac:picMk id="8" creationId="{2098DAF1-BC6F-4E7C-B758-93661700F0C7}"/>
+          </ac:picMkLst>
+        </pc:picChg>
+        <pc:picChg chg="add mod">
+          <ac:chgData name="McKinney, David" userId="8b945cb3-78ce-42d7-adc5-b07bab32cd5b" providerId="ADAL" clId="{313504FF-247F-4D85-B376-AFBE2DA20541}" dt="2020-03-19T11:07:45.014" v="1322" actId="1076"/>
+          <ac:picMkLst>
+            <pc:docMk/>
+            <pc:sldMk cId="1525298105" sldId="411"/>
+            <ac:picMk id="9" creationId="{8F2B5345-863B-491F-BCF2-17FC41BF9C25}"/>
+          </ac:picMkLst>
+        </pc:picChg>
+      </pc:sldChg>
+      <pc:sldChg chg="addSp delSp modSp add del">
+        <pc:chgData name="McKinney, David" userId="8b945cb3-78ce-42d7-adc5-b07bab32cd5b" providerId="ADAL" clId="{313504FF-247F-4D85-B376-AFBE2DA20541}" dt="2020-03-19T11:07:05.290" v="1312"/>
+        <pc:sldMkLst>
+          <pc:docMk/>
+          <pc:sldMk cId="3798036161" sldId="411"/>
+        </pc:sldMkLst>
+        <pc:spChg chg="add del">
+          <ac:chgData name="McKinney, David" userId="8b945cb3-78ce-42d7-adc5-b07bab32cd5b" providerId="ADAL" clId="{313504FF-247F-4D85-B376-AFBE2DA20541}" dt="2020-03-19T11:07:01.751" v="1307" actId="478"/>
+          <ac:spMkLst>
+            <pc:docMk/>
+            <pc:sldMk cId="3798036161" sldId="411"/>
+            <ac:spMk id="5" creationId="{16FF7769-A072-4D41-90BD-363A2711128D}"/>
+          </ac:spMkLst>
+        </pc:spChg>
+        <pc:spChg chg="add del mod">
+          <ac:chgData name="McKinney, David" userId="8b945cb3-78ce-42d7-adc5-b07bab32cd5b" providerId="ADAL" clId="{313504FF-247F-4D85-B376-AFBE2DA20541}" dt="2020-03-19T11:07:02.919" v="1309" actId="6549"/>
+          <ac:spMkLst>
+            <pc:docMk/>
+            <pc:sldMk cId="3798036161" sldId="411"/>
+            <ac:spMk id="14" creationId="{C0AA116F-64BE-4FEA-A692-8B595D5134B2}"/>
+          </ac:spMkLst>
+        </pc:spChg>
+        <pc:picChg chg="add del">
+          <ac:chgData name="McKinney, David" userId="8b945cb3-78ce-42d7-adc5-b07bab32cd5b" providerId="ADAL" clId="{313504FF-247F-4D85-B376-AFBE2DA20541}" dt="2020-03-19T11:07:04.707" v="1311" actId="478"/>
+          <ac:picMkLst>
+            <pc:docMk/>
+            <pc:sldMk cId="3798036161" sldId="411"/>
+            <ac:picMk id="3" creationId="{85217A60-34B0-4BE6-BF8F-BC9DBF05D8A9}"/>
+          </ac:picMkLst>
+        </pc:picChg>
+        <pc:picChg chg="add del">
+          <ac:chgData name="McKinney, David" userId="8b945cb3-78ce-42d7-adc5-b07bab32cd5b" providerId="ADAL" clId="{313504FF-247F-4D85-B376-AFBE2DA20541}" dt="2020-03-19T11:07:03.820" v="1310" actId="478"/>
+          <ac:picMkLst>
+            <pc:docMk/>
+            <pc:sldMk cId="3798036161" sldId="411"/>
+            <ac:picMk id="8" creationId="{2098DAF1-BC6F-4E7C-B758-93661700F0C7}"/>
+          </ac:picMkLst>
+        </pc:picChg>
+      </pc:sldChg>
     </pc:docChg>
   </pc:docChgLst>
   <pc:docChgLst>
@@ -791,21 +1304,6 @@
     </pc:docChg>
   </pc:docChgLst>
   <pc:docChgLst>
-    <pc:chgData name="Bradley, Sam" userId="f75c196c-0419-4ed7-9101-2e14ae32ff77" providerId="ADAL" clId="{5D539316-6F26-47C3-88B4-BCB4FE4A3E07}"/>
-  </pc:docChgLst>
-  <pc:docChgLst>
-    <pc:chgData name="Whittaker, Ryan" userId="S::kbqc931@astrazeneca.net::873b3a98-b8cc-426f-9da0-8dcfa40dc643" providerId="AD" clId="Web-{5BCDD864-810F-4098-8BF2-8E12CA711862}"/>
-  </pc:docChgLst>
-  <pc:docChgLst>
-    <pc:chgData name="Bradley, Sam" userId="f75c196c-0419-4ed7-9101-2e14ae32ff77" providerId="ADAL" clId="{762AF767-1CE1-409E-9571-49B5472E3FDD}"/>
-  </pc:docChgLst>
-  <pc:docChgLst>
-    <pc:chgData name="Hargreaves, Tim" userId="90cf5d3a-17ee-49d5-b3bb-4550ca7cb171" providerId="ADAL" clId="{A551ADB2-18BB-4E92-A406-F2675FF4D41A}"/>
-  </pc:docChgLst>
-  <pc:docChgLst>
-    <pc:chgData name="Bradley, Sam" userId="S::kwgk592@astrazeneca.net::f75c196c-0419-4ed7-9101-2e14ae32ff77" providerId="AD" clId="Web-{D4A954F6-F6E8-4931-8A67-60CA2370EE1F}"/>
-  </pc:docChgLst>
-  <pc:docChgLst>
     <pc:chgData name="McKinney, David" userId="S::kqkh779@astrazeneca.net::8b945cb3-78ce-42d7-adc5-b07bab32cd5b" providerId="AD" clId="Web-{943D79A7-4F12-443F-BB18-E65E88C7EB45}"/>
     <pc:docChg chg="modSld">
       <pc:chgData name="McKinney, David" userId="S::kqkh779@astrazeneca.net::8b945cb3-78ce-42d7-adc5-b07bab32cd5b" providerId="AD" clId="Web-{943D79A7-4F12-443F-BB18-E65E88C7EB45}" dt="2020-02-21T16:31:49.586" v="1"/>
@@ -845,579 +1343,6 @@
       </pc:sldChg>
     </pc:docChg>
   </pc:docChgLst>
-  <pc:docChgLst>
-    <pc:chgData name="McKinney, David" userId="8b945cb3-78ce-42d7-adc5-b07bab32cd5b" providerId="ADAL" clId="{4B50621F-9B5F-4849-8581-C894387D6D49}"/>
-  </pc:docChgLst>
-  <pc:docChgLst>
-    <pc:chgData name="McKinney, David" userId="S::kqkh779@astrazeneca.net::8b945cb3-78ce-42d7-adc5-b07bab32cd5b" providerId="AD" clId="Web-{19ED5777-9461-488C-9C2F-EA5FA8BDDD4A}"/>
-  </pc:docChgLst>
-  <pc:docChgLst>
-    <pc:chgData name="Whittaker, Ryan" userId="S::kbqc931@astrazeneca.net::873b3a98-b8cc-426f-9da0-8dcfa40dc643" providerId="AD" clId="Web-{B64EA736-3A8F-466E-8E47-784F4DEF7478}"/>
-  </pc:docChgLst>
-  <pc:docChgLst>
-    <pc:chgData name="Hargreaves, Tim" userId="S::kjkt405@astrazeneca.net::90cf5d3a-17ee-49d5-b3bb-4550ca7cb171" providerId="AD" clId="Web-{1946A153-1ECB-45FE-B970-19D46C7ECF63}"/>
-  </pc:docChgLst>
-  <pc:docChgLst>
-    <pc:chgData name="McKinney, David" userId="8b945cb3-78ce-42d7-adc5-b07bab32cd5b" providerId="ADAL" clId="{9603A653-FB5C-458E-AF3B-FE7FDA175610}"/>
-  </pc:docChgLst>
-  <pc:docChgLst>
-    <pc:chgData name="Whittaker, Ryan" userId="S::kbqc931@astrazeneca.net::873b3a98-b8cc-426f-9da0-8dcfa40dc643" providerId="AD" clId="Web-{A49819BF-3708-4E37-B4EC-C9678268031B}"/>
-  </pc:docChgLst>
-  <pc:docChgLst>
-    <pc:chgData name="Whittaker, Ryan" userId="S::kbqc931@astrazeneca.net::873b3a98-b8cc-426f-9da0-8dcfa40dc643" providerId="AD" clId="Web-{DCB56511-3446-40CF-BFF7-5E04E04BE463}"/>
-  </pc:docChgLst>
-  <pc:docChgLst>
-    <pc:chgData name="Whittaker, Ryan" userId="S::kbqc931@astrazeneca.net::873b3a98-b8cc-426f-9da0-8dcfa40dc643" providerId="AD" clId="Web-{9A42D76C-D160-41CA-9A1F-C4FC95B41C8B}"/>
-  </pc:docChgLst>
-  <pc:docChgLst>
-    <pc:chgData name="McKinney, David" userId="S::kqkh779@astrazeneca.net::8b945cb3-78ce-42d7-adc5-b07bab32cd5b" providerId="AD" clId="Web-{458AD232-5E99-4B9F-84B9-A2E5BA4533E2}"/>
-    <pc:docChg chg="addSld">
-      <pc:chgData name="McKinney, David" userId="S::kqkh779@astrazeneca.net::8b945cb3-78ce-42d7-adc5-b07bab32cd5b" providerId="AD" clId="Web-{458AD232-5E99-4B9F-84B9-A2E5BA4533E2}" dt="2020-03-19T10:10:07.659" v="0"/>
-      <pc:docMkLst>
-        <pc:docMk/>
-      </pc:docMkLst>
-      <pc:sldChg chg="add replId">
-        <pc:chgData name="McKinney, David" userId="S::kqkh779@astrazeneca.net::8b945cb3-78ce-42d7-adc5-b07bab32cd5b" providerId="AD" clId="Web-{458AD232-5E99-4B9F-84B9-A2E5BA4533E2}" dt="2020-03-19T10:10:07.659" v="0"/>
-        <pc:sldMkLst>
-          <pc:docMk/>
-          <pc:sldMk cId="2207696395" sldId="408"/>
-        </pc:sldMkLst>
-      </pc:sldChg>
-    </pc:docChg>
-  </pc:docChgLst>
-  <pc:docChgLst>
-    <pc:chgData name="Bradley, Sam" userId="S::kwgk592@astrazeneca.net::f75c196c-0419-4ed7-9101-2e14ae32ff77" providerId="AD" clId="Web-{F25D14D8-8E2F-4F86-9734-E75C335181A3}"/>
-  </pc:docChgLst>
-  <pc:docChgLst>
-    <pc:chgData name="McKinney, David" userId="S::kqkh779@astrazeneca.net::8b945cb3-78ce-42d7-adc5-b07bab32cd5b" providerId="AD" clId="Web-{644B498D-08F7-481A-98FA-B2675B8104AA}"/>
-  </pc:docChgLst>
-  <pc:docChgLst>
-    <pc:chgData name="McKinney, David" userId="S::kqkh779@astrazeneca.net::8b945cb3-78ce-42d7-adc5-b07bab32cd5b" providerId="AD" clId="Web-{F4A4F6B3-72F9-4822-8E52-DDD660AB8108}"/>
-    <pc:docChg chg="modSld">
-      <pc:chgData name="McKinney, David" userId="S::kqkh779@astrazeneca.net::8b945cb3-78ce-42d7-adc5-b07bab32cd5b" providerId="AD" clId="Web-{F4A4F6B3-72F9-4822-8E52-DDD660AB8108}" dt="2020-03-19T12:29:58.308" v="1"/>
-      <pc:docMkLst>
-        <pc:docMk/>
-      </pc:docMkLst>
-      <pc:sldChg chg="addAnim modAnim">
-        <pc:chgData name="McKinney, David" userId="S::kqkh779@astrazeneca.net::8b945cb3-78ce-42d7-adc5-b07bab32cd5b" providerId="AD" clId="Web-{F4A4F6B3-72F9-4822-8E52-DDD660AB8108}" dt="2020-03-19T12:29:58.308" v="1"/>
-        <pc:sldMkLst>
-          <pc:docMk/>
-          <pc:sldMk cId="1416124321" sldId="400"/>
-        </pc:sldMkLst>
-      </pc:sldChg>
-    </pc:docChg>
-  </pc:docChgLst>
-  <pc:docChgLst>
-    <pc:chgData name="McKinney, David" userId="8b945cb3-78ce-42d7-adc5-b07bab32cd5b" providerId="ADAL" clId="{313504FF-247F-4D85-B376-AFBE2DA20541}"/>
-    <pc:docChg chg="undo custSel addSld delSld modSld sldOrd">
-      <pc:chgData name="McKinney, David" userId="8b945cb3-78ce-42d7-adc5-b07bab32cd5b" providerId="ADAL" clId="{313504FF-247F-4D85-B376-AFBE2DA20541}" dt="2020-03-19T11:08:04.979" v="1354" actId="2696"/>
-      <pc:docMkLst>
-        <pc:docMk/>
-      </pc:docMkLst>
-      <pc:sldChg chg="add del ord">
-        <pc:chgData name="McKinney, David" userId="8b945cb3-78ce-42d7-adc5-b07bab32cd5b" providerId="ADAL" clId="{313504FF-247F-4D85-B376-AFBE2DA20541}" dt="2020-03-19T11:02:11.078" v="1237"/>
-        <pc:sldMkLst>
-          <pc:docMk/>
-          <pc:sldMk cId="934264226" sldId="373"/>
-        </pc:sldMkLst>
-      </pc:sldChg>
-      <pc:sldChg chg="addSp delSp modSp">
-        <pc:chgData name="McKinney, David" userId="8b945cb3-78ce-42d7-adc5-b07bab32cd5b" providerId="ADAL" clId="{313504FF-247F-4D85-B376-AFBE2DA20541}" dt="2020-03-19T10:32:43.607" v="69" actId="1076"/>
-        <pc:sldMkLst>
-          <pc:docMk/>
-          <pc:sldMk cId="3163149161" sldId="395"/>
-        </pc:sldMkLst>
-        <pc:picChg chg="add mod">
-          <ac:chgData name="McKinney, David" userId="8b945cb3-78ce-42d7-adc5-b07bab32cd5b" providerId="ADAL" clId="{313504FF-247F-4D85-B376-AFBE2DA20541}" dt="2020-03-19T10:32:43.607" v="69" actId="1076"/>
-          <ac:picMkLst>
-            <pc:docMk/>
-            <pc:sldMk cId="3163149161" sldId="395"/>
-            <ac:picMk id="3" creationId="{70563EEB-7B7C-492E-894B-8E54BF35DD88}"/>
-          </ac:picMkLst>
-        </pc:picChg>
-        <pc:picChg chg="del">
-          <ac:chgData name="McKinney, David" userId="8b945cb3-78ce-42d7-adc5-b07bab32cd5b" providerId="ADAL" clId="{313504FF-247F-4D85-B376-AFBE2DA20541}" dt="2020-03-19T10:32:36.089" v="65" actId="478"/>
-          <ac:picMkLst>
-            <pc:docMk/>
-            <pc:sldMk cId="3163149161" sldId="395"/>
-            <ac:picMk id="10" creationId="{BEB4CE52-3BE4-4894-A587-27F345D8AE0A}"/>
-          </ac:picMkLst>
-        </pc:picChg>
-      </pc:sldChg>
-      <pc:sldChg chg="del">
-        <pc:chgData name="McKinney, David" userId="8b945cb3-78ce-42d7-adc5-b07bab32cd5b" providerId="ADAL" clId="{313504FF-247F-4D85-B376-AFBE2DA20541}" dt="2020-03-19T11:05:27.731" v="1299" actId="2696"/>
-        <pc:sldMkLst>
-          <pc:docMk/>
-          <pc:sldMk cId="2693540477" sldId="405"/>
-        </pc:sldMkLst>
-      </pc:sldChg>
-      <pc:sldChg chg="add del">
-        <pc:chgData name="McKinney, David" userId="8b945cb3-78ce-42d7-adc5-b07bab32cd5b" providerId="ADAL" clId="{313504FF-247F-4D85-B376-AFBE2DA20541}" dt="2020-03-19T11:08:04.979" v="1354" actId="2696"/>
-        <pc:sldMkLst>
-          <pc:docMk/>
-          <pc:sldMk cId="4265845665" sldId="407"/>
-        </pc:sldMkLst>
-      </pc:sldChg>
-      <pc:sldChg chg="addSp delSp modSp ord">
-        <pc:chgData name="McKinney, David" userId="8b945cb3-78ce-42d7-adc5-b07bab32cd5b" providerId="ADAL" clId="{313504FF-247F-4D85-B376-AFBE2DA20541}" dt="2020-03-19T10:47:32.699" v="1105" actId="1076"/>
-        <pc:sldMkLst>
-          <pc:docMk/>
-          <pc:sldMk cId="2207696395" sldId="408"/>
-        </pc:sldMkLst>
-        <pc:spChg chg="mod">
-          <ac:chgData name="McKinney, David" userId="8b945cb3-78ce-42d7-adc5-b07bab32cd5b" providerId="ADAL" clId="{313504FF-247F-4D85-B376-AFBE2DA20541}" dt="2020-03-19T10:20:19.158" v="56" actId="20577"/>
-          <ac:spMkLst>
-            <pc:docMk/>
-            <pc:sldMk cId="2207696395" sldId="408"/>
-            <ac:spMk id="2" creationId="{516E73CD-A95D-4DF8-9106-AE85AA22CCE5}"/>
-          </ac:spMkLst>
-        </pc:spChg>
-        <pc:spChg chg="add del mod">
-          <ac:chgData name="McKinney, David" userId="8b945cb3-78ce-42d7-adc5-b07bab32cd5b" providerId="ADAL" clId="{313504FF-247F-4D85-B376-AFBE2DA20541}" dt="2020-03-19T10:30:15.340" v="64" actId="478"/>
-          <ac:spMkLst>
-            <pc:docMk/>
-            <pc:sldMk cId="2207696395" sldId="408"/>
-            <ac:spMk id="3" creationId="{7444A5B1-4FF6-4885-A6D0-8A0D5430DE92}"/>
-          </ac:spMkLst>
-        </pc:spChg>
-        <pc:spChg chg="add mod">
-          <ac:chgData name="McKinney, David" userId="8b945cb3-78ce-42d7-adc5-b07bab32cd5b" providerId="ADAL" clId="{313504FF-247F-4D85-B376-AFBE2DA20541}" dt="2020-03-19T10:47:24.836" v="1102" actId="1076"/>
-          <ac:spMkLst>
-            <pc:docMk/>
-            <pc:sldMk cId="2207696395" sldId="408"/>
-            <ac:spMk id="6" creationId="{F62760CF-B8A4-4851-9297-55DCE1110066}"/>
-          </ac:spMkLst>
-        </pc:spChg>
-        <pc:spChg chg="del">
-          <ac:chgData name="McKinney, David" userId="8b945cb3-78ce-42d7-adc5-b07bab32cd5b" providerId="ADAL" clId="{313504FF-247F-4D85-B376-AFBE2DA20541}" dt="2020-03-19T10:19:54.949" v="5" actId="478"/>
-          <ac:spMkLst>
-            <pc:docMk/>
-            <pc:sldMk cId="2207696395" sldId="408"/>
-            <ac:spMk id="8" creationId="{8D0564E5-6E64-4A8F-ABBB-5C94A0F949B1}"/>
-          </ac:spMkLst>
-        </pc:spChg>
-        <pc:spChg chg="del">
-          <ac:chgData name="McKinney, David" userId="8b945cb3-78ce-42d7-adc5-b07bab32cd5b" providerId="ADAL" clId="{313504FF-247F-4D85-B376-AFBE2DA20541}" dt="2020-03-19T10:19:53.530" v="4" actId="478"/>
-          <ac:spMkLst>
-            <pc:docMk/>
-            <pc:sldMk cId="2207696395" sldId="408"/>
-            <ac:spMk id="15" creationId="{AD074101-9413-4A36-BE7E-CE512AEC5E88}"/>
-          </ac:spMkLst>
-        </pc:spChg>
-        <pc:picChg chg="del">
-          <ac:chgData name="McKinney, David" userId="8b945cb3-78ce-42d7-adc5-b07bab32cd5b" providerId="ADAL" clId="{313504FF-247F-4D85-B376-AFBE2DA20541}" dt="2020-03-19T10:19:47.718" v="0" actId="478"/>
-          <ac:picMkLst>
-            <pc:docMk/>
-            <pc:sldMk cId="2207696395" sldId="408"/>
-            <ac:picMk id="5" creationId="{08A3A82F-3BF3-492C-A005-7FDB5AA91B86}"/>
-          </ac:picMkLst>
-        </pc:picChg>
-        <pc:picChg chg="add mod modCrop">
-          <ac:chgData name="McKinney, David" userId="8b945cb3-78ce-42d7-adc5-b07bab32cd5b" providerId="ADAL" clId="{313504FF-247F-4D85-B376-AFBE2DA20541}" dt="2020-03-19T10:46:20.188" v="1089" actId="1076"/>
-          <ac:picMkLst>
-            <pc:docMk/>
-            <pc:sldMk cId="2207696395" sldId="408"/>
-            <ac:picMk id="7" creationId="{D4069691-42C2-4320-863F-A64C9C28A557}"/>
-          </ac:picMkLst>
-        </pc:picChg>
-        <pc:picChg chg="add mod">
-          <ac:chgData name="McKinney, David" userId="8b945cb3-78ce-42d7-adc5-b07bab32cd5b" providerId="ADAL" clId="{313504FF-247F-4D85-B376-AFBE2DA20541}" dt="2020-03-19T10:46:23.533" v="1090" actId="1076"/>
-          <ac:picMkLst>
-            <pc:docMk/>
-            <pc:sldMk cId="2207696395" sldId="408"/>
-            <ac:picMk id="9" creationId="{0BD6976E-67A6-4E27-82AB-A24AAD30B20A}"/>
-          </ac:picMkLst>
-        </pc:picChg>
-        <pc:picChg chg="del">
-          <ac:chgData name="McKinney, David" userId="8b945cb3-78ce-42d7-adc5-b07bab32cd5b" providerId="ADAL" clId="{313504FF-247F-4D85-B376-AFBE2DA20541}" dt="2020-03-19T10:19:49.173" v="1" actId="478"/>
-          <ac:picMkLst>
-            <pc:docMk/>
-            <pc:sldMk cId="2207696395" sldId="408"/>
-            <ac:picMk id="14" creationId="{1BC1FDC2-C4F2-4BA9-8473-D1F97E61333A}"/>
-          </ac:picMkLst>
-        </pc:picChg>
-        <pc:picChg chg="add mod">
-          <ac:chgData name="McKinney, David" userId="8b945cb3-78ce-42d7-adc5-b07bab32cd5b" providerId="ADAL" clId="{313504FF-247F-4D85-B376-AFBE2DA20541}" dt="2020-03-19T10:47:15.094" v="1098" actId="1076"/>
-          <ac:picMkLst>
-            <pc:docMk/>
-            <pc:sldMk cId="2207696395" sldId="408"/>
-            <ac:picMk id="17" creationId="{130F6512-987F-4F60-BBE4-2BC6702D6F2A}"/>
-          </ac:picMkLst>
-        </pc:picChg>
-        <pc:cxnChg chg="del mod">
-          <ac:chgData name="McKinney, David" userId="8b945cb3-78ce-42d7-adc5-b07bab32cd5b" providerId="ADAL" clId="{313504FF-247F-4D85-B376-AFBE2DA20541}" dt="2020-03-19T10:19:51.531" v="3" actId="478"/>
-          <ac:cxnSpMkLst>
-            <pc:docMk/>
-            <pc:sldMk cId="2207696395" sldId="408"/>
-            <ac:cxnSpMk id="10" creationId="{96AEC68A-4DAA-4A2A-BF1C-CFAB89689722}"/>
-          </ac:cxnSpMkLst>
-        </pc:cxnChg>
-        <pc:cxnChg chg="add mod">
-          <ac:chgData name="McKinney, David" userId="8b945cb3-78ce-42d7-adc5-b07bab32cd5b" providerId="ADAL" clId="{313504FF-247F-4D85-B376-AFBE2DA20541}" dt="2020-03-19T10:47:28.116" v="1103" actId="1076"/>
-          <ac:cxnSpMkLst>
-            <pc:docMk/>
-            <pc:sldMk cId="2207696395" sldId="408"/>
-            <ac:cxnSpMk id="12" creationId="{38FDA2F0-5F53-4E33-8785-3C6A1832F423}"/>
-          </ac:cxnSpMkLst>
-        </pc:cxnChg>
-        <pc:cxnChg chg="add mod">
-          <ac:chgData name="McKinney, David" userId="8b945cb3-78ce-42d7-adc5-b07bab32cd5b" providerId="ADAL" clId="{313504FF-247F-4D85-B376-AFBE2DA20541}" dt="2020-03-19T10:46:33.823" v="1094" actId="14100"/>
-          <ac:cxnSpMkLst>
-            <pc:docMk/>
-            <pc:sldMk cId="2207696395" sldId="408"/>
-            <ac:cxnSpMk id="16" creationId="{931FB241-B967-4B03-83BD-9A11B2B1E223}"/>
-          </ac:cxnSpMkLst>
-        </pc:cxnChg>
-        <pc:cxnChg chg="add mod">
-          <ac:chgData name="McKinney, David" userId="8b945cb3-78ce-42d7-adc5-b07bab32cd5b" providerId="ADAL" clId="{313504FF-247F-4D85-B376-AFBE2DA20541}" dt="2020-03-19T10:47:32.699" v="1105" actId="1076"/>
-          <ac:cxnSpMkLst>
-            <pc:docMk/>
-            <pc:sldMk cId="2207696395" sldId="408"/>
-            <ac:cxnSpMk id="18" creationId="{77918A12-7FA8-4C91-AA5D-130EF33E0F3F}"/>
-          </ac:cxnSpMkLst>
-        </pc:cxnChg>
-      </pc:sldChg>
-      <pc:sldChg chg="addSp delSp modSp add">
-        <pc:chgData name="McKinney, David" userId="8b945cb3-78ce-42d7-adc5-b07bab32cd5b" providerId="ADAL" clId="{313504FF-247F-4D85-B376-AFBE2DA20541}" dt="2020-03-19T11:01:04.178" v="1232" actId="20577"/>
-        <pc:sldMkLst>
-          <pc:docMk/>
-          <pc:sldMk cId="3254885428" sldId="409"/>
-        </pc:sldMkLst>
-        <pc:spChg chg="del mod">
-          <ac:chgData name="McKinney, David" userId="8b945cb3-78ce-42d7-adc5-b07bab32cd5b" providerId="ADAL" clId="{313504FF-247F-4D85-B376-AFBE2DA20541}" dt="2020-03-19T10:50:24.830" v="1121" actId="478"/>
-          <ac:spMkLst>
-            <pc:docMk/>
-            <pc:sldMk cId="3254885428" sldId="409"/>
-            <ac:spMk id="3" creationId="{D9F59F0A-AA59-4F15-95CC-124F6F55180D}"/>
-          </ac:spMkLst>
-        </pc:spChg>
-        <pc:spChg chg="add del mod">
-          <ac:chgData name="McKinney, David" userId="8b945cb3-78ce-42d7-adc5-b07bab32cd5b" providerId="ADAL" clId="{313504FF-247F-4D85-B376-AFBE2DA20541}" dt="2020-03-19T10:50:27.097" v="1122" actId="478"/>
-          <ac:spMkLst>
-            <pc:docMk/>
-            <pc:sldMk cId="3254885428" sldId="409"/>
-            <ac:spMk id="7" creationId="{A2474E6E-325D-417A-8E1D-D0AE0637CD43}"/>
-          </ac:spMkLst>
-        </pc:spChg>
-        <pc:spChg chg="del mod">
-          <ac:chgData name="McKinney, David" userId="8b945cb3-78ce-42d7-adc5-b07bab32cd5b" providerId="ADAL" clId="{313504FF-247F-4D85-B376-AFBE2DA20541}" dt="2020-03-19T10:48:09.333" v="1116" actId="478"/>
-          <ac:spMkLst>
-            <pc:docMk/>
-            <pc:sldMk cId="3254885428" sldId="409"/>
-            <ac:spMk id="10" creationId="{BC443F87-E1B6-44CC-A0D6-A10B8BE04F32}"/>
-          </ac:spMkLst>
-        </pc:spChg>
-        <pc:spChg chg="add mod">
-          <ac:chgData name="McKinney, David" userId="8b945cb3-78ce-42d7-adc5-b07bab32cd5b" providerId="ADAL" clId="{313504FF-247F-4D85-B376-AFBE2DA20541}" dt="2020-03-19T11:01:04.178" v="1232" actId="20577"/>
-          <ac:spMkLst>
-            <pc:docMk/>
-            <pc:sldMk cId="3254885428" sldId="409"/>
-            <ac:spMk id="12" creationId="{E00AEC2D-66EB-44F1-9AB9-95239AA886CE}"/>
-          </ac:spMkLst>
-        </pc:spChg>
-        <pc:spChg chg="del">
-          <ac:chgData name="McKinney, David" userId="8b945cb3-78ce-42d7-adc5-b07bab32cd5b" providerId="ADAL" clId="{313504FF-247F-4D85-B376-AFBE2DA20541}" dt="2020-03-19T10:51:50.860" v="1134" actId="478"/>
-          <ac:spMkLst>
-            <pc:docMk/>
-            <pc:sldMk cId="3254885428" sldId="409"/>
-            <ac:spMk id="14" creationId="{CB52CA66-3A5B-4FEC-9C9C-8FF6DCBAFFD7}"/>
-          </ac:spMkLst>
-        </pc:spChg>
-        <pc:spChg chg="del">
-          <ac:chgData name="McKinney, David" userId="8b945cb3-78ce-42d7-adc5-b07bab32cd5b" providerId="ADAL" clId="{313504FF-247F-4D85-B376-AFBE2DA20541}" dt="2020-03-19T10:51:57.612" v="1136" actId="478"/>
-          <ac:spMkLst>
-            <pc:docMk/>
-            <pc:sldMk cId="3254885428" sldId="409"/>
-            <ac:spMk id="23" creationId="{B7233CB6-FE45-4727-A3BB-9AD4A1866F44}"/>
-          </ac:spMkLst>
-        </pc:spChg>
-        <pc:spChg chg="del mod">
-          <ac:chgData name="McKinney, David" userId="8b945cb3-78ce-42d7-adc5-b07bab32cd5b" providerId="ADAL" clId="{313504FF-247F-4D85-B376-AFBE2DA20541}" dt="2020-03-19T10:52:00.544" v="1138" actId="478"/>
-          <ac:spMkLst>
-            <pc:docMk/>
-            <pc:sldMk cId="3254885428" sldId="409"/>
-            <ac:spMk id="24" creationId="{289ECF15-DE1A-4880-B0AD-7A42849FFE4C}"/>
-          </ac:spMkLst>
-        </pc:spChg>
-        <pc:spChg chg="del">
-          <ac:chgData name="McKinney, David" userId="8b945cb3-78ce-42d7-adc5-b07bab32cd5b" providerId="ADAL" clId="{313504FF-247F-4D85-B376-AFBE2DA20541}" dt="2020-03-19T10:51:50.860" v="1134" actId="478"/>
-          <ac:spMkLst>
-            <pc:docMk/>
-            <pc:sldMk cId="3254885428" sldId="409"/>
-            <ac:spMk id="25" creationId="{93761D75-E7F8-497B-A1CB-094763B546D8}"/>
-          </ac:spMkLst>
-        </pc:spChg>
-        <pc:spChg chg="del">
-          <ac:chgData name="McKinney, David" userId="8b945cb3-78ce-42d7-adc5-b07bab32cd5b" providerId="ADAL" clId="{313504FF-247F-4D85-B376-AFBE2DA20541}" dt="2020-03-19T10:51:58.965" v="1137" actId="478"/>
-          <ac:spMkLst>
-            <pc:docMk/>
-            <pc:sldMk cId="3254885428" sldId="409"/>
-            <ac:spMk id="26" creationId="{DAAA6242-8456-40AF-BACF-4111773C76F9}"/>
-          </ac:spMkLst>
-        </pc:spChg>
-        <pc:spChg chg="add del mod">
-          <ac:chgData name="McKinney, David" userId="8b945cb3-78ce-42d7-adc5-b07bab32cd5b" providerId="ADAL" clId="{313504FF-247F-4D85-B376-AFBE2DA20541}" dt="2020-03-19T10:51:56.418" v="1135" actId="478"/>
-          <ac:spMkLst>
-            <pc:docMk/>
-            <pc:sldMk cId="3254885428" sldId="409"/>
-            <ac:spMk id="27" creationId="{D2C3986A-711F-457C-B3A8-C319E1293829}"/>
-          </ac:spMkLst>
-        </pc:spChg>
-        <pc:spChg chg="del">
-          <ac:chgData name="McKinney, David" userId="8b945cb3-78ce-42d7-adc5-b07bab32cd5b" providerId="ADAL" clId="{313504FF-247F-4D85-B376-AFBE2DA20541}" dt="2020-03-19T10:47:48.542" v="1108" actId="478"/>
-          <ac:spMkLst>
-            <pc:docMk/>
-            <pc:sldMk cId="3254885428" sldId="409"/>
-            <ac:spMk id="31" creationId="{3D668F57-3019-4334-B32E-1BB9D9647B09}"/>
-          </ac:spMkLst>
-        </pc:spChg>
-        <pc:spChg chg="del">
-          <ac:chgData name="McKinney, David" userId="8b945cb3-78ce-42d7-adc5-b07bab32cd5b" providerId="ADAL" clId="{313504FF-247F-4D85-B376-AFBE2DA20541}" dt="2020-03-19T10:47:49.498" v="1109" actId="478"/>
-          <ac:spMkLst>
-            <pc:docMk/>
-            <pc:sldMk cId="3254885428" sldId="409"/>
-            <ac:spMk id="36" creationId="{94E877F8-29C9-4978-85E3-801E0A1A7613}"/>
-          </ac:spMkLst>
-        </pc:spChg>
-        <pc:picChg chg="add mod">
-          <ac:chgData name="McKinney, David" userId="8b945cb3-78ce-42d7-adc5-b07bab32cd5b" providerId="ADAL" clId="{313504FF-247F-4D85-B376-AFBE2DA20541}" dt="2020-03-19T10:57:08.989" v="1173" actId="1076"/>
-          <ac:picMkLst>
-            <pc:docMk/>
-            <pc:sldMk cId="3254885428" sldId="409"/>
-            <ac:picMk id="5" creationId="{E13E9C91-30A8-4BB1-8A9D-CCBA4652FAC3}"/>
-          </ac:picMkLst>
-        </pc:picChg>
-        <pc:picChg chg="add mod">
-          <ac:chgData name="McKinney, David" userId="8b945cb3-78ce-42d7-adc5-b07bab32cd5b" providerId="ADAL" clId="{313504FF-247F-4D85-B376-AFBE2DA20541}" dt="2020-03-19T10:55:53.437" v="1153" actId="1076"/>
-          <ac:picMkLst>
-            <pc:docMk/>
-            <pc:sldMk cId="3254885428" sldId="409"/>
-            <ac:picMk id="8" creationId="{05FD8A0F-9AA9-4958-8A8F-D87E041E6AC5}"/>
-          </ac:picMkLst>
-        </pc:picChg>
-        <pc:picChg chg="add del mod">
-          <ac:chgData name="McKinney, David" userId="8b945cb3-78ce-42d7-adc5-b07bab32cd5b" providerId="ADAL" clId="{313504FF-247F-4D85-B376-AFBE2DA20541}" dt="2020-03-19T10:56:11.577" v="1164" actId="478"/>
-          <ac:picMkLst>
-            <pc:docMk/>
-            <pc:sldMk cId="3254885428" sldId="409"/>
-            <ac:picMk id="9" creationId="{E9E13ED1-52CE-4C2B-984A-B5F54A256E77}"/>
-          </ac:picMkLst>
-        </pc:picChg>
-        <pc:picChg chg="add mod">
-          <ac:chgData name="McKinney, David" userId="8b945cb3-78ce-42d7-adc5-b07bab32cd5b" providerId="ADAL" clId="{313504FF-247F-4D85-B376-AFBE2DA20541}" dt="2020-03-19T10:57:04.029" v="1171" actId="1076"/>
-          <ac:picMkLst>
-            <pc:docMk/>
-            <pc:sldMk cId="3254885428" sldId="409"/>
-            <ac:picMk id="11" creationId="{DE760AC1-5023-41E6-B462-C289B3E8A061}"/>
-          </ac:picMkLst>
-        </pc:picChg>
-        <pc:picChg chg="del">
-          <ac:chgData name="McKinney, David" userId="8b945cb3-78ce-42d7-adc5-b07bab32cd5b" providerId="ADAL" clId="{313504FF-247F-4D85-B376-AFBE2DA20541}" dt="2020-03-19T10:47:47.190" v="1107" actId="478"/>
-          <ac:picMkLst>
-            <pc:docMk/>
-            <pc:sldMk cId="3254885428" sldId="409"/>
-            <ac:picMk id="1031" creationId="{D3531756-6469-4ECC-AA85-FDEEF0D45559}"/>
-          </ac:picMkLst>
-        </pc:picChg>
-      </pc:sldChg>
-      <pc:sldChg chg="add del">
-        <pc:chgData name="McKinney, David" userId="8b945cb3-78ce-42d7-adc5-b07bab32cd5b" providerId="ADAL" clId="{313504FF-247F-4D85-B376-AFBE2DA20541}" dt="2020-03-19T11:02:05.131" v="1235"/>
-        <pc:sldMkLst>
-          <pc:docMk/>
-          <pc:sldMk cId="1724513083" sldId="410"/>
-        </pc:sldMkLst>
-      </pc:sldChg>
-      <pc:sldChg chg="addSp delSp modSp add">
-        <pc:chgData name="McKinney, David" userId="8b945cb3-78ce-42d7-adc5-b07bab32cd5b" providerId="ADAL" clId="{313504FF-247F-4D85-B376-AFBE2DA20541}" dt="2020-03-19T11:05:22.836" v="1298" actId="1076"/>
-        <pc:sldMkLst>
-          <pc:docMk/>
-          <pc:sldMk cId="2574551529" sldId="410"/>
-        </pc:sldMkLst>
-        <pc:spChg chg="add mod">
-          <ac:chgData name="McKinney, David" userId="8b945cb3-78ce-42d7-adc5-b07bab32cd5b" providerId="ADAL" clId="{313504FF-247F-4D85-B376-AFBE2DA20541}" dt="2020-03-19T11:03:44.612" v="1271" actId="1076"/>
-          <ac:spMkLst>
-            <pc:docMk/>
-            <pc:sldMk cId="2574551529" sldId="410"/>
-            <ac:spMk id="5" creationId="{16FF7769-A072-4D41-90BD-363A2711128D}"/>
-          </ac:spMkLst>
-        </pc:spChg>
-        <pc:spChg chg="del">
-          <ac:chgData name="McKinney, David" userId="8b945cb3-78ce-42d7-adc5-b07bab32cd5b" providerId="ADAL" clId="{313504FF-247F-4D85-B376-AFBE2DA20541}" dt="2020-03-19T11:03:21.705" v="1239" actId="478"/>
-          <ac:spMkLst>
-            <pc:docMk/>
-            <pc:sldMk cId="2574551529" sldId="410"/>
-            <ac:spMk id="6" creationId="{F62760CF-B8A4-4851-9297-55DCE1110066}"/>
-          </ac:spMkLst>
-        </pc:spChg>
-        <pc:spChg chg="add mod">
-          <ac:chgData name="McKinney, David" userId="8b945cb3-78ce-42d7-adc5-b07bab32cd5b" providerId="ADAL" clId="{313504FF-247F-4D85-B376-AFBE2DA20541}" dt="2020-03-19T11:05:22.836" v="1298" actId="1076"/>
-          <ac:spMkLst>
-            <pc:docMk/>
-            <pc:sldMk cId="2574551529" sldId="410"/>
-            <ac:spMk id="14" creationId="{C0AA116F-64BE-4FEA-A692-8B595D5134B2}"/>
-          </ac:spMkLst>
-        </pc:spChg>
-        <pc:picChg chg="add mod">
-          <ac:chgData name="McKinney, David" userId="8b945cb3-78ce-42d7-adc5-b07bab32cd5b" providerId="ADAL" clId="{313504FF-247F-4D85-B376-AFBE2DA20541}" dt="2020-03-19T11:03:29.876" v="1250" actId="1076"/>
-          <ac:picMkLst>
-            <pc:docMk/>
-            <pc:sldMk cId="2574551529" sldId="410"/>
-            <ac:picMk id="3" creationId="{85217A60-34B0-4BE6-BF8F-BC9DBF05D8A9}"/>
-          </ac:picMkLst>
-        </pc:picChg>
-        <pc:picChg chg="del">
-          <ac:chgData name="McKinney, David" userId="8b945cb3-78ce-42d7-adc5-b07bab32cd5b" providerId="ADAL" clId="{313504FF-247F-4D85-B376-AFBE2DA20541}" dt="2020-03-19T11:03:23.282" v="1243" actId="478"/>
-          <ac:picMkLst>
-            <pc:docMk/>
-            <pc:sldMk cId="2574551529" sldId="410"/>
-            <ac:picMk id="7" creationId="{D4069691-42C2-4320-863F-A64C9C28A557}"/>
-          </ac:picMkLst>
-        </pc:picChg>
-        <pc:picChg chg="add mod">
-          <ac:chgData name="McKinney, David" userId="8b945cb3-78ce-42d7-adc5-b07bab32cd5b" providerId="ADAL" clId="{313504FF-247F-4D85-B376-AFBE2DA20541}" dt="2020-03-19T11:05:08.452" v="1277" actId="14100"/>
-          <ac:picMkLst>
-            <pc:docMk/>
-            <pc:sldMk cId="2574551529" sldId="410"/>
-            <ac:picMk id="8" creationId="{2098DAF1-BC6F-4E7C-B758-93661700F0C7}"/>
-          </ac:picMkLst>
-        </pc:picChg>
-        <pc:picChg chg="del mod">
-          <ac:chgData name="McKinney, David" userId="8b945cb3-78ce-42d7-adc5-b07bab32cd5b" providerId="ADAL" clId="{313504FF-247F-4D85-B376-AFBE2DA20541}" dt="2020-03-19T11:03:22.921" v="1242" actId="478"/>
-          <ac:picMkLst>
-            <pc:docMk/>
-            <pc:sldMk cId="2574551529" sldId="410"/>
-            <ac:picMk id="9" creationId="{0BD6976E-67A6-4E27-82AB-A24AAD30B20A}"/>
-          </ac:picMkLst>
-        </pc:picChg>
-        <pc:picChg chg="del">
-          <ac:chgData name="McKinney, David" userId="8b945cb3-78ce-42d7-adc5-b07bab32cd5b" providerId="ADAL" clId="{313504FF-247F-4D85-B376-AFBE2DA20541}" dt="2020-03-19T11:03:22.477" v="1240" actId="478"/>
-          <ac:picMkLst>
-            <pc:docMk/>
-            <pc:sldMk cId="2574551529" sldId="410"/>
-            <ac:picMk id="17" creationId="{130F6512-987F-4F60-BBE4-2BC6702D6F2A}"/>
-          </ac:picMkLst>
-        </pc:picChg>
-        <pc:cxnChg chg="del mod">
-          <ac:chgData name="McKinney, David" userId="8b945cb3-78ce-42d7-adc5-b07bab32cd5b" providerId="ADAL" clId="{313504FF-247F-4D85-B376-AFBE2DA20541}" dt="2020-03-19T11:03:24.431" v="1246" actId="478"/>
-          <ac:cxnSpMkLst>
-            <pc:docMk/>
-            <pc:sldMk cId="2574551529" sldId="410"/>
-            <ac:cxnSpMk id="12" creationId="{38FDA2F0-5F53-4E33-8785-3C6A1832F423}"/>
-          </ac:cxnSpMkLst>
-        </pc:cxnChg>
-        <pc:cxnChg chg="del">
-          <ac:chgData name="McKinney, David" userId="8b945cb3-78ce-42d7-adc5-b07bab32cd5b" providerId="ADAL" clId="{313504FF-247F-4D85-B376-AFBE2DA20541}" dt="2020-03-19T11:03:23.692" v="1244" actId="478"/>
-          <ac:cxnSpMkLst>
-            <pc:docMk/>
-            <pc:sldMk cId="2574551529" sldId="410"/>
-            <ac:cxnSpMk id="16" creationId="{931FB241-B967-4B03-83BD-9A11B2B1E223}"/>
-          </ac:cxnSpMkLst>
-        </pc:cxnChg>
-        <pc:cxnChg chg="del">
-          <ac:chgData name="McKinney, David" userId="8b945cb3-78ce-42d7-adc5-b07bab32cd5b" providerId="ADAL" clId="{313504FF-247F-4D85-B376-AFBE2DA20541}" dt="2020-03-19T11:03:25.257" v="1247" actId="478"/>
-          <ac:cxnSpMkLst>
-            <pc:docMk/>
-            <pc:sldMk cId="2574551529" sldId="410"/>
-            <ac:cxnSpMk id="18" creationId="{77918A12-7FA8-4C91-AA5D-130EF33E0F3F}"/>
-          </ac:cxnSpMkLst>
-        </pc:cxnChg>
-      </pc:sldChg>
-      <pc:sldChg chg="addSp delSp modSp add">
-        <pc:chgData name="McKinney, David" userId="8b945cb3-78ce-42d7-adc5-b07bab32cd5b" providerId="ADAL" clId="{313504FF-247F-4D85-B376-AFBE2DA20541}" dt="2020-03-19T11:08:02.956" v="1353" actId="1076"/>
-        <pc:sldMkLst>
-          <pc:docMk/>
-          <pc:sldMk cId="1525298105" sldId="411"/>
-        </pc:sldMkLst>
-        <pc:spChg chg="del">
-          <ac:chgData name="McKinney, David" userId="8b945cb3-78ce-42d7-adc5-b07bab32cd5b" providerId="ADAL" clId="{313504FF-247F-4D85-B376-AFBE2DA20541}" dt="2020-03-19T11:07:37.594" v="1318" actId="478"/>
-          <ac:spMkLst>
-            <pc:docMk/>
-            <pc:sldMk cId="1525298105" sldId="411"/>
-            <ac:spMk id="5" creationId="{16FF7769-A072-4D41-90BD-363A2711128D}"/>
-          </ac:spMkLst>
-        </pc:spChg>
-        <pc:spChg chg="add mod">
-          <ac:chgData name="McKinney, David" userId="8b945cb3-78ce-42d7-adc5-b07bab32cd5b" providerId="ADAL" clId="{313504FF-247F-4D85-B376-AFBE2DA20541}" dt="2020-03-19T11:08:02.956" v="1353" actId="1076"/>
-          <ac:spMkLst>
-            <pc:docMk/>
-            <pc:sldMk cId="1525298105" sldId="411"/>
-            <ac:spMk id="10" creationId="{2BA9C686-DB98-4DDF-9CFF-C9232F2CE2C9}"/>
-          </ac:spMkLst>
-        </pc:spChg>
-        <pc:spChg chg="del">
-          <ac:chgData name="McKinney, David" userId="8b945cb3-78ce-42d7-adc5-b07bab32cd5b" providerId="ADAL" clId="{313504FF-247F-4D85-B376-AFBE2DA20541}" dt="2020-03-19T11:07:36.511" v="1317" actId="478"/>
-          <ac:spMkLst>
-            <pc:docMk/>
-            <pc:sldMk cId="1525298105" sldId="411"/>
-            <ac:spMk id="14" creationId="{C0AA116F-64BE-4FEA-A692-8B595D5134B2}"/>
-          </ac:spMkLst>
-        </pc:spChg>
-        <pc:picChg chg="del">
-          <ac:chgData name="McKinney, David" userId="8b945cb3-78ce-42d7-adc5-b07bab32cd5b" providerId="ADAL" clId="{313504FF-247F-4D85-B376-AFBE2DA20541}" dt="2020-03-19T11:07:34.998" v="1315" actId="478"/>
-          <ac:picMkLst>
-            <pc:docMk/>
-            <pc:sldMk cId="1525298105" sldId="411"/>
-            <ac:picMk id="3" creationId="{85217A60-34B0-4BE6-BF8F-BC9DBF05D8A9}"/>
-          </ac:picMkLst>
-        </pc:picChg>
-        <pc:picChg chg="del">
-          <ac:chgData name="McKinney, David" userId="8b945cb3-78ce-42d7-adc5-b07bab32cd5b" providerId="ADAL" clId="{313504FF-247F-4D85-B376-AFBE2DA20541}" dt="2020-03-19T11:07:35.418" v="1316" actId="478"/>
-          <ac:picMkLst>
-            <pc:docMk/>
-            <pc:sldMk cId="1525298105" sldId="411"/>
-            <ac:picMk id="8" creationId="{2098DAF1-BC6F-4E7C-B758-93661700F0C7}"/>
-          </ac:picMkLst>
-        </pc:picChg>
-        <pc:picChg chg="add mod">
-          <ac:chgData name="McKinney, David" userId="8b945cb3-78ce-42d7-adc5-b07bab32cd5b" providerId="ADAL" clId="{313504FF-247F-4D85-B376-AFBE2DA20541}" dt="2020-03-19T11:07:45.014" v="1322" actId="1076"/>
-          <ac:picMkLst>
-            <pc:docMk/>
-            <pc:sldMk cId="1525298105" sldId="411"/>
-            <ac:picMk id="9" creationId="{8F2B5345-863B-491F-BCF2-17FC41BF9C25}"/>
-          </ac:picMkLst>
-        </pc:picChg>
-      </pc:sldChg>
-      <pc:sldChg chg="addSp delSp modSp add del">
-        <pc:chgData name="McKinney, David" userId="8b945cb3-78ce-42d7-adc5-b07bab32cd5b" providerId="ADAL" clId="{313504FF-247F-4D85-B376-AFBE2DA20541}" dt="2020-03-19T11:07:05.290" v="1312"/>
-        <pc:sldMkLst>
-          <pc:docMk/>
-          <pc:sldMk cId="3798036161" sldId="411"/>
-        </pc:sldMkLst>
-        <pc:spChg chg="add del">
-          <ac:chgData name="McKinney, David" userId="8b945cb3-78ce-42d7-adc5-b07bab32cd5b" providerId="ADAL" clId="{313504FF-247F-4D85-B376-AFBE2DA20541}" dt="2020-03-19T11:07:01.751" v="1307" actId="478"/>
-          <ac:spMkLst>
-            <pc:docMk/>
-            <pc:sldMk cId="3798036161" sldId="411"/>
-            <ac:spMk id="5" creationId="{16FF7769-A072-4D41-90BD-363A2711128D}"/>
-          </ac:spMkLst>
-        </pc:spChg>
-        <pc:spChg chg="add del mod">
-          <ac:chgData name="McKinney, David" userId="8b945cb3-78ce-42d7-adc5-b07bab32cd5b" providerId="ADAL" clId="{313504FF-247F-4D85-B376-AFBE2DA20541}" dt="2020-03-19T11:07:02.919" v="1309" actId="6549"/>
-          <ac:spMkLst>
-            <pc:docMk/>
-            <pc:sldMk cId="3798036161" sldId="411"/>
-            <ac:spMk id="14" creationId="{C0AA116F-64BE-4FEA-A692-8B595D5134B2}"/>
-          </ac:spMkLst>
-        </pc:spChg>
-        <pc:picChg chg="add del">
-          <ac:chgData name="McKinney, David" userId="8b945cb3-78ce-42d7-adc5-b07bab32cd5b" providerId="ADAL" clId="{313504FF-247F-4D85-B376-AFBE2DA20541}" dt="2020-03-19T11:07:04.707" v="1311" actId="478"/>
-          <ac:picMkLst>
-            <pc:docMk/>
-            <pc:sldMk cId="3798036161" sldId="411"/>
-            <ac:picMk id="3" creationId="{85217A60-34B0-4BE6-BF8F-BC9DBF05D8A9}"/>
-          </ac:picMkLst>
-        </pc:picChg>
-        <pc:picChg chg="add del">
-          <ac:chgData name="McKinney, David" userId="8b945cb3-78ce-42d7-adc5-b07bab32cd5b" providerId="ADAL" clId="{313504FF-247F-4D85-B376-AFBE2DA20541}" dt="2020-03-19T11:07:03.820" v="1310" actId="478"/>
-          <ac:picMkLst>
-            <pc:docMk/>
-            <pc:sldMk cId="3798036161" sldId="411"/>
-            <ac:picMk id="8" creationId="{2098DAF1-BC6F-4E7C-B758-93661700F0C7}"/>
-          </ac:picMkLst>
-        </pc:picChg>
-      </pc:sldChg>
-    </pc:docChg>
-  </pc:docChgLst>
 </pc:chgInfo>
 </file>
 
@@ -1504,7 +1429,7 @@
             <a:fld id="{3BBED7E8-0829-F34C-B479-A757805E6C1B}" type="datetimeFigureOut">
               <a:rPr lang="en-US" smtClean="0"/>
               <a:pPr/>
-              <a:t>6/9/2020</a:t>
+              <a:t>7/13/2020</a:t>
             </a:fld>
             <a:endParaRPr lang="en-US"/>
           </a:p>
@@ -1672,7 +1597,7 @@
             <a:fld id="{6C7E4F11-7667-5045-A00B-01970EA44BB5}" type="datetimeFigureOut">
               <a:rPr lang="en-US" smtClean="0"/>
               <a:pPr/>
-              <a:t>6/9/2020</a:t>
+              <a:t>7/13/2020</a:t>
             </a:fld>
             <a:endParaRPr lang="en-US"/>
           </a:p>
@@ -6777,7 +6702,7 @@
 </file>
 
 <file path=ppt/slideLayouts/slideLayout23.xml><?xml version="1.0" encoding="utf-8"?>
-<p:sldLayout xmlns:a="http://schemas.openxmlformats.org/drawingml/2006/main" xmlns:r="http://schemas.openxmlformats.org/officeDocument/2006/relationships" xmlns:p="http://schemas.openxmlformats.org/presentationml/2006/main" userDrawn="1">
+<p:sldLayout xmlns:a="http://schemas.openxmlformats.org/drawingml/2006/main" xmlns:r="http://schemas.openxmlformats.org/officeDocument/2006/relationships" xmlns:p="http://schemas.openxmlformats.org/presentationml/2006/main" showMasterSp="0" userDrawn="1">
   <p:cSld name="Introduction">
     <p:spTree>
       <p:nvGrpSpPr>
@@ -11380,7 +11305,7 @@
 </file>
 
 <file path=ppt/slideLayouts/slideLayout58.xml><?xml version="1.0" encoding="utf-8"?>
-<p:sldLayout xmlns:a="http://schemas.openxmlformats.org/drawingml/2006/main" xmlns:r="http://schemas.openxmlformats.org/officeDocument/2006/relationships" xmlns:p="http://schemas.openxmlformats.org/presentationml/2006/main" preserve="1" userDrawn="1">
+<p:sldLayout xmlns:a="http://schemas.openxmlformats.org/drawingml/2006/main" xmlns:r="http://schemas.openxmlformats.org/officeDocument/2006/relationships" xmlns:p="http://schemas.openxmlformats.org/presentationml/2006/main" showMasterSp="0" preserve="1" userDrawn="1">
   <p:cSld name="Introduction">
     <p:spTree>
       <p:nvGrpSpPr>
@@ -11556,7 +11481,7 @@
 </file>
 
 <file path=ppt/slideLayouts/slideLayout59.xml><?xml version="1.0" encoding="utf-8"?>
-<p:sldLayout xmlns:a="http://schemas.openxmlformats.org/drawingml/2006/main" xmlns:r="http://schemas.openxmlformats.org/officeDocument/2006/relationships" xmlns:p="http://schemas.openxmlformats.org/presentationml/2006/main" preserve="1" userDrawn="1">
+<p:sldLayout xmlns:a="http://schemas.openxmlformats.org/drawingml/2006/main" xmlns:r="http://schemas.openxmlformats.org/officeDocument/2006/relationships" xmlns:p="http://schemas.openxmlformats.org/presentationml/2006/main" showMasterSp="0" preserve="1" userDrawn="1">
   <p:cSld name="Nav Contents 1">
     <p:spTree>
       <p:nvGrpSpPr>
@@ -13405,7 +13330,7 @@
 </file>
 
 <file path=ppt/slideLayouts/slideLayout60.xml><?xml version="1.0" encoding="utf-8"?>
-<p:sldLayout xmlns:a="http://schemas.openxmlformats.org/drawingml/2006/main" xmlns:r="http://schemas.openxmlformats.org/officeDocument/2006/relationships" xmlns:p="http://schemas.openxmlformats.org/presentationml/2006/main" preserve="1" userDrawn="1">
+<p:sldLayout xmlns:a="http://schemas.openxmlformats.org/drawingml/2006/main" xmlns:r="http://schemas.openxmlformats.org/officeDocument/2006/relationships" xmlns:p="http://schemas.openxmlformats.org/presentationml/2006/main" showMasterSp="0" preserve="1" userDrawn="1">
   <p:cSld name="Nav Contents 2">
     <p:spTree>
       <p:nvGrpSpPr>
@@ -14420,7 +14345,7 @@
 </file>
 
 <file path=ppt/slideLayouts/slideLayout61.xml><?xml version="1.0" encoding="utf-8"?>
-<p:sldLayout xmlns:a="http://schemas.openxmlformats.org/drawingml/2006/main" xmlns:r="http://schemas.openxmlformats.org/officeDocument/2006/relationships" xmlns:p="http://schemas.openxmlformats.org/presentationml/2006/main" preserve="1" userDrawn="1">
+<p:sldLayout xmlns:a="http://schemas.openxmlformats.org/drawingml/2006/main" xmlns:r="http://schemas.openxmlformats.org/officeDocument/2006/relationships" xmlns:p="http://schemas.openxmlformats.org/presentationml/2006/main" showMasterSp="0" preserve="1" userDrawn="1">
   <p:cSld name="Nav Contents 3">
     <p:spTree>
       <p:nvGrpSpPr>
@@ -15435,7 +15360,7 @@
 </file>
 
 <file path=ppt/slideLayouts/slideLayout62.xml><?xml version="1.0" encoding="utf-8"?>
-<p:sldLayout xmlns:a="http://schemas.openxmlformats.org/drawingml/2006/main" xmlns:r="http://schemas.openxmlformats.org/officeDocument/2006/relationships" xmlns:p="http://schemas.openxmlformats.org/presentationml/2006/main" preserve="1" userDrawn="1">
+<p:sldLayout xmlns:a="http://schemas.openxmlformats.org/drawingml/2006/main" xmlns:r="http://schemas.openxmlformats.org/officeDocument/2006/relationships" xmlns:p="http://schemas.openxmlformats.org/presentationml/2006/main" showMasterSp="0" preserve="1" userDrawn="1">
   <p:cSld name="Nav Contents 4">
     <p:spTree>
       <p:nvGrpSpPr>
@@ -16450,7 +16375,7 @@
 </file>
 
 <file path=ppt/slideLayouts/slideLayout63.xml><?xml version="1.0" encoding="utf-8"?>
-<p:sldLayout xmlns:a="http://schemas.openxmlformats.org/drawingml/2006/main" xmlns:r="http://schemas.openxmlformats.org/officeDocument/2006/relationships" xmlns:p="http://schemas.openxmlformats.org/presentationml/2006/main" preserve="1" userDrawn="1">
+<p:sldLayout xmlns:a="http://schemas.openxmlformats.org/drawingml/2006/main" xmlns:r="http://schemas.openxmlformats.org/officeDocument/2006/relationships" xmlns:p="http://schemas.openxmlformats.org/presentationml/2006/main" showMasterSp="0" preserve="1" userDrawn="1">
   <p:cSld name="Nav Contents 5">
     <p:spTree>
       <p:nvGrpSpPr>
@@ -17465,7 +17390,7 @@
 </file>
 
 <file path=ppt/slideLayouts/slideLayout64.xml><?xml version="1.0" encoding="utf-8"?>
-<p:sldLayout xmlns:a="http://schemas.openxmlformats.org/drawingml/2006/main" xmlns:r="http://schemas.openxmlformats.org/officeDocument/2006/relationships" xmlns:p="http://schemas.openxmlformats.org/presentationml/2006/main" preserve="1" userDrawn="1">
+<p:sldLayout xmlns:a="http://schemas.openxmlformats.org/drawingml/2006/main" xmlns:r="http://schemas.openxmlformats.org/officeDocument/2006/relationships" xmlns:p="http://schemas.openxmlformats.org/presentationml/2006/main" showMasterSp="0" preserve="1" userDrawn="1">
   <p:cSld name="Nav Contents 6">
     <p:spTree>
       <p:nvGrpSpPr>
@@ -18480,7 +18405,7 @@
 </file>
 
 <file path=ppt/slideLayouts/slideLayout65.xml><?xml version="1.0" encoding="utf-8"?>
-<p:sldLayout xmlns:a="http://schemas.openxmlformats.org/drawingml/2006/main" xmlns:r="http://schemas.openxmlformats.org/officeDocument/2006/relationships" xmlns:p="http://schemas.openxmlformats.org/presentationml/2006/main" preserve="1" userDrawn="1">
+<p:sldLayout xmlns:a="http://schemas.openxmlformats.org/drawingml/2006/main" xmlns:r="http://schemas.openxmlformats.org/officeDocument/2006/relationships" xmlns:p="http://schemas.openxmlformats.org/presentationml/2006/main" showMasterSp="0" preserve="1" userDrawn="1">
   <p:cSld name="End Slide">
     <p:spTree>
       <p:nvGrpSpPr>
@@ -18705,7 +18630,7 @@
 </file>
 
 <file path=ppt/slideLayouts/slideLayout66.xml><?xml version="1.0" encoding="utf-8"?>
-<p:sldLayout xmlns:a="http://schemas.openxmlformats.org/drawingml/2006/main" xmlns:r="http://schemas.openxmlformats.org/officeDocument/2006/relationships" xmlns:p="http://schemas.openxmlformats.org/presentationml/2006/main" preserve="1" userDrawn="1">
+<p:sldLayout xmlns:a="http://schemas.openxmlformats.org/drawingml/2006/main" xmlns:r="http://schemas.openxmlformats.org/officeDocument/2006/relationships" xmlns:p="http://schemas.openxmlformats.org/presentationml/2006/main" showMasterSp="0" preserve="1" userDrawn="1">
   <p:cSld name="Bullet Content 1">
     <p:spTree>
       <p:nvGrpSpPr>
@@ -18931,7 +18856,7 @@
 </file>
 
 <file path=ppt/slideLayouts/slideLayout67.xml><?xml version="1.0" encoding="utf-8"?>
-<p:sldLayout xmlns:a="http://schemas.openxmlformats.org/drawingml/2006/main" xmlns:r="http://schemas.openxmlformats.org/officeDocument/2006/relationships" xmlns:p="http://schemas.openxmlformats.org/presentationml/2006/main" preserve="1" userDrawn="1">
+<p:sldLayout xmlns:a="http://schemas.openxmlformats.org/drawingml/2006/main" xmlns:r="http://schemas.openxmlformats.org/officeDocument/2006/relationships" xmlns:p="http://schemas.openxmlformats.org/presentationml/2006/main" showMasterSp="0" preserve="1" userDrawn="1">
   <p:cSld name="Bullet Content 1 with Subtitle">
     <p:spTree>
       <p:nvGrpSpPr>
@@ -19289,7 +19214,7 @@
 </file>
 
 <file path=ppt/slideLayouts/slideLayout68.xml><?xml version="1.0" encoding="utf-8"?>
-<p:sldLayout xmlns:a="http://schemas.openxmlformats.org/drawingml/2006/main" xmlns:r="http://schemas.openxmlformats.org/officeDocument/2006/relationships" xmlns:p="http://schemas.openxmlformats.org/presentationml/2006/main" preserve="1" userDrawn="1">
+<p:sldLayout xmlns:a="http://schemas.openxmlformats.org/drawingml/2006/main" xmlns:r="http://schemas.openxmlformats.org/officeDocument/2006/relationships" xmlns:p="http://schemas.openxmlformats.org/presentationml/2006/main" showMasterSp="0" preserve="1" userDrawn="1">
   <p:cSld name="Body Only 1">
     <p:spTree>
       <p:nvGrpSpPr>
@@ -19470,7 +19395,7 @@
 </file>
 
 <file path=ppt/slideLayouts/slideLayout69.xml><?xml version="1.0" encoding="utf-8"?>
-<p:sldLayout xmlns:a="http://schemas.openxmlformats.org/drawingml/2006/main" xmlns:r="http://schemas.openxmlformats.org/officeDocument/2006/relationships" xmlns:p="http://schemas.openxmlformats.org/presentationml/2006/main" preserve="1" userDrawn="1">
+<p:sldLayout xmlns:a="http://schemas.openxmlformats.org/drawingml/2006/main" xmlns:r="http://schemas.openxmlformats.org/officeDocument/2006/relationships" xmlns:p="http://schemas.openxmlformats.org/presentationml/2006/main" showMasterSp="0" preserve="1" userDrawn="1">
   <p:cSld name="Body and Content 1">
     <p:spTree>
       <p:nvGrpSpPr>
@@ -20124,7 +20049,7 @@
 </file>
 
 <file path=ppt/slideLayouts/slideLayout70.xml><?xml version="1.0" encoding="utf-8"?>
-<p:sldLayout xmlns:a="http://schemas.openxmlformats.org/drawingml/2006/main" xmlns:r="http://schemas.openxmlformats.org/officeDocument/2006/relationships" xmlns:p="http://schemas.openxmlformats.org/presentationml/2006/main" preserve="1" userDrawn="1">
+<p:sldLayout xmlns:a="http://schemas.openxmlformats.org/drawingml/2006/main" xmlns:r="http://schemas.openxmlformats.org/officeDocument/2006/relationships" xmlns:p="http://schemas.openxmlformats.org/presentationml/2006/main" showMasterSp="0" preserve="1" userDrawn="1">
   <p:cSld name="Body 1 with Content 2">
     <p:spTree>
       <p:nvGrpSpPr>
@@ -20557,7 +20482,7 @@
 </file>
 
 <file path=ppt/slideLayouts/slideLayout71.xml><?xml version="1.0" encoding="utf-8"?>
-<p:sldLayout xmlns:a="http://schemas.openxmlformats.org/drawingml/2006/main" xmlns:r="http://schemas.openxmlformats.org/officeDocument/2006/relationships" xmlns:p="http://schemas.openxmlformats.org/presentationml/2006/main" preserve="1" userDrawn="1">
+<p:sldLayout xmlns:a="http://schemas.openxmlformats.org/drawingml/2006/main" xmlns:r="http://schemas.openxmlformats.org/officeDocument/2006/relationships" xmlns:p="http://schemas.openxmlformats.org/presentationml/2006/main" showMasterSp="0" preserve="1" userDrawn="1">
   <p:cSld name="Body 1 with Content 3">
     <p:spTree>
       <p:nvGrpSpPr>
@@ -21087,7 +21012,7 @@
 </file>
 
 <file path=ppt/slideLayouts/slideLayout72.xml><?xml version="1.0" encoding="utf-8"?>
-<p:sldLayout xmlns:a="http://schemas.openxmlformats.org/drawingml/2006/main" xmlns:r="http://schemas.openxmlformats.org/officeDocument/2006/relationships" xmlns:p="http://schemas.openxmlformats.org/presentationml/2006/main" preserve="1" userDrawn="1">
+<p:sldLayout xmlns:a="http://schemas.openxmlformats.org/drawingml/2006/main" xmlns:r="http://schemas.openxmlformats.org/officeDocument/2006/relationships" xmlns:p="http://schemas.openxmlformats.org/presentationml/2006/main" showMasterSp="0" preserve="1" userDrawn="1">
   <p:cSld name="Body Only 2">
     <p:spTree>
       <p:nvGrpSpPr>
@@ -21329,7 +21254,7 @@
 </file>
 
 <file path=ppt/slideLayouts/slideLayout73.xml><?xml version="1.0" encoding="utf-8"?>
-<p:sldLayout xmlns:a="http://schemas.openxmlformats.org/drawingml/2006/main" xmlns:r="http://schemas.openxmlformats.org/officeDocument/2006/relationships" xmlns:p="http://schemas.openxmlformats.org/presentationml/2006/main" preserve="1" userDrawn="1">
+<p:sldLayout xmlns:a="http://schemas.openxmlformats.org/drawingml/2006/main" xmlns:r="http://schemas.openxmlformats.org/officeDocument/2006/relationships" xmlns:p="http://schemas.openxmlformats.org/presentationml/2006/main" showMasterSp="0" preserve="1" userDrawn="1">
   <p:cSld name="Body and Content Right 1">
     <p:spTree>
       <p:nvGrpSpPr>
@@ -21621,7 +21546,7 @@
 </file>
 
 <file path=ppt/slideLayouts/slideLayout74.xml><?xml version="1.0" encoding="utf-8"?>
-<p:sldLayout xmlns:a="http://schemas.openxmlformats.org/drawingml/2006/main" xmlns:r="http://schemas.openxmlformats.org/officeDocument/2006/relationships" xmlns:p="http://schemas.openxmlformats.org/presentationml/2006/main" preserve="1" userDrawn="1">
+<p:sldLayout xmlns:a="http://schemas.openxmlformats.org/drawingml/2006/main" xmlns:r="http://schemas.openxmlformats.org/officeDocument/2006/relationships" xmlns:p="http://schemas.openxmlformats.org/presentationml/2006/main" showMasterSp="0" preserve="1" userDrawn="1">
   <p:cSld name="Body and Content Right 2">
     <p:spTree>
       <p:nvGrpSpPr>
@@ -22024,7 +21949,7 @@
 </file>
 
 <file path=ppt/slideLayouts/slideLayout75.xml><?xml version="1.0" encoding="utf-8"?>
-<p:sldLayout xmlns:a="http://schemas.openxmlformats.org/drawingml/2006/main" xmlns:r="http://schemas.openxmlformats.org/officeDocument/2006/relationships" xmlns:p="http://schemas.openxmlformats.org/presentationml/2006/main" preserve="1" userDrawn="1">
+<p:sldLayout xmlns:a="http://schemas.openxmlformats.org/drawingml/2006/main" xmlns:r="http://schemas.openxmlformats.org/officeDocument/2006/relationships" xmlns:p="http://schemas.openxmlformats.org/presentationml/2006/main" showMasterSp="0" preserve="1" userDrawn="1">
   <p:cSld name="Double Content">
     <p:spTree>
       <p:nvGrpSpPr>
@@ -22366,7 +22291,7 @@
 </file>
 
 <file path=ppt/slideLayouts/slideLayout76.xml><?xml version="1.0" encoding="utf-8"?>
-<p:sldLayout xmlns:a="http://schemas.openxmlformats.org/drawingml/2006/main" xmlns:r="http://schemas.openxmlformats.org/officeDocument/2006/relationships" xmlns:p="http://schemas.openxmlformats.org/presentationml/2006/main" preserve="1" userDrawn="1">
+<p:sldLayout xmlns:a="http://schemas.openxmlformats.org/drawingml/2006/main" xmlns:r="http://schemas.openxmlformats.org/officeDocument/2006/relationships" xmlns:p="http://schemas.openxmlformats.org/presentationml/2006/main" showMasterSp="0" preserve="1" userDrawn="1">
   <p:cSld name="Triple Headings with Triple Content">
     <p:spTree>
       <p:nvGrpSpPr>
@@ -23002,7 +22927,7 @@
 </file>
 
 <file path=ppt/slideLayouts/slideLayout77.xml><?xml version="1.0" encoding="utf-8"?>
-<p:sldLayout xmlns:a="http://schemas.openxmlformats.org/drawingml/2006/main" xmlns:r="http://schemas.openxmlformats.org/officeDocument/2006/relationships" xmlns:p="http://schemas.openxmlformats.org/presentationml/2006/main" preserve="1" userDrawn="1">
+<p:sldLayout xmlns:a="http://schemas.openxmlformats.org/drawingml/2006/main" xmlns:r="http://schemas.openxmlformats.org/officeDocument/2006/relationships" xmlns:p="http://schemas.openxmlformats.org/presentationml/2006/main" showMasterSp="0" preserve="1" userDrawn="1">
   <p:cSld name="Body and Picture Right 1">
     <p:spTree>
       <p:nvGrpSpPr>
@@ -23227,7 +23152,7 @@
 </file>
 
 <file path=ppt/slideLayouts/slideLayout78.xml><?xml version="1.0" encoding="utf-8"?>
-<p:sldLayout xmlns:a="http://schemas.openxmlformats.org/drawingml/2006/main" xmlns:r="http://schemas.openxmlformats.org/officeDocument/2006/relationships" xmlns:p="http://schemas.openxmlformats.org/presentationml/2006/main" preserve="1" userDrawn="1">
+<p:sldLayout xmlns:a="http://schemas.openxmlformats.org/drawingml/2006/main" xmlns:r="http://schemas.openxmlformats.org/officeDocument/2006/relationships" xmlns:p="http://schemas.openxmlformats.org/presentationml/2006/main" showMasterSp="0" preserve="1" userDrawn="1">
   <p:cSld name="Body and Picture Right 2">
     <p:spTree>
       <p:nvGrpSpPr>
@@ -23496,7 +23421,7 @@
 </file>
 
 <file path=ppt/slideLayouts/slideLayout79.xml><?xml version="1.0" encoding="utf-8"?>
-<p:sldLayout xmlns:a="http://schemas.openxmlformats.org/drawingml/2006/main" xmlns:r="http://schemas.openxmlformats.org/officeDocument/2006/relationships" xmlns:p="http://schemas.openxmlformats.org/presentationml/2006/main" preserve="1" userDrawn="1">
+<p:sldLayout xmlns:a="http://schemas.openxmlformats.org/drawingml/2006/main" xmlns:r="http://schemas.openxmlformats.org/officeDocument/2006/relationships" xmlns:p="http://schemas.openxmlformats.org/presentationml/2006/main" showMasterSp="0" preserve="1" userDrawn="1">
   <p:cSld name="Body and Picture Lower 1">
     <p:spTree>
       <p:nvGrpSpPr>
@@ -24095,7 +24020,7 @@
 </file>
 
 <file path=ppt/slideLayouts/slideLayout80.xml><?xml version="1.0" encoding="utf-8"?>
-<p:sldLayout xmlns:a="http://schemas.openxmlformats.org/drawingml/2006/main" xmlns:r="http://schemas.openxmlformats.org/officeDocument/2006/relationships" xmlns:p="http://schemas.openxmlformats.org/presentationml/2006/main" preserve="1" userDrawn="1">
+<p:sldLayout xmlns:a="http://schemas.openxmlformats.org/drawingml/2006/main" xmlns:r="http://schemas.openxmlformats.org/officeDocument/2006/relationships" xmlns:p="http://schemas.openxmlformats.org/presentationml/2006/main" showMasterSp="0" preserve="1" userDrawn="1">
   <p:cSld name="Body and Picture Lower 2">
     <p:spTree>
       <p:nvGrpSpPr>
@@ -24414,7 +24339,7 @@
 </file>
 
 <file path=ppt/slideLayouts/slideLayout81.xml><?xml version="1.0" encoding="utf-8"?>
-<p:sldLayout xmlns:a="http://schemas.openxmlformats.org/drawingml/2006/main" xmlns:r="http://schemas.openxmlformats.org/officeDocument/2006/relationships" xmlns:p="http://schemas.openxmlformats.org/presentationml/2006/main" preserve="1" userDrawn="1">
+<p:sldLayout xmlns:a="http://schemas.openxmlformats.org/drawingml/2006/main" xmlns:r="http://schemas.openxmlformats.org/officeDocument/2006/relationships" xmlns:p="http://schemas.openxmlformats.org/presentationml/2006/main" showMasterSp="0" preserve="1" userDrawn="1">
   <p:cSld name="Body and Picture Lower 3">
     <p:spTree>
       <p:nvGrpSpPr>
@@ -24783,7 +24708,7 @@
 </file>
 
 <file path=ppt/slideLayouts/slideLayout82.xml><?xml version="1.0" encoding="utf-8"?>
-<p:sldLayout xmlns:a="http://schemas.openxmlformats.org/drawingml/2006/main" xmlns:r="http://schemas.openxmlformats.org/officeDocument/2006/relationships" xmlns:p="http://schemas.openxmlformats.org/presentationml/2006/main" preserve="1" userDrawn="1">
+<p:sldLayout xmlns:a="http://schemas.openxmlformats.org/drawingml/2006/main" xmlns:r="http://schemas.openxmlformats.org/officeDocument/2006/relationships" xmlns:p="http://schemas.openxmlformats.org/presentationml/2006/main" showMasterSp="0" preserve="1" userDrawn="1">
   <p:cSld name="Contents List">
     <p:spTree>
       <p:nvGrpSpPr>
@@ -25015,7 +24940,7 @@
 </file>
 
 <file path=ppt/slideLayouts/slideLayout83.xml><?xml version="1.0" encoding="utf-8"?>
-<p:sldLayout xmlns:a="http://schemas.openxmlformats.org/drawingml/2006/main" xmlns:r="http://schemas.openxmlformats.org/officeDocument/2006/relationships" xmlns:p="http://schemas.openxmlformats.org/presentationml/2006/main" preserve="1" userDrawn="1">
+<p:sldLayout xmlns:a="http://schemas.openxmlformats.org/drawingml/2006/main" xmlns:r="http://schemas.openxmlformats.org/officeDocument/2006/relationships" xmlns:p="http://schemas.openxmlformats.org/presentationml/2006/main" showMasterSp="0" preserve="1" userDrawn="1">
   <p:cSld name="Title Only">
     <p:spTree>
       <p:nvGrpSpPr>
@@ -27010,7 +26935,7 @@
 </file>
 
 <file path=ppt/slides/slide1.xml><?xml version="1.0" encoding="utf-8"?>
-<p:sld xmlns:a="http://schemas.openxmlformats.org/drawingml/2006/main" xmlns:r="http://schemas.openxmlformats.org/officeDocument/2006/relationships" xmlns:p="http://schemas.openxmlformats.org/presentationml/2006/main">
+<p:sld xmlns:a="http://schemas.openxmlformats.org/drawingml/2006/main" xmlns:r="http://schemas.openxmlformats.org/officeDocument/2006/relationships" xmlns:p="http://schemas.openxmlformats.org/presentationml/2006/main" showMasterSp="0">
   <p:cSld>
     <p:spTree>
       <p:nvGrpSpPr>
@@ -27221,10 +27146,9 @@
           </a:lstStyle>
           <a:p>
             <a:r>
-              <a:rPr lang="en-GB"/>
-              <a:t>The AZ Code Club Team</a:t>
-            </a:r>
-            <a:endParaRPr lang="en-GB" dirty="0"/>
+              <a:rPr lang="en-GB" dirty="0"/>
+              <a:t>Warwick Data Science Society</a:t>
+            </a:r>
           </a:p>
         </p:txBody>
       </p:sp>
@@ -27516,6 +27440,51 @@
           </a:p>
         </p:txBody>
       </p:sp>
+      <p:pic>
+        <p:nvPicPr>
+          <p:cNvPr id="10" name="Picture 2" descr="photo of outer space">
+            <a:extLst>
+              <a:ext uri="{FF2B5EF4-FFF2-40B4-BE49-F238E27FC236}">
+                <a16:creationId xmlns:a16="http://schemas.microsoft.com/office/drawing/2014/main" id="{8ED3F7A3-5D4E-40D8-8E36-3C58125F4F2D}"/>
+              </a:ext>
+            </a:extLst>
+          </p:cNvPr>
+          <p:cNvPicPr>
+            <a:picLocks noChangeAspect="1" noChangeArrowheads="1"/>
+          </p:cNvPicPr>
+          <p:nvPr/>
+        </p:nvPicPr>
+        <p:blipFill rotWithShape="1">
+          <a:blip r:embed="rId6">
+            <a:extLst>
+              <a:ext uri="{28A0092B-C50C-407E-A947-70E740481C1C}">
+                <a14:useLocalDpi xmlns:a14="http://schemas.microsoft.com/office/drawing/2010/main" val="0"/>
+              </a:ext>
+            </a:extLst>
+          </a:blip>
+          <a:srcRect t="23528" b="41523"/>
+          <a:stretch/>
+        </p:blipFill>
+        <p:spPr bwMode="auto">
+          <a:xfrm>
+            <a:off x="238757" y="2941219"/>
+            <a:ext cx="8689242" cy="2019600"/>
+          </a:xfrm>
+          <a:prstGeom prst="rect">
+            <a:avLst/>
+          </a:prstGeom>
+          <a:noFill/>
+          <a:extLst>
+            <a:ext uri="{909E8E84-426E-40DD-AFC4-6F175D3DCCD1}">
+              <a14:hiddenFill xmlns:a14="http://schemas.microsoft.com/office/drawing/2010/main">
+                <a:solidFill>
+                  <a:srgbClr val="FFFFFF"/>
+                </a:solidFill>
+              </a14:hiddenFill>
+            </a:ext>
+          </a:extLst>
+        </p:spPr>
+      </p:pic>
     </p:spTree>
     <p:extLst>
       <p:ext uri="{BB962C8B-B14F-4D97-AF65-F5344CB8AC3E}">
@@ -27568,7 +27537,11 @@
           <a:lstStyle/>
           <a:p>
             <a:r>
-              <a:rPr lang="en-GB" dirty="0"/>
+              <a:rPr lang="en-GB" dirty="0">
+                <a:solidFill>
+                  <a:schemeClr val="tx2"/>
+                </a:solidFill>
+              </a:rPr>
               <a:t>Extracting List Elements Puzzles</a:t>
             </a:r>
           </a:p>
@@ -27653,8 +27626,8 @@
           </a:p>
         </p:txBody>
       </p:sp>
-      <mc:AlternateContent xmlns:mc="http://schemas.openxmlformats.org/markup-compatibility/2006">
-        <mc:Choice xmlns:a14="http://schemas.microsoft.com/office/drawing/2010/main" Requires="a14">
+      <mc:AlternateContent xmlns:mc="http://schemas.openxmlformats.org/markup-compatibility/2006" xmlns:a14="http://schemas.microsoft.com/office/drawing/2010/main">
+        <mc:Choice Requires="a14">
           <p:sp>
             <p:nvSpPr>
               <p:cNvPr id="9" name="Text Placeholder 2">
@@ -27995,7 +27968,7 @@
             </p:txBody>
           </p:sp>
         </mc:Choice>
-        <mc:Fallback>
+        <mc:Fallback xmlns="">
           <p:sp>
             <p:nvSpPr>
               <p:cNvPr id="9" name="Text Placeholder 2">
@@ -28042,10 +28015,10 @@
       </mc:AlternateContent>
       <p:pic>
         <p:nvPicPr>
-          <p:cNvPr id="11" name="Picture 10">
+          <p:cNvPr id="7" name="Picture 6" descr="A picture containing stool&#10;&#10;Description automatically generated">
             <a:extLst>
               <a:ext uri="{FF2B5EF4-FFF2-40B4-BE49-F238E27FC236}">
-                <a16:creationId xmlns:a16="http://schemas.microsoft.com/office/drawing/2014/main" id="{AE10D547-F5D1-43D9-93EA-E166E3C73F57}"/>
+                <a16:creationId xmlns:a16="http://schemas.microsoft.com/office/drawing/2014/main" id="{C2BB144E-2E9D-49C5-AE90-DFCE5F7653B8}"/>
               </a:ext>
             </a:extLst>
           </p:cNvPr>
@@ -28054,19 +28027,27 @@
           </p:cNvPicPr>
           <p:nvPr/>
         </p:nvPicPr>
-        <p:blipFill rotWithShape="1">
+        <p:blipFill>
           <a:blip r:embed="rId3"/>
-          <a:srcRect l="2982" t="3174" r="2869" b="2900"/>
-          <a:stretch/>
+          <a:stretch>
+            <a:fillRect/>
+          </a:stretch>
         </p:blipFill>
         <p:spPr>
           <a:xfrm>
-            <a:off x="8576572" y="4598283"/>
-            <a:ext cx="498106" cy="496941"/>
+            <a:off x="8515735" y="4536281"/>
+            <a:ext cx="558943" cy="558943"/>
           </a:xfrm>
           <a:prstGeom prst="ellipse">
             <a:avLst/>
           </a:prstGeom>
+          <a:effectLst>
+            <a:outerShdw blurRad="63500" sx="102000" sy="102000" algn="ctr" rotWithShape="0">
+              <a:prstClr val="black">
+                <a:alpha val="40000"/>
+              </a:prstClr>
+            </a:outerShdw>
+          </a:effectLst>
         </p:spPr>
       </p:pic>
     </p:spTree>
@@ -28121,7 +28102,11 @@
           <a:lstStyle/>
           <a:p>
             <a:r>
-              <a:rPr lang="en-GB" dirty="0"/>
+              <a:rPr lang="en-GB" dirty="0">
+                <a:solidFill>
+                  <a:schemeClr val="tx2"/>
+                </a:solidFill>
+              </a:rPr>
               <a:t>Extracting List Elements Puzzles Solutions</a:t>
             </a:r>
           </a:p>
@@ -28157,35 +28142,6 @@
           </a:p>
         </p:txBody>
       </p:sp>
-      <p:pic>
-        <p:nvPicPr>
-          <p:cNvPr id="11" name="Picture 10">
-            <a:extLst>
-              <a:ext uri="{FF2B5EF4-FFF2-40B4-BE49-F238E27FC236}">
-                <a16:creationId xmlns:a16="http://schemas.microsoft.com/office/drawing/2014/main" id="{AE10D547-F5D1-43D9-93EA-E166E3C73F57}"/>
-              </a:ext>
-            </a:extLst>
-          </p:cNvPr>
-          <p:cNvPicPr>
-            <a:picLocks noChangeAspect="1"/>
-          </p:cNvPicPr>
-          <p:nvPr/>
-        </p:nvPicPr>
-        <p:blipFill rotWithShape="1">
-          <a:blip r:embed="rId2"/>
-          <a:srcRect l="2982" t="3174" r="2869" b="2900"/>
-          <a:stretch/>
-        </p:blipFill>
-        <p:spPr>
-          <a:xfrm>
-            <a:off x="8576572" y="4598283"/>
-            <a:ext cx="498106" cy="496941"/>
-          </a:xfrm>
-          <a:prstGeom prst="ellipse">
-            <a:avLst/>
-          </a:prstGeom>
-        </p:spPr>
-      </p:pic>
       <p:pic>
         <p:nvPicPr>
           <p:cNvPr id="4" name="Picture 3">
@@ -28201,7 +28157,7 @@
           <p:nvPr/>
         </p:nvPicPr>
         <p:blipFill>
-          <a:blip r:embed="rId3"/>
+          <a:blip r:embed="rId2"/>
           <a:stretch>
             <a:fillRect/>
           </a:stretch>
@@ -28494,6 +28450,43 @@
           </p:sp>
         </mc:Fallback>
       </mc:AlternateContent>
+      <p:pic>
+        <p:nvPicPr>
+          <p:cNvPr id="7" name="Picture 6" descr="A picture containing stool&#10;&#10;Description automatically generated">
+            <a:extLst>
+              <a:ext uri="{FF2B5EF4-FFF2-40B4-BE49-F238E27FC236}">
+                <a16:creationId xmlns:a16="http://schemas.microsoft.com/office/drawing/2014/main" id="{90F575EA-7265-4921-9565-E40320DA17F3}"/>
+              </a:ext>
+            </a:extLst>
+          </p:cNvPr>
+          <p:cNvPicPr>
+            <a:picLocks noChangeAspect="1"/>
+          </p:cNvPicPr>
+          <p:nvPr/>
+        </p:nvPicPr>
+        <p:blipFill>
+          <a:blip r:embed="rId5"/>
+          <a:stretch>
+            <a:fillRect/>
+          </a:stretch>
+        </p:blipFill>
+        <p:spPr>
+          <a:xfrm>
+            <a:off x="8515735" y="4536281"/>
+            <a:ext cx="558943" cy="558943"/>
+          </a:xfrm>
+          <a:prstGeom prst="ellipse">
+            <a:avLst/>
+          </a:prstGeom>
+          <a:effectLst>
+            <a:outerShdw blurRad="63500" sx="102000" sy="102000" algn="ctr" rotWithShape="0">
+              <a:prstClr val="black">
+                <a:alpha val="40000"/>
+              </a:prstClr>
+            </a:outerShdw>
+          </a:effectLst>
+        </p:spPr>
+      </p:pic>
     </p:spTree>
     <p:extLst>
       <p:ext uri="{BB962C8B-B14F-4D97-AF65-F5344CB8AC3E}">
@@ -28546,7 +28539,11 @@
           <a:lstStyle/>
           <a:p>
             <a:r>
-              <a:rPr lang="en-GB" dirty="0"/>
+              <a:rPr lang="en-GB" dirty="0">
+                <a:solidFill>
+                  <a:schemeClr val="tx2"/>
+                </a:solidFill>
+              </a:rPr>
               <a:t>Slicing Lists</a:t>
             </a:r>
           </a:p>
@@ -28582,35 +28579,6 @@
           </a:p>
         </p:txBody>
       </p:sp>
-      <p:pic>
-        <p:nvPicPr>
-          <p:cNvPr id="11" name="Picture 10">
-            <a:extLst>
-              <a:ext uri="{FF2B5EF4-FFF2-40B4-BE49-F238E27FC236}">
-                <a16:creationId xmlns:a16="http://schemas.microsoft.com/office/drawing/2014/main" id="{AE10D547-F5D1-43D9-93EA-E166E3C73F57}"/>
-              </a:ext>
-            </a:extLst>
-          </p:cNvPr>
-          <p:cNvPicPr>
-            <a:picLocks noChangeAspect="1"/>
-          </p:cNvPicPr>
-          <p:nvPr/>
-        </p:nvPicPr>
-        <p:blipFill rotWithShape="1">
-          <a:blip r:embed="rId2"/>
-          <a:srcRect l="2982" t="3174" r="2869" b="2900"/>
-          <a:stretch/>
-        </p:blipFill>
-        <p:spPr>
-          <a:xfrm>
-            <a:off x="8576572" y="4598283"/>
-            <a:ext cx="498106" cy="496941"/>
-          </a:xfrm>
-          <a:prstGeom prst="ellipse">
-            <a:avLst/>
-          </a:prstGeom>
-        </p:spPr>
-      </p:pic>
       <p:sp>
         <p:nvSpPr>
           <p:cNvPr id="7" name="Text Placeholder 2">
@@ -28889,6 +28857,36 @@
           <p:nvPr/>
         </p:nvPicPr>
         <p:blipFill>
+          <a:blip r:embed="rId2"/>
+          <a:stretch>
+            <a:fillRect/>
+          </a:stretch>
+        </p:blipFill>
+        <p:spPr>
+          <a:xfrm>
+            <a:off x="1076325" y="2906544"/>
+            <a:ext cx="6991350" cy="1524000"/>
+          </a:xfrm>
+          <a:prstGeom prst="rect">
+            <a:avLst/>
+          </a:prstGeom>
+        </p:spPr>
+      </p:pic>
+      <p:pic>
+        <p:nvPicPr>
+          <p:cNvPr id="8" name="Picture 7" descr="A picture containing stool&#10;&#10;Description automatically generated">
+            <a:extLst>
+              <a:ext uri="{FF2B5EF4-FFF2-40B4-BE49-F238E27FC236}">
+                <a16:creationId xmlns:a16="http://schemas.microsoft.com/office/drawing/2014/main" id="{5C9F3CE3-4EB0-4B28-B5B2-1F609E2E46C8}"/>
+              </a:ext>
+            </a:extLst>
+          </p:cNvPr>
+          <p:cNvPicPr>
+            <a:picLocks noChangeAspect="1"/>
+          </p:cNvPicPr>
+          <p:nvPr/>
+        </p:nvPicPr>
+        <p:blipFill>
           <a:blip r:embed="rId3"/>
           <a:stretch>
             <a:fillRect/>
@@ -28896,12 +28894,19 @@
         </p:blipFill>
         <p:spPr>
           <a:xfrm>
-            <a:off x="1076325" y="2906544"/>
-            <a:ext cx="6991350" cy="1524000"/>
-          </a:xfrm>
-          <a:prstGeom prst="rect">
-            <a:avLst/>
-          </a:prstGeom>
+            <a:off x="8515735" y="4536281"/>
+            <a:ext cx="558943" cy="558943"/>
+          </a:xfrm>
+          <a:prstGeom prst="ellipse">
+            <a:avLst/>
+          </a:prstGeom>
+          <a:effectLst>
+            <a:outerShdw blurRad="63500" sx="102000" sy="102000" algn="ctr" rotWithShape="0">
+              <a:prstClr val="black">
+                <a:alpha val="40000"/>
+              </a:prstClr>
+            </a:outerShdw>
+          </a:effectLst>
         </p:spPr>
       </p:pic>
     </p:spTree>
@@ -28956,7 +28961,11 @@
           <a:lstStyle/>
           <a:p>
             <a:r>
-              <a:rPr lang="en-GB" dirty="0"/>
+              <a:rPr lang="en-GB" dirty="0">
+                <a:solidFill>
+                  <a:schemeClr val="tx2"/>
+                </a:solidFill>
+              </a:rPr>
               <a:t>Slicing Lists Puzzles</a:t>
             </a:r>
           </a:p>
@@ -28992,35 +29001,6 @@
           </a:p>
         </p:txBody>
       </p:sp>
-      <p:pic>
-        <p:nvPicPr>
-          <p:cNvPr id="11" name="Picture 10">
-            <a:extLst>
-              <a:ext uri="{FF2B5EF4-FFF2-40B4-BE49-F238E27FC236}">
-                <a16:creationId xmlns:a16="http://schemas.microsoft.com/office/drawing/2014/main" id="{AE10D547-F5D1-43D9-93EA-E166E3C73F57}"/>
-              </a:ext>
-            </a:extLst>
-          </p:cNvPr>
-          <p:cNvPicPr>
-            <a:picLocks noChangeAspect="1"/>
-          </p:cNvPicPr>
-          <p:nvPr/>
-        </p:nvPicPr>
-        <p:blipFill rotWithShape="1">
-          <a:blip r:embed="rId2"/>
-          <a:srcRect l="2982" t="3174" r="2869" b="2900"/>
-          <a:stretch/>
-        </p:blipFill>
-        <p:spPr>
-          <a:xfrm>
-            <a:off x="8576572" y="4598283"/>
-            <a:ext cx="498106" cy="496941"/>
-          </a:xfrm>
-          <a:prstGeom prst="ellipse">
-            <a:avLst/>
-          </a:prstGeom>
-        </p:spPr>
-      </p:pic>
       <p:sp>
         <p:nvSpPr>
           <p:cNvPr id="7" name="Text Placeholder 2">
@@ -29330,6 +29310,43 @@
           </a:p>
         </p:txBody>
       </p:sp>
+      <p:pic>
+        <p:nvPicPr>
+          <p:cNvPr id="6" name="Picture 5" descr="A picture containing stool&#10;&#10;Description automatically generated">
+            <a:extLst>
+              <a:ext uri="{FF2B5EF4-FFF2-40B4-BE49-F238E27FC236}">
+                <a16:creationId xmlns:a16="http://schemas.microsoft.com/office/drawing/2014/main" id="{A8E7312C-CD0A-4CC5-B2BB-52AEDF0EEA62}"/>
+              </a:ext>
+            </a:extLst>
+          </p:cNvPr>
+          <p:cNvPicPr>
+            <a:picLocks noChangeAspect="1"/>
+          </p:cNvPicPr>
+          <p:nvPr/>
+        </p:nvPicPr>
+        <p:blipFill>
+          <a:blip r:embed="rId2"/>
+          <a:stretch>
+            <a:fillRect/>
+          </a:stretch>
+        </p:blipFill>
+        <p:spPr>
+          <a:xfrm>
+            <a:off x="8515735" y="4536281"/>
+            <a:ext cx="558943" cy="558943"/>
+          </a:xfrm>
+          <a:prstGeom prst="ellipse">
+            <a:avLst/>
+          </a:prstGeom>
+          <a:effectLst>
+            <a:outerShdw blurRad="63500" sx="102000" sy="102000" algn="ctr" rotWithShape="0">
+              <a:prstClr val="black">
+                <a:alpha val="40000"/>
+              </a:prstClr>
+            </a:outerShdw>
+          </a:effectLst>
+        </p:spPr>
+      </p:pic>
     </p:spTree>
     <p:extLst>
       <p:ext uri="{BB962C8B-B14F-4D97-AF65-F5344CB8AC3E}">
@@ -29382,7 +29399,11 @@
           <a:lstStyle/>
           <a:p>
             <a:r>
-              <a:rPr lang="en-GB" dirty="0"/>
+              <a:rPr lang="en-GB" dirty="0">
+                <a:solidFill>
+                  <a:schemeClr val="tx2"/>
+                </a:solidFill>
+              </a:rPr>
               <a:t>Slicing Lists Puzzles Solutions</a:t>
             </a:r>
           </a:p>
@@ -29418,35 +29439,6 @@
           </a:p>
         </p:txBody>
       </p:sp>
-      <p:pic>
-        <p:nvPicPr>
-          <p:cNvPr id="11" name="Picture 10">
-            <a:extLst>
-              <a:ext uri="{FF2B5EF4-FFF2-40B4-BE49-F238E27FC236}">
-                <a16:creationId xmlns:a16="http://schemas.microsoft.com/office/drawing/2014/main" id="{AE10D547-F5D1-43D9-93EA-E166E3C73F57}"/>
-              </a:ext>
-            </a:extLst>
-          </p:cNvPr>
-          <p:cNvPicPr>
-            <a:picLocks noChangeAspect="1"/>
-          </p:cNvPicPr>
-          <p:nvPr/>
-        </p:nvPicPr>
-        <p:blipFill rotWithShape="1">
-          <a:blip r:embed="rId2"/>
-          <a:srcRect l="2982" t="3174" r="2869" b="2900"/>
-          <a:stretch/>
-        </p:blipFill>
-        <p:spPr>
-          <a:xfrm>
-            <a:off x="8576572" y="4598283"/>
-            <a:ext cx="498106" cy="496941"/>
-          </a:xfrm>
-          <a:prstGeom prst="ellipse">
-            <a:avLst/>
-          </a:prstGeom>
-        </p:spPr>
-      </p:pic>
       <p:pic>
         <p:nvPicPr>
           <p:cNvPr id="4" name="Picture 3">
@@ -29462,7 +29454,7 @@
           <p:nvPr/>
         </p:nvPicPr>
         <p:blipFill>
-          <a:blip r:embed="rId3"/>
+          <a:blip r:embed="rId2"/>
           <a:stretch>
             <a:fillRect/>
           </a:stretch>
@@ -29681,6 +29673,43 @@
           </a:p>
         </p:txBody>
       </p:sp>
+      <p:pic>
+        <p:nvPicPr>
+          <p:cNvPr id="7" name="Picture 6" descr="A picture containing stool&#10;&#10;Description automatically generated">
+            <a:extLst>
+              <a:ext uri="{FF2B5EF4-FFF2-40B4-BE49-F238E27FC236}">
+                <a16:creationId xmlns:a16="http://schemas.microsoft.com/office/drawing/2014/main" id="{74341BCB-5654-4B21-B46F-7F58A8D080B8}"/>
+              </a:ext>
+            </a:extLst>
+          </p:cNvPr>
+          <p:cNvPicPr>
+            <a:picLocks noChangeAspect="1"/>
+          </p:cNvPicPr>
+          <p:nvPr/>
+        </p:nvPicPr>
+        <p:blipFill>
+          <a:blip r:embed="rId3"/>
+          <a:stretch>
+            <a:fillRect/>
+          </a:stretch>
+        </p:blipFill>
+        <p:spPr>
+          <a:xfrm>
+            <a:off x="8515735" y="4536281"/>
+            <a:ext cx="558943" cy="558943"/>
+          </a:xfrm>
+          <a:prstGeom prst="ellipse">
+            <a:avLst/>
+          </a:prstGeom>
+          <a:effectLst>
+            <a:outerShdw blurRad="63500" sx="102000" sy="102000" algn="ctr" rotWithShape="0">
+              <a:prstClr val="black">
+                <a:alpha val="40000"/>
+              </a:prstClr>
+            </a:outerShdw>
+          </a:effectLst>
+        </p:spPr>
+      </p:pic>
     </p:spTree>
     <p:extLst>
       <p:ext uri="{BB962C8B-B14F-4D97-AF65-F5344CB8AC3E}">
@@ -29973,7 +30002,11 @@
           <a:lstStyle/>
           <a:p>
             <a:r>
-              <a:rPr lang="en-GB" dirty="0"/>
+              <a:rPr lang="en-GB" dirty="0">
+                <a:solidFill>
+                  <a:schemeClr val="tx2"/>
+                </a:solidFill>
+              </a:rPr>
               <a:t>Manipulating Lists</a:t>
             </a:r>
           </a:p>
@@ -30009,35 +30042,6 @@
           </a:p>
         </p:txBody>
       </p:sp>
-      <p:pic>
-        <p:nvPicPr>
-          <p:cNvPr id="11" name="Picture 10">
-            <a:extLst>
-              <a:ext uri="{FF2B5EF4-FFF2-40B4-BE49-F238E27FC236}">
-                <a16:creationId xmlns:a16="http://schemas.microsoft.com/office/drawing/2014/main" id="{AE10D547-F5D1-43D9-93EA-E166E3C73F57}"/>
-              </a:ext>
-            </a:extLst>
-          </p:cNvPr>
-          <p:cNvPicPr>
-            <a:picLocks noChangeAspect="1"/>
-          </p:cNvPicPr>
-          <p:nvPr/>
-        </p:nvPicPr>
-        <p:blipFill rotWithShape="1">
-          <a:blip r:embed="rId2"/>
-          <a:srcRect l="2982" t="3174" r="2869" b="2900"/>
-          <a:stretch/>
-        </p:blipFill>
-        <p:spPr>
-          <a:xfrm>
-            <a:off x="8576572" y="4598283"/>
-            <a:ext cx="498106" cy="496941"/>
-          </a:xfrm>
-          <a:prstGeom prst="ellipse">
-            <a:avLst/>
-          </a:prstGeom>
-        </p:spPr>
-      </p:pic>
       <p:sp>
         <p:nvSpPr>
           <p:cNvPr id="7" name="Text Placeholder 2">
@@ -30230,7 +30234,7 @@
           <p:nvPr/>
         </p:nvPicPr>
         <p:blipFill>
-          <a:blip r:embed="rId3"/>
+          <a:blip r:embed="rId2"/>
           <a:stretch>
             <a:fillRect/>
           </a:stretch>
@@ -30500,7 +30504,7 @@
           <p:nvPr/>
         </p:nvPicPr>
         <p:blipFill>
-          <a:blip r:embed="rId4"/>
+          <a:blip r:embed="rId3"/>
           <a:stretch>
             <a:fillRect/>
           </a:stretch>
@@ -30530,7 +30534,7 @@
           <p:nvPr/>
         </p:nvPicPr>
         <p:blipFill>
-          <a:blip r:embed="rId5"/>
+          <a:blip r:embed="rId4"/>
           <a:stretch>
             <a:fillRect/>
           </a:stretch>
@@ -30560,7 +30564,7 @@
           <p:nvPr/>
         </p:nvPicPr>
         <p:blipFill>
-          <a:blip r:embed="rId6"/>
+          <a:blip r:embed="rId5"/>
           <a:stretch>
             <a:fillRect/>
           </a:stretch>
@@ -30590,6 +30594,36 @@
           <p:nvPr/>
         </p:nvPicPr>
         <p:blipFill>
+          <a:blip r:embed="rId6"/>
+          <a:stretch>
+            <a:fillRect/>
+          </a:stretch>
+        </p:blipFill>
+        <p:spPr>
+          <a:xfrm>
+            <a:off x="5769060" y="3856282"/>
+            <a:ext cx="1567661" cy="831432"/>
+          </a:xfrm>
+          <a:prstGeom prst="rect">
+            <a:avLst/>
+          </a:prstGeom>
+        </p:spPr>
+      </p:pic>
+      <p:pic>
+        <p:nvPicPr>
+          <p:cNvPr id="15" name="Picture 14" descr="A picture containing stool&#10;&#10;Description automatically generated">
+            <a:extLst>
+              <a:ext uri="{FF2B5EF4-FFF2-40B4-BE49-F238E27FC236}">
+                <a16:creationId xmlns:a16="http://schemas.microsoft.com/office/drawing/2014/main" id="{F860E669-8B4A-4DF2-AFEB-CA4A927BA591}"/>
+              </a:ext>
+            </a:extLst>
+          </p:cNvPr>
+          <p:cNvPicPr>
+            <a:picLocks noChangeAspect="1"/>
+          </p:cNvPicPr>
+          <p:nvPr/>
+        </p:nvPicPr>
+        <p:blipFill>
           <a:blip r:embed="rId7"/>
           <a:stretch>
             <a:fillRect/>
@@ -30597,12 +30631,19 @@
         </p:blipFill>
         <p:spPr>
           <a:xfrm>
-            <a:off x="5769060" y="3856282"/>
-            <a:ext cx="1567661" cy="831432"/>
-          </a:xfrm>
-          <a:prstGeom prst="rect">
-            <a:avLst/>
-          </a:prstGeom>
+            <a:off x="8515735" y="4536281"/>
+            <a:ext cx="558943" cy="558943"/>
+          </a:xfrm>
+          <a:prstGeom prst="ellipse">
+            <a:avLst/>
+          </a:prstGeom>
+          <a:effectLst>
+            <a:outerShdw blurRad="63500" sx="102000" sy="102000" algn="ctr" rotWithShape="0">
+              <a:prstClr val="black">
+                <a:alpha val="40000"/>
+              </a:prstClr>
+            </a:outerShdw>
+          </a:effectLst>
         </p:spPr>
       </p:pic>
     </p:spTree>
@@ -30657,7 +30698,11 @@
           <a:lstStyle/>
           <a:p>
             <a:r>
-              <a:rPr lang="en-GB" dirty="0"/>
+              <a:rPr lang="en-GB" dirty="0">
+                <a:solidFill>
+                  <a:schemeClr val="tx2"/>
+                </a:solidFill>
+              </a:rPr>
               <a:t>Manipulating Lists</a:t>
             </a:r>
           </a:p>
@@ -30693,35 +30738,6 @@
           </a:p>
         </p:txBody>
       </p:sp>
-      <p:pic>
-        <p:nvPicPr>
-          <p:cNvPr id="11" name="Picture 10">
-            <a:extLst>
-              <a:ext uri="{FF2B5EF4-FFF2-40B4-BE49-F238E27FC236}">
-                <a16:creationId xmlns:a16="http://schemas.microsoft.com/office/drawing/2014/main" id="{AE10D547-F5D1-43D9-93EA-E166E3C73F57}"/>
-              </a:ext>
-            </a:extLst>
-          </p:cNvPr>
-          <p:cNvPicPr>
-            <a:picLocks noChangeAspect="1"/>
-          </p:cNvPicPr>
-          <p:nvPr/>
-        </p:nvPicPr>
-        <p:blipFill rotWithShape="1">
-          <a:blip r:embed="rId2"/>
-          <a:srcRect l="2982" t="3174" r="2869" b="2900"/>
-          <a:stretch/>
-        </p:blipFill>
-        <p:spPr>
-          <a:xfrm>
-            <a:off x="8576572" y="4598283"/>
-            <a:ext cx="498106" cy="496941"/>
-          </a:xfrm>
-          <a:prstGeom prst="ellipse">
-            <a:avLst/>
-          </a:prstGeom>
-        </p:spPr>
-      </p:pic>
       <p:sp>
         <p:nvSpPr>
           <p:cNvPr id="7" name="Text Placeholder 2">
@@ -30940,7 +30956,7 @@
           <p:nvPr/>
         </p:nvPicPr>
         <p:blipFill>
-          <a:blip r:embed="rId3"/>
+          <a:blip r:embed="rId2"/>
           <a:stretch>
             <a:fillRect/>
           </a:stretch>
@@ -30970,6 +30986,36 @@
           <p:nvPr/>
         </p:nvPicPr>
         <p:blipFill>
+          <a:blip r:embed="rId3"/>
+          <a:stretch>
+            <a:fillRect/>
+          </a:stretch>
+        </p:blipFill>
+        <p:spPr>
+          <a:xfrm>
+            <a:off x="4923074" y="2878824"/>
+            <a:ext cx="2849689" cy="1277663"/>
+          </a:xfrm>
+          <a:prstGeom prst="rect">
+            <a:avLst/>
+          </a:prstGeom>
+        </p:spPr>
+      </p:pic>
+      <p:pic>
+        <p:nvPicPr>
+          <p:cNvPr id="9" name="Picture 8" descr="A picture containing stool&#10;&#10;Description automatically generated">
+            <a:extLst>
+              <a:ext uri="{FF2B5EF4-FFF2-40B4-BE49-F238E27FC236}">
+                <a16:creationId xmlns:a16="http://schemas.microsoft.com/office/drawing/2014/main" id="{43093F71-8B61-4D28-BD36-3E1ECCDD3DBE}"/>
+              </a:ext>
+            </a:extLst>
+          </p:cNvPr>
+          <p:cNvPicPr>
+            <a:picLocks noChangeAspect="1"/>
+          </p:cNvPicPr>
+          <p:nvPr/>
+        </p:nvPicPr>
+        <p:blipFill>
           <a:blip r:embed="rId4"/>
           <a:stretch>
             <a:fillRect/>
@@ -30977,12 +31023,19 @@
         </p:blipFill>
         <p:spPr>
           <a:xfrm>
-            <a:off x="4923074" y="2878824"/>
-            <a:ext cx="2849689" cy="1277663"/>
-          </a:xfrm>
-          <a:prstGeom prst="rect">
-            <a:avLst/>
-          </a:prstGeom>
+            <a:off x="8515735" y="4536281"/>
+            <a:ext cx="558943" cy="558943"/>
+          </a:xfrm>
+          <a:prstGeom prst="ellipse">
+            <a:avLst/>
+          </a:prstGeom>
+          <a:effectLst>
+            <a:outerShdw blurRad="63500" sx="102000" sy="102000" algn="ctr" rotWithShape="0">
+              <a:prstClr val="black">
+                <a:alpha val="40000"/>
+              </a:prstClr>
+            </a:outerShdw>
+          </a:effectLst>
         </p:spPr>
       </p:pic>
     </p:spTree>
@@ -31037,7 +31090,11 @@
           <a:lstStyle/>
           <a:p>
             <a:r>
-              <a:rPr lang="en-GB" dirty="0"/>
+              <a:rPr lang="en-GB" dirty="0">
+                <a:solidFill>
+                  <a:schemeClr val="tx2"/>
+                </a:solidFill>
+              </a:rPr>
               <a:t>Manipulating Lists Puzzles</a:t>
             </a:r>
           </a:p>
@@ -31073,35 +31130,6 @@
           </a:p>
         </p:txBody>
       </p:sp>
-      <p:pic>
-        <p:nvPicPr>
-          <p:cNvPr id="11" name="Picture 10">
-            <a:extLst>
-              <a:ext uri="{FF2B5EF4-FFF2-40B4-BE49-F238E27FC236}">
-                <a16:creationId xmlns:a16="http://schemas.microsoft.com/office/drawing/2014/main" id="{AE10D547-F5D1-43D9-93EA-E166E3C73F57}"/>
-              </a:ext>
-            </a:extLst>
-          </p:cNvPr>
-          <p:cNvPicPr>
-            <a:picLocks noChangeAspect="1"/>
-          </p:cNvPicPr>
-          <p:nvPr/>
-        </p:nvPicPr>
-        <p:blipFill rotWithShape="1">
-          <a:blip r:embed="rId2"/>
-          <a:srcRect l="2982" t="3174" r="2869" b="2900"/>
-          <a:stretch/>
-        </p:blipFill>
-        <p:spPr>
-          <a:xfrm>
-            <a:off x="8576572" y="4598283"/>
-            <a:ext cx="498106" cy="496941"/>
-          </a:xfrm>
-          <a:prstGeom prst="ellipse">
-            <a:avLst/>
-          </a:prstGeom>
-        </p:spPr>
-      </p:pic>
       <p:sp>
         <p:nvSpPr>
           <p:cNvPr id="7" name="Text Placeholder 2">
@@ -31440,6 +31468,43 @@
           </a:p>
         </p:txBody>
       </p:sp>
+      <p:pic>
+        <p:nvPicPr>
+          <p:cNvPr id="6" name="Picture 5" descr="A picture containing stool&#10;&#10;Description automatically generated">
+            <a:extLst>
+              <a:ext uri="{FF2B5EF4-FFF2-40B4-BE49-F238E27FC236}">
+                <a16:creationId xmlns:a16="http://schemas.microsoft.com/office/drawing/2014/main" id="{F3E9A2E1-EB63-466D-BE0A-7F65B312E6EB}"/>
+              </a:ext>
+            </a:extLst>
+          </p:cNvPr>
+          <p:cNvPicPr>
+            <a:picLocks noChangeAspect="1"/>
+          </p:cNvPicPr>
+          <p:nvPr/>
+        </p:nvPicPr>
+        <p:blipFill>
+          <a:blip r:embed="rId2"/>
+          <a:stretch>
+            <a:fillRect/>
+          </a:stretch>
+        </p:blipFill>
+        <p:spPr>
+          <a:xfrm>
+            <a:off x="8515735" y="4536281"/>
+            <a:ext cx="558943" cy="558943"/>
+          </a:xfrm>
+          <a:prstGeom prst="ellipse">
+            <a:avLst/>
+          </a:prstGeom>
+          <a:effectLst>
+            <a:outerShdw blurRad="63500" sx="102000" sy="102000" algn="ctr" rotWithShape="0">
+              <a:prstClr val="black">
+                <a:alpha val="40000"/>
+              </a:prstClr>
+            </a:outerShdw>
+          </a:effectLst>
+        </p:spPr>
+      </p:pic>
     </p:spTree>
     <p:extLst>
       <p:ext uri="{BB962C8B-B14F-4D97-AF65-F5344CB8AC3E}">
@@ -31492,7 +31557,11 @@
           <a:lstStyle/>
           <a:p>
             <a:r>
-              <a:rPr lang="en-GB" dirty="0"/>
+              <a:rPr lang="en-GB" dirty="0">
+                <a:solidFill>
+                  <a:schemeClr val="tx2"/>
+                </a:solidFill>
+              </a:rPr>
               <a:t>Manipulating Lists Puzzles Solutions</a:t>
             </a:r>
           </a:p>
@@ -31528,35 +31597,6 @@
           </a:p>
         </p:txBody>
       </p:sp>
-      <p:pic>
-        <p:nvPicPr>
-          <p:cNvPr id="11" name="Picture 10">
-            <a:extLst>
-              <a:ext uri="{FF2B5EF4-FFF2-40B4-BE49-F238E27FC236}">
-                <a16:creationId xmlns:a16="http://schemas.microsoft.com/office/drawing/2014/main" id="{AE10D547-F5D1-43D9-93EA-E166E3C73F57}"/>
-              </a:ext>
-            </a:extLst>
-          </p:cNvPr>
-          <p:cNvPicPr>
-            <a:picLocks noChangeAspect="1"/>
-          </p:cNvPicPr>
-          <p:nvPr/>
-        </p:nvPicPr>
-        <p:blipFill rotWithShape="1">
-          <a:blip r:embed="rId2"/>
-          <a:srcRect l="2982" t="3174" r="2869" b="2900"/>
-          <a:stretch/>
-        </p:blipFill>
-        <p:spPr>
-          <a:xfrm>
-            <a:off x="8576572" y="4598283"/>
-            <a:ext cx="498106" cy="496941"/>
-          </a:xfrm>
-          <a:prstGeom prst="ellipse">
-            <a:avLst/>
-          </a:prstGeom>
-        </p:spPr>
-      </p:pic>
       <p:pic>
         <p:nvPicPr>
           <p:cNvPr id="4" name="Picture 3">
@@ -31572,6 +31612,36 @@
           <p:nvPr/>
         </p:nvPicPr>
         <p:blipFill>
+          <a:blip r:embed="rId2"/>
+          <a:stretch>
+            <a:fillRect/>
+          </a:stretch>
+        </p:blipFill>
+        <p:spPr>
+          <a:xfrm>
+            <a:off x="1938337" y="1443037"/>
+            <a:ext cx="5267325" cy="2257425"/>
+          </a:xfrm>
+          <a:prstGeom prst="rect">
+            <a:avLst/>
+          </a:prstGeom>
+        </p:spPr>
+      </p:pic>
+      <p:pic>
+        <p:nvPicPr>
+          <p:cNvPr id="6" name="Picture 5" descr="A picture containing stool&#10;&#10;Description automatically generated">
+            <a:extLst>
+              <a:ext uri="{FF2B5EF4-FFF2-40B4-BE49-F238E27FC236}">
+                <a16:creationId xmlns:a16="http://schemas.microsoft.com/office/drawing/2014/main" id="{ED730A9C-10F7-4214-913F-873079AC383A}"/>
+              </a:ext>
+            </a:extLst>
+          </p:cNvPr>
+          <p:cNvPicPr>
+            <a:picLocks noChangeAspect="1"/>
+          </p:cNvPicPr>
+          <p:nvPr/>
+        </p:nvPicPr>
+        <p:blipFill>
           <a:blip r:embed="rId3"/>
           <a:stretch>
             <a:fillRect/>
@@ -31579,12 +31649,19 @@
         </p:blipFill>
         <p:spPr>
           <a:xfrm>
-            <a:off x="1938337" y="1443037"/>
-            <a:ext cx="5267325" cy="2257425"/>
-          </a:xfrm>
-          <a:prstGeom prst="rect">
-            <a:avLst/>
-          </a:prstGeom>
+            <a:off x="8515735" y="4536281"/>
+            <a:ext cx="558943" cy="558943"/>
+          </a:xfrm>
+          <a:prstGeom prst="ellipse">
+            <a:avLst/>
+          </a:prstGeom>
+          <a:effectLst>
+            <a:outerShdw blurRad="63500" sx="102000" sy="102000" algn="ctr" rotWithShape="0">
+              <a:prstClr val="black">
+                <a:alpha val="40000"/>
+              </a:prstClr>
+            </a:outerShdw>
+          </a:effectLst>
         </p:spPr>
       </p:pic>
     </p:spTree>
@@ -31639,7 +31716,11 @@
           <a:lstStyle/>
           <a:p>
             <a:r>
-              <a:rPr lang="en-GB" dirty="0"/>
+              <a:rPr lang="en-GB" dirty="0">
+                <a:solidFill>
+                  <a:schemeClr val="tx2"/>
+                </a:solidFill>
+              </a:rPr>
               <a:t>Tuples</a:t>
             </a:r>
           </a:p>
@@ -31675,35 +31756,6 @@
           </a:p>
         </p:txBody>
       </p:sp>
-      <p:pic>
-        <p:nvPicPr>
-          <p:cNvPr id="11" name="Picture 10">
-            <a:extLst>
-              <a:ext uri="{FF2B5EF4-FFF2-40B4-BE49-F238E27FC236}">
-                <a16:creationId xmlns:a16="http://schemas.microsoft.com/office/drawing/2014/main" id="{AE10D547-F5D1-43D9-93EA-E166E3C73F57}"/>
-              </a:ext>
-            </a:extLst>
-          </p:cNvPr>
-          <p:cNvPicPr>
-            <a:picLocks noChangeAspect="1"/>
-          </p:cNvPicPr>
-          <p:nvPr/>
-        </p:nvPicPr>
-        <p:blipFill rotWithShape="1">
-          <a:blip r:embed="rId2"/>
-          <a:srcRect l="2982" t="3174" r="2869" b="2900"/>
-          <a:stretch/>
-        </p:blipFill>
-        <p:spPr>
-          <a:xfrm>
-            <a:off x="8576572" y="4598283"/>
-            <a:ext cx="498106" cy="496941"/>
-          </a:xfrm>
-          <a:prstGeom prst="ellipse">
-            <a:avLst/>
-          </a:prstGeom>
-        </p:spPr>
-      </p:pic>
       <p:sp>
         <p:nvSpPr>
           <p:cNvPr id="6" name="Text Placeholder 2">
@@ -32005,7 +32057,7 @@
           <p:nvPr/>
         </p:nvPicPr>
         <p:blipFill>
-          <a:blip r:embed="rId3"/>
+          <a:blip r:embed="rId2"/>
           <a:stretch>
             <a:fillRect/>
           </a:stretch>
@@ -32035,6 +32087,36 @@
           <p:nvPr/>
         </p:nvPicPr>
         <p:blipFill>
+          <a:blip r:embed="rId3"/>
+          <a:stretch>
+            <a:fillRect/>
+          </a:stretch>
+        </p:blipFill>
+        <p:spPr>
+          <a:xfrm>
+            <a:off x="3555028" y="2748936"/>
+            <a:ext cx="2033944" cy="1319988"/>
+          </a:xfrm>
+          <a:prstGeom prst="rect">
+            <a:avLst/>
+          </a:prstGeom>
+        </p:spPr>
+      </p:pic>
+      <p:pic>
+        <p:nvPicPr>
+          <p:cNvPr id="8" name="Picture 7" descr="A picture containing stool&#10;&#10;Description automatically generated">
+            <a:extLst>
+              <a:ext uri="{FF2B5EF4-FFF2-40B4-BE49-F238E27FC236}">
+                <a16:creationId xmlns:a16="http://schemas.microsoft.com/office/drawing/2014/main" id="{E98DEC4F-BFBD-43A4-88DE-6D3CB085B787}"/>
+              </a:ext>
+            </a:extLst>
+          </p:cNvPr>
+          <p:cNvPicPr>
+            <a:picLocks noChangeAspect="1"/>
+          </p:cNvPicPr>
+          <p:nvPr/>
+        </p:nvPicPr>
+        <p:blipFill>
           <a:blip r:embed="rId4"/>
           <a:stretch>
             <a:fillRect/>
@@ -32042,12 +32124,19 @@
         </p:blipFill>
         <p:spPr>
           <a:xfrm>
-            <a:off x="3555028" y="2748936"/>
-            <a:ext cx="2033944" cy="1319988"/>
-          </a:xfrm>
-          <a:prstGeom prst="rect">
-            <a:avLst/>
-          </a:prstGeom>
+            <a:off x="8515735" y="4536281"/>
+            <a:ext cx="558943" cy="558943"/>
+          </a:xfrm>
+          <a:prstGeom prst="ellipse">
+            <a:avLst/>
+          </a:prstGeom>
+          <a:effectLst>
+            <a:outerShdw blurRad="63500" sx="102000" sy="102000" algn="ctr" rotWithShape="0">
+              <a:prstClr val="black">
+                <a:alpha val="40000"/>
+              </a:prstClr>
+            </a:outerShdw>
+          </a:effectLst>
         </p:spPr>
       </p:pic>
     </p:spTree>
@@ -32142,35 +32231,6 @@
           </a:p>
         </p:txBody>
       </p:sp>
-      <p:pic>
-        <p:nvPicPr>
-          <p:cNvPr id="7" name="Picture 6">
-            <a:extLst>
-              <a:ext uri="{FF2B5EF4-FFF2-40B4-BE49-F238E27FC236}">
-                <a16:creationId xmlns:a16="http://schemas.microsoft.com/office/drawing/2014/main" id="{0A9CCCDE-38BA-407D-B893-4D4CD96670C2}"/>
-              </a:ext>
-            </a:extLst>
-          </p:cNvPr>
-          <p:cNvPicPr>
-            <a:picLocks noChangeAspect="1"/>
-          </p:cNvPicPr>
-          <p:nvPr/>
-        </p:nvPicPr>
-        <p:blipFill rotWithShape="1">
-          <a:blip r:embed="rId2"/>
-          <a:srcRect l="2982" t="3174" r="2869" b="2900"/>
-          <a:stretch/>
-        </p:blipFill>
-        <p:spPr>
-          <a:xfrm>
-            <a:off x="8576572" y="4598283"/>
-            <a:ext cx="498106" cy="496941"/>
-          </a:xfrm>
-          <a:prstGeom prst="ellipse">
-            <a:avLst/>
-          </a:prstGeom>
-        </p:spPr>
-      </p:pic>
       <p:sp>
         <p:nvSpPr>
           <p:cNvPr id="11" name="Text Placeholder 2">
@@ -32403,7 +32463,7 @@
           <p:nvPr/>
         </p:nvPicPr>
         <p:blipFill>
-          <a:blip r:embed="rId3"/>
+          <a:blip r:embed="rId2"/>
           <a:stretch>
             <a:fillRect/>
           </a:stretch>
@@ -32433,6 +32493,36 @@
           <p:nvPr/>
         </p:nvPicPr>
         <p:blipFill>
+          <a:blip r:embed="rId3"/>
+          <a:stretch>
+            <a:fillRect/>
+          </a:stretch>
+        </p:blipFill>
+        <p:spPr>
+          <a:xfrm>
+            <a:off x="5658569" y="2150769"/>
+            <a:ext cx="2134478" cy="2571750"/>
+          </a:xfrm>
+          <a:prstGeom prst="rect">
+            <a:avLst/>
+          </a:prstGeom>
+        </p:spPr>
+      </p:pic>
+      <p:pic>
+        <p:nvPicPr>
+          <p:cNvPr id="9" name="Picture 8" descr="A picture containing stool&#10;&#10;Description automatically generated">
+            <a:extLst>
+              <a:ext uri="{FF2B5EF4-FFF2-40B4-BE49-F238E27FC236}">
+                <a16:creationId xmlns:a16="http://schemas.microsoft.com/office/drawing/2014/main" id="{7702116D-D207-4D9F-BD7F-1FF1C8331FB3}"/>
+              </a:ext>
+            </a:extLst>
+          </p:cNvPr>
+          <p:cNvPicPr>
+            <a:picLocks noChangeAspect="1"/>
+          </p:cNvPicPr>
+          <p:nvPr/>
+        </p:nvPicPr>
+        <p:blipFill>
           <a:blip r:embed="rId4"/>
           <a:stretch>
             <a:fillRect/>
@@ -32440,12 +32530,19 @@
         </p:blipFill>
         <p:spPr>
           <a:xfrm>
-            <a:off x="5658569" y="2150769"/>
-            <a:ext cx="2134478" cy="2571750"/>
-          </a:xfrm>
-          <a:prstGeom prst="rect">
-            <a:avLst/>
-          </a:prstGeom>
+            <a:off x="8515735" y="4536281"/>
+            <a:ext cx="558943" cy="558943"/>
+          </a:xfrm>
+          <a:prstGeom prst="ellipse">
+            <a:avLst/>
+          </a:prstGeom>
+          <a:effectLst>
+            <a:outerShdw blurRad="63500" sx="102000" sy="102000" algn="ctr" rotWithShape="0">
+              <a:prstClr val="black">
+                <a:alpha val="40000"/>
+              </a:prstClr>
+            </a:outerShdw>
+          </a:effectLst>
         </p:spPr>
       </p:pic>
     </p:spTree>
@@ -32500,7 +32597,11 @@
           <a:lstStyle/>
           <a:p>
             <a:r>
-              <a:rPr lang="en-GB" dirty="0"/>
+              <a:rPr lang="en-GB" dirty="0">
+                <a:solidFill>
+                  <a:schemeClr val="tx2"/>
+                </a:solidFill>
+              </a:rPr>
               <a:t>Tuples vs. Lists</a:t>
             </a:r>
           </a:p>
@@ -32728,10 +32829,10 @@
       </p:graphicFrame>
       <p:pic>
         <p:nvPicPr>
-          <p:cNvPr id="6" name="Picture 5">
+          <p:cNvPr id="7" name="Picture 6" descr="A picture containing stool&#10;&#10;Description automatically generated">
             <a:extLst>
               <a:ext uri="{FF2B5EF4-FFF2-40B4-BE49-F238E27FC236}">
-                <a16:creationId xmlns:a16="http://schemas.microsoft.com/office/drawing/2014/main" id="{94347B0A-228F-4F6F-AA98-DF2898831AE7}"/>
+                <a16:creationId xmlns:a16="http://schemas.microsoft.com/office/drawing/2014/main" id="{8F2CA5B1-3C5A-479D-B2CD-39FB31B3480E}"/>
               </a:ext>
             </a:extLst>
           </p:cNvPr>
@@ -32740,19 +32841,27 @@
           </p:cNvPicPr>
           <p:nvPr/>
         </p:nvPicPr>
-        <p:blipFill rotWithShape="1">
+        <p:blipFill>
           <a:blip r:embed="rId2"/>
-          <a:srcRect l="2982" t="3174" r="2869" b="2900"/>
-          <a:stretch/>
+          <a:stretch>
+            <a:fillRect/>
+          </a:stretch>
         </p:blipFill>
         <p:spPr>
           <a:xfrm>
-            <a:off x="8576572" y="4598283"/>
-            <a:ext cx="498106" cy="496941"/>
+            <a:off x="8515735" y="4536281"/>
+            <a:ext cx="558943" cy="558943"/>
           </a:xfrm>
           <a:prstGeom prst="ellipse">
             <a:avLst/>
           </a:prstGeom>
+          <a:effectLst>
+            <a:outerShdw blurRad="63500" sx="102000" sy="102000" algn="ctr" rotWithShape="0">
+              <a:prstClr val="black">
+                <a:alpha val="40000"/>
+              </a:prstClr>
+            </a:outerShdw>
+          </a:effectLst>
         </p:spPr>
       </p:pic>
     </p:spTree>
@@ -32808,12 +32917,19 @@
           <a:p>
             <a:r>
               <a:rPr lang="en-GB" dirty="0">
+                <a:solidFill>
+                  <a:schemeClr val="tx2"/>
+                </a:solidFill>
                 <a:latin typeface="Arial"/>
                 <a:cs typeface="Arial"/>
               </a:rPr>
               <a:t>Tuples Puzzles</a:t>
             </a:r>
-            <a:endParaRPr lang="en-GB" dirty="0"/>
+            <a:endParaRPr lang="en-GB" dirty="0">
+              <a:solidFill>
+                <a:schemeClr val="tx2"/>
+              </a:solidFill>
+            </a:endParaRPr>
           </a:p>
         </p:txBody>
       </p:sp>
@@ -33147,10 +33263,10 @@
       </p:sp>
       <p:pic>
         <p:nvPicPr>
-          <p:cNvPr id="10" name="Picture 9">
+          <p:cNvPr id="6" name="Picture 5" descr="A picture containing stool&#10;&#10;Description automatically generated">
             <a:extLst>
               <a:ext uri="{FF2B5EF4-FFF2-40B4-BE49-F238E27FC236}">
-                <a16:creationId xmlns:a16="http://schemas.microsoft.com/office/drawing/2014/main" id="{4C131433-2970-44F5-B58D-D4DE8EC4556C}"/>
+                <a16:creationId xmlns:a16="http://schemas.microsoft.com/office/drawing/2014/main" id="{D3BB82DD-F465-4F9A-9594-D0D495A5FDF2}"/>
               </a:ext>
             </a:extLst>
           </p:cNvPr>
@@ -33159,19 +33275,27 @@
           </p:cNvPicPr>
           <p:nvPr/>
         </p:nvPicPr>
-        <p:blipFill rotWithShape="1">
+        <p:blipFill>
           <a:blip r:embed="rId3"/>
-          <a:srcRect l="2982" t="3174" r="2869" b="2900"/>
-          <a:stretch/>
+          <a:stretch>
+            <a:fillRect/>
+          </a:stretch>
         </p:blipFill>
         <p:spPr>
           <a:xfrm>
-            <a:off x="8576572" y="4598283"/>
-            <a:ext cx="498106" cy="496941"/>
+            <a:off x="8515735" y="4536281"/>
+            <a:ext cx="558943" cy="558943"/>
           </a:xfrm>
           <a:prstGeom prst="ellipse">
             <a:avLst/>
           </a:prstGeom>
+          <a:effectLst>
+            <a:outerShdw blurRad="63500" sx="102000" sy="102000" algn="ctr" rotWithShape="0">
+              <a:prstClr val="black">
+                <a:alpha val="40000"/>
+              </a:prstClr>
+            </a:outerShdw>
+          </a:effectLst>
         </p:spPr>
       </p:pic>
     </p:spTree>
@@ -33227,19 +33351,19 @@
           <a:p>
             <a:r>
               <a:rPr lang="en-GB" dirty="0">
+                <a:solidFill>
+                  <a:schemeClr val="tx2"/>
+                </a:solidFill>
                 <a:latin typeface="Arial"/>
                 <a:cs typeface="Arial"/>
               </a:rPr>
-              <a:t>Tuples </a:t>
-            </a:r>
-            <a:r>
-              <a:rPr lang="en-GB">
-                <a:latin typeface="Arial"/>
-                <a:cs typeface="Arial"/>
-              </a:rPr>
-              <a:t>Puzzles Solutions</a:t>
-            </a:r>
-            <a:endParaRPr lang="en-GB" dirty="0"/>
+              <a:t>Tuples Puzzles Solutions</a:t>
+            </a:r>
+            <a:endParaRPr lang="en-GB" dirty="0">
+              <a:solidFill>
+                <a:schemeClr val="tx2"/>
+              </a:solidFill>
+            </a:endParaRPr>
           </a:p>
         </p:txBody>
       </p:sp>
@@ -33273,35 +33397,6 @@
           </a:p>
         </p:txBody>
       </p:sp>
-      <p:pic>
-        <p:nvPicPr>
-          <p:cNvPr id="10" name="Picture 9">
-            <a:extLst>
-              <a:ext uri="{FF2B5EF4-FFF2-40B4-BE49-F238E27FC236}">
-                <a16:creationId xmlns:a16="http://schemas.microsoft.com/office/drawing/2014/main" id="{4C131433-2970-44F5-B58D-D4DE8EC4556C}"/>
-              </a:ext>
-            </a:extLst>
-          </p:cNvPr>
-          <p:cNvPicPr>
-            <a:picLocks noChangeAspect="1"/>
-          </p:cNvPicPr>
-          <p:nvPr/>
-        </p:nvPicPr>
-        <p:blipFill rotWithShape="1">
-          <a:blip r:embed="rId2"/>
-          <a:srcRect l="2982" t="3174" r="2869" b="2900"/>
-          <a:stretch/>
-        </p:blipFill>
-        <p:spPr>
-          <a:xfrm>
-            <a:off x="8576572" y="4598283"/>
-            <a:ext cx="498106" cy="496941"/>
-          </a:xfrm>
-          <a:prstGeom prst="ellipse">
-            <a:avLst/>
-          </a:prstGeom>
-        </p:spPr>
-      </p:pic>
       <p:pic>
         <p:nvPicPr>
           <p:cNvPr id="4" name="Picture 3">
@@ -33317,7 +33412,7 @@
           <p:nvPr/>
         </p:nvPicPr>
         <p:blipFill>
-          <a:blip r:embed="rId3"/>
+          <a:blip r:embed="rId2"/>
           <a:stretch>
             <a:fillRect/>
           </a:stretch>
@@ -33347,7 +33442,7 @@
           <p:nvPr/>
         </p:nvPicPr>
         <p:blipFill>
-          <a:blip r:embed="rId4"/>
+          <a:blip r:embed="rId3"/>
           <a:stretch>
             <a:fillRect/>
           </a:stretch>
@@ -33377,6 +33472,36 @@
           <p:nvPr/>
         </p:nvPicPr>
         <p:blipFill>
+          <a:blip r:embed="rId4"/>
+          <a:stretch>
+            <a:fillRect/>
+          </a:stretch>
+        </p:blipFill>
+        <p:spPr>
+          <a:xfrm>
+            <a:off x="3083735" y="2891844"/>
+            <a:ext cx="2976529" cy="1706439"/>
+          </a:xfrm>
+          <a:prstGeom prst="rect">
+            <a:avLst/>
+          </a:prstGeom>
+        </p:spPr>
+      </p:pic>
+      <p:pic>
+        <p:nvPicPr>
+          <p:cNvPr id="8" name="Picture 7" descr="A picture containing stool&#10;&#10;Description automatically generated">
+            <a:extLst>
+              <a:ext uri="{FF2B5EF4-FFF2-40B4-BE49-F238E27FC236}">
+                <a16:creationId xmlns:a16="http://schemas.microsoft.com/office/drawing/2014/main" id="{AA16FD6D-9B50-4E21-B0AC-76F656DE49DF}"/>
+              </a:ext>
+            </a:extLst>
+          </p:cNvPr>
+          <p:cNvPicPr>
+            <a:picLocks noChangeAspect="1"/>
+          </p:cNvPicPr>
+          <p:nvPr/>
+        </p:nvPicPr>
+        <p:blipFill>
           <a:blip r:embed="rId5"/>
           <a:stretch>
             <a:fillRect/>
@@ -33384,12 +33509,19 @@
         </p:blipFill>
         <p:spPr>
           <a:xfrm>
-            <a:off x="3083735" y="2891844"/>
-            <a:ext cx="2976529" cy="1706439"/>
-          </a:xfrm>
-          <a:prstGeom prst="rect">
-            <a:avLst/>
-          </a:prstGeom>
+            <a:off x="8515735" y="4536281"/>
+            <a:ext cx="558943" cy="558943"/>
+          </a:xfrm>
+          <a:prstGeom prst="ellipse">
+            <a:avLst/>
+          </a:prstGeom>
+          <a:effectLst>
+            <a:outerShdw blurRad="63500" sx="102000" sy="102000" algn="ctr" rotWithShape="0">
+              <a:prstClr val="black">
+                <a:alpha val="40000"/>
+              </a:prstClr>
+            </a:outerShdw>
+          </a:effectLst>
         </p:spPr>
       </p:pic>
     </p:spTree>
@@ -33486,35 +33618,6 @@
       </p:sp>
       <p:pic>
         <p:nvPicPr>
-          <p:cNvPr id="6" name="Picture 5">
-            <a:extLst>
-              <a:ext uri="{FF2B5EF4-FFF2-40B4-BE49-F238E27FC236}">
-                <a16:creationId xmlns:a16="http://schemas.microsoft.com/office/drawing/2014/main" id="{37949AE5-D60E-4936-B98F-425E2E107293}"/>
-              </a:ext>
-            </a:extLst>
-          </p:cNvPr>
-          <p:cNvPicPr>
-            <a:picLocks noChangeAspect="1"/>
-          </p:cNvPicPr>
-          <p:nvPr/>
-        </p:nvPicPr>
-        <p:blipFill rotWithShape="1">
-          <a:blip r:embed="rId2"/>
-          <a:srcRect l="2982" t="3174" r="2869" b="2900"/>
-          <a:stretch/>
-        </p:blipFill>
-        <p:spPr>
-          <a:xfrm>
-            <a:off x="8576572" y="4598283"/>
-            <a:ext cx="498106" cy="496941"/>
-          </a:xfrm>
-          <a:prstGeom prst="ellipse">
-            <a:avLst/>
-          </a:prstGeom>
-        </p:spPr>
-      </p:pic>
-      <p:pic>
-        <p:nvPicPr>
           <p:cNvPr id="28674" name="Picture 2" descr="Checklist vector icon | Free SVG">
             <a:extLst>
               <a:ext uri="{FF2B5EF4-FFF2-40B4-BE49-F238E27FC236}">
@@ -33528,7 +33631,7 @@
           <p:nvPr/>
         </p:nvPicPr>
         <p:blipFill>
-          <a:blip r:embed="rId3">
+          <a:blip r:embed="rId2">
             <a:extLst>
               <a:ext uri="{28A0092B-C50C-407E-A947-70E740481C1C}">
                 <a14:useLocalDpi xmlns:a14="http://schemas.microsoft.com/office/drawing/2010/main" val="0"/>
@@ -33648,6 +33751,43 @@
           </a:p>
         </p:txBody>
       </p:sp>
+      <p:pic>
+        <p:nvPicPr>
+          <p:cNvPr id="7" name="Picture 6" descr="A picture containing stool&#10;&#10;Description automatically generated">
+            <a:extLst>
+              <a:ext uri="{FF2B5EF4-FFF2-40B4-BE49-F238E27FC236}">
+                <a16:creationId xmlns:a16="http://schemas.microsoft.com/office/drawing/2014/main" id="{7B8704E4-B1D8-4490-AA93-17D1F3529388}"/>
+              </a:ext>
+            </a:extLst>
+          </p:cNvPr>
+          <p:cNvPicPr>
+            <a:picLocks noChangeAspect="1"/>
+          </p:cNvPicPr>
+          <p:nvPr/>
+        </p:nvPicPr>
+        <p:blipFill>
+          <a:blip r:embed="rId3"/>
+          <a:stretch>
+            <a:fillRect/>
+          </a:stretch>
+        </p:blipFill>
+        <p:spPr>
+          <a:xfrm>
+            <a:off x="8515735" y="4536281"/>
+            <a:ext cx="558943" cy="558943"/>
+          </a:xfrm>
+          <a:prstGeom prst="ellipse">
+            <a:avLst/>
+          </a:prstGeom>
+          <a:effectLst>
+            <a:outerShdw blurRad="63500" sx="102000" sy="102000" algn="ctr" rotWithShape="0">
+              <a:prstClr val="black">
+                <a:alpha val="40000"/>
+              </a:prstClr>
+            </a:outerShdw>
+          </a:effectLst>
+        </p:spPr>
+      </p:pic>
     </p:spTree>
     <p:extLst>
       <p:ext uri="{BB962C8B-B14F-4D97-AF65-F5344CB8AC3E}">
@@ -33740,35 +33880,6 @@
           </a:p>
         </p:txBody>
       </p:sp>
-      <p:pic>
-        <p:nvPicPr>
-          <p:cNvPr id="7" name="Picture 6">
-            <a:extLst>
-              <a:ext uri="{FF2B5EF4-FFF2-40B4-BE49-F238E27FC236}">
-                <a16:creationId xmlns:a16="http://schemas.microsoft.com/office/drawing/2014/main" id="{0A9CCCDE-38BA-407D-B893-4D4CD96670C2}"/>
-              </a:ext>
-            </a:extLst>
-          </p:cNvPr>
-          <p:cNvPicPr>
-            <a:picLocks noChangeAspect="1"/>
-          </p:cNvPicPr>
-          <p:nvPr/>
-        </p:nvPicPr>
-        <p:blipFill rotWithShape="1">
-          <a:blip r:embed="rId2"/>
-          <a:srcRect l="2982" t="3174" r="2869" b="2900"/>
-          <a:stretch/>
-        </p:blipFill>
-        <p:spPr>
-          <a:xfrm>
-            <a:off x="8576572" y="4598283"/>
-            <a:ext cx="498106" cy="496941"/>
-          </a:xfrm>
-          <a:prstGeom prst="ellipse">
-            <a:avLst/>
-          </a:prstGeom>
-        </p:spPr>
-      </p:pic>
       <p:sp>
         <p:nvSpPr>
           <p:cNvPr id="11" name="Text Placeholder 2">
@@ -34000,6 +34111,36 @@
           <p:nvPr/>
         </p:nvPicPr>
         <p:blipFill>
+          <a:blip r:embed="rId2"/>
+          <a:stretch>
+            <a:fillRect/>
+          </a:stretch>
+        </p:blipFill>
+        <p:spPr>
+          <a:xfrm>
+            <a:off x="2434501" y="3192294"/>
+            <a:ext cx="3886200" cy="1238250"/>
+          </a:xfrm>
+          <a:prstGeom prst="rect">
+            <a:avLst/>
+          </a:prstGeom>
+        </p:spPr>
+      </p:pic>
+      <p:pic>
+        <p:nvPicPr>
+          <p:cNvPr id="8" name="Picture 7" descr="A picture containing stool&#10;&#10;Description automatically generated">
+            <a:extLst>
+              <a:ext uri="{FF2B5EF4-FFF2-40B4-BE49-F238E27FC236}">
+                <a16:creationId xmlns:a16="http://schemas.microsoft.com/office/drawing/2014/main" id="{661C8F89-C4E7-453F-8064-21AF1E5BD745}"/>
+              </a:ext>
+            </a:extLst>
+          </p:cNvPr>
+          <p:cNvPicPr>
+            <a:picLocks noChangeAspect="1"/>
+          </p:cNvPicPr>
+          <p:nvPr/>
+        </p:nvPicPr>
+        <p:blipFill>
           <a:blip r:embed="rId3"/>
           <a:stretch>
             <a:fillRect/>
@@ -34007,12 +34148,19 @@
         </p:blipFill>
         <p:spPr>
           <a:xfrm>
-            <a:off x="2434501" y="3192294"/>
-            <a:ext cx="3886200" cy="1238250"/>
-          </a:xfrm>
-          <a:prstGeom prst="rect">
-            <a:avLst/>
-          </a:prstGeom>
+            <a:off x="8515735" y="4536281"/>
+            <a:ext cx="558943" cy="558943"/>
+          </a:xfrm>
+          <a:prstGeom prst="ellipse">
+            <a:avLst/>
+          </a:prstGeom>
+          <a:effectLst>
+            <a:outerShdw blurRad="63500" sx="102000" sy="102000" algn="ctr" rotWithShape="0">
+              <a:prstClr val="black">
+                <a:alpha val="40000"/>
+              </a:prstClr>
+            </a:outerShdw>
+          </a:effectLst>
         </p:spPr>
       </p:pic>
     </p:spTree>
@@ -34107,35 +34255,6 @@
           </a:p>
         </p:txBody>
       </p:sp>
-      <p:pic>
-        <p:nvPicPr>
-          <p:cNvPr id="7" name="Picture 6">
-            <a:extLst>
-              <a:ext uri="{FF2B5EF4-FFF2-40B4-BE49-F238E27FC236}">
-                <a16:creationId xmlns:a16="http://schemas.microsoft.com/office/drawing/2014/main" id="{0A9CCCDE-38BA-407D-B893-4D4CD96670C2}"/>
-              </a:ext>
-            </a:extLst>
-          </p:cNvPr>
-          <p:cNvPicPr>
-            <a:picLocks noChangeAspect="1"/>
-          </p:cNvPicPr>
-          <p:nvPr/>
-        </p:nvPicPr>
-        <p:blipFill rotWithShape="1">
-          <a:blip r:embed="rId2"/>
-          <a:srcRect l="2982" t="3174" r="2869" b="2900"/>
-          <a:stretch/>
-        </p:blipFill>
-        <p:spPr>
-          <a:xfrm>
-            <a:off x="8576572" y="4598283"/>
-            <a:ext cx="498106" cy="496941"/>
-          </a:xfrm>
-          <a:prstGeom prst="ellipse">
-            <a:avLst/>
-          </a:prstGeom>
-        </p:spPr>
-      </p:pic>
       <p:sp>
         <p:nvSpPr>
           <p:cNvPr id="11" name="Text Placeholder 2">
@@ -34365,6 +34484,43 @@
           </a:p>
         </p:txBody>
       </p:sp>
+      <p:pic>
+        <p:nvPicPr>
+          <p:cNvPr id="6" name="Picture 5" descr="A picture containing stool&#10;&#10;Description automatically generated">
+            <a:extLst>
+              <a:ext uri="{FF2B5EF4-FFF2-40B4-BE49-F238E27FC236}">
+                <a16:creationId xmlns:a16="http://schemas.microsoft.com/office/drawing/2014/main" id="{038D5C52-32BA-4307-8D80-109DDE0C5277}"/>
+              </a:ext>
+            </a:extLst>
+          </p:cNvPr>
+          <p:cNvPicPr>
+            <a:picLocks noChangeAspect="1"/>
+          </p:cNvPicPr>
+          <p:nvPr/>
+        </p:nvPicPr>
+        <p:blipFill>
+          <a:blip r:embed="rId2"/>
+          <a:stretch>
+            <a:fillRect/>
+          </a:stretch>
+        </p:blipFill>
+        <p:spPr>
+          <a:xfrm>
+            <a:off x="8515735" y="4536281"/>
+            <a:ext cx="558943" cy="558943"/>
+          </a:xfrm>
+          <a:prstGeom prst="ellipse">
+            <a:avLst/>
+          </a:prstGeom>
+          <a:effectLst>
+            <a:outerShdw blurRad="63500" sx="102000" sy="102000" algn="ctr" rotWithShape="0">
+              <a:prstClr val="black">
+                <a:alpha val="40000"/>
+              </a:prstClr>
+            </a:outerShdw>
+          </a:effectLst>
+        </p:spPr>
+      </p:pic>
     </p:spTree>
     <p:extLst>
       <p:ext uri="{BB962C8B-B14F-4D97-AF65-F5344CB8AC3E}">
@@ -34457,35 +34613,6 @@
           </a:p>
         </p:txBody>
       </p:sp>
-      <p:pic>
-        <p:nvPicPr>
-          <p:cNvPr id="7" name="Picture 6">
-            <a:extLst>
-              <a:ext uri="{FF2B5EF4-FFF2-40B4-BE49-F238E27FC236}">
-                <a16:creationId xmlns:a16="http://schemas.microsoft.com/office/drawing/2014/main" id="{0A9CCCDE-38BA-407D-B893-4D4CD96670C2}"/>
-              </a:ext>
-            </a:extLst>
-          </p:cNvPr>
-          <p:cNvPicPr>
-            <a:picLocks noChangeAspect="1"/>
-          </p:cNvPicPr>
-          <p:nvPr/>
-        </p:nvPicPr>
-        <p:blipFill rotWithShape="1">
-          <a:blip r:embed="rId2"/>
-          <a:srcRect l="2982" t="3174" r="2869" b="2900"/>
-          <a:stretch/>
-        </p:blipFill>
-        <p:spPr>
-          <a:xfrm>
-            <a:off x="8576572" y="4598283"/>
-            <a:ext cx="498106" cy="496941"/>
-          </a:xfrm>
-          <a:prstGeom prst="ellipse">
-            <a:avLst/>
-          </a:prstGeom>
-        </p:spPr>
-      </p:pic>
       <p:sp>
         <p:nvSpPr>
           <p:cNvPr id="11" name="Text Placeholder 2">
@@ -34765,6 +34892,43 @@
           </a:p>
         </p:txBody>
       </p:sp>
+      <p:pic>
+        <p:nvPicPr>
+          <p:cNvPr id="6" name="Picture 5" descr="A picture containing stool&#10;&#10;Description automatically generated">
+            <a:extLst>
+              <a:ext uri="{FF2B5EF4-FFF2-40B4-BE49-F238E27FC236}">
+                <a16:creationId xmlns:a16="http://schemas.microsoft.com/office/drawing/2014/main" id="{D9F3A690-978C-485E-9BCD-FF42B1E690E9}"/>
+              </a:ext>
+            </a:extLst>
+          </p:cNvPr>
+          <p:cNvPicPr>
+            <a:picLocks noChangeAspect="1"/>
+          </p:cNvPicPr>
+          <p:nvPr/>
+        </p:nvPicPr>
+        <p:blipFill>
+          <a:blip r:embed="rId2"/>
+          <a:stretch>
+            <a:fillRect/>
+          </a:stretch>
+        </p:blipFill>
+        <p:spPr>
+          <a:xfrm>
+            <a:off x="8515735" y="4536281"/>
+            <a:ext cx="558943" cy="558943"/>
+          </a:xfrm>
+          <a:prstGeom prst="ellipse">
+            <a:avLst/>
+          </a:prstGeom>
+          <a:effectLst>
+            <a:outerShdw blurRad="63500" sx="102000" sy="102000" algn="ctr" rotWithShape="0">
+              <a:prstClr val="black">
+                <a:alpha val="40000"/>
+              </a:prstClr>
+            </a:outerShdw>
+          </a:effectLst>
+        </p:spPr>
+      </p:pic>
     </p:spTree>
     <p:extLst>
       <p:ext uri="{BB962C8B-B14F-4D97-AF65-F5344CB8AC3E}">
@@ -34859,35 +35023,6 @@
       </p:sp>
       <p:pic>
         <p:nvPicPr>
-          <p:cNvPr id="7" name="Picture 6">
-            <a:extLst>
-              <a:ext uri="{FF2B5EF4-FFF2-40B4-BE49-F238E27FC236}">
-                <a16:creationId xmlns:a16="http://schemas.microsoft.com/office/drawing/2014/main" id="{0A9CCCDE-38BA-407D-B893-4D4CD96670C2}"/>
-              </a:ext>
-            </a:extLst>
-          </p:cNvPr>
-          <p:cNvPicPr>
-            <a:picLocks noChangeAspect="1"/>
-          </p:cNvPicPr>
-          <p:nvPr/>
-        </p:nvPicPr>
-        <p:blipFill rotWithShape="1">
-          <a:blip r:embed="rId2"/>
-          <a:srcRect l="2982" t="3174" r="2869" b="2900"/>
-          <a:stretch/>
-        </p:blipFill>
-        <p:spPr>
-          <a:xfrm>
-            <a:off x="8576572" y="4598283"/>
-            <a:ext cx="498106" cy="496941"/>
-          </a:xfrm>
-          <a:prstGeom prst="ellipse">
-            <a:avLst/>
-          </a:prstGeom>
-        </p:spPr>
-      </p:pic>
-      <p:pic>
-        <p:nvPicPr>
           <p:cNvPr id="3" name="Picture 2">
             <a:extLst>
               <a:ext uri="{FF2B5EF4-FFF2-40B4-BE49-F238E27FC236}">
@@ -34901,7 +35036,7 @@
           <p:nvPr/>
         </p:nvPicPr>
         <p:blipFill>
-          <a:blip r:embed="rId3"/>
+          <a:blip r:embed="rId2"/>
           <a:stretch>
             <a:fillRect/>
           </a:stretch>
@@ -34931,7 +35066,7 @@
           <p:nvPr/>
         </p:nvPicPr>
         <p:blipFill>
-          <a:blip r:embed="rId4"/>
+          <a:blip r:embed="rId3"/>
           <a:stretch>
             <a:fillRect/>
           </a:stretch>
@@ -35163,6 +35298,43 @@
           </a:p>
         </p:txBody>
       </p:sp>
+      <p:pic>
+        <p:nvPicPr>
+          <p:cNvPr id="9" name="Picture 8" descr="A picture containing stool&#10;&#10;Description automatically generated">
+            <a:extLst>
+              <a:ext uri="{FF2B5EF4-FFF2-40B4-BE49-F238E27FC236}">
+                <a16:creationId xmlns:a16="http://schemas.microsoft.com/office/drawing/2014/main" id="{A36F9033-D7C0-4F44-BF9B-AD91F14A9DC3}"/>
+              </a:ext>
+            </a:extLst>
+          </p:cNvPr>
+          <p:cNvPicPr>
+            <a:picLocks noChangeAspect="1"/>
+          </p:cNvPicPr>
+          <p:nvPr/>
+        </p:nvPicPr>
+        <p:blipFill>
+          <a:blip r:embed="rId4"/>
+          <a:stretch>
+            <a:fillRect/>
+          </a:stretch>
+        </p:blipFill>
+        <p:spPr>
+          <a:xfrm>
+            <a:off x="8515735" y="4536281"/>
+            <a:ext cx="558943" cy="558943"/>
+          </a:xfrm>
+          <a:prstGeom prst="ellipse">
+            <a:avLst/>
+          </a:prstGeom>
+          <a:effectLst>
+            <a:outerShdw blurRad="63500" sx="102000" sy="102000" algn="ctr" rotWithShape="0">
+              <a:prstClr val="black">
+                <a:alpha val="40000"/>
+              </a:prstClr>
+            </a:outerShdw>
+          </a:effectLst>
+        </p:spPr>
+      </p:pic>
     </p:spTree>
     <p:extLst>
       <p:ext uri="{BB962C8B-B14F-4D97-AF65-F5344CB8AC3E}">
@@ -35215,7 +35387,11 @@
           <a:lstStyle/>
           <a:p>
             <a:r>
-              <a:rPr lang="en-GB" dirty="0"/>
+              <a:rPr lang="en-GB" dirty="0">
+                <a:solidFill>
+                  <a:schemeClr val="tx2"/>
+                </a:solidFill>
+              </a:rPr>
               <a:t>Extracting List Elements</a:t>
             </a:r>
           </a:p>
@@ -35575,10 +35751,10 @@
       </p:pic>
       <p:pic>
         <p:nvPicPr>
-          <p:cNvPr id="11" name="Picture 10">
+          <p:cNvPr id="10" name="Picture 9" descr="A picture containing stool&#10;&#10;Description automatically generated">
             <a:extLst>
               <a:ext uri="{FF2B5EF4-FFF2-40B4-BE49-F238E27FC236}">
-                <a16:creationId xmlns:a16="http://schemas.microsoft.com/office/drawing/2014/main" id="{AE10D547-F5D1-43D9-93EA-E166E3C73F57}"/>
+                <a16:creationId xmlns:a16="http://schemas.microsoft.com/office/drawing/2014/main" id="{96EF93E2-BB80-4E6F-93D0-8038862586BA}"/>
               </a:ext>
             </a:extLst>
           </p:cNvPr>
@@ -35587,19 +35763,27 @@
           </p:cNvPicPr>
           <p:nvPr/>
         </p:nvPicPr>
-        <p:blipFill rotWithShape="1">
+        <p:blipFill>
           <a:blip r:embed="rId3"/>
-          <a:srcRect l="2982" t="3174" r="2869" b="2900"/>
-          <a:stretch/>
+          <a:stretch>
+            <a:fillRect/>
+          </a:stretch>
         </p:blipFill>
         <p:spPr>
           <a:xfrm>
-            <a:off x="8576572" y="4598283"/>
-            <a:ext cx="498106" cy="496941"/>
+            <a:off x="8515735" y="4536281"/>
+            <a:ext cx="558943" cy="558943"/>
           </a:xfrm>
           <a:prstGeom prst="ellipse">
             <a:avLst/>
           </a:prstGeom>
+          <a:effectLst>
+            <a:outerShdw blurRad="63500" sx="102000" sy="102000" algn="ctr" rotWithShape="0">
+              <a:prstClr val="black">
+                <a:alpha val="40000"/>
+              </a:prstClr>
+            </a:outerShdw>
+          </a:effectLst>
         </p:spPr>
       </p:pic>
     </p:spTree>
@@ -35654,7 +35838,11 @@
           <a:lstStyle/>
           <a:p>
             <a:r>
-              <a:rPr lang="en-GB" dirty="0"/>
+              <a:rPr lang="en-GB" dirty="0">
+                <a:solidFill>
+                  <a:schemeClr val="tx2"/>
+                </a:solidFill>
+              </a:rPr>
               <a:t>Extracting List Elements</a:t>
             </a:r>
           </a:p>
@@ -35968,35 +36156,6 @@
           </a:p>
         </p:txBody>
       </p:sp>
-      <p:pic>
-        <p:nvPicPr>
-          <p:cNvPr id="11" name="Picture 10">
-            <a:extLst>
-              <a:ext uri="{FF2B5EF4-FFF2-40B4-BE49-F238E27FC236}">
-                <a16:creationId xmlns:a16="http://schemas.microsoft.com/office/drawing/2014/main" id="{AE10D547-F5D1-43D9-93EA-E166E3C73F57}"/>
-              </a:ext>
-            </a:extLst>
-          </p:cNvPr>
-          <p:cNvPicPr>
-            <a:picLocks noChangeAspect="1"/>
-          </p:cNvPicPr>
-          <p:nvPr/>
-        </p:nvPicPr>
-        <p:blipFill rotWithShape="1">
-          <a:blip r:embed="rId2"/>
-          <a:srcRect l="2982" t="3174" r="2869" b="2900"/>
-          <a:stretch/>
-        </p:blipFill>
-        <p:spPr>
-          <a:xfrm>
-            <a:off x="8576572" y="4598283"/>
-            <a:ext cx="498106" cy="496941"/>
-          </a:xfrm>
-          <a:prstGeom prst="ellipse">
-            <a:avLst/>
-          </a:prstGeom>
-        </p:spPr>
-      </p:pic>
       <p:pic>
         <p:nvPicPr>
           <p:cNvPr id="4" name="Picture 3">
@@ -36012,6 +36171,36 @@
           <p:nvPr/>
         </p:nvPicPr>
         <p:blipFill>
+          <a:blip r:embed="rId2"/>
+          <a:stretch>
+            <a:fillRect/>
+          </a:stretch>
+        </p:blipFill>
+        <p:spPr>
+          <a:xfrm>
+            <a:off x="1440743" y="3339159"/>
+            <a:ext cx="6182073" cy="1091385"/>
+          </a:xfrm>
+          <a:prstGeom prst="rect">
+            <a:avLst/>
+          </a:prstGeom>
+        </p:spPr>
+      </p:pic>
+      <p:pic>
+        <p:nvPicPr>
+          <p:cNvPr id="10" name="Picture 9" descr="A picture containing stool&#10;&#10;Description automatically generated">
+            <a:extLst>
+              <a:ext uri="{FF2B5EF4-FFF2-40B4-BE49-F238E27FC236}">
+                <a16:creationId xmlns:a16="http://schemas.microsoft.com/office/drawing/2014/main" id="{C4114FC0-4DCD-4B36-82B1-E3A9F523D7D2}"/>
+              </a:ext>
+            </a:extLst>
+          </p:cNvPr>
+          <p:cNvPicPr>
+            <a:picLocks noChangeAspect="1"/>
+          </p:cNvPicPr>
+          <p:nvPr/>
+        </p:nvPicPr>
+        <p:blipFill>
           <a:blip r:embed="rId3"/>
           <a:stretch>
             <a:fillRect/>
@@ -36019,12 +36208,19 @@
         </p:blipFill>
         <p:spPr>
           <a:xfrm>
-            <a:off x="1440743" y="3339159"/>
-            <a:ext cx="6182073" cy="1091385"/>
-          </a:xfrm>
-          <a:prstGeom prst="rect">
-            <a:avLst/>
-          </a:prstGeom>
+            <a:off x="8515735" y="4536281"/>
+            <a:ext cx="558943" cy="558943"/>
+          </a:xfrm>
+          <a:prstGeom prst="ellipse">
+            <a:avLst/>
+          </a:prstGeom>
+          <a:effectLst>
+            <a:outerShdw blurRad="63500" sx="102000" sy="102000" algn="ctr" rotWithShape="0">
+              <a:prstClr val="black">
+                <a:alpha val="40000"/>
+              </a:prstClr>
+            </a:outerShdw>
+          </a:effectLst>
         </p:spPr>
       </p:pic>
     </p:spTree>
@@ -36049,42 +36245,42 @@
 <file path=ppt/theme/theme1.xml><?xml version="1.0" encoding="utf-8"?>
 <a:theme xmlns:a="http://schemas.openxmlformats.org/drawingml/2006/main" name="AZ Cover Slide Options">
   <a:themeElements>
-    <a:clrScheme name="Custom 239">
+    <a:clrScheme name="Blue">
       <a:dk1>
-        <a:srgbClr val="000000"/>
+        <a:sysClr val="windowText" lastClr="000000"/>
       </a:dk1>
       <a:lt1>
-        <a:srgbClr val="FFFFFF"/>
+        <a:sysClr val="window" lastClr="FFFFFF"/>
       </a:lt1>
       <a:dk2>
-        <a:srgbClr val="830051"/>
+        <a:srgbClr val="17406D"/>
       </a:dk2>
       <a:lt2>
-        <a:srgbClr val="F0AB00"/>
+        <a:srgbClr val="DBEFF9"/>
       </a:lt2>
       <a:accent1>
-        <a:srgbClr val="830051"/>
+        <a:srgbClr val="0F6FC6"/>
       </a:accent1>
       <a:accent2>
-        <a:srgbClr val="003865"/>
+        <a:srgbClr val="009DD9"/>
       </a:accent2>
       <a:accent3>
-        <a:srgbClr val="68D2DF"/>
+        <a:srgbClr val="0BD0D9"/>
       </a:accent3>
       <a:accent4>
-        <a:srgbClr val="3C1053"/>
+        <a:srgbClr val="10CF9B"/>
       </a:accent4>
       <a:accent5>
-        <a:srgbClr val="C4D600"/>
+        <a:srgbClr val="7CCA62"/>
       </a:accent5>
       <a:accent6>
-        <a:srgbClr val="3F4444"/>
+        <a:srgbClr val="A5C249"/>
       </a:accent6>
       <a:hlink>
-        <a:srgbClr val="003865"/>
+        <a:srgbClr val="F49100"/>
       </a:hlink>
       <a:folHlink>
-        <a:srgbClr val="9DB0AC"/>
+        <a:srgbClr val="85DFD0"/>
       </a:folHlink>
     </a:clrScheme>
     <a:fontScheme name="Office Classic 2">
@@ -37060,42 +37256,42 @@
 <file path=ppt/theme/theme4.xml><?xml version="1.0" encoding="utf-8"?>
 <a:theme xmlns:a="http://schemas.openxmlformats.org/drawingml/2006/main" name="AZ General Master Slide Options">
   <a:themeElements>
-    <a:clrScheme name="Custom 203">
+    <a:clrScheme name="Blue">
       <a:dk1>
-        <a:srgbClr val="000000"/>
+        <a:sysClr val="windowText" lastClr="000000"/>
       </a:dk1>
       <a:lt1>
-        <a:srgbClr val="FFFFFF"/>
+        <a:sysClr val="window" lastClr="FFFFFF"/>
       </a:lt1>
       <a:dk2>
-        <a:srgbClr val="830051"/>
+        <a:srgbClr val="17406D"/>
       </a:dk2>
       <a:lt2>
-        <a:srgbClr val="F0AB00"/>
+        <a:srgbClr val="DBEFF9"/>
       </a:lt2>
       <a:accent1>
-        <a:srgbClr val="830051"/>
+        <a:srgbClr val="0F6FC6"/>
       </a:accent1>
       <a:accent2>
-        <a:srgbClr val="003865"/>
+        <a:srgbClr val="009DD9"/>
       </a:accent2>
       <a:accent3>
-        <a:srgbClr val="68D2DF"/>
+        <a:srgbClr val="0BD0D9"/>
       </a:accent3>
       <a:accent4>
-        <a:srgbClr val="3C1053"/>
+        <a:srgbClr val="10CF9B"/>
       </a:accent4>
       <a:accent5>
-        <a:srgbClr val="C4D600"/>
+        <a:srgbClr val="7CCA62"/>
       </a:accent5>
       <a:accent6>
-        <a:srgbClr val="3F4444"/>
+        <a:srgbClr val="A5C249"/>
       </a:accent6>
       <a:hlink>
-        <a:srgbClr val="003865"/>
+        <a:srgbClr val="F49100"/>
       </a:hlink>
       <a:folHlink>
-        <a:srgbClr val="9DA7AC"/>
+        <a:srgbClr val="85DFD0"/>
       </a:folHlink>
     </a:clrScheme>
     <a:fontScheme name="Office Classic 2">
@@ -38035,6 +38231,15 @@
 </file>
 
 <file path=customXml/item1.xml><?xml version="1.0" encoding="utf-8"?>
+<p:properties xmlns:p="http://schemas.microsoft.com/office/2006/metadata/properties" xmlns:xsi="http://www.w3.org/2001/XMLSchema-instance" xmlns:pc="http://schemas.microsoft.com/office/infopath/2007/PartnerControls">
+  <documentManagement>
+    <Keyword xmlns="44a56295-c29e-4898-8136-a54736c65b82" xsi:nil="true"/>
+    <Descriptions xmlns="44a56295-c29e-4898-8136-a54736c65b82" xsi:nil="true"/>
+  </documentManagement>
+</p:properties>
+</file>
+
+<file path=customXml/item2.xml><?xml version="1.0" encoding="utf-8"?>
 <ct:contentTypeSchema xmlns:ct="http://schemas.microsoft.com/office/2006/metadata/contentType" xmlns:ma="http://schemas.microsoft.com/office/2006/metadata/properties/metaAttributes" ct:_="" ma:_="" ma:contentTypeName="Document" ma:contentTypeID="0x010100C9F3DD611966374C9EAA8DC5A2F94CD8" ma:contentTypeVersion="8" ma:contentTypeDescription="Create a new document." ma:contentTypeScope="" ma:versionID="18a8759320524e51783f13c6663a10d1">
   <xsd:schema xmlns:xsd="http://www.w3.org/2001/XMLSchema" xmlns:xs="http://www.w3.org/2001/XMLSchema" xmlns:p="http://schemas.microsoft.com/office/2006/metadata/properties" xmlns:ns2="44a56295-c29e-4898-8136-a54736c65b82" xmlns:ns3="9675ef8f-b755-4cd6-a742-8cae3d86c4fe" targetNamespace="http://schemas.microsoft.com/office/2006/metadata/properties" ma:root="true" ma:fieldsID="1b693415669a5bc10d56a9234ce5202b" ns2:_="" ns3:_="">
     <xsd:import namespace="44a56295-c29e-4898-8136-a54736c65b82"/>
@@ -38213,21 +38418,7 @@
 </ct:contentTypeSchema>
 </file>
 
-<file path=customXml/item2.xml><?xml version="1.0" encoding="utf-8"?>
-<p:properties xmlns:p="http://schemas.microsoft.com/office/2006/metadata/properties" xmlns:xsi="http://www.w3.org/2001/XMLSchema-instance" xmlns:pc="http://schemas.microsoft.com/office/infopath/2007/PartnerControls">
-  <documentManagement>
-    <Keyword xmlns="44a56295-c29e-4898-8136-a54736c65b82" xsi:nil="true"/>
-    <Descriptions xmlns="44a56295-c29e-4898-8136-a54736c65b82" xsi:nil="true"/>
-  </documentManagement>
-</p:properties>
-</file>
-
 <file path=customXml/item3.xml><?xml version="1.0" encoding="utf-8"?>
-<?mso-contentType ?>
-<SharedContentType xmlns="Microsoft.SharePoint.Taxonomy.ContentTypeSync" SourceId="1ee89e71-04cd-405e-9ca3-99e020c1694d" ContentTypeId="0x0101" PreviousValue="false"/>
-</file>
-
-<file path=customXml/item4.xml><?xml version="1.0" encoding="utf-8"?>
 <?mso-contentType ?>
 <FormTemplates xmlns="http://schemas.microsoft.com/sharepoint/v3/contenttype/forms">
   <Display>DocumentLibraryForm</Display>
@@ -38236,7 +38427,29 @@
 </FormTemplates>
 </file>
 
+<file path=customXml/item4.xml><?xml version="1.0" encoding="utf-8"?>
+<?mso-contentType ?>
+<SharedContentType xmlns="Microsoft.SharePoint.Taxonomy.ContentTypeSync" SourceId="1ee89e71-04cd-405e-9ca3-99e020c1694d" ContentTypeId="0x0101" PreviousValue="false"/>
+</file>
+
 <file path=customXml/itemProps1.xml><?xml version="1.0" encoding="utf-8"?>
+<ds:datastoreItem xmlns:ds="http://schemas.openxmlformats.org/officeDocument/2006/customXml" ds:itemID="{8E7055A9-979E-42E4-8AE4-11D4A57371C1}">
+  <ds:schemaRefs>
+    <ds:schemaRef ds:uri="44a56295-c29e-4898-8136-a54736c65b82"/>
+    <ds:schemaRef ds:uri="9675ef8f-b755-4cd6-a742-8cae3d86c4fe"/>
+    <ds:schemaRef ds:uri="http://purl.org/dc/dcmitype/"/>
+    <ds:schemaRef ds:uri="http://purl.org/dc/elements/1.1/"/>
+    <ds:schemaRef ds:uri="http://purl.org/dc/terms/"/>
+    <ds:schemaRef ds:uri="http://schemas.microsoft.com/office/2006/documentManagement/types"/>
+    <ds:schemaRef ds:uri="http://schemas.microsoft.com/office/2006/metadata/properties"/>
+    <ds:schemaRef ds:uri="http://schemas.microsoft.com/office/infopath/2007/PartnerControls"/>
+    <ds:schemaRef ds:uri="http://schemas.openxmlformats.org/package/2006/metadata/core-properties"/>
+    <ds:schemaRef ds:uri="http://www.w3.org/XML/1998/namespace"/>
+  </ds:schemaRefs>
+</ds:datastoreItem>
+</file>
+
+<file path=customXml/itemProps2.xml><?xml version="1.0" encoding="utf-8"?>
 <ds:datastoreItem xmlns:ds="http://schemas.openxmlformats.org/officeDocument/2006/customXml" ds:itemID="{0B5CDA7F-D407-42B2-AFFC-685DACC4A847}">
   <ds:schemaRefs>
     <ds:schemaRef ds:uri="44a56295-c29e-4898-8136-a54736c65b82"/>
@@ -38255,35 +38468,18 @@
 </ds:datastoreItem>
 </file>
 
-<file path=customXml/itemProps2.xml><?xml version="1.0" encoding="utf-8"?>
-<ds:datastoreItem xmlns:ds="http://schemas.openxmlformats.org/officeDocument/2006/customXml" ds:itemID="{8E7055A9-979E-42E4-8AE4-11D4A57371C1}">
+<file path=customXml/itemProps3.xml><?xml version="1.0" encoding="utf-8"?>
+<ds:datastoreItem xmlns:ds="http://schemas.openxmlformats.org/officeDocument/2006/customXml" ds:itemID="{CCB085B9-8EF5-4B2C-B089-029492EC23AC}">
   <ds:schemaRefs>
-    <ds:schemaRef ds:uri="44a56295-c29e-4898-8136-a54736c65b82"/>
-    <ds:schemaRef ds:uri="9675ef8f-b755-4cd6-a742-8cae3d86c4fe"/>
-    <ds:schemaRef ds:uri="http://purl.org/dc/dcmitype/"/>
-    <ds:schemaRef ds:uri="http://purl.org/dc/elements/1.1/"/>
-    <ds:schemaRef ds:uri="http://purl.org/dc/terms/"/>
-    <ds:schemaRef ds:uri="http://schemas.microsoft.com/office/2006/documentManagement/types"/>
-    <ds:schemaRef ds:uri="http://schemas.microsoft.com/office/2006/metadata/properties"/>
-    <ds:schemaRef ds:uri="http://schemas.microsoft.com/office/infopath/2007/PartnerControls"/>
-    <ds:schemaRef ds:uri="http://schemas.openxmlformats.org/package/2006/metadata/core-properties"/>
-    <ds:schemaRef ds:uri="http://www.w3.org/XML/1998/namespace"/>
+    <ds:schemaRef ds:uri="http://schemas.microsoft.com/sharepoint/v3/contenttype/forms"/>
   </ds:schemaRefs>
 </ds:datastoreItem>
 </file>
 
-<file path=customXml/itemProps3.xml><?xml version="1.0" encoding="utf-8"?>
+<file path=customXml/itemProps4.xml><?xml version="1.0" encoding="utf-8"?>
 <ds:datastoreItem xmlns:ds="http://schemas.openxmlformats.org/officeDocument/2006/customXml" ds:itemID="{3D9D9437-4660-4E6E-9349-9C8386915BD1}">
   <ds:schemaRefs>
     <ds:schemaRef ds:uri="Microsoft.SharePoint.Taxonomy.ContentTypeSync"/>
   </ds:schemaRefs>
 </ds:datastoreItem>
-</file>
-
-<file path=customXml/itemProps4.xml><?xml version="1.0" encoding="utf-8"?>
-<ds:datastoreItem xmlns:ds="http://schemas.openxmlformats.org/officeDocument/2006/customXml" ds:itemID="{CCB085B9-8EF5-4B2C-B089-029492EC23AC}">
-  <ds:schemaRefs>
-    <ds:schemaRef ds:uri="http://schemas.microsoft.com/sharepoint/v3/contenttype/forms"/>
-  </ds:schemaRefs>
-</ds:datastoreItem>
 </file>
--- a/session_four/session_four_presentation.pptx
+++ b/session_four/session_four_presentation.pptx
@@ -27483,6 +27483,37 @@
               </a14:hiddenFill>
             </a:ext>
           </a:extLst>
+        </p:spPr>
+      </p:pic>
+      <p:pic>
+        <p:nvPicPr>
+          <p:cNvPr id="11" name="Picture 10" descr="A picture containing drawing, light, plate&#10;&#10;Description automatically generated">
+            <a:hlinkClick r:id="rId7"/>
+            <a:extLst>
+              <a:ext uri="{FF2B5EF4-FFF2-40B4-BE49-F238E27FC236}">
+                <a16:creationId xmlns:a16="http://schemas.microsoft.com/office/drawing/2014/main" id="{DABEF8A1-0049-41E5-A960-365A8285B10B}"/>
+              </a:ext>
+            </a:extLst>
+          </p:cNvPr>
+          <p:cNvPicPr>
+            <a:picLocks noChangeAspect="1"/>
+          </p:cNvPicPr>
+          <p:nvPr/>
+        </p:nvPicPr>
+        <p:blipFill>
+          <a:blip r:embed="rId8"/>
+          <a:stretch>
+            <a:fillRect/>
+          </a:stretch>
+        </p:blipFill>
+        <p:spPr>
+          <a:xfrm>
+            <a:off x="6498567" y="942188"/>
+            <a:ext cx="2419199" cy="504000"/>
+          </a:xfrm>
+          <a:prstGeom prst="rect">
+            <a:avLst/>
+          </a:prstGeom>
         </p:spPr>
       </p:pic>
     </p:spTree>
@@ -38231,15 +38262,6 @@
 </file>
 
 <file path=customXml/item1.xml><?xml version="1.0" encoding="utf-8"?>
-<p:properties xmlns:p="http://schemas.microsoft.com/office/2006/metadata/properties" xmlns:xsi="http://www.w3.org/2001/XMLSchema-instance" xmlns:pc="http://schemas.microsoft.com/office/infopath/2007/PartnerControls">
-  <documentManagement>
-    <Keyword xmlns="44a56295-c29e-4898-8136-a54736c65b82" xsi:nil="true"/>
-    <Descriptions xmlns="44a56295-c29e-4898-8136-a54736c65b82" xsi:nil="true"/>
-  </documentManagement>
-</p:properties>
-</file>
-
-<file path=customXml/item2.xml><?xml version="1.0" encoding="utf-8"?>
 <ct:contentTypeSchema xmlns:ct="http://schemas.microsoft.com/office/2006/metadata/contentType" xmlns:ma="http://schemas.microsoft.com/office/2006/metadata/properties/metaAttributes" ct:_="" ma:_="" ma:contentTypeName="Document" ma:contentTypeID="0x010100C9F3DD611966374C9EAA8DC5A2F94CD8" ma:contentTypeVersion="8" ma:contentTypeDescription="Create a new document." ma:contentTypeScope="" ma:versionID="18a8759320524e51783f13c6663a10d1">
   <xsd:schema xmlns:xsd="http://www.w3.org/2001/XMLSchema" xmlns:xs="http://www.w3.org/2001/XMLSchema" xmlns:p="http://schemas.microsoft.com/office/2006/metadata/properties" xmlns:ns2="44a56295-c29e-4898-8136-a54736c65b82" xmlns:ns3="9675ef8f-b755-4cd6-a742-8cae3d86c4fe" targetNamespace="http://schemas.microsoft.com/office/2006/metadata/properties" ma:root="true" ma:fieldsID="1b693415669a5bc10d56a9234ce5202b" ns2:_="" ns3:_="">
     <xsd:import namespace="44a56295-c29e-4898-8136-a54736c65b82"/>
@@ -38418,7 +38440,21 @@
 </ct:contentTypeSchema>
 </file>
 
+<file path=customXml/item2.xml><?xml version="1.0" encoding="utf-8"?>
+<p:properties xmlns:p="http://schemas.microsoft.com/office/2006/metadata/properties" xmlns:xsi="http://www.w3.org/2001/XMLSchema-instance" xmlns:pc="http://schemas.microsoft.com/office/infopath/2007/PartnerControls">
+  <documentManagement>
+    <Keyword xmlns="44a56295-c29e-4898-8136-a54736c65b82" xsi:nil="true"/>
+    <Descriptions xmlns="44a56295-c29e-4898-8136-a54736c65b82" xsi:nil="true"/>
+  </documentManagement>
+</p:properties>
+</file>
+
 <file path=customXml/item3.xml><?xml version="1.0" encoding="utf-8"?>
+<?mso-contentType ?>
+<SharedContentType xmlns="Microsoft.SharePoint.Taxonomy.ContentTypeSync" SourceId="1ee89e71-04cd-405e-9ca3-99e020c1694d" ContentTypeId="0x0101" PreviousValue="false"/>
+</file>
+
+<file path=customXml/item4.xml><?xml version="1.0" encoding="utf-8"?>
 <?mso-contentType ?>
 <FormTemplates xmlns="http://schemas.microsoft.com/sharepoint/v3/contenttype/forms">
   <Display>DocumentLibraryForm</Display>
@@ -38427,29 +38463,7 @@
 </FormTemplates>
 </file>
 
-<file path=customXml/item4.xml><?xml version="1.0" encoding="utf-8"?>
-<?mso-contentType ?>
-<SharedContentType xmlns="Microsoft.SharePoint.Taxonomy.ContentTypeSync" SourceId="1ee89e71-04cd-405e-9ca3-99e020c1694d" ContentTypeId="0x0101" PreviousValue="false"/>
-</file>
-
 <file path=customXml/itemProps1.xml><?xml version="1.0" encoding="utf-8"?>
-<ds:datastoreItem xmlns:ds="http://schemas.openxmlformats.org/officeDocument/2006/customXml" ds:itemID="{8E7055A9-979E-42E4-8AE4-11D4A57371C1}">
-  <ds:schemaRefs>
-    <ds:schemaRef ds:uri="44a56295-c29e-4898-8136-a54736c65b82"/>
-    <ds:schemaRef ds:uri="9675ef8f-b755-4cd6-a742-8cae3d86c4fe"/>
-    <ds:schemaRef ds:uri="http://purl.org/dc/dcmitype/"/>
-    <ds:schemaRef ds:uri="http://purl.org/dc/elements/1.1/"/>
-    <ds:schemaRef ds:uri="http://purl.org/dc/terms/"/>
-    <ds:schemaRef ds:uri="http://schemas.microsoft.com/office/2006/documentManagement/types"/>
-    <ds:schemaRef ds:uri="http://schemas.microsoft.com/office/2006/metadata/properties"/>
-    <ds:schemaRef ds:uri="http://schemas.microsoft.com/office/infopath/2007/PartnerControls"/>
-    <ds:schemaRef ds:uri="http://schemas.openxmlformats.org/package/2006/metadata/core-properties"/>
-    <ds:schemaRef ds:uri="http://www.w3.org/XML/1998/namespace"/>
-  </ds:schemaRefs>
-</ds:datastoreItem>
-</file>
-
-<file path=customXml/itemProps2.xml><?xml version="1.0" encoding="utf-8"?>
 <ds:datastoreItem xmlns:ds="http://schemas.openxmlformats.org/officeDocument/2006/customXml" ds:itemID="{0B5CDA7F-D407-42B2-AFFC-685DACC4A847}">
   <ds:schemaRefs>
     <ds:schemaRef ds:uri="44a56295-c29e-4898-8136-a54736c65b82"/>
@@ -38468,18 +38482,35 @@
 </ds:datastoreItem>
 </file>
 
+<file path=customXml/itemProps2.xml><?xml version="1.0" encoding="utf-8"?>
+<ds:datastoreItem xmlns:ds="http://schemas.openxmlformats.org/officeDocument/2006/customXml" ds:itemID="{8E7055A9-979E-42E4-8AE4-11D4A57371C1}">
+  <ds:schemaRefs>
+    <ds:schemaRef ds:uri="44a56295-c29e-4898-8136-a54736c65b82"/>
+    <ds:schemaRef ds:uri="9675ef8f-b755-4cd6-a742-8cae3d86c4fe"/>
+    <ds:schemaRef ds:uri="http://purl.org/dc/dcmitype/"/>
+    <ds:schemaRef ds:uri="http://purl.org/dc/elements/1.1/"/>
+    <ds:schemaRef ds:uri="http://purl.org/dc/terms/"/>
+    <ds:schemaRef ds:uri="http://schemas.microsoft.com/office/2006/documentManagement/types"/>
+    <ds:schemaRef ds:uri="http://schemas.microsoft.com/office/2006/metadata/properties"/>
+    <ds:schemaRef ds:uri="http://schemas.microsoft.com/office/infopath/2007/PartnerControls"/>
+    <ds:schemaRef ds:uri="http://schemas.openxmlformats.org/package/2006/metadata/core-properties"/>
+    <ds:schemaRef ds:uri="http://www.w3.org/XML/1998/namespace"/>
+  </ds:schemaRefs>
+</ds:datastoreItem>
+</file>
+
 <file path=customXml/itemProps3.xml><?xml version="1.0" encoding="utf-8"?>
+<ds:datastoreItem xmlns:ds="http://schemas.openxmlformats.org/officeDocument/2006/customXml" ds:itemID="{3D9D9437-4660-4E6E-9349-9C8386915BD1}">
+  <ds:schemaRefs>
+    <ds:schemaRef ds:uri="Microsoft.SharePoint.Taxonomy.ContentTypeSync"/>
+  </ds:schemaRefs>
+</ds:datastoreItem>
+</file>
+
+<file path=customXml/itemProps4.xml><?xml version="1.0" encoding="utf-8"?>
 <ds:datastoreItem xmlns:ds="http://schemas.openxmlformats.org/officeDocument/2006/customXml" ds:itemID="{CCB085B9-8EF5-4B2C-B089-029492EC23AC}">
   <ds:schemaRefs>
     <ds:schemaRef ds:uri="http://schemas.microsoft.com/sharepoint/v3/contenttype/forms"/>
   </ds:schemaRefs>
 </ds:datastoreItem>
-</file>
-
-<file path=customXml/itemProps4.xml><?xml version="1.0" encoding="utf-8"?>
-<ds:datastoreItem xmlns:ds="http://schemas.openxmlformats.org/officeDocument/2006/customXml" ds:itemID="{3D9D9437-4660-4E6E-9349-9C8386915BD1}">
-  <ds:schemaRefs>
-    <ds:schemaRef ds:uri="Microsoft.SharePoint.Taxonomy.ContentTypeSync"/>
-  </ds:schemaRefs>
-</ds:datastoreItem>
 </file>